--- a/others/PHP-Ch4a.pptx
+++ b/others/PHP-Ch4a.pptx
@@ -5,10 +5,10 @@
     <p:sldMasterId id="2147483649" r:id="rId1"/>
   </p:sldMasterIdLst>
   <p:notesMasterIdLst>
-    <p:notesMasterId r:id="rId26"/>
+    <p:notesMasterId r:id="rId27"/>
   </p:notesMasterIdLst>
   <p:handoutMasterIdLst>
-    <p:handoutMasterId r:id="rId27"/>
+    <p:handoutMasterId r:id="rId28"/>
   </p:handoutMasterIdLst>
   <p:sldIdLst>
     <p:sldId id="309" r:id="rId2"/>
@@ -29,12 +29,13 @@
     <p:sldId id="435" r:id="rId17"/>
     <p:sldId id="440" r:id="rId18"/>
     <p:sldId id="447" r:id="rId19"/>
-    <p:sldId id="436" r:id="rId20"/>
-    <p:sldId id="437" r:id="rId21"/>
-    <p:sldId id="438" r:id="rId22"/>
-    <p:sldId id="445" r:id="rId23"/>
-    <p:sldId id="446" r:id="rId24"/>
-    <p:sldId id="306" r:id="rId25"/>
+    <p:sldId id="448" r:id="rId20"/>
+    <p:sldId id="436" r:id="rId21"/>
+    <p:sldId id="437" r:id="rId22"/>
+    <p:sldId id="438" r:id="rId23"/>
+    <p:sldId id="445" r:id="rId24"/>
+    <p:sldId id="446" r:id="rId25"/>
+    <p:sldId id="306" r:id="rId26"/>
   </p:sldIdLst>
   <p:sldSz cx="9144000" cy="6858000" type="screen4x3"/>
   <p:notesSz cx="6858000" cy="9144000"/>
@@ -279,7 +280,7 @@
               <a:pPr>
                 <a:defRPr/>
               </a:pPr>
-              <a:t>11/8/2021</a:t>
+              <a:t>11/10/2021</a:t>
             </a:fld>
             <a:endParaRPr lang="en-US"/>
           </a:p>
@@ -6525,7 +6526,7 @@
         </p:nvSpPr>
         <p:spPr>
           <a:xfrm>
-            <a:off x="685800" y="1524000"/>
+            <a:off x="685800" y="1066800"/>
             <a:ext cx="7924800" cy="4572000"/>
           </a:xfrm>
         </p:spPr>
@@ -6751,6 +6752,11 @@
               </a:rPr>
               <a:t>  </a:t>
             </a:r>
+          </a:p>
+          <a:p>
+            <a:pPr marL="0" indent="0">
+              <a:buNone/>
+            </a:pPr>
             <a:r>
               <a:rPr lang="en-US" sz="1600" b="0" i="0" dirty="0">
                 <a:solidFill>
@@ -6815,6 +6821,11 @@
               </a:rPr>
               <a:t>  echo "Connected successfully";</a:t>
             </a:r>
+          </a:p>
+          <a:p>
+            <a:pPr marL="0" indent="0">
+              <a:buNone/>
+            </a:pPr>
             <a:br>
               <a:rPr lang="en-US" sz="1600" dirty="0"/>
             </a:br>
@@ -7250,7 +7261,7 @@
               <a:rPr lang="en-US" sz="2000" dirty="0">
                 <a:latin typeface="Consolas" panose="020B0609020204030204" pitchFamily="49" charset="0"/>
               </a:rPr>
-              <a:t>    $query = $</a:t>
+              <a:t>    $result = $</a:t>
             </a:r>
             <a:r>
               <a:rPr lang="en-US" sz="2000" dirty="0" err="1">
@@ -7322,7 +7333,7 @@
               <a:rPr lang="en-US" sz="2000" dirty="0">
                 <a:latin typeface="Consolas" panose="020B0609020204030204" pitchFamily="49" charset="0"/>
               </a:rPr>
-              <a:t>    $products = $query-&gt;</a:t>
+              <a:t>    $products = $result-&gt;</a:t>
             </a:r>
             <a:r>
               <a:rPr lang="en-US" sz="2000" dirty="0" err="1">
@@ -7531,7 +7542,7 @@
                   <a:srgbClr val="0033CC"/>
                 </a:solidFill>
               </a:rPr>
-              <a:t>#Example 4-2</a:t>
+              <a:t>#Example 4-1</a:t>
             </a:r>
             <a:endParaRPr lang="en-US" dirty="0"/>
           </a:p>
@@ -7947,7 +7958,7 @@
           <p:cNvPr id="2" name="Title 1">
             <a:extLst>
               <a:ext uri="{FF2B5EF4-FFF2-40B4-BE49-F238E27FC236}">
-                <a16:creationId xmlns:a16="http://schemas.microsoft.com/office/drawing/2014/main" id="{15E7DD9F-2E6B-4B54-B432-96544B2DC024}"/>
+                <a16:creationId xmlns:a16="http://schemas.microsoft.com/office/drawing/2014/main" id="{35F12707-114E-48E3-BA30-AC4EE3B748C6}"/>
               </a:ext>
             </a:extLst>
           </p:cNvPr>
@@ -7964,9 +7975,14 @@
           <a:lstStyle/>
           <a:p>
             <a:r>
-              <a:rPr lang="en-US" dirty="0"/>
-              <a:t>INSERT Data</a:t>
-            </a:r>
+              <a:rPr lang="en-US" b="1" dirty="0">
+                <a:solidFill>
+                  <a:srgbClr val="0033CC"/>
+                </a:solidFill>
+              </a:rPr>
+              <a:t>#Example 4-3</a:t>
+            </a:r>
+            <a:endParaRPr lang="en-US" dirty="0"/>
           </a:p>
         </p:txBody>
       </p:sp>
@@ -7975,7 +7991,7 @@
           <p:cNvPr id="3" name="Content Placeholder 2">
             <a:extLst>
               <a:ext uri="{FF2B5EF4-FFF2-40B4-BE49-F238E27FC236}">
-                <a16:creationId xmlns:a16="http://schemas.microsoft.com/office/drawing/2014/main" id="{FB605F30-7EBD-4035-AEBC-3FC96447EAF6}"/>
+                <a16:creationId xmlns:a16="http://schemas.microsoft.com/office/drawing/2014/main" id="{138B178F-A9B2-4F67-8C6E-F193C7296979}"/>
               </a:ext>
             </a:extLst>
           </p:cNvPr>
@@ -7991,7 +8007,53 @@
           <a:bodyPr/>
           <a:lstStyle/>
           <a:p>
-            <a:endParaRPr lang="en-US"/>
+            <a:pPr marL="0" indent="0">
+              <a:buNone/>
+            </a:pPr>
+            <a:r>
+              <a:rPr lang="en-US" sz="2400" b="1" dirty="0"/>
+              <a:t>Requirements:</a:t>
+            </a:r>
+          </a:p>
+          <a:p>
+            <a:pPr marL="0" indent="0">
+              <a:buNone/>
+            </a:pPr>
+            <a:r>
+              <a:rPr lang="en-US" sz="2400" dirty="0"/>
+              <a:t>Create a categories table and make a relationship with products table</a:t>
+            </a:r>
+          </a:p>
+          <a:p>
+            <a:pPr marL="0" indent="0">
+              <a:buNone/>
+            </a:pPr>
+            <a:endParaRPr lang="en-US" sz="2400" dirty="0"/>
+          </a:p>
+          <a:p>
+            <a:pPr marL="0" indent="0">
+              <a:buNone/>
+            </a:pPr>
+            <a:r>
+              <a:rPr lang="en-US" sz="2400" dirty="0"/>
+              <a:t>Write a PHP script to connect to database and show all products table records in a table order by category id.</a:t>
+            </a:r>
+          </a:p>
+          <a:p>
+            <a:pPr marL="0" indent="0">
+              <a:buNone/>
+            </a:pPr>
+            <a:endParaRPr lang="en-US" sz="2400" dirty="0"/>
+          </a:p>
+          <a:p>
+            <a:r>
+              <a:rPr lang="en-US" sz="2400" dirty="0"/>
+              <a:t>See it on </a:t>
+            </a:r>
+            <a:r>
+              <a:rPr lang="en-US" sz="2400" b="1" dirty="0"/>
+              <a:t>GitHub</a:t>
+            </a:r>
           </a:p>
         </p:txBody>
       </p:sp>
@@ -8000,7 +8062,7 @@
           <p:cNvPr id="4" name="Date Placeholder 3">
             <a:extLst>
               <a:ext uri="{FF2B5EF4-FFF2-40B4-BE49-F238E27FC236}">
-                <a16:creationId xmlns:a16="http://schemas.microsoft.com/office/drawing/2014/main" id="{3C808CF2-0E82-4889-981E-9276390B253A}"/>
+                <a16:creationId xmlns:a16="http://schemas.microsoft.com/office/drawing/2014/main" id="{C00B316C-9F11-41E1-A762-AB675A00184F}"/>
               </a:ext>
             </a:extLst>
           </p:cNvPr>
@@ -8032,7 +8094,7 @@
           <p:cNvPr id="5" name="Footer Placeholder 4">
             <a:extLst>
               <a:ext uri="{FF2B5EF4-FFF2-40B4-BE49-F238E27FC236}">
-                <a16:creationId xmlns:a16="http://schemas.microsoft.com/office/drawing/2014/main" id="{619F73DA-0089-4904-9B5B-3156D5559DDC}"/>
+                <a16:creationId xmlns:a16="http://schemas.microsoft.com/office/drawing/2014/main" id="{A60E06D2-84AD-485E-BBDA-DEA27B153696}"/>
               </a:ext>
             </a:extLst>
           </p:cNvPr>
@@ -8063,7 +8125,7 @@
           <p:cNvPr id="6" name="Slide Number Placeholder 5">
             <a:extLst>
               <a:ext uri="{FF2B5EF4-FFF2-40B4-BE49-F238E27FC236}">
-                <a16:creationId xmlns:a16="http://schemas.microsoft.com/office/drawing/2014/main" id="{F793E259-D6AC-45A3-877D-F68CDDFD180A}"/>
+                <a16:creationId xmlns:a16="http://schemas.microsoft.com/office/drawing/2014/main" id="{919794D0-75F6-4155-9A00-30BD0E3E01D9}"/>
               </a:ext>
             </a:extLst>
           </p:cNvPr>
@@ -8098,7 +8160,7 @@
     </p:spTree>
     <p:extLst>
       <p:ext uri="{BB962C8B-B14F-4D97-AF65-F5344CB8AC3E}">
-        <p14:creationId xmlns:p14="http://schemas.microsoft.com/office/powerpoint/2010/main" val="3333412553"/>
+        <p14:creationId xmlns:p14="http://schemas.microsoft.com/office/powerpoint/2010/main" val="3094520539"/>
       </p:ext>
     </p:extLst>
   </p:cSld>
@@ -8434,7 +8496,7 @@
           <p:cNvPr id="2" name="Title 1">
             <a:extLst>
               <a:ext uri="{FF2B5EF4-FFF2-40B4-BE49-F238E27FC236}">
-                <a16:creationId xmlns:a16="http://schemas.microsoft.com/office/drawing/2014/main" id="{C796BF8E-0DD3-4A64-B37A-5AE4342EC34B}"/>
+                <a16:creationId xmlns:a16="http://schemas.microsoft.com/office/drawing/2014/main" id="{15E7DD9F-2E6B-4B54-B432-96544B2DC024}"/>
               </a:ext>
             </a:extLst>
           </p:cNvPr>
@@ -8452,7 +8514,7 @@
           <a:p>
             <a:r>
               <a:rPr lang="en-US" dirty="0"/>
-              <a:t>UPDATE Data</a:t>
+              <a:t>INSERT Data</a:t>
             </a:r>
           </a:p>
         </p:txBody>
@@ -8462,7 +8524,7 @@
           <p:cNvPr id="3" name="Content Placeholder 2">
             <a:extLst>
               <a:ext uri="{FF2B5EF4-FFF2-40B4-BE49-F238E27FC236}">
-                <a16:creationId xmlns:a16="http://schemas.microsoft.com/office/drawing/2014/main" id="{CE08E4A6-5B68-4202-9408-3D2A826E258F}"/>
+                <a16:creationId xmlns:a16="http://schemas.microsoft.com/office/drawing/2014/main" id="{FB605F30-7EBD-4035-AEBC-3FC96447EAF6}"/>
               </a:ext>
             </a:extLst>
           </p:cNvPr>
@@ -8487,7 +8549,7 @@
           <p:cNvPr id="4" name="Date Placeholder 3">
             <a:extLst>
               <a:ext uri="{FF2B5EF4-FFF2-40B4-BE49-F238E27FC236}">
-                <a16:creationId xmlns:a16="http://schemas.microsoft.com/office/drawing/2014/main" id="{6E0E3AA6-C118-4805-A2FF-A42512F4E0FD}"/>
+                <a16:creationId xmlns:a16="http://schemas.microsoft.com/office/drawing/2014/main" id="{3C808CF2-0E82-4889-981E-9276390B253A}"/>
               </a:ext>
             </a:extLst>
           </p:cNvPr>
@@ -8519,7 +8581,7 @@
           <p:cNvPr id="5" name="Footer Placeholder 4">
             <a:extLst>
               <a:ext uri="{FF2B5EF4-FFF2-40B4-BE49-F238E27FC236}">
-                <a16:creationId xmlns:a16="http://schemas.microsoft.com/office/drawing/2014/main" id="{F9E01837-AF08-4956-9261-992CDC2B04CD}"/>
+                <a16:creationId xmlns:a16="http://schemas.microsoft.com/office/drawing/2014/main" id="{619F73DA-0089-4904-9B5B-3156D5559DDC}"/>
               </a:ext>
             </a:extLst>
           </p:cNvPr>
@@ -8550,7 +8612,7 @@
           <p:cNvPr id="6" name="Slide Number Placeholder 5">
             <a:extLst>
               <a:ext uri="{FF2B5EF4-FFF2-40B4-BE49-F238E27FC236}">
-                <a16:creationId xmlns:a16="http://schemas.microsoft.com/office/drawing/2014/main" id="{E0E736DE-4B0C-4942-8249-C916344BB3E8}"/>
+                <a16:creationId xmlns:a16="http://schemas.microsoft.com/office/drawing/2014/main" id="{F793E259-D6AC-45A3-877D-F68CDDFD180A}"/>
               </a:ext>
             </a:extLst>
           </p:cNvPr>
@@ -8585,7 +8647,7 @@
     </p:spTree>
     <p:extLst>
       <p:ext uri="{BB962C8B-B14F-4D97-AF65-F5344CB8AC3E}">
-        <p14:creationId xmlns:p14="http://schemas.microsoft.com/office/powerpoint/2010/main" val="3738261169"/>
+        <p14:creationId xmlns:p14="http://schemas.microsoft.com/office/powerpoint/2010/main" val="3333412553"/>
       </p:ext>
     </p:extLst>
   </p:cSld>
@@ -8617,7 +8679,7 @@
           <p:cNvPr id="2" name="Title 1">
             <a:extLst>
               <a:ext uri="{FF2B5EF4-FFF2-40B4-BE49-F238E27FC236}">
-                <a16:creationId xmlns:a16="http://schemas.microsoft.com/office/drawing/2014/main" id="{D8027D32-8250-488A-8165-FDF5598269A8}"/>
+                <a16:creationId xmlns:a16="http://schemas.microsoft.com/office/drawing/2014/main" id="{C796BF8E-0DD3-4A64-B37A-5AE4342EC34B}"/>
               </a:ext>
             </a:extLst>
           </p:cNvPr>
@@ -8635,7 +8697,7 @@
           <a:p>
             <a:r>
               <a:rPr lang="en-US" dirty="0"/>
-              <a:t>DELETE Data</a:t>
+              <a:t>UPDATE Data</a:t>
             </a:r>
           </a:p>
         </p:txBody>
@@ -8645,7 +8707,7 @@
           <p:cNvPr id="3" name="Content Placeholder 2">
             <a:extLst>
               <a:ext uri="{FF2B5EF4-FFF2-40B4-BE49-F238E27FC236}">
-                <a16:creationId xmlns:a16="http://schemas.microsoft.com/office/drawing/2014/main" id="{7285B70D-73D8-4164-93C5-6D0FED2C6A47}"/>
+                <a16:creationId xmlns:a16="http://schemas.microsoft.com/office/drawing/2014/main" id="{CE08E4A6-5B68-4202-9408-3D2A826E258F}"/>
               </a:ext>
             </a:extLst>
           </p:cNvPr>
@@ -8670,7 +8732,7 @@
           <p:cNvPr id="4" name="Date Placeholder 3">
             <a:extLst>
               <a:ext uri="{FF2B5EF4-FFF2-40B4-BE49-F238E27FC236}">
-                <a16:creationId xmlns:a16="http://schemas.microsoft.com/office/drawing/2014/main" id="{8476093F-0A5C-488F-AF7C-F52DC1A2285C}"/>
+                <a16:creationId xmlns:a16="http://schemas.microsoft.com/office/drawing/2014/main" id="{6E0E3AA6-C118-4805-A2FF-A42512F4E0FD}"/>
               </a:ext>
             </a:extLst>
           </p:cNvPr>
@@ -8702,7 +8764,7 @@
           <p:cNvPr id="5" name="Footer Placeholder 4">
             <a:extLst>
               <a:ext uri="{FF2B5EF4-FFF2-40B4-BE49-F238E27FC236}">
-                <a16:creationId xmlns:a16="http://schemas.microsoft.com/office/drawing/2014/main" id="{280C1D1E-7A05-4EAE-A9E5-533846AE91C5}"/>
+                <a16:creationId xmlns:a16="http://schemas.microsoft.com/office/drawing/2014/main" id="{F9E01837-AF08-4956-9261-992CDC2B04CD}"/>
               </a:ext>
             </a:extLst>
           </p:cNvPr>
@@ -8733,7 +8795,7 @@
           <p:cNvPr id="6" name="Slide Number Placeholder 5">
             <a:extLst>
               <a:ext uri="{FF2B5EF4-FFF2-40B4-BE49-F238E27FC236}">
-                <a16:creationId xmlns:a16="http://schemas.microsoft.com/office/drawing/2014/main" id="{A30A94AA-C698-4467-812A-2865A39C09A6}"/>
+                <a16:creationId xmlns:a16="http://schemas.microsoft.com/office/drawing/2014/main" id="{E0E736DE-4B0C-4942-8249-C916344BB3E8}"/>
               </a:ext>
             </a:extLst>
           </p:cNvPr>
@@ -8768,7 +8830,7 @@
     </p:spTree>
     <p:extLst>
       <p:ext uri="{BB962C8B-B14F-4D97-AF65-F5344CB8AC3E}">
-        <p14:creationId xmlns:p14="http://schemas.microsoft.com/office/powerpoint/2010/main" val="2711312015"/>
+        <p14:creationId xmlns:p14="http://schemas.microsoft.com/office/powerpoint/2010/main" val="3738261169"/>
       </p:ext>
     </p:extLst>
   </p:cSld>
@@ -8800,7 +8862,7 @@
           <p:cNvPr id="2" name="Title 1">
             <a:extLst>
               <a:ext uri="{FF2B5EF4-FFF2-40B4-BE49-F238E27FC236}">
-                <a16:creationId xmlns:a16="http://schemas.microsoft.com/office/drawing/2014/main" id="{F89016AC-73C8-4CE2-B9A7-CCA7304B3385}"/>
+                <a16:creationId xmlns:a16="http://schemas.microsoft.com/office/drawing/2014/main" id="{D8027D32-8250-488A-8165-FDF5598269A8}"/>
               </a:ext>
             </a:extLst>
           </p:cNvPr>
@@ -8817,12 +8879,8 @@
           <a:lstStyle/>
           <a:p>
             <a:r>
-              <a:rPr lang="en-US" dirty="0" err="1"/>
-              <a:t>config.php</a:t>
-            </a:r>
-            <a:r>
               <a:rPr lang="en-US" dirty="0"/>
-              <a:t> file</a:t>
+              <a:t>DELETE Data</a:t>
             </a:r>
           </a:p>
         </p:txBody>
@@ -8832,7 +8890,7 @@
           <p:cNvPr id="3" name="Content Placeholder 2">
             <a:extLst>
               <a:ext uri="{FF2B5EF4-FFF2-40B4-BE49-F238E27FC236}">
-                <a16:creationId xmlns:a16="http://schemas.microsoft.com/office/drawing/2014/main" id="{2CC3E9C6-8C6A-4036-A210-D86BFA893EAD}"/>
+                <a16:creationId xmlns:a16="http://schemas.microsoft.com/office/drawing/2014/main" id="{7285B70D-73D8-4164-93C5-6D0FED2C6A47}"/>
               </a:ext>
             </a:extLst>
           </p:cNvPr>
@@ -8848,137 +8906,7 @@
           <a:bodyPr/>
           <a:lstStyle/>
           <a:p>
-            <a:r>
-              <a:rPr lang="en-US" sz="2000" dirty="0"/>
-              <a:t>In PHP, you can create a </a:t>
-            </a:r>
-            <a:r>
-              <a:rPr lang="en-US" sz="2000" dirty="0" err="1"/>
-              <a:t>config.php</a:t>
-            </a:r>
-            <a:r>
-              <a:rPr lang="en-US" sz="2000" dirty="0"/>
-              <a:t> file and place the database parameters:</a:t>
-            </a:r>
-          </a:p>
-          <a:p>
-            <a:endParaRPr lang="en-US" sz="2000" dirty="0"/>
-          </a:p>
-          <a:p>
-            <a:pPr marL="0" indent="0">
-              <a:buNone/>
-            </a:pPr>
-            <a:r>
-              <a:rPr lang="en-US" sz="2000" dirty="0">
-                <a:solidFill>
-                  <a:srgbClr val="0033CC"/>
-                </a:solidFill>
-              </a:rPr>
-              <a:t>&lt;?php</a:t>
-            </a:r>
-          </a:p>
-          <a:p>
-            <a:pPr marL="0" indent="0">
-              <a:buNone/>
-            </a:pPr>
-            <a:r>
-              <a:rPr lang="en-US" sz="2000" dirty="0"/>
-              <a:t>$host = 'localhost';</a:t>
-            </a:r>
-          </a:p>
-          <a:p>
-            <a:pPr marL="0" indent="0">
-              <a:buNone/>
-            </a:pPr>
-            <a:r>
-              <a:rPr lang="en-US" sz="2000" dirty="0"/>
-              <a:t>$</a:t>
-            </a:r>
-            <a:r>
-              <a:rPr lang="en-US" sz="2000" dirty="0" err="1"/>
-              <a:t>db</a:t>
-            </a:r>
-            <a:r>
-              <a:rPr lang="en-US" sz="2000" dirty="0"/>
-              <a:t> = '</a:t>
-            </a:r>
-            <a:r>
-              <a:rPr lang="en-US" sz="2000" dirty="0" err="1"/>
-              <a:t>bookdb</a:t>
-            </a:r>
-            <a:r>
-              <a:rPr lang="en-US" sz="2000" dirty="0"/>
-              <a:t>';</a:t>
-            </a:r>
-          </a:p>
-          <a:p>
-            <a:pPr marL="0" indent="0">
-              <a:buNone/>
-            </a:pPr>
-            <a:r>
-              <a:rPr lang="en-US" sz="2000" dirty="0"/>
-              <a:t>$user = 'root';</a:t>
-            </a:r>
-          </a:p>
-          <a:p>
-            <a:pPr marL="0" indent="0">
-              <a:buNone/>
-            </a:pPr>
-            <a:r>
-              <a:rPr lang="en-US" sz="2000" dirty="0"/>
-              <a:t>$password = 'S@cr@t1!’;</a:t>
-            </a:r>
-          </a:p>
-          <a:p>
-            <a:pPr marL="0" indent="0">
-              <a:buNone/>
-            </a:pPr>
-            <a:r>
-              <a:rPr lang="en-US" sz="2000" dirty="0">
-                <a:solidFill>
-                  <a:srgbClr val="0033CC"/>
-                </a:solidFill>
-              </a:rPr>
-              <a:t>?&gt;</a:t>
-            </a:r>
-          </a:p>
-          <a:p>
-            <a:pPr marL="0" indent="0">
-              <a:buNone/>
-            </a:pPr>
-            <a:r>
-              <a:rPr lang="en-US" sz="2000" dirty="0">
-                <a:solidFill>
-                  <a:srgbClr val="7030A0"/>
-                </a:solidFill>
-              </a:rPr>
-              <a:t>//then in any PHP file write</a:t>
-            </a:r>
-          </a:p>
-          <a:p>
-            <a:pPr marL="0" indent="0">
-              <a:buNone/>
-            </a:pPr>
-            <a:r>
-              <a:rPr lang="en-US" sz="2000" dirty="0">
-                <a:solidFill>
-                  <a:srgbClr val="0033CC"/>
-                </a:solidFill>
-              </a:rPr>
-              <a:t>require</a:t>
-            </a:r>
-            <a:r>
-              <a:rPr lang="en-US" sz="2000" dirty="0"/>
-              <a:t> '</a:t>
-            </a:r>
-            <a:r>
-              <a:rPr lang="en-US" sz="2000" dirty="0" err="1"/>
-              <a:t>config.php</a:t>
-            </a:r>
-            <a:r>
-              <a:rPr lang="en-US" sz="2000" dirty="0"/>
-              <a:t>';</a:t>
-            </a:r>
+            <a:endParaRPr lang="en-US"/>
           </a:p>
         </p:txBody>
       </p:sp>
@@ -8987,7 +8915,7 @@
           <p:cNvPr id="4" name="Date Placeholder 3">
             <a:extLst>
               <a:ext uri="{FF2B5EF4-FFF2-40B4-BE49-F238E27FC236}">
-                <a16:creationId xmlns:a16="http://schemas.microsoft.com/office/drawing/2014/main" id="{9CE66985-E0E7-4503-AFBC-E76C82973892}"/>
+                <a16:creationId xmlns:a16="http://schemas.microsoft.com/office/drawing/2014/main" id="{8476093F-0A5C-488F-AF7C-F52DC1A2285C}"/>
               </a:ext>
             </a:extLst>
           </p:cNvPr>
@@ -9019,7 +8947,7 @@
           <p:cNvPr id="5" name="Footer Placeholder 4">
             <a:extLst>
               <a:ext uri="{FF2B5EF4-FFF2-40B4-BE49-F238E27FC236}">
-                <a16:creationId xmlns:a16="http://schemas.microsoft.com/office/drawing/2014/main" id="{FD42463A-16FD-4731-B270-68D6253C80D2}"/>
+                <a16:creationId xmlns:a16="http://schemas.microsoft.com/office/drawing/2014/main" id="{280C1D1E-7A05-4EAE-A9E5-533846AE91C5}"/>
               </a:ext>
             </a:extLst>
           </p:cNvPr>
@@ -9050,7 +8978,7 @@
           <p:cNvPr id="6" name="Slide Number Placeholder 5">
             <a:extLst>
               <a:ext uri="{FF2B5EF4-FFF2-40B4-BE49-F238E27FC236}">
-                <a16:creationId xmlns:a16="http://schemas.microsoft.com/office/drawing/2014/main" id="{364739F5-4E08-439E-A7E4-698C671077CE}"/>
+                <a16:creationId xmlns:a16="http://schemas.microsoft.com/office/drawing/2014/main" id="{A30A94AA-C698-4467-812A-2865A39C09A6}"/>
               </a:ext>
             </a:extLst>
           </p:cNvPr>
@@ -9085,7 +9013,7 @@
     </p:spTree>
     <p:extLst>
       <p:ext uri="{BB962C8B-B14F-4D97-AF65-F5344CB8AC3E}">
-        <p14:creationId xmlns:p14="http://schemas.microsoft.com/office/powerpoint/2010/main" val="493670208"/>
+        <p14:creationId xmlns:p14="http://schemas.microsoft.com/office/powerpoint/2010/main" val="2711312015"/>
       </p:ext>
     </p:extLst>
   </p:cSld>
@@ -9117,7 +9045,7 @@
           <p:cNvPr id="2" name="Title 1">
             <a:extLst>
               <a:ext uri="{FF2B5EF4-FFF2-40B4-BE49-F238E27FC236}">
-                <a16:creationId xmlns:a16="http://schemas.microsoft.com/office/drawing/2014/main" id="{E7196D3D-589D-4502-BC16-BA5AA2FB28F2}"/>
+                <a16:creationId xmlns:a16="http://schemas.microsoft.com/office/drawing/2014/main" id="{F89016AC-73C8-4CE2-B9A7-CCA7304B3385}"/>
               </a:ext>
             </a:extLst>
           </p:cNvPr>
@@ -9134,10 +9062,6 @@
           <a:lstStyle/>
           <a:p>
             <a:r>
-              <a:rPr lang="en-US" dirty="0"/>
-              <a:t>Connecting to MySQL using </a:t>
-            </a:r>
-            <a:r>
               <a:rPr lang="en-US" dirty="0" err="1"/>
               <a:t>config.php</a:t>
             </a:r>
@@ -9153,7 +9077,7 @@
           <p:cNvPr id="3" name="Content Placeholder 2">
             <a:extLst>
               <a:ext uri="{FF2B5EF4-FFF2-40B4-BE49-F238E27FC236}">
-                <a16:creationId xmlns:a16="http://schemas.microsoft.com/office/drawing/2014/main" id="{390DDDD0-D59E-4949-98C1-9CECB4426A9D}"/>
+                <a16:creationId xmlns:a16="http://schemas.microsoft.com/office/drawing/2014/main" id="{2CC3E9C6-8C6A-4036-A210-D86BFA893EAD}"/>
               </a:ext>
             </a:extLst>
           </p:cNvPr>
@@ -9169,36 +9093,9 @@
           <a:bodyPr/>
           <a:lstStyle/>
           <a:p>
-            <a:pPr marL="0" indent="0">
-              <a:spcBef>
-                <a:spcPts val="0"/>
-              </a:spcBef>
-              <a:buNone/>
-            </a:pPr>
             <a:r>
               <a:rPr lang="en-US" sz="2000" dirty="0"/>
-              <a:t>&lt;?php</a:t>
-            </a:r>
-          </a:p>
-          <a:p>
-            <a:pPr marL="0" indent="0">
-              <a:spcBef>
-                <a:spcPts val="0"/>
-              </a:spcBef>
-              <a:buNone/>
-            </a:pPr>
-            <a:endParaRPr lang="en-US" sz="2000" dirty="0"/>
-          </a:p>
-          <a:p>
-            <a:pPr marL="0" indent="0">
-              <a:spcBef>
-                <a:spcPts val="0"/>
-              </a:spcBef>
-              <a:buNone/>
-            </a:pPr>
-            <a:r>
-              <a:rPr lang="en-US" sz="2000" dirty="0"/>
-              <a:t>require '</a:t>
+              <a:t>In PHP, you can create a </a:t>
             </a:r>
             <a:r>
               <a:rPr lang="en-US" sz="2000" dirty="0" err="1"/>
@@ -9206,23 +9103,36 @@
             </a:r>
             <a:r>
               <a:rPr lang="en-US" sz="2000" dirty="0"/>
-              <a:t>';</a:t>
-            </a:r>
+              <a:t> file and place the database parameters:</a:t>
+            </a:r>
+          </a:p>
+          <a:p>
+            <a:endParaRPr lang="en-US" sz="2000" dirty="0"/>
           </a:p>
           <a:p>
             <a:pPr marL="0" indent="0">
-              <a:spcBef>
-                <a:spcPts val="0"/>
-              </a:spcBef>
               <a:buNone/>
             </a:pPr>
-            <a:endParaRPr lang="en-US" sz="2000" dirty="0"/>
+            <a:r>
+              <a:rPr lang="en-US" sz="2000" dirty="0">
+                <a:solidFill>
+                  <a:srgbClr val="0033CC"/>
+                </a:solidFill>
+              </a:rPr>
+              <a:t>&lt;?php</a:t>
+            </a:r>
           </a:p>
           <a:p>
             <a:pPr marL="0" indent="0">
-              <a:spcBef>
-                <a:spcPts val="0"/>
-              </a:spcBef>
+              <a:buNone/>
+            </a:pPr>
+            <a:r>
+              <a:rPr lang="en-US" sz="2000" dirty="0"/>
+              <a:t>$host = 'localhost';</a:t>
+            </a:r>
+          </a:p>
+          <a:p>
+            <a:pPr marL="0" indent="0">
               <a:buNone/>
             </a:pPr>
             <a:r>
@@ -9231,197 +9141,88 @@
             </a:r>
             <a:r>
               <a:rPr lang="en-US" sz="2000" dirty="0" err="1"/>
-              <a:t>dsn</a:t>
+              <a:t>db</a:t>
             </a:r>
             <a:r>
               <a:rPr lang="en-US" sz="2000" dirty="0"/>
-              <a:t> = "</a:t>
+              <a:t> = '</a:t>
             </a:r>
             <a:r>
               <a:rPr lang="en-US" sz="2000" dirty="0" err="1"/>
-              <a:t>mysql:host</a:t>
+              <a:t>bookdb</a:t>
             </a:r>
             <a:r>
               <a:rPr lang="en-US" sz="2000" dirty="0"/>
-              <a:t>=$</a:t>
+              <a:t>';</a:t>
+            </a:r>
+          </a:p>
+          <a:p>
+            <a:pPr marL="0" indent="0">
+              <a:buNone/>
+            </a:pPr>
+            <a:r>
+              <a:rPr lang="en-US" sz="2000" dirty="0"/>
+              <a:t>$user = 'root';</a:t>
+            </a:r>
+          </a:p>
+          <a:p>
+            <a:pPr marL="0" indent="0">
+              <a:buNone/>
+            </a:pPr>
+            <a:r>
+              <a:rPr lang="en-US" sz="2000" dirty="0"/>
+              <a:t>$password = 'S@cr@t1!’;</a:t>
+            </a:r>
+          </a:p>
+          <a:p>
+            <a:pPr marL="0" indent="0">
+              <a:buNone/>
+            </a:pPr>
+            <a:r>
+              <a:rPr lang="en-US" sz="2000" dirty="0">
+                <a:solidFill>
+                  <a:srgbClr val="0033CC"/>
+                </a:solidFill>
+              </a:rPr>
+              <a:t>?&gt;</a:t>
+            </a:r>
+          </a:p>
+          <a:p>
+            <a:pPr marL="0" indent="0">
+              <a:buNone/>
+            </a:pPr>
+            <a:r>
+              <a:rPr lang="en-US" sz="2000" dirty="0">
+                <a:solidFill>
+                  <a:srgbClr val="7030A0"/>
+                </a:solidFill>
+              </a:rPr>
+              <a:t>//then in any PHP file write</a:t>
+            </a:r>
+          </a:p>
+          <a:p>
+            <a:pPr marL="0" indent="0">
+              <a:buNone/>
+            </a:pPr>
+            <a:r>
+              <a:rPr lang="en-US" sz="2000" dirty="0">
+                <a:solidFill>
+                  <a:srgbClr val="0033CC"/>
+                </a:solidFill>
+              </a:rPr>
+              <a:t>require</a:t>
+            </a:r>
+            <a:r>
+              <a:rPr lang="en-US" sz="2000" dirty="0"/>
+              <a:t> '</a:t>
             </a:r>
             <a:r>
               <a:rPr lang="en-US" sz="2000" dirty="0" err="1"/>
-              <a:t>host;dbname</a:t>
+              <a:t>config.php</a:t>
             </a:r>
             <a:r>
               <a:rPr lang="en-US" sz="2000" dirty="0"/>
-              <a:t>=$</a:t>
-            </a:r>
-            <a:r>
-              <a:rPr lang="en-US" sz="2000" dirty="0" err="1"/>
-              <a:t>db;charset</a:t>
-            </a:r>
-            <a:r>
-              <a:rPr lang="en-US" sz="2000" dirty="0"/>
-              <a:t>=UTF8";</a:t>
-            </a:r>
-          </a:p>
-          <a:p>
-            <a:pPr marL="0" indent="0">
-              <a:spcBef>
-                <a:spcPts val="0"/>
-              </a:spcBef>
-              <a:buNone/>
-            </a:pPr>
-            <a:endParaRPr lang="en-US" sz="2000" dirty="0"/>
-          </a:p>
-          <a:p>
-            <a:pPr marL="0" indent="0">
-              <a:spcBef>
-                <a:spcPts val="0"/>
-              </a:spcBef>
-              <a:buNone/>
-            </a:pPr>
-            <a:r>
-              <a:rPr lang="en-US" sz="2000" dirty="0"/>
-              <a:t>try {</a:t>
-            </a:r>
-          </a:p>
-          <a:p>
-            <a:pPr marL="0" indent="0">
-              <a:spcBef>
-                <a:spcPts val="0"/>
-              </a:spcBef>
-              <a:buNone/>
-            </a:pPr>
-            <a:r>
-              <a:rPr lang="en-US" sz="2000" dirty="0"/>
-              <a:t>	$</a:t>
-            </a:r>
-            <a:r>
-              <a:rPr lang="en-US" sz="2000" dirty="0" err="1"/>
-              <a:t>pdo</a:t>
-            </a:r>
-            <a:r>
-              <a:rPr lang="en-US" sz="2000" dirty="0"/>
-              <a:t> = new PDO($</a:t>
-            </a:r>
-            <a:r>
-              <a:rPr lang="en-US" sz="2000" dirty="0" err="1"/>
-              <a:t>dsn</a:t>
-            </a:r>
-            <a:r>
-              <a:rPr lang="en-US" sz="2000" dirty="0"/>
-              <a:t>, $user, $password);</a:t>
-            </a:r>
-          </a:p>
-          <a:p>
-            <a:pPr marL="0" indent="0">
-              <a:spcBef>
-                <a:spcPts val="0"/>
-              </a:spcBef>
-              <a:buNone/>
-            </a:pPr>
-            <a:endParaRPr lang="en-US" sz="2000" dirty="0"/>
-          </a:p>
-          <a:p>
-            <a:pPr marL="0" indent="0">
-              <a:spcBef>
-                <a:spcPts val="0"/>
-              </a:spcBef>
-              <a:buNone/>
-            </a:pPr>
-            <a:r>
-              <a:rPr lang="en-US" sz="2000" dirty="0"/>
-              <a:t>	if ($</a:t>
-            </a:r>
-            <a:r>
-              <a:rPr lang="en-US" sz="2000" dirty="0" err="1"/>
-              <a:t>pdo</a:t>
-            </a:r>
-            <a:r>
-              <a:rPr lang="en-US" sz="2000" dirty="0"/>
-              <a:t>) {</a:t>
-            </a:r>
-          </a:p>
-          <a:p>
-            <a:pPr marL="0" indent="0">
-              <a:spcBef>
-                <a:spcPts val="0"/>
-              </a:spcBef>
-              <a:buNone/>
-            </a:pPr>
-            <a:r>
-              <a:rPr lang="en-US" sz="2000" dirty="0"/>
-              <a:t>		echo "Connected to the $</a:t>
-            </a:r>
-            <a:r>
-              <a:rPr lang="en-US" sz="2000" dirty="0" err="1"/>
-              <a:t>db</a:t>
-            </a:r>
-            <a:r>
-              <a:rPr lang="en-US" sz="2000" dirty="0"/>
-              <a:t> database successfully!";</a:t>
-            </a:r>
-          </a:p>
-          <a:p>
-            <a:pPr marL="0" indent="0">
-              <a:spcBef>
-                <a:spcPts val="0"/>
-              </a:spcBef>
-              <a:buNone/>
-            </a:pPr>
-            <a:r>
-              <a:rPr lang="en-US" sz="2000" dirty="0"/>
-              <a:t>	}</a:t>
-            </a:r>
-          </a:p>
-          <a:p>
-            <a:pPr marL="0" indent="0">
-              <a:spcBef>
-                <a:spcPts val="0"/>
-              </a:spcBef>
-              <a:buNone/>
-            </a:pPr>
-            <a:r>
-              <a:rPr lang="en-US" sz="2000" dirty="0"/>
-              <a:t>} catch (</a:t>
-            </a:r>
-            <a:r>
-              <a:rPr lang="en-US" sz="2000" dirty="0" err="1"/>
-              <a:t>PDOException</a:t>
-            </a:r>
-            <a:r>
-              <a:rPr lang="en-US" sz="2000" dirty="0"/>
-              <a:t> $e) {</a:t>
-            </a:r>
-          </a:p>
-          <a:p>
-            <a:pPr marL="0" indent="0">
-              <a:spcBef>
-                <a:spcPts val="0"/>
-              </a:spcBef>
-              <a:buNone/>
-            </a:pPr>
-            <a:r>
-              <a:rPr lang="en-US" sz="2000" dirty="0"/>
-              <a:t>	echo $e-&gt;</a:t>
-            </a:r>
-            <a:r>
-              <a:rPr lang="en-US" sz="2000" dirty="0" err="1"/>
-              <a:t>getMessage</a:t>
-            </a:r>
-            <a:r>
-              <a:rPr lang="en-US" sz="2000" dirty="0"/>
-              <a:t>();</a:t>
-            </a:r>
-          </a:p>
-          <a:p>
-            <a:pPr marL="0" indent="0">
-              <a:spcBef>
-                <a:spcPts val="0"/>
-              </a:spcBef>
-              <a:buNone/>
-            </a:pPr>
-            <a:r>
-              <a:rPr lang="en-US" sz="2000" dirty="0"/>
-              <a:t>}</a:t>
+              <a:t>';</a:t>
             </a:r>
           </a:p>
         </p:txBody>
@@ -9431,7 +9232,7 @@
           <p:cNvPr id="4" name="Date Placeholder 3">
             <a:extLst>
               <a:ext uri="{FF2B5EF4-FFF2-40B4-BE49-F238E27FC236}">
-                <a16:creationId xmlns:a16="http://schemas.microsoft.com/office/drawing/2014/main" id="{F596DD99-7CFA-4427-ADD9-E7969A4D50A4}"/>
+                <a16:creationId xmlns:a16="http://schemas.microsoft.com/office/drawing/2014/main" id="{9CE66985-E0E7-4503-AFBC-E76C82973892}"/>
               </a:ext>
             </a:extLst>
           </p:cNvPr>
@@ -9463,7 +9264,7 @@
           <p:cNvPr id="5" name="Footer Placeholder 4">
             <a:extLst>
               <a:ext uri="{FF2B5EF4-FFF2-40B4-BE49-F238E27FC236}">
-                <a16:creationId xmlns:a16="http://schemas.microsoft.com/office/drawing/2014/main" id="{1A099548-54F0-4C30-B77F-5B66D68B4F18}"/>
+                <a16:creationId xmlns:a16="http://schemas.microsoft.com/office/drawing/2014/main" id="{FD42463A-16FD-4731-B270-68D6253C80D2}"/>
               </a:ext>
             </a:extLst>
           </p:cNvPr>
@@ -9494,7 +9295,7 @@
           <p:cNvPr id="6" name="Slide Number Placeholder 5">
             <a:extLst>
               <a:ext uri="{FF2B5EF4-FFF2-40B4-BE49-F238E27FC236}">
-                <a16:creationId xmlns:a16="http://schemas.microsoft.com/office/drawing/2014/main" id="{3439C147-E048-4059-8152-91782B79C783}"/>
+                <a16:creationId xmlns:a16="http://schemas.microsoft.com/office/drawing/2014/main" id="{364739F5-4E08-439E-A7E4-698C671077CE}"/>
               </a:ext>
             </a:extLst>
           </p:cNvPr>
@@ -9529,7 +9330,7 @@
     </p:spTree>
     <p:extLst>
       <p:ext uri="{BB962C8B-B14F-4D97-AF65-F5344CB8AC3E}">
-        <p14:creationId xmlns:p14="http://schemas.microsoft.com/office/powerpoint/2010/main" val="1927694663"/>
+        <p14:creationId xmlns:p14="http://schemas.microsoft.com/office/powerpoint/2010/main" val="493670208"/>
       </p:ext>
     </p:extLst>
   </p:cSld>
@@ -9558,6 +9359,450 @@
       </p:grpSpPr>
       <p:sp>
         <p:nvSpPr>
+          <p:cNvPr id="2" name="Title 1">
+            <a:extLst>
+              <a:ext uri="{FF2B5EF4-FFF2-40B4-BE49-F238E27FC236}">
+                <a16:creationId xmlns:a16="http://schemas.microsoft.com/office/drawing/2014/main" id="{E7196D3D-589D-4502-BC16-BA5AA2FB28F2}"/>
+              </a:ext>
+            </a:extLst>
+          </p:cNvPr>
+          <p:cNvSpPr>
+            <a:spLocks noGrp="1"/>
+          </p:cNvSpPr>
+          <p:nvPr>
+            <p:ph type="title"/>
+          </p:nvPr>
+        </p:nvSpPr>
+        <p:spPr/>
+        <p:txBody>
+          <a:bodyPr/>
+          <a:lstStyle/>
+          <a:p>
+            <a:r>
+              <a:rPr lang="en-US" dirty="0"/>
+              <a:t>Connecting to MySQL using </a:t>
+            </a:r>
+            <a:r>
+              <a:rPr lang="en-US" dirty="0" err="1"/>
+              <a:t>config.php</a:t>
+            </a:r>
+            <a:r>
+              <a:rPr lang="en-US" dirty="0"/>
+              <a:t> file</a:t>
+            </a:r>
+          </a:p>
+        </p:txBody>
+      </p:sp>
+      <p:sp>
+        <p:nvSpPr>
+          <p:cNvPr id="3" name="Content Placeholder 2">
+            <a:extLst>
+              <a:ext uri="{FF2B5EF4-FFF2-40B4-BE49-F238E27FC236}">
+                <a16:creationId xmlns:a16="http://schemas.microsoft.com/office/drawing/2014/main" id="{390DDDD0-D59E-4949-98C1-9CECB4426A9D}"/>
+              </a:ext>
+            </a:extLst>
+          </p:cNvPr>
+          <p:cNvSpPr>
+            <a:spLocks noGrp="1"/>
+          </p:cNvSpPr>
+          <p:nvPr>
+            <p:ph idx="1"/>
+          </p:nvPr>
+        </p:nvSpPr>
+        <p:spPr/>
+        <p:txBody>
+          <a:bodyPr/>
+          <a:lstStyle/>
+          <a:p>
+            <a:pPr marL="0" indent="0">
+              <a:spcBef>
+                <a:spcPts val="0"/>
+              </a:spcBef>
+              <a:buNone/>
+            </a:pPr>
+            <a:r>
+              <a:rPr lang="en-US" sz="2000" dirty="0"/>
+              <a:t>&lt;?php</a:t>
+            </a:r>
+          </a:p>
+          <a:p>
+            <a:pPr marL="0" indent="0">
+              <a:spcBef>
+                <a:spcPts val="0"/>
+              </a:spcBef>
+              <a:buNone/>
+            </a:pPr>
+            <a:endParaRPr lang="en-US" sz="2000" dirty="0"/>
+          </a:p>
+          <a:p>
+            <a:pPr marL="0" indent="0">
+              <a:spcBef>
+                <a:spcPts val="0"/>
+              </a:spcBef>
+              <a:buNone/>
+            </a:pPr>
+            <a:r>
+              <a:rPr lang="en-US" sz="2000" dirty="0"/>
+              <a:t>require '</a:t>
+            </a:r>
+            <a:r>
+              <a:rPr lang="en-US" sz="2000" dirty="0" err="1"/>
+              <a:t>config.php</a:t>
+            </a:r>
+            <a:r>
+              <a:rPr lang="en-US" sz="2000" dirty="0"/>
+              <a:t>';</a:t>
+            </a:r>
+          </a:p>
+          <a:p>
+            <a:pPr marL="0" indent="0">
+              <a:spcBef>
+                <a:spcPts val="0"/>
+              </a:spcBef>
+              <a:buNone/>
+            </a:pPr>
+            <a:endParaRPr lang="en-US" sz="2000" dirty="0"/>
+          </a:p>
+          <a:p>
+            <a:pPr marL="0" indent="0">
+              <a:spcBef>
+                <a:spcPts val="0"/>
+              </a:spcBef>
+              <a:buNone/>
+            </a:pPr>
+            <a:r>
+              <a:rPr lang="en-US" sz="2000" dirty="0"/>
+              <a:t>$</a:t>
+            </a:r>
+            <a:r>
+              <a:rPr lang="en-US" sz="2000" dirty="0" err="1"/>
+              <a:t>dsn</a:t>
+            </a:r>
+            <a:r>
+              <a:rPr lang="en-US" sz="2000" dirty="0"/>
+              <a:t> = "</a:t>
+            </a:r>
+            <a:r>
+              <a:rPr lang="en-US" sz="2000" dirty="0" err="1"/>
+              <a:t>mysql:host</a:t>
+            </a:r>
+            <a:r>
+              <a:rPr lang="en-US" sz="2000" dirty="0"/>
+              <a:t>=$</a:t>
+            </a:r>
+            <a:r>
+              <a:rPr lang="en-US" sz="2000" dirty="0" err="1"/>
+              <a:t>host;dbname</a:t>
+            </a:r>
+            <a:r>
+              <a:rPr lang="en-US" sz="2000" dirty="0"/>
+              <a:t>=$</a:t>
+            </a:r>
+            <a:r>
+              <a:rPr lang="en-US" sz="2000" dirty="0" err="1"/>
+              <a:t>db;charset</a:t>
+            </a:r>
+            <a:r>
+              <a:rPr lang="en-US" sz="2000" dirty="0"/>
+              <a:t>=UTF8";</a:t>
+            </a:r>
+          </a:p>
+          <a:p>
+            <a:pPr marL="0" indent="0">
+              <a:spcBef>
+                <a:spcPts val="0"/>
+              </a:spcBef>
+              <a:buNone/>
+            </a:pPr>
+            <a:endParaRPr lang="en-US" sz="2000" dirty="0"/>
+          </a:p>
+          <a:p>
+            <a:pPr marL="0" indent="0">
+              <a:spcBef>
+                <a:spcPts val="0"/>
+              </a:spcBef>
+              <a:buNone/>
+            </a:pPr>
+            <a:r>
+              <a:rPr lang="en-US" sz="2000" dirty="0"/>
+              <a:t>try {</a:t>
+            </a:r>
+          </a:p>
+          <a:p>
+            <a:pPr marL="0" indent="0">
+              <a:spcBef>
+                <a:spcPts val="0"/>
+              </a:spcBef>
+              <a:buNone/>
+            </a:pPr>
+            <a:r>
+              <a:rPr lang="en-US" sz="2000" dirty="0"/>
+              <a:t>	$</a:t>
+            </a:r>
+            <a:r>
+              <a:rPr lang="en-US" sz="2000" dirty="0" err="1"/>
+              <a:t>pdo</a:t>
+            </a:r>
+            <a:r>
+              <a:rPr lang="en-US" sz="2000" dirty="0"/>
+              <a:t> = new PDO($</a:t>
+            </a:r>
+            <a:r>
+              <a:rPr lang="en-US" sz="2000" dirty="0" err="1"/>
+              <a:t>dsn</a:t>
+            </a:r>
+            <a:r>
+              <a:rPr lang="en-US" sz="2000" dirty="0"/>
+              <a:t>, $user, $password);</a:t>
+            </a:r>
+          </a:p>
+          <a:p>
+            <a:pPr marL="0" indent="0">
+              <a:spcBef>
+                <a:spcPts val="0"/>
+              </a:spcBef>
+              <a:buNone/>
+            </a:pPr>
+            <a:endParaRPr lang="en-US" sz="2000" dirty="0"/>
+          </a:p>
+          <a:p>
+            <a:pPr marL="0" indent="0">
+              <a:spcBef>
+                <a:spcPts val="0"/>
+              </a:spcBef>
+              <a:buNone/>
+            </a:pPr>
+            <a:r>
+              <a:rPr lang="en-US" sz="2000" dirty="0"/>
+              <a:t>	if ($</a:t>
+            </a:r>
+            <a:r>
+              <a:rPr lang="en-US" sz="2000" dirty="0" err="1"/>
+              <a:t>pdo</a:t>
+            </a:r>
+            <a:r>
+              <a:rPr lang="en-US" sz="2000" dirty="0"/>
+              <a:t>) {</a:t>
+            </a:r>
+          </a:p>
+          <a:p>
+            <a:pPr marL="0" indent="0">
+              <a:spcBef>
+                <a:spcPts val="0"/>
+              </a:spcBef>
+              <a:buNone/>
+            </a:pPr>
+            <a:r>
+              <a:rPr lang="en-US" sz="2000" dirty="0"/>
+              <a:t>		echo "Connected to the $</a:t>
+            </a:r>
+            <a:r>
+              <a:rPr lang="en-US" sz="2000" dirty="0" err="1"/>
+              <a:t>db</a:t>
+            </a:r>
+            <a:r>
+              <a:rPr lang="en-US" sz="2000" dirty="0"/>
+              <a:t> database successfully!";</a:t>
+            </a:r>
+          </a:p>
+          <a:p>
+            <a:pPr marL="0" indent="0">
+              <a:spcBef>
+                <a:spcPts val="0"/>
+              </a:spcBef>
+              <a:buNone/>
+            </a:pPr>
+            <a:r>
+              <a:rPr lang="en-US" sz="2000" dirty="0"/>
+              <a:t>	}</a:t>
+            </a:r>
+          </a:p>
+          <a:p>
+            <a:pPr marL="0" indent="0">
+              <a:spcBef>
+                <a:spcPts val="0"/>
+              </a:spcBef>
+              <a:buNone/>
+            </a:pPr>
+            <a:r>
+              <a:rPr lang="en-US" sz="2000" dirty="0"/>
+              <a:t>} catch (</a:t>
+            </a:r>
+            <a:r>
+              <a:rPr lang="en-US" sz="2000" dirty="0" err="1"/>
+              <a:t>PDOException</a:t>
+            </a:r>
+            <a:r>
+              <a:rPr lang="en-US" sz="2000" dirty="0"/>
+              <a:t> $e) {</a:t>
+            </a:r>
+          </a:p>
+          <a:p>
+            <a:pPr marL="0" indent="0">
+              <a:spcBef>
+                <a:spcPts val="0"/>
+              </a:spcBef>
+              <a:buNone/>
+            </a:pPr>
+            <a:r>
+              <a:rPr lang="en-US" sz="2000" dirty="0"/>
+              <a:t>	echo $e-&gt;</a:t>
+            </a:r>
+            <a:r>
+              <a:rPr lang="en-US" sz="2000" dirty="0" err="1"/>
+              <a:t>getMessage</a:t>
+            </a:r>
+            <a:r>
+              <a:rPr lang="en-US" sz="2000" dirty="0"/>
+              <a:t>();</a:t>
+            </a:r>
+          </a:p>
+          <a:p>
+            <a:pPr marL="0" indent="0">
+              <a:spcBef>
+                <a:spcPts val="0"/>
+              </a:spcBef>
+              <a:buNone/>
+            </a:pPr>
+            <a:r>
+              <a:rPr lang="en-US" sz="2000" dirty="0"/>
+              <a:t>}</a:t>
+            </a:r>
+          </a:p>
+        </p:txBody>
+      </p:sp>
+      <p:sp>
+        <p:nvSpPr>
+          <p:cNvPr id="4" name="Date Placeholder 3">
+            <a:extLst>
+              <a:ext uri="{FF2B5EF4-FFF2-40B4-BE49-F238E27FC236}">
+                <a16:creationId xmlns:a16="http://schemas.microsoft.com/office/drawing/2014/main" id="{F596DD99-7CFA-4427-ADD9-E7969A4D50A4}"/>
+              </a:ext>
+            </a:extLst>
+          </p:cNvPr>
+          <p:cNvSpPr>
+            <a:spLocks noGrp="1"/>
+          </p:cNvSpPr>
+          <p:nvPr>
+            <p:ph type="dt" sz="half" idx="10"/>
+          </p:nvPr>
+        </p:nvSpPr>
+        <p:spPr/>
+        <p:txBody>
+          <a:bodyPr/>
+          <a:lstStyle/>
+          <a:p>
+            <a:pPr>
+              <a:defRPr/>
+            </a:pPr>
+            <a:r>
+              <a:rPr lang="en-US" altLang="en-US"/>
+              <a:t>Ch 4 - Connect PHP to Database</a:t>
+            </a:r>
+            <a:endParaRPr lang="en-US" altLang="en-US" dirty="0"/>
+          </a:p>
+        </p:txBody>
+      </p:sp>
+      <p:sp>
+        <p:nvSpPr>
+          <p:cNvPr id="5" name="Footer Placeholder 4">
+            <a:extLst>
+              <a:ext uri="{FF2B5EF4-FFF2-40B4-BE49-F238E27FC236}">
+                <a16:creationId xmlns:a16="http://schemas.microsoft.com/office/drawing/2014/main" id="{1A099548-54F0-4C30-B77F-5B66D68B4F18}"/>
+              </a:ext>
+            </a:extLst>
+          </p:cNvPr>
+          <p:cNvSpPr>
+            <a:spLocks noGrp="1"/>
+          </p:cNvSpPr>
+          <p:nvPr>
+            <p:ph type="ftr" sz="quarter" idx="11"/>
+          </p:nvPr>
+        </p:nvSpPr>
+        <p:spPr/>
+        <p:txBody>
+          <a:bodyPr/>
+          <a:lstStyle/>
+          <a:p>
+            <a:pPr>
+              <a:defRPr/>
+            </a:pPr>
+            <a:r>
+              <a:rPr lang="en-US"/>
+              <a:t>PHP Programming | Ahmad Assaf</a:t>
+            </a:r>
+          </a:p>
+        </p:txBody>
+      </p:sp>
+      <p:sp>
+        <p:nvSpPr>
+          <p:cNvPr id="6" name="Slide Number Placeholder 5">
+            <a:extLst>
+              <a:ext uri="{FF2B5EF4-FFF2-40B4-BE49-F238E27FC236}">
+                <a16:creationId xmlns:a16="http://schemas.microsoft.com/office/drawing/2014/main" id="{3439C147-E048-4059-8152-91782B79C783}"/>
+              </a:ext>
+            </a:extLst>
+          </p:cNvPr>
+          <p:cNvSpPr>
+            <a:spLocks noGrp="1"/>
+          </p:cNvSpPr>
+          <p:nvPr>
+            <p:ph type="sldNum" sz="quarter" idx="12"/>
+          </p:nvPr>
+        </p:nvSpPr>
+        <p:spPr/>
+        <p:txBody>
+          <a:bodyPr/>
+          <a:lstStyle/>
+          <a:p>
+            <a:endParaRPr lang="en-US" altLang="en-US"/>
+          </a:p>
+          <a:p>
+            <a:r>
+              <a:rPr lang="en-US" altLang="en-US"/>
+              <a:t>Slide </a:t>
+            </a:r>
+            <a:fld id="{3846139B-482C-4487-873A-80B784CA58EF}" type="slidenum">
+              <a:rPr lang="en-US" altLang="en-US" smtClean="0"/>
+              <a:pPr/>
+              <a:t>24</a:t>
+            </a:fld>
+            <a:endParaRPr lang="en-US" altLang="en-US"/>
+          </a:p>
+        </p:txBody>
+      </p:sp>
+    </p:spTree>
+    <p:extLst>
+      <p:ext uri="{BB962C8B-B14F-4D97-AF65-F5344CB8AC3E}">
+        <p14:creationId xmlns:p14="http://schemas.microsoft.com/office/powerpoint/2010/main" val="1927694663"/>
+      </p:ext>
+    </p:extLst>
+  </p:cSld>
+  <p:clrMapOvr>
+    <a:masterClrMapping/>
+  </p:clrMapOvr>
+</p:sld>
+</file>
+
+<file path=ppt/slides/slide25.xml><?xml version="1.0" encoding="utf-8"?>
+<p:sld xmlns:a="http://schemas.openxmlformats.org/drawingml/2006/main" xmlns:r="http://schemas.openxmlformats.org/officeDocument/2006/relationships" xmlns:p="http://schemas.openxmlformats.org/presentationml/2006/main">
+  <p:cSld>
+    <p:spTree>
+      <p:nvGrpSpPr>
+        <p:cNvPr id="1" name=""/>
+        <p:cNvGrpSpPr/>
+        <p:nvPr/>
+      </p:nvGrpSpPr>
+      <p:grpSpPr>
+        <a:xfrm>
+          <a:off x="0" y="0"/>
+          <a:ext cx="0" cy="0"/>
+          <a:chOff x="0" y="0"/>
+          <a:chExt cx="0" cy="0"/>
+        </a:xfrm>
+      </p:grpSpPr>
+      <p:sp>
+        <p:nvSpPr>
           <p:cNvPr id="70658" name="Title 1"/>
           <p:cNvSpPr>
             <a:spLocks noGrp="1"/>
@@ -9688,7 +9933,7 @@
             <a:fld id="{17601E1E-383D-4E6C-9094-D3473DF222B6}" type="slidenum">
               <a:rPr lang="en-US" altLang="en-US"/>
               <a:pPr/>
-              <a:t>24</a:t>
+              <a:t>25</a:t>
             </a:fld>
             <a:endParaRPr lang="en-US" altLang="en-US"/>
           </a:p>

--- a/others/PHP-Ch4a.pptx
+++ b/others/PHP-Ch4a.pptx
@@ -5,10 +5,10 @@
     <p:sldMasterId id="2147483649" r:id="rId1"/>
   </p:sldMasterIdLst>
   <p:notesMasterIdLst>
-    <p:notesMasterId r:id="rId27"/>
+    <p:notesMasterId r:id="rId34"/>
   </p:notesMasterIdLst>
   <p:handoutMasterIdLst>
-    <p:handoutMasterId r:id="rId28"/>
+    <p:handoutMasterId r:id="rId35"/>
   </p:handoutMasterIdLst>
   <p:sldIdLst>
     <p:sldId id="309" r:id="rId2"/>
@@ -29,13 +29,20 @@
     <p:sldId id="435" r:id="rId17"/>
     <p:sldId id="440" r:id="rId18"/>
     <p:sldId id="447" r:id="rId19"/>
-    <p:sldId id="448" r:id="rId20"/>
-    <p:sldId id="436" r:id="rId21"/>
-    <p:sldId id="437" r:id="rId22"/>
-    <p:sldId id="438" r:id="rId23"/>
-    <p:sldId id="445" r:id="rId24"/>
-    <p:sldId id="446" r:id="rId25"/>
-    <p:sldId id="306" r:id="rId26"/>
+    <p:sldId id="451" r:id="rId20"/>
+    <p:sldId id="452" r:id="rId21"/>
+    <p:sldId id="456" r:id="rId22"/>
+    <p:sldId id="436" r:id="rId23"/>
+    <p:sldId id="453" r:id="rId24"/>
+    <p:sldId id="437" r:id="rId25"/>
+    <p:sldId id="454" r:id="rId26"/>
+    <p:sldId id="438" r:id="rId27"/>
+    <p:sldId id="455" r:id="rId28"/>
+    <p:sldId id="449" r:id="rId29"/>
+    <p:sldId id="445" r:id="rId30"/>
+    <p:sldId id="446" r:id="rId31"/>
+    <p:sldId id="448" r:id="rId32"/>
+    <p:sldId id="306" r:id="rId33"/>
   </p:sldIdLst>
   <p:sldSz cx="9144000" cy="6858000" type="screen4x3"/>
   <p:notesSz cx="6858000" cy="9144000"/>
@@ -280,7 +287,7 @@
               <a:pPr>
                 <a:defRPr/>
               </a:pPr>
-              <a:t>11/10/2021</a:t>
+              <a:t>11/20/2021</a:t>
             </a:fld>
             <a:endParaRPr lang="en-US"/>
           </a:p>
@@ -1091,6 +1098,824 @@
     <p:extLst>
       <p:ext uri="{BB962C8B-B14F-4D97-AF65-F5344CB8AC3E}">
         <p14:creationId xmlns:p14="http://schemas.microsoft.com/office/powerpoint/2010/main" val="3174297944"/>
+      </p:ext>
+    </p:extLst>
+  </p:cSld>
+  <p:clrMapOvr>
+    <a:masterClrMapping/>
+  </p:clrMapOvr>
+</p:notes>
+</file>
+
+<file path=ppt/notesSlides/notesSlide3.xml><?xml version="1.0" encoding="utf-8"?>
+<p:notes xmlns:a="http://schemas.openxmlformats.org/drawingml/2006/main" xmlns:r="http://schemas.openxmlformats.org/officeDocument/2006/relationships" xmlns:p="http://schemas.openxmlformats.org/presentationml/2006/main">
+  <p:cSld>
+    <p:spTree>
+      <p:nvGrpSpPr>
+        <p:cNvPr id="1" name=""/>
+        <p:cNvGrpSpPr/>
+        <p:nvPr/>
+      </p:nvGrpSpPr>
+      <p:grpSpPr>
+        <a:xfrm>
+          <a:off x="0" y="0"/>
+          <a:ext cx="0" cy="0"/>
+          <a:chOff x="0" y="0"/>
+          <a:chExt cx="0" cy="0"/>
+        </a:xfrm>
+      </p:grpSpPr>
+      <p:sp>
+        <p:nvSpPr>
+          <p:cNvPr id="2" name="Slide Image Placeholder 1"/>
+          <p:cNvSpPr>
+            <a:spLocks noGrp="1" noRot="1" noChangeAspect="1"/>
+          </p:cNvSpPr>
+          <p:nvPr>
+            <p:ph type="sldImg"/>
+          </p:nvPr>
+        </p:nvSpPr>
+        <p:spPr/>
+      </p:sp>
+      <p:sp>
+        <p:nvSpPr>
+          <p:cNvPr id="3" name="Notes Placeholder 2"/>
+          <p:cNvSpPr>
+            <a:spLocks noGrp="1"/>
+          </p:cNvSpPr>
+          <p:nvPr>
+            <p:ph type="body" idx="1"/>
+          </p:nvPr>
+        </p:nvSpPr>
+        <p:spPr/>
+        <p:txBody>
+          <a:bodyPr/>
+          <a:lstStyle/>
+          <a:p>
+            <a:r>
+              <a:rPr lang="en-US" dirty="0"/>
+              <a:t>$</a:t>
+            </a:r>
+            <a:r>
+              <a:rPr lang="en-US" dirty="0" err="1"/>
+              <a:t>stmt</a:t>
+            </a:r>
+            <a:r>
+              <a:rPr lang="en-US" dirty="0"/>
+              <a:t> = $</a:t>
+            </a:r>
+            <a:r>
+              <a:rPr lang="en-US" dirty="0" err="1"/>
+              <a:t>db</a:t>
+            </a:r>
+            <a:r>
+              <a:rPr lang="en-US" dirty="0"/>
+              <a:t>-&gt;prepare("select </a:t>
+            </a:r>
+            <a:r>
+              <a:rPr lang="en-US" dirty="0" err="1"/>
+              <a:t>userID</a:t>
+            </a:r>
+            <a:r>
+              <a:rPr lang="en-US" dirty="0"/>
+              <a:t> from </a:t>
+            </a:r>
+            <a:r>
+              <a:rPr lang="en-US" dirty="0" err="1"/>
+              <a:t>tblUsers</a:t>
+            </a:r>
+            <a:r>
+              <a:rPr lang="en-US" dirty="0"/>
+              <a:t> where logged = '1' AND </a:t>
+            </a:r>
+            <a:r>
+              <a:rPr lang="en-US" dirty="0" err="1"/>
+              <a:t>ip</a:t>
+            </a:r>
+            <a:r>
+              <a:rPr lang="en-US" dirty="0"/>
+              <a:t> = :</a:t>
+            </a:r>
+            <a:r>
+              <a:rPr lang="en-US" dirty="0" err="1"/>
+              <a:t>ip</a:t>
+            </a:r>
+            <a:r>
+              <a:rPr lang="en-US" dirty="0"/>
+              <a:t>");</a:t>
+            </a:r>
+          </a:p>
+          <a:p>
+            <a:r>
+              <a:rPr lang="en-US" dirty="0"/>
+              <a:t>$</a:t>
+            </a:r>
+            <a:r>
+              <a:rPr lang="en-US" dirty="0" err="1"/>
+              <a:t>stmt</a:t>
+            </a:r>
+            <a:r>
+              <a:rPr lang="en-US" dirty="0"/>
+              <a:t>-&gt;execute(array('</a:t>
+            </a:r>
+            <a:r>
+              <a:rPr lang="en-US" dirty="0" err="1"/>
+              <a:t>ip</a:t>
+            </a:r>
+            <a:r>
+              <a:rPr lang="en-US" dirty="0"/>
+              <a:t>' =&gt; $</a:t>
+            </a:r>
+            <a:r>
+              <a:rPr lang="en-US" dirty="0" err="1"/>
+              <a:t>ip</a:t>
+            </a:r>
+            <a:r>
+              <a:rPr lang="en-US" dirty="0"/>
+              <a:t>));</a:t>
+            </a:r>
+          </a:p>
+          <a:p>
+            <a:r>
+              <a:rPr lang="en-US" dirty="0"/>
+              <a:t>$</a:t>
+            </a:r>
+            <a:r>
+              <a:rPr lang="en-US" dirty="0" err="1"/>
+              <a:t>listArray</a:t>
+            </a:r>
+            <a:r>
+              <a:rPr lang="en-US" dirty="0"/>
+              <a:t> = $</a:t>
+            </a:r>
+            <a:r>
+              <a:rPr lang="en-US" dirty="0" err="1"/>
+              <a:t>stmt</a:t>
+            </a:r>
+            <a:r>
+              <a:rPr lang="en-US" dirty="0"/>
+              <a:t>-&gt;</a:t>
+            </a:r>
+            <a:r>
+              <a:rPr lang="en-US" dirty="0" err="1"/>
+              <a:t>fetchAll</a:t>
+            </a:r>
+            <a:r>
+              <a:rPr lang="en-US" dirty="0"/>
+              <a:t>();</a:t>
+            </a:r>
+          </a:p>
+          <a:p>
+            <a:endParaRPr lang="en-US" dirty="0"/>
+          </a:p>
+          <a:p>
+            <a:r>
+              <a:rPr lang="en-US" dirty="0">
+                <a:solidFill>
+                  <a:srgbClr val="F8F8F2"/>
+                </a:solidFill>
+                <a:effectLst/>
+              </a:rPr>
+              <a:t>$count=$</a:t>
+            </a:r>
+            <a:r>
+              <a:rPr lang="en-US" dirty="0" err="1">
+                <a:solidFill>
+                  <a:srgbClr val="F8F8F2"/>
+                </a:solidFill>
+                <a:effectLst/>
+              </a:rPr>
+              <a:t>dbo</a:t>
+            </a:r>
+            <a:r>
+              <a:rPr lang="en-US" dirty="0">
+                <a:solidFill>
+                  <a:srgbClr val="F8F8F2"/>
+                </a:solidFill>
+                <a:effectLst/>
+              </a:rPr>
+              <a:t>-&gt;</a:t>
+            </a:r>
+            <a:r>
+              <a:rPr lang="en-US" dirty="0">
+                <a:solidFill>
+                  <a:srgbClr val="E6DB74"/>
+                </a:solidFill>
+                <a:effectLst/>
+              </a:rPr>
+              <a:t>prepare</a:t>
+            </a:r>
+            <a:r>
+              <a:rPr lang="en-US" dirty="0">
+                <a:solidFill>
+                  <a:srgbClr val="F8F8F2"/>
+                </a:solidFill>
+                <a:effectLst/>
+              </a:rPr>
+              <a:t>(</a:t>
+            </a:r>
+            <a:r>
+              <a:rPr lang="en-US" dirty="0">
+                <a:solidFill>
+                  <a:srgbClr val="A6E22E"/>
+                </a:solidFill>
+                <a:effectLst/>
+              </a:rPr>
+              <a:t>"DELETE FROM </a:t>
+            </a:r>
+            <a:r>
+              <a:rPr lang="en-US" dirty="0" err="1">
+                <a:solidFill>
+                  <a:srgbClr val="A6E22E"/>
+                </a:solidFill>
+                <a:effectLst/>
+              </a:rPr>
+              <a:t>pdo_admin</a:t>
+            </a:r>
+            <a:r>
+              <a:rPr lang="en-US" dirty="0">
+                <a:solidFill>
+                  <a:srgbClr val="A6E22E"/>
+                </a:solidFill>
+                <a:effectLst/>
+              </a:rPr>
+              <a:t> WHERE id=:id"</a:t>
+            </a:r>
+            <a:r>
+              <a:rPr lang="en-US" dirty="0">
+                <a:solidFill>
+                  <a:srgbClr val="F8F8F2"/>
+                </a:solidFill>
+                <a:effectLst/>
+              </a:rPr>
+              <a:t>);</a:t>
+            </a:r>
+            <a:r>
+              <a:rPr lang="en-US" dirty="0"/>
+              <a:t> </a:t>
+            </a:r>
+          </a:p>
+          <a:p>
+            <a:r>
+              <a:rPr lang="en-US" dirty="0">
+                <a:solidFill>
+                  <a:srgbClr val="F8F8F2"/>
+                </a:solidFill>
+                <a:effectLst/>
+              </a:rPr>
+              <a:t>$count-&gt;</a:t>
+            </a:r>
+            <a:r>
+              <a:rPr lang="en-US" dirty="0" err="1">
+                <a:solidFill>
+                  <a:srgbClr val="E6DB74"/>
+                </a:solidFill>
+                <a:effectLst/>
+              </a:rPr>
+              <a:t>bindParam</a:t>
+            </a:r>
+            <a:r>
+              <a:rPr lang="en-US" dirty="0">
+                <a:solidFill>
+                  <a:srgbClr val="F8F8F2"/>
+                </a:solidFill>
+                <a:effectLst/>
+              </a:rPr>
+              <a:t>(</a:t>
+            </a:r>
+            <a:r>
+              <a:rPr lang="en-US" dirty="0">
+                <a:solidFill>
+                  <a:srgbClr val="A6E22E"/>
+                </a:solidFill>
+                <a:effectLst/>
+              </a:rPr>
+              <a:t>":id"</a:t>
+            </a:r>
+            <a:r>
+              <a:rPr lang="en-US" dirty="0">
+                <a:solidFill>
+                  <a:srgbClr val="F8F8F2"/>
+                </a:solidFill>
+                <a:effectLst/>
+              </a:rPr>
+              <a:t>,$</a:t>
+            </a:r>
+            <a:r>
+              <a:rPr lang="en-US" dirty="0" err="1">
+                <a:solidFill>
+                  <a:srgbClr val="F8F8F2"/>
+                </a:solidFill>
+                <a:effectLst/>
+              </a:rPr>
+              <a:t>id,</a:t>
+            </a:r>
+            <a:r>
+              <a:rPr lang="en-US" dirty="0" err="1">
+                <a:effectLst/>
+              </a:rPr>
+              <a:t>PDO</a:t>
+            </a:r>
+            <a:r>
+              <a:rPr lang="en-US" dirty="0">
+                <a:solidFill>
+                  <a:srgbClr val="F8F8F2"/>
+                </a:solidFill>
+                <a:effectLst/>
+              </a:rPr>
+              <a:t>::</a:t>
+            </a:r>
+            <a:r>
+              <a:rPr lang="en-US" dirty="0">
+                <a:solidFill>
+                  <a:srgbClr val="F92672"/>
+                </a:solidFill>
+                <a:effectLst/>
+              </a:rPr>
+              <a:t>PARAM_INT</a:t>
+            </a:r>
+            <a:r>
+              <a:rPr lang="en-US" dirty="0">
+                <a:solidFill>
+                  <a:srgbClr val="F8F8F2"/>
+                </a:solidFill>
+                <a:effectLst/>
+              </a:rPr>
+              <a:t>);</a:t>
+            </a:r>
+            <a:r>
+              <a:rPr lang="en-US" dirty="0"/>
+              <a:t> </a:t>
+            </a:r>
+          </a:p>
+          <a:p>
+            <a:r>
+              <a:rPr lang="en-US" dirty="0">
+                <a:solidFill>
+                  <a:srgbClr val="F8F8F2"/>
+                </a:solidFill>
+                <a:effectLst/>
+              </a:rPr>
+              <a:t>$count-&gt;</a:t>
+            </a:r>
+            <a:r>
+              <a:rPr lang="en-US" dirty="0">
+                <a:solidFill>
+                  <a:srgbClr val="E6DB74"/>
+                </a:solidFill>
+                <a:effectLst/>
+              </a:rPr>
+              <a:t>execute</a:t>
+            </a:r>
+            <a:r>
+              <a:rPr lang="en-US" dirty="0">
+                <a:solidFill>
+                  <a:srgbClr val="F8F8F2"/>
+                </a:solidFill>
+                <a:effectLst/>
+              </a:rPr>
+              <a:t>();</a:t>
+            </a:r>
+            <a:endParaRPr lang="en-US" dirty="0"/>
+          </a:p>
+        </p:txBody>
+      </p:sp>
+      <p:sp>
+        <p:nvSpPr>
+          <p:cNvPr id="4" name="Slide Number Placeholder 3"/>
+          <p:cNvSpPr>
+            <a:spLocks noGrp="1"/>
+          </p:cNvSpPr>
+          <p:nvPr>
+            <p:ph type="sldNum" sz="quarter" idx="5"/>
+          </p:nvPr>
+        </p:nvSpPr>
+        <p:spPr/>
+        <p:txBody>
+          <a:bodyPr/>
+          <a:lstStyle/>
+          <a:p>
+            <a:fld id="{086A34C3-460C-4787-9FE1-DA51126E9395}" type="slidenum">
+              <a:rPr lang="en-US" altLang="en-US" smtClean="0"/>
+              <a:pPr/>
+              <a:t>20</a:t>
+            </a:fld>
+            <a:endParaRPr lang="en-US" altLang="en-US"/>
+          </a:p>
+        </p:txBody>
+      </p:sp>
+    </p:spTree>
+    <p:extLst>
+      <p:ext uri="{BB962C8B-B14F-4D97-AF65-F5344CB8AC3E}">
+        <p14:creationId xmlns:p14="http://schemas.microsoft.com/office/powerpoint/2010/main" val="3376537967"/>
+      </p:ext>
+    </p:extLst>
+  </p:cSld>
+  <p:clrMapOvr>
+    <a:masterClrMapping/>
+  </p:clrMapOvr>
+</p:notes>
+</file>
+
+<file path=ppt/notesSlides/notesSlide4.xml><?xml version="1.0" encoding="utf-8"?>
+<p:notes xmlns:a="http://schemas.openxmlformats.org/drawingml/2006/main" xmlns:r="http://schemas.openxmlformats.org/officeDocument/2006/relationships" xmlns:p="http://schemas.openxmlformats.org/presentationml/2006/main">
+  <p:cSld>
+    <p:spTree>
+      <p:nvGrpSpPr>
+        <p:cNvPr id="1" name=""/>
+        <p:cNvGrpSpPr/>
+        <p:nvPr/>
+      </p:nvGrpSpPr>
+      <p:grpSpPr>
+        <a:xfrm>
+          <a:off x="0" y="0"/>
+          <a:ext cx="0" cy="0"/>
+          <a:chOff x="0" y="0"/>
+          <a:chExt cx="0" cy="0"/>
+        </a:xfrm>
+      </p:grpSpPr>
+      <p:sp>
+        <p:nvSpPr>
+          <p:cNvPr id="2" name="Slide Image Placeholder 1"/>
+          <p:cNvSpPr>
+            <a:spLocks noGrp="1" noRot="1" noChangeAspect="1"/>
+          </p:cNvSpPr>
+          <p:nvPr>
+            <p:ph type="sldImg"/>
+          </p:nvPr>
+        </p:nvSpPr>
+        <p:spPr/>
+      </p:sp>
+      <p:sp>
+        <p:nvSpPr>
+          <p:cNvPr id="3" name="Notes Placeholder 2"/>
+          <p:cNvSpPr>
+            <a:spLocks noGrp="1"/>
+          </p:cNvSpPr>
+          <p:nvPr>
+            <p:ph type="body" idx="1"/>
+          </p:nvPr>
+        </p:nvSpPr>
+        <p:spPr/>
+        <p:txBody>
+          <a:bodyPr/>
+          <a:lstStyle/>
+          <a:p>
+            <a:r>
+              <a:rPr lang="en-US" dirty="0"/>
+              <a:t>$</a:t>
+            </a:r>
+            <a:r>
+              <a:rPr lang="en-US" dirty="0" err="1"/>
+              <a:t>stmt</a:t>
+            </a:r>
+            <a:r>
+              <a:rPr lang="en-US" dirty="0"/>
+              <a:t> = $</a:t>
+            </a:r>
+            <a:r>
+              <a:rPr lang="en-US" dirty="0" err="1"/>
+              <a:t>db</a:t>
+            </a:r>
+            <a:r>
+              <a:rPr lang="en-US" dirty="0"/>
+              <a:t>-&gt;prepare("select </a:t>
+            </a:r>
+            <a:r>
+              <a:rPr lang="en-US" dirty="0" err="1"/>
+              <a:t>userID</a:t>
+            </a:r>
+            <a:r>
+              <a:rPr lang="en-US" dirty="0"/>
+              <a:t> from </a:t>
+            </a:r>
+            <a:r>
+              <a:rPr lang="en-US" dirty="0" err="1"/>
+              <a:t>tblUsers</a:t>
+            </a:r>
+            <a:r>
+              <a:rPr lang="en-US" dirty="0"/>
+              <a:t> where logged = '1' AND </a:t>
+            </a:r>
+            <a:r>
+              <a:rPr lang="en-US" dirty="0" err="1"/>
+              <a:t>ip</a:t>
+            </a:r>
+            <a:r>
+              <a:rPr lang="en-US" dirty="0"/>
+              <a:t> = :</a:t>
+            </a:r>
+            <a:r>
+              <a:rPr lang="en-US" dirty="0" err="1"/>
+              <a:t>ip</a:t>
+            </a:r>
+            <a:r>
+              <a:rPr lang="en-US" dirty="0"/>
+              <a:t>");</a:t>
+            </a:r>
+          </a:p>
+          <a:p>
+            <a:r>
+              <a:rPr lang="en-US" dirty="0"/>
+              <a:t>$</a:t>
+            </a:r>
+            <a:r>
+              <a:rPr lang="en-US" dirty="0" err="1"/>
+              <a:t>stmt</a:t>
+            </a:r>
+            <a:r>
+              <a:rPr lang="en-US" dirty="0"/>
+              <a:t>-&gt;execute(array('</a:t>
+            </a:r>
+            <a:r>
+              <a:rPr lang="en-US" dirty="0" err="1"/>
+              <a:t>ip</a:t>
+            </a:r>
+            <a:r>
+              <a:rPr lang="en-US" dirty="0"/>
+              <a:t>' =&gt; $</a:t>
+            </a:r>
+            <a:r>
+              <a:rPr lang="en-US" dirty="0" err="1"/>
+              <a:t>ip</a:t>
+            </a:r>
+            <a:r>
+              <a:rPr lang="en-US" dirty="0"/>
+              <a:t>));</a:t>
+            </a:r>
+          </a:p>
+          <a:p>
+            <a:r>
+              <a:rPr lang="en-US" dirty="0"/>
+              <a:t>$</a:t>
+            </a:r>
+            <a:r>
+              <a:rPr lang="en-US" dirty="0" err="1"/>
+              <a:t>listArray</a:t>
+            </a:r>
+            <a:r>
+              <a:rPr lang="en-US" dirty="0"/>
+              <a:t> = $</a:t>
+            </a:r>
+            <a:r>
+              <a:rPr lang="en-US" dirty="0" err="1"/>
+              <a:t>stmt</a:t>
+            </a:r>
+            <a:r>
+              <a:rPr lang="en-US" dirty="0"/>
+              <a:t>-&gt;</a:t>
+            </a:r>
+            <a:r>
+              <a:rPr lang="en-US" dirty="0" err="1"/>
+              <a:t>fetchAll</a:t>
+            </a:r>
+            <a:r>
+              <a:rPr lang="en-US" dirty="0"/>
+              <a:t>();</a:t>
+            </a:r>
+          </a:p>
+          <a:p>
+            <a:endParaRPr lang="en-US" dirty="0"/>
+          </a:p>
+          <a:p>
+            <a:r>
+              <a:rPr lang="en-US" dirty="0">
+                <a:solidFill>
+                  <a:srgbClr val="F8F8F2"/>
+                </a:solidFill>
+                <a:effectLst/>
+              </a:rPr>
+              <a:t>$count=$</a:t>
+            </a:r>
+            <a:r>
+              <a:rPr lang="en-US" dirty="0" err="1">
+                <a:solidFill>
+                  <a:srgbClr val="F8F8F2"/>
+                </a:solidFill>
+                <a:effectLst/>
+              </a:rPr>
+              <a:t>dbo</a:t>
+            </a:r>
+            <a:r>
+              <a:rPr lang="en-US" dirty="0">
+                <a:solidFill>
+                  <a:srgbClr val="F8F8F2"/>
+                </a:solidFill>
+                <a:effectLst/>
+              </a:rPr>
+              <a:t>-&gt;</a:t>
+            </a:r>
+            <a:r>
+              <a:rPr lang="en-US" dirty="0">
+                <a:solidFill>
+                  <a:srgbClr val="E6DB74"/>
+                </a:solidFill>
+                <a:effectLst/>
+              </a:rPr>
+              <a:t>prepare</a:t>
+            </a:r>
+            <a:r>
+              <a:rPr lang="en-US" dirty="0">
+                <a:solidFill>
+                  <a:srgbClr val="F8F8F2"/>
+                </a:solidFill>
+                <a:effectLst/>
+              </a:rPr>
+              <a:t>(</a:t>
+            </a:r>
+            <a:r>
+              <a:rPr lang="en-US" dirty="0">
+                <a:solidFill>
+                  <a:srgbClr val="A6E22E"/>
+                </a:solidFill>
+                <a:effectLst/>
+              </a:rPr>
+              <a:t>"DELETE FROM </a:t>
+            </a:r>
+            <a:r>
+              <a:rPr lang="en-US" dirty="0" err="1">
+                <a:solidFill>
+                  <a:srgbClr val="A6E22E"/>
+                </a:solidFill>
+                <a:effectLst/>
+              </a:rPr>
+              <a:t>pdo_admin</a:t>
+            </a:r>
+            <a:r>
+              <a:rPr lang="en-US" dirty="0">
+                <a:solidFill>
+                  <a:srgbClr val="A6E22E"/>
+                </a:solidFill>
+                <a:effectLst/>
+              </a:rPr>
+              <a:t> WHERE id=:id"</a:t>
+            </a:r>
+            <a:r>
+              <a:rPr lang="en-US" dirty="0">
+                <a:solidFill>
+                  <a:srgbClr val="F8F8F2"/>
+                </a:solidFill>
+                <a:effectLst/>
+              </a:rPr>
+              <a:t>);</a:t>
+            </a:r>
+            <a:r>
+              <a:rPr lang="en-US" dirty="0"/>
+              <a:t> </a:t>
+            </a:r>
+          </a:p>
+          <a:p>
+            <a:r>
+              <a:rPr lang="en-US" dirty="0">
+                <a:solidFill>
+                  <a:srgbClr val="F8F8F2"/>
+                </a:solidFill>
+                <a:effectLst/>
+              </a:rPr>
+              <a:t>$count-&gt;</a:t>
+            </a:r>
+            <a:r>
+              <a:rPr lang="en-US" dirty="0" err="1">
+                <a:solidFill>
+                  <a:srgbClr val="E6DB74"/>
+                </a:solidFill>
+                <a:effectLst/>
+              </a:rPr>
+              <a:t>bindParam</a:t>
+            </a:r>
+            <a:r>
+              <a:rPr lang="en-US" dirty="0">
+                <a:solidFill>
+                  <a:srgbClr val="F8F8F2"/>
+                </a:solidFill>
+                <a:effectLst/>
+              </a:rPr>
+              <a:t>(</a:t>
+            </a:r>
+            <a:r>
+              <a:rPr lang="en-US" dirty="0">
+                <a:solidFill>
+                  <a:srgbClr val="A6E22E"/>
+                </a:solidFill>
+                <a:effectLst/>
+              </a:rPr>
+              <a:t>":id"</a:t>
+            </a:r>
+            <a:r>
+              <a:rPr lang="en-US" dirty="0">
+                <a:solidFill>
+                  <a:srgbClr val="F8F8F2"/>
+                </a:solidFill>
+                <a:effectLst/>
+              </a:rPr>
+              <a:t>,$</a:t>
+            </a:r>
+            <a:r>
+              <a:rPr lang="en-US" dirty="0" err="1">
+                <a:solidFill>
+                  <a:srgbClr val="F8F8F2"/>
+                </a:solidFill>
+                <a:effectLst/>
+              </a:rPr>
+              <a:t>id,</a:t>
+            </a:r>
+            <a:r>
+              <a:rPr lang="en-US" dirty="0" err="1">
+                <a:effectLst/>
+              </a:rPr>
+              <a:t>PDO</a:t>
+            </a:r>
+            <a:r>
+              <a:rPr lang="en-US" dirty="0">
+                <a:solidFill>
+                  <a:srgbClr val="F8F8F2"/>
+                </a:solidFill>
+                <a:effectLst/>
+              </a:rPr>
+              <a:t>::</a:t>
+            </a:r>
+            <a:r>
+              <a:rPr lang="en-US" dirty="0">
+                <a:solidFill>
+                  <a:srgbClr val="F92672"/>
+                </a:solidFill>
+                <a:effectLst/>
+              </a:rPr>
+              <a:t>PARAM_INT</a:t>
+            </a:r>
+            <a:r>
+              <a:rPr lang="en-US" dirty="0">
+                <a:solidFill>
+                  <a:srgbClr val="F8F8F2"/>
+                </a:solidFill>
+                <a:effectLst/>
+              </a:rPr>
+              <a:t>);</a:t>
+            </a:r>
+            <a:r>
+              <a:rPr lang="en-US" dirty="0"/>
+              <a:t> </a:t>
+            </a:r>
+          </a:p>
+          <a:p>
+            <a:r>
+              <a:rPr lang="en-US" dirty="0">
+                <a:solidFill>
+                  <a:srgbClr val="F8F8F2"/>
+                </a:solidFill>
+                <a:effectLst/>
+              </a:rPr>
+              <a:t>$count-&gt;</a:t>
+            </a:r>
+            <a:r>
+              <a:rPr lang="en-US" dirty="0">
+                <a:solidFill>
+                  <a:srgbClr val="E6DB74"/>
+                </a:solidFill>
+                <a:effectLst/>
+              </a:rPr>
+              <a:t>execute</a:t>
+            </a:r>
+            <a:r>
+              <a:rPr lang="en-US" dirty="0">
+                <a:solidFill>
+                  <a:srgbClr val="F8F8F2"/>
+                </a:solidFill>
+                <a:effectLst/>
+              </a:rPr>
+              <a:t>();</a:t>
+            </a:r>
+            <a:endParaRPr lang="en-US" dirty="0"/>
+          </a:p>
+        </p:txBody>
+      </p:sp>
+      <p:sp>
+        <p:nvSpPr>
+          <p:cNvPr id="4" name="Slide Number Placeholder 3"/>
+          <p:cNvSpPr>
+            <a:spLocks noGrp="1"/>
+          </p:cNvSpPr>
+          <p:nvPr>
+            <p:ph type="sldNum" sz="quarter" idx="5"/>
+          </p:nvPr>
+        </p:nvSpPr>
+        <p:spPr/>
+        <p:txBody>
+          <a:bodyPr/>
+          <a:lstStyle/>
+          <a:p>
+            <a:fld id="{086A34C3-460C-4787-9FE1-DA51126E9395}" type="slidenum">
+              <a:rPr lang="en-US" altLang="en-US" smtClean="0"/>
+              <a:pPr/>
+              <a:t>21</a:t>
+            </a:fld>
+            <a:endParaRPr lang="en-US" altLang="en-US"/>
+          </a:p>
+        </p:txBody>
+      </p:sp>
+    </p:spTree>
+    <p:extLst>
+      <p:ext uri="{BB962C8B-B14F-4D97-AF65-F5344CB8AC3E}">
+        <p14:creationId xmlns:p14="http://schemas.microsoft.com/office/powerpoint/2010/main" val="712246963"/>
       </p:ext>
     </p:extLst>
   </p:cSld>
@@ -5739,24 +6564,20 @@
               <a:buAutoNum type="arabicPeriod"/>
             </a:pPr>
             <a:r>
-              <a:rPr lang="en-US" sz="2400" dirty="0" err="1"/>
+              <a:rPr lang="en-US" sz="2400" dirty="0" err="1">
+                <a:solidFill>
+                  <a:srgbClr val="0033CC"/>
+                </a:solidFill>
+              </a:rPr>
               <a:t>MySQLi</a:t>
             </a:r>
             <a:r>
               <a:rPr lang="en-US" sz="2400" dirty="0"/>
-              <a:t> extension</a:t>
-            </a:r>
-          </a:p>
-          <a:p>
-            <a:pPr marL="1257300" lvl="3" indent="0">
-              <a:lnSpc>
-                <a:spcPct val="150000"/>
-              </a:lnSpc>
-              <a:buNone/>
-            </a:pPr>
+              <a:t> extension   </a:t>
+            </a:r>
             <a:r>
               <a:rPr lang="en-US" sz="1600" dirty="0"/>
-              <a:t> (the "</a:t>
+              <a:t>(the "</a:t>
             </a:r>
             <a:r>
               <a:rPr lang="en-US" sz="1600" dirty="0" err="1"/>
@@ -5776,8 +6597,16 @@
               <a:buAutoNum type="arabicPeriod"/>
             </a:pPr>
             <a:r>
+              <a:rPr lang="en-US" sz="2400" dirty="0">
+                <a:solidFill>
+                  <a:srgbClr val="0033CC"/>
+                </a:solidFill>
+              </a:rPr>
+              <a:t>PDO</a:t>
+            </a:r>
+            <a:r>
               <a:rPr lang="en-US" sz="2400" dirty="0"/>
-              <a:t>PDO (PHP Data Objects)</a:t>
+              <a:t> (PHP Data Objects)</a:t>
             </a:r>
           </a:p>
         </p:txBody>
@@ -6269,7 +7098,12 @@
             <p:ph idx="1"/>
           </p:nvPr>
         </p:nvSpPr>
-        <p:spPr/>
+        <p:spPr>
+          <a:xfrm>
+            <a:off x="685800" y="1330940"/>
+            <a:ext cx="7772400" cy="4572000"/>
+          </a:xfrm>
+        </p:spPr>
         <p:txBody>
           <a:bodyPr/>
           <a:lstStyle/>
@@ -6282,35 +7116,35 @@
           <a:p>
             <a:pPr lvl="1"/>
             <a:r>
-              <a:rPr lang="en-US" sz="1600" dirty="0"/>
+              <a:rPr lang="en-US" sz="2000" dirty="0"/>
               <a:t>Creating database connections</a:t>
             </a:r>
           </a:p>
           <a:p>
             <a:pPr lvl="1"/>
             <a:r>
-              <a:rPr lang="en-US" sz="1600" dirty="0"/>
+              <a:rPr lang="en-US" sz="2000" dirty="0"/>
               <a:t>Executing queries using prepared statements</a:t>
             </a:r>
           </a:p>
           <a:p>
             <a:pPr lvl="1"/>
             <a:r>
-              <a:rPr lang="en-US" sz="1600" dirty="0"/>
+              <a:rPr lang="en-US" sz="2000" dirty="0"/>
               <a:t>Calling stored procedures</a:t>
             </a:r>
           </a:p>
           <a:p>
             <a:pPr lvl="1"/>
             <a:r>
-              <a:rPr lang="en-US" sz="1600" dirty="0"/>
+              <a:rPr lang="en-US" sz="2000" dirty="0"/>
               <a:t>Performing transactions</a:t>
             </a:r>
           </a:p>
           <a:p>
             <a:pPr lvl="1"/>
             <a:r>
-              <a:rPr lang="en-US" sz="1600" dirty="0"/>
+              <a:rPr lang="en-US" sz="2000" dirty="0"/>
               <a:t>And handling errors</a:t>
             </a:r>
           </a:p>
@@ -6438,7 +7272,7 @@
         </p:blipFill>
         <p:spPr>
           <a:xfrm>
-            <a:off x="1666875" y="3733800"/>
+            <a:off x="2045277" y="3830782"/>
             <a:ext cx="4591050" cy="2219325"/>
           </a:xfrm>
           <a:prstGeom prst="rect">
@@ -6526,8 +7360,8 @@
         </p:nvSpPr>
         <p:spPr>
           <a:xfrm>
-            <a:off x="685800" y="1066800"/>
-            <a:ext cx="7924800" cy="4572000"/>
+            <a:off x="533400" y="1295400"/>
+            <a:ext cx="8458200" cy="4572000"/>
           </a:xfrm>
         </p:spPr>
         <p:txBody>
@@ -6555,7 +7389,17 @@
                 <a:effectLst/>
                 <a:latin typeface="Consolas" panose="020B0609020204030204" pitchFamily="49" charset="0"/>
               </a:rPr>
-              <a:t>$host = "localhost"; //server name</a:t>
+              <a:t>$host = "localhost";	 </a:t>
+            </a:r>
+            <a:r>
+              <a:rPr lang="en-US" sz="1600" b="0" i="0" dirty="0">
+                <a:solidFill>
+                  <a:srgbClr val="7030A0"/>
+                </a:solidFill>
+                <a:effectLst/>
+                <a:latin typeface="Consolas" panose="020B0609020204030204" pitchFamily="49" charset="0"/>
+              </a:rPr>
+              <a:t>//server name</a:t>
             </a:r>
             <a:br>
               <a:rPr lang="en-US" sz="1600" dirty="0"/>
@@ -6610,7 +7454,16 @@
               <a:rPr lang="en-US" sz="1600" dirty="0">
                 <a:latin typeface="Consolas" panose="020B0609020204030204" pitchFamily="49" charset="0"/>
               </a:rPr>
-              <a:t>";</a:t>
+              <a:t>";	</a:t>
+            </a:r>
+            <a:r>
+              <a:rPr lang="en-US" sz="1600" dirty="0">
+                <a:solidFill>
+                  <a:srgbClr val="7030A0"/>
+                </a:solidFill>
+                <a:latin typeface="Consolas" panose="020B0609020204030204" pitchFamily="49" charset="0"/>
+              </a:rPr>
+              <a:t> //database name</a:t>
             </a:r>
             <a:br>
               <a:rPr lang="en-US" sz="1600" dirty="0"/>
@@ -6752,6 +7605,10 @@
               </a:rPr>
               <a:t>  </a:t>
             </a:r>
+            <a:endParaRPr lang="en-US" sz="1050" b="0" i="0" dirty="0">
+              <a:effectLst/>
+              <a:latin typeface="Consolas" panose="020B0609020204030204" pitchFamily="49" charset="0"/>
+            </a:endParaRPr>
           </a:p>
           <a:p>
             <a:pPr marL="0" indent="0">
@@ -6827,7 +7684,7 @@
               <a:buNone/>
             </a:pPr>
             <a:br>
-              <a:rPr lang="en-US" sz="1600" dirty="0"/>
+              <a:rPr lang="en-US" sz="1200" dirty="0"/>
             </a:br>
             <a:r>
               <a:rPr lang="en-US" sz="1600" b="0" i="0" dirty="0">
@@ -7761,7 +8618,7 @@
                   <a:srgbClr val="0033CC"/>
                 </a:solidFill>
               </a:rPr>
-              <a:t>#Example 4-2</a:t>
+              <a:t>Example 4-2</a:t>
             </a:r>
             <a:endParaRPr lang="en-US" dirty="0"/>
           </a:p>
@@ -7802,7 +8659,7 @@
             </a:pPr>
             <a:r>
               <a:rPr lang="en-US" sz="2800" dirty="0"/>
-              <a:t>Write a PHP script to connect to database and show all products table records in a table.</a:t>
+              <a:t>Write a PHP script to connect to database and show all products table records in a HTML table.</a:t>
             </a:r>
           </a:p>
           <a:p>
@@ -8016,27 +8873,32 @@
             </a:r>
           </a:p>
           <a:p>
-            <a:pPr marL="0" indent="0">
-              <a:buNone/>
+            <a:pPr>
+              <a:spcAft>
+                <a:spcPts val="600"/>
+              </a:spcAft>
             </a:pPr>
             <a:r>
               <a:rPr lang="en-US" sz="2400" dirty="0"/>
-              <a:t>Create a categories table and make a relationship with products table</a:t>
-            </a:r>
-          </a:p>
-          <a:p>
-            <a:pPr marL="0" indent="0">
-              <a:buNone/>
-            </a:pPr>
-            <a:endParaRPr lang="en-US" sz="2400" dirty="0"/>
-          </a:p>
-          <a:p>
-            <a:pPr marL="0" indent="0">
-              <a:buNone/>
-            </a:pPr>
+              <a:t>Add </a:t>
+            </a:r>
+            <a:r>
+              <a:rPr lang="en-US" sz="2400" dirty="0">
+                <a:solidFill>
+                  <a:srgbClr val="0033CC"/>
+                </a:solidFill>
+              </a:rPr>
+              <a:t>categories</a:t>
+            </a:r>
             <a:r>
               <a:rPr lang="en-US" sz="2400" dirty="0"/>
-              <a:t>Write a PHP script to connect to database and show all products table records in a table order by category id.</a:t>
+              <a:t> table to the database and make a correct relationship with products table.</a:t>
+            </a:r>
+          </a:p>
+          <a:p>
+            <a:r>
+              <a:rPr lang="en-US" sz="2400" dirty="0"/>
+              <a:t>Write a PHP script to connect to database and show all products table records ordered by category id.</a:t>
             </a:r>
           </a:p>
           <a:p>
@@ -8160,7 +9022,7 @@
     </p:spTree>
     <p:extLst>
       <p:ext uri="{BB962C8B-B14F-4D97-AF65-F5344CB8AC3E}">
-        <p14:creationId xmlns:p14="http://schemas.microsoft.com/office/powerpoint/2010/main" val="3094520539"/>
+        <p14:creationId xmlns:p14="http://schemas.microsoft.com/office/powerpoint/2010/main" val="486855845"/>
       </p:ext>
     </p:extLst>
   </p:cSld>
@@ -8496,7 +9358,7 @@
           <p:cNvPr id="2" name="Title 1">
             <a:extLst>
               <a:ext uri="{FF2B5EF4-FFF2-40B4-BE49-F238E27FC236}">
-                <a16:creationId xmlns:a16="http://schemas.microsoft.com/office/drawing/2014/main" id="{15E7DD9F-2E6B-4B54-B432-96544B2DC024}"/>
+                <a16:creationId xmlns:a16="http://schemas.microsoft.com/office/drawing/2014/main" id="{35F12707-114E-48E3-BA30-AC4EE3B748C6}"/>
               </a:ext>
             </a:extLst>
           </p:cNvPr>
@@ -8513,9 +9375,14 @@
           <a:lstStyle/>
           <a:p>
             <a:r>
-              <a:rPr lang="en-US" dirty="0"/>
-              <a:t>INSERT Data</a:t>
-            </a:r>
+              <a:rPr lang="en-US" b="1" dirty="0">
+                <a:solidFill>
+                  <a:srgbClr val="0033CC"/>
+                </a:solidFill>
+              </a:rPr>
+              <a:t>#Example 4-4</a:t>
+            </a:r>
+            <a:endParaRPr lang="en-US" dirty="0"/>
           </a:p>
         </p:txBody>
       </p:sp>
@@ -8524,7 +9391,7 @@
           <p:cNvPr id="3" name="Content Placeholder 2">
             <a:extLst>
               <a:ext uri="{FF2B5EF4-FFF2-40B4-BE49-F238E27FC236}">
-                <a16:creationId xmlns:a16="http://schemas.microsoft.com/office/drawing/2014/main" id="{FB605F30-7EBD-4035-AEBC-3FC96447EAF6}"/>
+                <a16:creationId xmlns:a16="http://schemas.microsoft.com/office/drawing/2014/main" id="{138B178F-A9B2-4F67-8C6E-F193C7296979}"/>
               </a:ext>
             </a:extLst>
           </p:cNvPr>
@@ -8540,7 +9407,106 @@
           <a:bodyPr/>
           <a:lstStyle/>
           <a:p>
-            <a:endParaRPr lang="en-US"/>
+            <a:pPr marL="0" indent="0">
+              <a:buNone/>
+            </a:pPr>
+            <a:r>
+              <a:rPr lang="en-US" sz="2800" b="1" dirty="0"/>
+              <a:t>Requirements:</a:t>
+            </a:r>
+          </a:p>
+          <a:p>
+            <a:pPr marL="0" indent="0">
+              <a:buNone/>
+            </a:pPr>
+            <a:r>
+              <a:rPr lang="en-US" sz="2800" dirty="0"/>
+              <a:t>Write a PHP script to connect to database and show all product records that related to a selected category id.</a:t>
+            </a:r>
+          </a:p>
+          <a:p>
+            <a:pPr marL="0" indent="0">
+              <a:buNone/>
+            </a:pPr>
+            <a:endParaRPr lang="en-US" sz="2800" dirty="0"/>
+          </a:p>
+          <a:p>
+            <a:r>
+              <a:rPr lang="en-US" sz="2800" dirty="0"/>
+              <a:t>See it on </a:t>
+            </a:r>
+            <a:r>
+              <a:rPr lang="en-US" sz="2800" b="1" dirty="0"/>
+              <a:t>GitHub</a:t>
+            </a:r>
+          </a:p>
+          <a:p>
+            <a:pPr marL="0" indent="0">
+              <a:buNone/>
+            </a:pPr>
+            <a:r>
+              <a:rPr lang="en-US" sz="2000" dirty="0"/>
+              <a:t>$</a:t>
+            </a:r>
+            <a:r>
+              <a:rPr lang="en-US" sz="2000" dirty="0" err="1"/>
+              <a:t>sql</a:t>
+            </a:r>
+            <a:r>
+              <a:rPr lang="en-US" sz="2000" dirty="0"/>
+              <a:t> = "SELECT * FROM Users </a:t>
+            </a:r>
+          </a:p>
+          <a:p>
+            <a:pPr marL="0" indent="0">
+              <a:buNone/>
+            </a:pPr>
+            <a:r>
+              <a:rPr lang="en-US" sz="2000" dirty="0"/>
+              <a:t>WHERE </a:t>
+            </a:r>
+            <a:r>
+              <a:rPr lang="en-US" sz="2000" dirty="0" err="1"/>
+              <a:t>userID</a:t>
+            </a:r>
+            <a:r>
+              <a:rPr lang="en-US" sz="2000" dirty="0"/>
+              <a:t> = ?";</a:t>
+            </a:r>
+          </a:p>
+          <a:p>
+            <a:pPr marL="0" indent="0">
+              <a:buNone/>
+            </a:pPr>
+            <a:r>
+              <a:rPr lang="en-US" sz="2000" dirty="0"/>
+              <a:t>$result = $</a:t>
+            </a:r>
+            <a:r>
+              <a:rPr lang="en-US" sz="2000" dirty="0" err="1"/>
+              <a:t>pdo</a:t>
+            </a:r>
+            <a:r>
+              <a:rPr lang="en-US" sz="2000" dirty="0"/>
+              <a:t>-&gt;prepare($</a:t>
+            </a:r>
+            <a:r>
+              <a:rPr lang="en-US" sz="2000" dirty="0" err="1"/>
+              <a:t>sql</a:t>
+            </a:r>
+            <a:r>
+              <a:rPr lang="en-US" sz="2000" dirty="0"/>
+              <a:t>);</a:t>
+            </a:r>
+          </a:p>
+          <a:p>
+            <a:pPr marL="0" indent="0">
+              <a:buNone/>
+            </a:pPr>
+            <a:r>
+              <a:rPr lang="en-US" sz="2000" dirty="0"/>
+              <a:t>$result-&gt;execute([$id]);</a:t>
+            </a:r>
           </a:p>
         </p:txBody>
       </p:sp>
@@ -8549,7 +9515,7 @@
           <p:cNvPr id="4" name="Date Placeholder 3">
             <a:extLst>
               <a:ext uri="{FF2B5EF4-FFF2-40B4-BE49-F238E27FC236}">
-                <a16:creationId xmlns:a16="http://schemas.microsoft.com/office/drawing/2014/main" id="{3C808CF2-0E82-4889-981E-9276390B253A}"/>
+                <a16:creationId xmlns:a16="http://schemas.microsoft.com/office/drawing/2014/main" id="{C00B316C-9F11-41E1-A762-AB675A00184F}"/>
               </a:ext>
             </a:extLst>
           </p:cNvPr>
@@ -8581,7 +9547,7 @@
           <p:cNvPr id="5" name="Footer Placeholder 4">
             <a:extLst>
               <a:ext uri="{FF2B5EF4-FFF2-40B4-BE49-F238E27FC236}">
-                <a16:creationId xmlns:a16="http://schemas.microsoft.com/office/drawing/2014/main" id="{619F73DA-0089-4904-9B5B-3156D5559DDC}"/>
+                <a16:creationId xmlns:a16="http://schemas.microsoft.com/office/drawing/2014/main" id="{A60E06D2-84AD-485E-BBDA-DEA27B153696}"/>
               </a:ext>
             </a:extLst>
           </p:cNvPr>
@@ -8612,7 +9578,7 @@
           <p:cNvPr id="6" name="Slide Number Placeholder 5">
             <a:extLst>
               <a:ext uri="{FF2B5EF4-FFF2-40B4-BE49-F238E27FC236}">
-                <a16:creationId xmlns:a16="http://schemas.microsoft.com/office/drawing/2014/main" id="{F793E259-D6AC-45A3-877D-F68CDDFD180A}"/>
+                <a16:creationId xmlns:a16="http://schemas.microsoft.com/office/drawing/2014/main" id="{919794D0-75F6-4155-9A00-30BD0E3E01D9}"/>
               </a:ext>
             </a:extLst>
           </p:cNvPr>
@@ -8647,7 +9613,7 @@
     </p:spTree>
     <p:extLst>
       <p:ext uri="{BB962C8B-B14F-4D97-AF65-F5344CB8AC3E}">
-        <p14:creationId xmlns:p14="http://schemas.microsoft.com/office/powerpoint/2010/main" val="3333412553"/>
+        <p14:creationId xmlns:p14="http://schemas.microsoft.com/office/powerpoint/2010/main" val="1633707914"/>
       </p:ext>
     </p:extLst>
   </p:cSld>
@@ -8679,7 +9645,7 @@
           <p:cNvPr id="2" name="Title 1">
             <a:extLst>
               <a:ext uri="{FF2B5EF4-FFF2-40B4-BE49-F238E27FC236}">
-                <a16:creationId xmlns:a16="http://schemas.microsoft.com/office/drawing/2014/main" id="{C796BF8E-0DD3-4A64-B37A-5AE4342EC34B}"/>
+                <a16:creationId xmlns:a16="http://schemas.microsoft.com/office/drawing/2014/main" id="{35F12707-114E-48E3-BA30-AC4EE3B748C6}"/>
               </a:ext>
             </a:extLst>
           </p:cNvPr>
@@ -8696,9 +9662,14 @@
           <a:lstStyle/>
           <a:p>
             <a:r>
-              <a:rPr lang="en-US" dirty="0"/>
-              <a:t>UPDATE Data</a:t>
-            </a:r>
+              <a:rPr lang="en-US" b="1" dirty="0">
+                <a:solidFill>
+                  <a:srgbClr val="0033CC"/>
+                </a:solidFill>
+              </a:rPr>
+              <a:t>#Example 4-5</a:t>
+            </a:r>
+            <a:endParaRPr lang="en-US" dirty="0"/>
           </a:p>
         </p:txBody>
       </p:sp>
@@ -8707,7 +9678,7 @@
           <p:cNvPr id="3" name="Content Placeholder 2">
             <a:extLst>
               <a:ext uri="{FF2B5EF4-FFF2-40B4-BE49-F238E27FC236}">
-                <a16:creationId xmlns:a16="http://schemas.microsoft.com/office/drawing/2014/main" id="{CE08E4A6-5B68-4202-9408-3D2A826E258F}"/>
+                <a16:creationId xmlns:a16="http://schemas.microsoft.com/office/drawing/2014/main" id="{138B178F-A9B2-4F67-8C6E-F193C7296979}"/>
               </a:ext>
             </a:extLst>
           </p:cNvPr>
@@ -8723,7 +9694,90 @@
           <a:bodyPr/>
           <a:lstStyle/>
           <a:p>
-            <a:endParaRPr lang="en-US"/>
+            <a:pPr marL="0" indent="0">
+              <a:buNone/>
+            </a:pPr>
+            <a:r>
+              <a:rPr lang="en-US" sz="2800" b="1" dirty="0"/>
+              <a:t>Requirements:</a:t>
+            </a:r>
+          </a:p>
+          <a:p>
+            <a:pPr marL="0" indent="0">
+              <a:buNone/>
+            </a:pPr>
+            <a:r>
+              <a:rPr lang="en-US" sz="2800" dirty="0"/>
+              <a:t>Design two web pages</a:t>
+            </a:r>
+          </a:p>
+          <a:p>
+            <a:r>
+              <a:rPr lang="en-US" sz="2800" dirty="0"/>
+              <a:t>The first page shall show all category names with a link to second page.</a:t>
+            </a:r>
+          </a:p>
+          <a:p>
+            <a:r>
+              <a:rPr lang="en-US" sz="2800" dirty="0"/>
+              <a:t>The URL in the link shall include the </a:t>
+            </a:r>
+            <a:r>
+              <a:rPr lang="en-US" sz="2800" dirty="0" err="1"/>
+              <a:t>cat_id</a:t>
+            </a:r>
+            <a:r>
+              <a:rPr lang="en-US" sz="2800" dirty="0"/>
+              <a:t> value. example</a:t>
+            </a:r>
+            <a:r>
+              <a:rPr lang="en-US" sz="2800" dirty="0">
+                <a:solidFill>
+                  <a:srgbClr val="7030A0"/>
+                </a:solidFill>
+              </a:rPr>
+              <a:t>: localhost/</a:t>
+            </a:r>
+            <a:r>
+              <a:rPr lang="en-US" sz="2800" dirty="0" err="1">
+                <a:solidFill>
+                  <a:srgbClr val="7030A0"/>
+                </a:solidFill>
+              </a:rPr>
+              <a:t>product_list?cid</a:t>
+            </a:r>
+            <a:r>
+              <a:rPr lang="en-US" sz="2800" dirty="0">
+                <a:solidFill>
+                  <a:srgbClr val="7030A0"/>
+                </a:solidFill>
+              </a:rPr>
+              <a:t>=5</a:t>
+            </a:r>
+          </a:p>
+          <a:p>
+            <a:r>
+              <a:rPr lang="en-US" sz="2800" dirty="0"/>
+              <a:t>The second page shall show all products in a HTML table for one category depending on the sent </a:t>
+            </a:r>
+            <a:r>
+              <a:rPr lang="en-US" sz="2800" dirty="0" err="1"/>
+              <a:t>cat_id</a:t>
+            </a:r>
+            <a:r>
+              <a:rPr lang="en-US" sz="2800" dirty="0"/>
+              <a:t> value. </a:t>
+            </a:r>
+          </a:p>
+          <a:p>
+            <a:r>
+              <a:rPr lang="en-US" sz="2800" dirty="0"/>
+              <a:t>See it on </a:t>
+            </a:r>
+            <a:r>
+              <a:rPr lang="en-US" sz="2800" b="1" dirty="0"/>
+              <a:t>GitHub</a:t>
+            </a:r>
           </a:p>
         </p:txBody>
       </p:sp>
@@ -8732,7 +9786,7 @@
           <p:cNvPr id="4" name="Date Placeholder 3">
             <a:extLst>
               <a:ext uri="{FF2B5EF4-FFF2-40B4-BE49-F238E27FC236}">
-                <a16:creationId xmlns:a16="http://schemas.microsoft.com/office/drawing/2014/main" id="{6E0E3AA6-C118-4805-A2FF-A42512F4E0FD}"/>
+                <a16:creationId xmlns:a16="http://schemas.microsoft.com/office/drawing/2014/main" id="{C00B316C-9F11-41E1-A762-AB675A00184F}"/>
               </a:ext>
             </a:extLst>
           </p:cNvPr>
@@ -8764,7 +9818,7 @@
           <p:cNvPr id="5" name="Footer Placeholder 4">
             <a:extLst>
               <a:ext uri="{FF2B5EF4-FFF2-40B4-BE49-F238E27FC236}">
-                <a16:creationId xmlns:a16="http://schemas.microsoft.com/office/drawing/2014/main" id="{F9E01837-AF08-4956-9261-992CDC2B04CD}"/>
+                <a16:creationId xmlns:a16="http://schemas.microsoft.com/office/drawing/2014/main" id="{A60E06D2-84AD-485E-BBDA-DEA27B153696}"/>
               </a:ext>
             </a:extLst>
           </p:cNvPr>
@@ -8795,7 +9849,7 @@
           <p:cNvPr id="6" name="Slide Number Placeholder 5">
             <a:extLst>
               <a:ext uri="{FF2B5EF4-FFF2-40B4-BE49-F238E27FC236}">
-                <a16:creationId xmlns:a16="http://schemas.microsoft.com/office/drawing/2014/main" id="{E0E736DE-4B0C-4942-8249-C916344BB3E8}"/>
+                <a16:creationId xmlns:a16="http://schemas.microsoft.com/office/drawing/2014/main" id="{919794D0-75F6-4155-9A00-30BD0E3E01D9}"/>
               </a:ext>
             </a:extLst>
           </p:cNvPr>
@@ -8830,7 +9884,7 @@
     </p:spTree>
     <p:extLst>
       <p:ext uri="{BB962C8B-B14F-4D97-AF65-F5344CB8AC3E}">
-        <p14:creationId xmlns:p14="http://schemas.microsoft.com/office/powerpoint/2010/main" val="3738261169"/>
+        <p14:creationId xmlns:p14="http://schemas.microsoft.com/office/powerpoint/2010/main" val="2374971500"/>
       </p:ext>
     </p:extLst>
   </p:cSld>
@@ -8862,7 +9916,7 @@
           <p:cNvPr id="2" name="Title 1">
             <a:extLst>
               <a:ext uri="{FF2B5EF4-FFF2-40B4-BE49-F238E27FC236}">
-                <a16:creationId xmlns:a16="http://schemas.microsoft.com/office/drawing/2014/main" id="{D8027D32-8250-488A-8165-FDF5598269A8}"/>
+                <a16:creationId xmlns:a16="http://schemas.microsoft.com/office/drawing/2014/main" id="{15E7DD9F-2E6B-4B54-B432-96544B2DC024}"/>
               </a:ext>
             </a:extLst>
           </p:cNvPr>
@@ -8880,7 +9934,7 @@
           <a:p>
             <a:r>
               <a:rPr lang="en-US" dirty="0"/>
-              <a:t>DELETE Data</a:t>
+              <a:t>INSERT Data</a:t>
             </a:r>
           </a:p>
         </p:txBody>
@@ -8890,7 +9944,7 @@
           <p:cNvPr id="3" name="Content Placeholder 2">
             <a:extLst>
               <a:ext uri="{FF2B5EF4-FFF2-40B4-BE49-F238E27FC236}">
-                <a16:creationId xmlns:a16="http://schemas.microsoft.com/office/drawing/2014/main" id="{7285B70D-73D8-4164-93C5-6D0FED2C6A47}"/>
+                <a16:creationId xmlns:a16="http://schemas.microsoft.com/office/drawing/2014/main" id="{FB605F30-7EBD-4035-AEBC-3FC96447EAF6}"/>
               </a:ext>
             </a:extLst>
           </p:cNvPr>
@@ -8915,7 +9969,7 @@
           <p:cNvPr id="4" name="Date Placeholder 3">
             <a:extLst>
               <a:ext uri="{FF2B5EF4-FFF2-40B4-BE49-F238E27FC236}">
-                <a16:creationId xmlns:a16="http://schemas.microsoft.com/office/drawing/2014/main" id="{8476093F-0A5C-488F-AF7C-F52DC1A2285C}"/>
+                <a16:creationId xmlns:a16="http://schemas.microsoft.com/office/drawing/2014/main" id="{3C808CF2-0E82-4889-981E-9276390B253A}"/>
               </a:ext>
             </a:extLst>
           </p:cNvPr>
@@ -8947,7 +10001,7 @@
           <p:cNvPr id="5" name="Footer Placeholder 4">
             <a:extLst>
               <a:ext uri="{FF2B5EF4-FFF2-40B4-BE49-F238E27FC236}">
-                <a16:creationId xmlns:a16="http://schemas.microsoft.com/office/drawing/2014/main" id="{280C1D1E-7A05-4EAE-A9E5-533846AE91C5}"/>
+                <a16:creationId xmlns:a16="http://schemas.microsoft.com/office/drawing/2014/main" id="{619F73DA-0089-4904-9B5B-3156D5559DDC}"/>
               </a:ext>
             </a:extLst>
           </p:cNvPr>
@@ -8978,7 +10032,7 @@
           <p:cNvPr id="6" name="Slide Number Placeholder 5">
             <a:extLst>
               <a:ext uri="{FF2B5EF4-FFF2-40B4-BE49-F238E27FC236}">
-                <a16:creationId xmlns:a16="http://schemas.microsoft.com/office/drawing/2014/main" id="{A30A94AA-C698-4467-812A-2865A39C09A6}"/>
+                <a16:creationId xmlns:a16="http://schemas.microsoft.com/office/drawing/2014/main" id="{F793E259-D6AC-45A3-877D-F68CDDFD180A}"/>
               </a:ext>
             </a:extLst>
           </p:cNvPr>
@@ -9013,7 +10067,7 @@
     </p:spTree>
     <p:extLst>
       <p:ext uri="{BB962C8B-B14F-4D97-AF65-F5344CB8AC3E}">
-        <p14:creationId xmlns:p14="http://schemas.microsoft.com/office/powerpoint/2010/main" val="2711312015"/>
+        <p14:creationId xmlns:p14="http://schemas.microsoft.com/office/powerpoint/2010/main" val="3333412553"/>
       </p:ext>
     </p:extLst>
   </p:cSld>
@@ -9045,7 +10099,7 @@
           <p:cNvPr id="2" name="Title 1">
             <a:extLst>
               <a:ext uri="{FF2B5EF4-FFF2-40B4-BE49-F238E27FC236}">
-                <a16:creationId xmlns:a16="http://schemas.microsoft.com/office/drawing/2014/main" id="{F89016AC-73C8-4CE2-B9A7-CCA7304B3385}"/>
+                <a16:creationId xmlns:a16="http://schemas.microsoft.com/office/drawing/2014/main" id="{35F12707-114E-48E3-BA30-AC4EE3B748C6}"/>
               </a:ext>
             </a:extLst>
           </p:cNvPr>
@@ -9062,73 +10116,44 @@
           <a:lstStyle/>
           <a:p>
             <a:r>
-              <a:rPr lang="en-US" dirty="0" err="1"/>
-              <a:t>config.php</a:t>
-            </a:r>
-            <a:r>
-              <a:rPr lang="en-US" dirty="0"/>
-              <a:t> file</a:t>
-            </a:r>
-          </a:p>
-        </p:txBody>
-      </p:sp>
-      <p:sp>
-        <p:nvSpPr>
-          <p:cNvPr id="3" name="Content Placeholder 2">
-            <a:extLst>
-              <a:ext uri="{FF2B5EF4-FFF2-40B4-BE49-F238E27FC236}">
-                <a16:creationId xmlns:a16="http://schemas.microsoft.com/office/drawing/2014/main" id="{2CC3E9C6-8C6A-4036-A210-D86BFA893EAD}"/>
-              </a:ext>
-            </a:extLst>
-          </p:cNvPr>
-          <p:cNvSpPr>
-            <a:spLocks noGrp="1"/>
-          </p:cNvSpPr>
-          <p:nvPr>
-            <p:ph idx="1"/>
-          </p:nvPr>
-        </p:nvSpPr>
-        <p:spPr/>
-        <p:txBody>
-          <a:bodyPr/>
-          <a:lstStyle/>
-          <a:p>
-            <a:r>
-              <a:rPr lang="en-US" sz="2000" dirty="0"/>
-              <a:t>In PHP, you can create a </a:t>
-            </a:r>
-            <a:r>
-              <a:rPr lang="en-US" sz="2000" dirty="0" err="1"/>
-              <a:t>config.php</a:t>
-            </a:r>
-            <a:r>
-              <a:rPr lang="en-US" sz="2000" dirty="0"/>
-              <a:t> file and place the database parameters:</a:t>
-            </a:r>
-          </a:p>
-          <a:p>
-            <a:endParaRPr lang="en-US" sz="2000" dirty="0"/>
-          </a:p>
-          <a:p>
-            <a:pPr marL="0" indent="0">
-              <a:buNone/>
-            </a:pPr>
-            <a:r>
-              <a:rPr lang="en-US" sz="2000" dirty="0">
+              <a:rPr lang="en-US" b="1" dirty="0">
                 <a:solidFill>
                   <a:srgbClr val="0033CC"/>
                 </a:solidFill>
               </a:rPr>
-              <a:t>&lt;?php</a:t>
-            </a:r>
-          </a:p>
+              <a:t>#Example 4-6</a:t>
+            </a:r>
+            <a:endParaRPr lang="en-US" dirty="0"/>
+          </a:p>
+        </p:txBody>
+      </p:sp>
+      <p:sp>
+        <p:nvSpPr>
+          <p:cNvPr id="3" name="Content Placeholder 2">
+            <a:extLst>
+              <a:ext uri="{FF2B5EF4-FFF2-40B4-BE49-F238E27FC236}">
+                <a16:creationId xmlns:a16="http://schemas.microsoft.com/office/drawing/2014/main" id="{138B178F-A9B2-4F67-8C6E-F193C7296979}"/>
+              </a:ext>
+            </a:extLst>
+          </p:cNvPr>
+          <p:cNvSpPr>
+            <a:spLocks noGrp="1"/>
+          </p:cNvSpPr>
+          <p:nvPr>
+            <p:ph idx="1"/>
+          </p:nvPr>
+        </p:nvSpPr>
+        <p:spPr/>
+        <p:txBody>
+          <a:bodyPr/>
+          <a:lstStyle/>
           <a:p>
             <a:pPr marL="0" indent="0">
               <a:buNone/>
             </a:pPr>
             <a:r>
-              <a:rPr lang="en-US" sz="2000" dirty="0"/>
-              <a:t>$host = 'localhost';</a:t>
+              <a:rPr lang="en-US" sz="2800" b="1" dirty="0"/>
+              <a:t>Requirements:</a:t>
             </a:r>
           </a:p>
           <a:p>
@@ -9136,93 +10161,24 @@
               <a:buNone/>
             </a:pPr>
             <a:r>
-              <a:rPr lang="en-US" sz="2000" dirty="0"/>
-              <a:t>$</a:t>
-            </a:r>
-            <a:r>
-              <a:rPr lang="en-US" sz="2000" dirty="0" err="1"/>
-              <a:t>db</a:t>
-            </a:r>
-            <a:r>
-              <a:rPr lang="en-US" sz="2000" dirty="0"/>
-              <a:t> = '</a:t>
-            </a:r>
-            <a:r>
-              <a:rPr lang="en-US" sz="2000" dirty="0" err="1"/>
-              <a:t>bookdb</a:t>
-            </a:r>
-            <a:r>
-              <a:rPr lang="en-US" sz="2000" dirty="0"/>
-              <a:t>';</a:t>
+              <a:rPr lang="en-US" sz="2800" dirty="0"/>
+              <a:t>Write a PHP script to connect to database and insert a new product record using HTML form and data validation.</a:t>
             </a:r>
           </a:p>
           <a:p>
             <a:pPr marL="0" indent="0">
               <a:buNone/>
             </a:pPr>
-            <a:r>
-              <a:rPr lang="en-US" sz="2000" dirty="0"/>
-              <a:t>$user = 'root';</a:t>
-            </a:r>
-          </a:p>
-          <a:p>
-            <a:pPr marL="0" indent="0">
-              <a:buNone/>
-            </a:pPr>
-            <a:r>
-              <a:rPr lang="en-US" sz="2000" dirty="0"/>
-              <a:t>$password = 'S@cr@t1!’;</a:t>
-            </a:r>
-          </a:p>
-          <a:p>
-            <a:pPr marL="0" indent="0">
-              <a:buNone/>
-            </a:pPr>
-            <a:r>
-              <a:rPr lang="en-US" sz="2000" dirty="0">
-                <a:solidFill>
-                  <a:srgbClr val="0033CC"/>
-                </a:solidFill>
-              </a:rPr>
-              <a:t>?&gt;</a:t>
-            </a:r>
-          </a:p>
-          <a:p>
-            <a:pPr marL="0" indent="0">
-              <a:buNone/>
-            </a:pPr>
-            <a:r>
-              <a:rPr lang="en-US" sz="2000" dirty="0">
-                <a:solidFill>
-                  <a:srgbClr val="7030A0"/>
-                </a:solidFill>
-              </a:rPr>
-              <a:t>//then in any PHP file write</a:t>
-            </a:r>
-          </a:p>
-          <a:p>
-            <a:pPr marL="0" indent="0">
-              <a:buNone/>
-            </a:pPr>
-            <a:r>
-              <a:rPr lang="en-US" sz="2000" dirty="0">
-                <a:solidFill>
-                  <a:srgbClr val="0033CC"/>
-                </a:solidFill>
-              </a:rPr>
-              <a:t>require</a:t>
-            </a:r>
-            <a:r>
-              <a:rPr lang="en-US" sz="2000" dirty="0"/>
-              <a:t> '</a:t>
-            </a:r>
-            <a:r>
-              <a:rPr lang="en-US" sz="2000" dirty="0" err="1"/>
-              <a:t>config.php</a:t>
-            </a:r>
-            <a:r>
-              <a:rPr lang="en-US" sz="2000" dirty="0"/>
-              <a:t>';</a:t>
+            <a:endParaRPr lang="en-US" sz="2800" dirty="0"/>
+          </a:p>
+          <a:p>
+            <a:r>
+              <a:rPr lang="en-US" sz="2800" dirty="0"/>
+              <a:t>See it on </a:t>
+            </a:r>
+            <a:r>
+              <a:rPr lang="en-US" sz="2800" b="1" dirty="0"/>
+              <a:t>GitHub</a:t>
             </a:r>
           </a:p>
         </p:txBody>
@@ -9232,7 +10188,7 @@
           <p:cNvPr id="4" name="Date Placeholder 3">
             <a:extLst>
               <a:ext uri="{FF2B5EF4-FFF2-40B4-BE49-F238E27FC236}">
-                <a16:creationId xmlns:a16="http://schemas.microsoft.com/office/drawing/2014/main" id="{9CE66985-E0E7-4503-AFBC-E76C82973892}"/>
+                <a16:creationId xmlns:a16="http://schemas.microsoft.com/office/drawing/2014/main" id="{C00B316C-9F11-41E1-A762-AB675A00184F}"/>
               </a:ext>
             </a:extLst>
           </p:cNvPr>
@@ -9264,7 +10220,7 @@
           <p:cNvPr id="5" name="Footer Placeholder 4">
             <a:extLst>
               <a:ext uri="{FF2B5EF4-FFF2-40B4-BE49-F238E27FC236}">
-                <a16:creationId xmlns:a16="http://schemas.microsoft.com/office/drawing/2014/main" id="{FD42463A-16FD-4731-B270-68D6253C80D2}"/>
+                <a16:creationId xmlns:a16="http://schemas.microsoft.com/office/drawing/2014/main" id="{A60E06D2-84AD-485E-BBDA-DEA27B153696}"/>
               </a:ext>
             </a:extLst>
           </p:cNvPr>
@@ -9295,7 +10251,7 @@
           <p:cNvPr id="6" name="Slide Number Placeholder 5">
             <a:extLst>
               <a:ext uri="{FF2B5EF4-FFF2-40B4-BE49-F238E27FC236}">
-                <a16:creationId xmlns:a16="http://schemas.microsoft.com/office/drawing/2014/main" id="{364739F5-4E08-439E-A7E4-698C671077CE}"/>
+                <a16:creationId xmlns:a16="http://schemas.microsoft.com/office/drawing/2014/main" id="{919794D0-75F6-4155-9A00-30BD0E3E01D9}"/>
               </a:ext>
             </a:extLst>
           </p:cNvPr>
@@ -9330,7 +10286,7 @@
     </p:spTree>
     <p:extLst>
       <p:ext uri="{BB962C8B-B14F-4D97-AF65-F5344CB8AC3E}">
-        <p14:creationId xmlns:p14="http://schemas.microsoft.com/office/powerpoint/2010/main" val="493670208"/>
+        <p14:creationId xmlns:p14="http://schemas.microsoft.com/office/powerpoint/2010/main" val="3985441605"/>
       </p:ext>
     </p:extLst>
   </p:cSld>
@@ -9362,7 +10318,7 @@
           <p:cNvPr id="2" name="Title 1">
             <a:extLst>
               <a:ext uri="{FF2B5EF4-FFF2-40B4-BE49-F238E27FC236}">
-                <a16:creationId xmlns:a16="http://schemas.microsoft.com/office/drawing/2014/main" id="{E7196D3D-589D-4502-BC16-BA5AA2FB28F2}"/>
+                <a16:creationId xmlns:a16="http://schemas.microsoft.com/office/drawing/2014/main" id="{C796BF8E-0DD3-4A64-B37A-5AE4342EC34B}"/>
               </a:ext>
             </a:extLst>
           </p:cNvPr>
@@ -9380,15 +10336,7 @@
           <a:p>
             <a:r>
               <a:rPr lang="en-US" dirty="0"/>
-              <a:t>Connecting to MySQL using </a:t>
-            </a:r>
-            <a:r>
-              <a:rPr lang="en-US" dirty="0" err="1"/>
-              <a:t>config.php</a:t>
-            </a:r>
-            <a:r>
-              <a:rPr lang="en-US" dirty="0"/>
-              <a:t> file</a:t>
+              <a:t>UPDATE Data</a:t>
             </a:r>
           </a:p>
         </p:txBody>
@@ -9398,7 +10346,7 @@
           <p:cNvPr id="3" name="Content Placeholder 2">
             <a:extLst>
               <a:ext uri="{FF2B5EF4-FFF2-40B4-BE49-F238E27FC236}">
-                <a16:creationId xmlns:a16="http://schemas.microsoft.com/office/drawing/2014/main" id="{390DDDD0-D59E-4949-98C1-9CECB4426A9D}"/>
+                <a16:creationId xmlns:a16="http://schemas.microsoft.com/office/drawing/2014/main" id="{CE08E4A6-5B68-4202-9408-3D2A826E258F}"/>
               </a:ext>
             </a:extLst>
           </p:cNvPr>
@@ -9414,260 +10362,7 @@
           <a:bodyPr/>
           <a:lstStyle/>
           <a:p>
-            <a:pPr marL="0" indent="0">
-              <a:spcBef>
-                <a:spcPts val="0"/>
-              </a:spcBef>
-              <a:buNone/>
-            </a:pPr>
-            <a:r>
-              <a:rPr lang="en-US" sz="2000" dirty="0"/>
-              <a:t>&lt;?php</a:t>
-            </a:r>
-          </a:p>
-          <a:p>
-            <a:pPr marL="0" indent="0">
-              <a:spcBef>
-                <a:spcPts val="0"/>
-              </a:spcBef>
-              <a:buNone/>
-            </a:pPr>
-            <a:endParaRPr lang="en-US" sz="2000" dirty="0"/>
-          </a:p>
-          <a:p>
-            <a:pPr marL="0" indent="0">
-              <a:spcBef>
-                <a:spcPts val="0"/>
-              </a:spcBef>
-              <a:buNone/>
-            </a:pPr>
-            <a:r>
-              <a:rPr lang="en-US" sz="2000" dirty="0"/>
-              <a:t>require '</a:t>
-            </a:r>
-            <a:r>
-              <a:rPr lang="en-US" sz="2000" dirty="0" err="1"/>
-              <a:t>config.php</a:t>
-            </a:r>
-            <a:r>
-              <a:rPr lang="en-US" sz="2000" dirty="0"/>
-              <a:t>';</a:t>
-            </a:r>
-          </a:p>
-          <a:p>
-            <a:pPr marL="0" indent="0">
-              <a:spcBef>
-                <a:spcPts val="0"/>
-              </a:spcBef>
-              <a:buNone/>
-            </a:pPr>
-            <a:endParaRPr lang="en-US" sz="2000" dirty="0"/>
-          </a:p>
-          <a:p>
-            <a:pPr marL="0" indent="0">
-              <a:spcBef>
-                <a:spcPts val="0"/>
-              </a:spcBef>
-              <a:buNone/>
-            </a:pPr>
-            <a:r>
-              <a:rPr lang="en-US" sz="2000" dirty="0"/>
-              <a:t>$</a:t>
-            </a:r>
-            <a:r>
-              <a:rPr lang="en-US" sz="2000" dirty="0" err="1"/>
-              <a:t>dsn</a:t>
-            </a:r>
-            <a:r>
-              <a:rPr lang="en-US" sz="2000" dirty="0"/>
-              <a:t> = "</a:t>
-            </a:r>
-            <a:r>
-              <a:rPr lang="en-US" sz="2000" dirty="0" err="1"/>
-              <a:t>mysql:host</a:t>
-            </a:r>
-            <a:r>
-              <a:rPr lang="en-US" sz="2000" dirty="0"/>
-              <a:t>=$</a:t>
-            </a:r>
-            <a:r>
-              <a:rPr lang="en-US" sz="2000" dirty="0" err="1"/>
-              <a:t>host;dbname</a:t>
-            </a:r>
-            <a:r>
-              <a:rPr lang="en-US" sz="2000" dirty="0"/>
-              <a:t>=$</a:t>
-            </a:r>
-            <a:r>
-              <a:rPr lang="en-US" sz="2000" dirty="0" err="1"/>
-              <a:t>db;charset</a:t>
-            </a:r>
-            <a:r>
-              <a:rPr lang="en-US" sz="2000" dirty="0"/>
-              <a:t>=UTF8";</a:t>
-            </a:r>
-          </a:p>
-          <a:p>
-            <a:pPr marL="0" indent="0">
-              <a:spcBef>
-                <a:spcPts val="0"/>
-              </a:spcBef>
-              <a:buNone/>
-            </a:pPr>
-            <a:endParaRPr lang="en-US" sz="2000" dirty="0"/>
-          </a:p>
-          <a:p>
-            <a:pPr marL="0" indent="0">
-              <a:spcBef>
-                <a:spcPts val="0"/>
-              </a:spcBef>
-              <a:buNone/>
-            </a:pPr>
-            <a:r>
-              <a:rPr lang="en-US" sz="2000" dirty="0"/>
-              <a:t>try {</a:t>
-            </a:r>
-          </a:p>
-          <a:p>
-            <a:pPr marL="0" indent="0">
-              <a:spcBef>
-                <a:spcPts val="0"/>
-              </a:spcBef>
-              <a:buNone/>
-            </a:pPr>
-            <a:r>
-              <a:rPr lang="en-US" sz="2000" dirty="0"/>
-              <a:t>	$</a:t>
-            </a:r>
-            <a:r>
-              <a:rPr lang="en-US" sz="2000" dirty="0" err="1"/>
-              <a:t>pdo</a:t>
-            </a:r>
-            <a:r>
-              <a:rPr lang="en-US" sz="2000" dirty="0"/>
-              <a:t> = new PDO($</a:t>
-            </a:r>
-            <a:r>
-              <a:rPr lang="en-US" sz="2000" dirty="0" err="1"/>
-              <a:t>dsn</a:t>
-            </a:r>
-            <a:r>
-              <a:rPr lang="en-US" sz="2000" dirty="0"/>
-              <a:t>, $user, $password);</a:t>
-            </a:r>
-          </a:p>
-          <a:p>
-            <a:pPr marL="0" indent="0">
-              <a:spcBef>
-                <a:spcPts val="0"/>
-              </a:spcBef>
-              <a:buNone/>
-            </a:pPr>
-            <a:endParaRPr lang="en-US" sz="2000" dirty="0"/>
-          </a:p>
-          <a:p>
-            <a:pPr marL="0" indent="0">
-              <a:spcBef>
-                <a:spcPts val="0"/>
-              </a:spcBef>
-              <a:buNone/>
-            </a:pPr>
-            <a:r>
-              <a:rPr lang="en-US" sz="2000" dirty="0"/>
-              <a:t>	if ($</a:t>
-            </a:r>
-            <a:r>
-              <a:rPr lang="en-US" sz="2000" dirty="0" err="1"/>
-              <a:t>pdo</a:t>
-            </a:r>
-            <a:r>
-              <a:rPr lang="en-US" sz="2000" dirty="0"/>
-              <a:t>) {</a:t>
-            </a:r>
-          </a:p>
-          <a:p>
-            <a:pPr marL="0" indent="0">
-              <a:spcBef>
-                <a:spcPts val="0"/>
-              </a:spcBef>
-              <a:buNone/>
-            </a:pPr>
-            <a:r>
-              <a:rPr lang="en-US" sz="2000" dirty="0"/>
-              <a:t>		echo "Connected to the $</a:t>
-            </a:r>
-            <a:r>
-              <a:rPr lang="en-US" sz="2000" dirty="0" err="1"/>
-              <a:t>db</a:t>
-            </a:r>
-            <a:r>
-              <a:rPr lang="en-US" sz="2000" dirty="0"/>
-              <a:t> database successfully!";</a:t>
-            </a:r>
-          </a:p>
-          <a:p>
-            <a:pPr marL="0" indent="0">
-              <a:spcBef>
-                <a:spcPts val="0"/>
-              </a:spcBef>
-              <a:buNone/>
-            </a:pPr>
-            <a:r>
-              <a:rPr lang="en-US" sz="2000" dirty="0"/>
-              <a:t>	}</a:t>
-            </a:r>
-          </a:p>
-          <a:p>
-            <a:pPr marL="0" indent="0">
-              <a:spcBef>
-                <a:spcPts val="0"/>
-              </a:spcBef>
-              <a:buNone/>
-            </a:pPr>
-            <a:r>
-              <a:rPr lang="en-US" sz="2000" dirty="0"/>
-              <a:t>} catch (</a:t>
-            </a:r>
-            <a:r>
-              <a:rPr lang="en-US" sz="2000" dirty="0" err="1"/>
-              <a:t>PDOException</a:t>
-            </a:r>
-            <a:r>
-              <a:rPr lang="en-US" sz="2000" dirty="0"/>
-              <a:t> $e) {</a:t>
-            </a:r>
-          </a:p>
-          <a:p>
-            <a:pPr marL="0" indent="0">
-              <a:spcBef>
-                <a:spcPts val="0"/>
-              </a:spcBef>
-              <a:buNone/>
-            </a:pPr>
-            <a:r>
-              <a:rPr lang="en-US" sz="2000" dirty="0"/>
-              <a:t>	echo $e-&gt;</a:t>
-            </a:r>
-            <a:r>
-              <a:rPr lang="en-US" sz="2000" dirty="0" err="1"/>
-              <a:t>getMessage</a:t>
-            </a:r>
-            <a:r>
-              <a:rPr lang="en-US" sz="2000" dirty="0"/>
-              <a:t>();</a:t>
-            </a:r>
-          </a:p>
-          <a:p>
-            <a:pPr marL="0" indent="0">
-              <a:spcBef>
-                <a:spcPts val="0"/>
-              </a:spcBef>
-              <a:buNone/>
-            </a:pPr>
-            <a:r>
-              <a:rPr lang="en-US" sz="2000" dirty="0"/>
-              <a:t>}</a:t>
-            </a:r>
+            <a:endParaRPr lang="en-US" dirty="0"/>
           </a:p>
         </p:txBody>
       </p:sp>
@@ -9676,7 +10371,7 @@
           <p:cNvPr id="4" name="Date Placeholder 3">
             <a:extLst>
               <a:ext uri="{FF2B5EF4-FFF2-40B4-BE49-F238E27FC236}">
-                <a16:creationId xmlns:a16="http://schemas.microsoft.com/office/drawing/2014/main" id="{F596DD99-7CFA-4427-ADD9-E7969A4D50A4}"/>
+                <a16:creationId xmlns:a16="http://schemas.microsoft.com/office/drawing/2014/main" id="{6E0E3AA6-C118-4805-A2FF-A42512F4E0FD}"/>
               </a:ext>
             </a:extLst>
           </p:cNvPr>
@@ -9708,7 +10403,7 @@
           <p:cNvPr id="5" name="Footer Placeholder 4">
             <a:extLst>
               <a:ext uri="{FF2B5EF4-FFF2-40B4-BE49-F238E27FC236}">
-                <a16:creationId xmlns:a16="http://schemas.microsoft.com/office/drawing/2014/main" id="{1A099548-54F0-4C30-B77F-5B66D68B4F18}"/>
+                <a16:creationId xmlns:a16="http://schemas.microsoft.com/office/drawing/2014/main" id="{F9E01837-AF08-4956-9261-992CDC2B04CD}"/>
               </a:ext>
             </a:extLst>
           </p:cNvPr>
@@ -9739,7 +10434,7 @@
           <p:cNvPr id="6" name="Slide Number Placeholder 5">
             <a:extLst>
               <a:ext uri="{FF2B5EF4-FFF2-40B4-BE49-F238E27FC236}">
-                <a16:creationId xmlns:a16="http://schemas.microsoft.com/office/drawing/2014/main" id="{3439C147-E048-4059-8152-91782B79C783}"/>
+                <a16:creationId xmlns:a16="http://schemas.microsoft.com/office/drawing/2014/main" id="{E0E736DE-4B0C-4942-8249-C916344BB3E8}"/>
               </a:ext>
             </a:extLst>
           </p:cNvPr>
@@ -9774,7 +10469,7 @@
     </p:spTree>
     <p:extLst>
       <p:ext uri="{BB962C8B-B14F-4D97-AF65-F5344CB8AC3E}">
-        <p14:creationId xmlns:p14="http://schemas.microsoft.com/office/powerpoint/2010/main" val="1927694663"/>
+        <p14:creationId xmlns:p14="http://schemas.microsoft.com/office/powerpoint/2010/main" val="3738261169"/>
       </p:ext>
     </p:extLst>
   </p:cSld>
@@ -9803,83 +10498,134 @@
       </p:grpSpPr>
       <p:sp>
         <p:nvSpPr>
-          <p:cNvPr id="70658" name="Title 1"/>
-          <p:cNvSpPr>
-            <a:spLocks noGrp="1"/>
-          </p:cNvSpPr>
-          <p:nvPr>
-            <p:ph type="ctrTitle"/>
-          </p:nvPr>
-        </p:nvSpPr>
-        <p:spPr/>
-        <p:txBody>
-          <a:bodyPr/>
-          <a:lstStyle/>
-          <a:p>
-            <a:r>
-              <a:rPr lang="en-US" altLang="en-US">
+          <p:cNvPr id="2" name="Title 1">
+            <a:extLst>
+              <a:ext uri="{FF2B5EF4-FFF2-40B4-BE49-F238E27FC236}">
+                <a16:creationId xmlns:a16="http://schemas.microsoft.com/office/drawing/2014/main" id="{35F12707-114E-48E3-BA30-AC4EE3B748C6}"/>
+              </a:ext>
+            </a:extLst>
+          </p:cNvPr>
+          <p:cNvSpPr>
+            <a:spLocks noGrp="1"/>
+          </p:cNvSpPr>
+          <p:nvPr>
+            <p:ph type="title"/>
+          </p:nvPr>
+        </p:nvSpPr>
+        <p:spPr/>
+        <p:txBody>
+          <a:bodyPr/>
+          <a:lstStyle/>
+          <a:p>
+            <a:r>
+              <a:rPr lang="en-US" b="1" dirty="0">
                 <a:solidFill>
-                  <a:srgbClr val="0000FF"/>
+                  <a:srgbClr val="0033CC"/>
                 </a:solidFill>
-                <a:latin typeface="Arial" charset="0"/>
-                <a:cs typeface="Arial" charset="0"/>
-              </a:rPr>
-              <a:t>End</a:t>
-            </a:r>
-          </a:p>
-        </p:txBody>
-      </p:sp>
-      <p:sp>
-        <p:nvSpPr>
-          <p:cNvPr id="70659" name="Subtitle 2"/>
-          <p:cNvSpPr>
-            <a:spLocks noGrp="1"/>
-          </p:cNvSpPr>
-          <p:nvPr>
-            <p:ph type="subTitle" idx="1"/>
-          </p:nvPr>
-        </p:nvSpPr>
-        <p:spPr/>
-        <p:txBody>
-          <a:bodyPr/>
-          <a:lstStyle/>
-          <a:p>
-            <a:endParaRPr lang="en-US" altLang="en-US"/>
-          </a:p>
-        </p:txBody>
-      </p:sp>
-      <p:sp>
-        <p:nvSpPr>
-          <p:cNvPr id="70660" name="Date Placeholder 3"/>
-          <p:cNvSpPr>
-            <a:spLocks noGrp="1"/>
-          </p:cNvSpPr>
-          <p:nvPr>
-            <p:ph type="dt" sz="quarter" idx="10"/>
-          </p:nvPr>
-        </p:nvSpPr>
-        <p:spPr>
-          <a:xfrm>
-            <a:off x="762000" y="6248400"/>
-            <a:ext cx="2667000" cy="457200"/>
-          </a:xfrm>
-          <a:noFill/>
-        </p:spPr>
-        <p:txBody>
-          <a:bodyPr/>
-          <a:lstStyle/>
-          <a:p>
+              </a:rPr>
+              <a:t>#Example 4-7</a:t>
+            </a:r>
+            <a:endParaRPr lang="en-US" dirty="0"/>
+          </a:p>
+        </p:txBody>
+      </p:sp>
+      <p:sp>
+        <p:nvSpPr>
+          <p:cNvPr id="3" name="Content Placeholder 2">
+            <a:extLst>
+              <a:ext uri="{FF2B5EF4-FFF2-40B4-BE49-F238E27FC236}">
+                <a16:creationId xmlns:a16="http://schemas.microsoft.com/office/drawing/2014/main" id="{138B178F-A9B2-4F67-8C6E-F193C7296979}"/>
+              </a:ext>
+            </a:extLst>
+          </p:cNvPr>
+          <p:cNvSpPr>
+            <a:spLocks noGrp="1"/>
+          </p:cNvSpPr>
+          <p:nvPr>
+            <p:ph idx="1"/>
+          </p:nvPr>
+        </p:nvSpPr>
+        <p:spPr/>
+        <p:txBody>
+          <a:bodyPr/>
+          <a:lstStyle/>
+          <a:p>
+            <a:pPr marL="0" indent="0">
+              <a:buNone/>
+            </a:pPr>
+            <a:r>
+              <a:rPr lang="en-US" sz="2800" b="1" dirty="0"/>
+              <a:t>Requirements:</a:t>
+            </a:r>
+          </a:p>
+          <a:p>
+            <a:pPr marL="0" indent="0">
+              <a:buNone/>
+            </a:pPr>
+            <a:r>
+              <a:rPr lang="en-US" sz="2800" dirty="0"/>
+              <a:t>Write a PHP script to connect to database and show all products table records with update button to update a selected product record using HTML form and data validation.</a:t>
+            </a:r>
+          </a:p>
+          <a:p>
+            <a:pPr marL="0" indent="0">
+              <a:buNone/>
+            </a:pPr>
+            <a:endParaRPr lang="en-US" sz="2800" dirty="0"/>
+          </a:p>
+          <a:p>
+            <a:r>
+              <a:rPr lang="en-US" sz="2800" dirty="0"/>
+              <a:t>See it on </a:t>
+            </a:r>
+            <a:r>
+              <a:rPr lang="en-US" sz="2800" b="1" dirty="0"/>
+              <a:t>GitHub</a:t>
+            </a:r>
+          </a:p>
+        </p:txBody>
+      </p:sp>
+      <p:sp>
+        <p:nvSpPr>
+          <p:cNvPr id="4" name="Date Placeholder 3">
+            <a:extLst>
+              <a:ext uri="{FF2B5EF4-FFF2-40B4-BE49-F238E27FC236}">
+                <a16:creationId xmlns:a16="http://schemas.microsoft.com/office/drawing/2014/main" id="{C00B316C-9F11-41E1-A762-AB675A00184F}"/>
+              </a:ext>
+            </a:extLst>
+          </p:cNvPr>
+          <p:cNvSpPr>
+            <a:spLocks noGrp="1"/>
+          </p:cNvSpPr>
+          <p:nvPr>
+            <p:ph type="dt" sz="half" idx="10"/>
+          </p:nvPr>
+        </p:nvSpPr>
+        <p:spPr/>
+        <p:txBody>
+          <a:bodyPr/>
+          <a:lstStyle/>
+          <a:p>
+            <a:pPr>
+              <a:defRPr/>
+            </a:pPr>
             <a:r>
               <a:rPr lang="en-US" altLang="en-US"/>
               <a:t>Ch 4 - Connect PHP to Database</a:t>
             </a:r>
-            <a:endParaRPr lang="en-US" altLang="en-US" sz="1600"/>
-          </a:p>
-        </p:txBody>
-      </p:sp>
-      <p:sp>
-        <p:nvSpPr>
-          <p:cNvPr id="70661" name="Footer Placeholder 4"/>
+            <a:endParaRPr lang="en-US" altLang="en-US" dirty="0"/>
+          </a:p>
+        </p:txBody>
+      </p:sp>
+      <p:sp>
+        <p:nvSpPr>
+          <p:cNvPr id="5" name="Footer Placeholder 4">
+            <a:extLst>
+              <a:ext uri="{FF2B5EF4-FFF2-40B4-BE49-F238E27FC236}">
+                <a16:creationId xmlns:a16="http://schemas.microsoft.com/office/drawing/2014/main" id="{A60E06D2-84AD-485E-BBDA-DEA27B153696}"/>
+              </a:ext>
+            </a:extLst>
+          </p:cNvPr>
           <p:cNvSpPr>
             <a:spLocks noGrp="1"/>
           </p:cNvSpPr>
@@ -9887,28 +10633,30 @@
             <p:ph type="ftr" sz="quarter" idx="11"/>
           </p:nvPr>
         </p:nvSpPr>
-        <p:spPr>
-          <a:xfrm>
-            <a:off x="3581400" y="6248400"/>
-            <a:ext cx="2800350" cy="457200"/>
-          </a:xfrm>
-          <a:noFill/>
-        </p:spPr>
-        <p:txBody>
-          <a:bodyPr/>
-          <a:lstStyle/>
-          <a:p>
-            <a:r>
-              <a:rPr lang="en-US" altLang="en-US"/>
+        <p:spPr/>
+        <p:txBody>
+          <a:bodyPr/>
+          <a:lstStyle/>
+          <a:p>
+            <a:pPr>
+              <a:defRPr/>
+            </a:pPr>
+            <a:r>
+              <a:rPr lang="en-US"/>
               <a:t>PHP Programming | Ahmad Assaf</a:t>
             </a:r>
-            <a:endParaRPr lang="en-US" altLang="en-US" sz="1800"/>
-          </a:p>
-        </p:txBody>
-      </p:sp>
-      <p:sp>
-        <p:nvSpPr>
-          <p:cNvPr id="70662" name="Slide Number Placeholder 5"/>
+          </a:p>
+        </p:txBody>
+      </p:sp>
+      <p:sp>
+        <p:nvSpPr>
+          <p:cNvPr id="6" name="Slide Number Placeholder 5">
+            <a:extLst>
+              <a:ext uri="{FF2B5EF4-FFF2-40B4-BE49-F238E27FC236}">
+                <a16:creationId xmlns:a16="http://schemas.microsoft.com/office/drawing/2014/main" id="{919794D0-75F6-4155-9A00-30BD0E3E01D9}"/>
+              </a:ext>
+            </a:extLst>
+          </p:cNvPr>
           <p:cNvSpPr>
             <a:spLocks noGrp="1"/>
           </p:cNvSpPr>
@@ -9916,22 +10664,20 @@
             <p:ph type="sldNum" sz="quarter" idx="12"/>
           </p:nvPr>
         </p:nvSpPr>
-        <p:spPr>
-          <a:noFill/>
-        </p:spPr>
-        <p:txBody>
-          <a:bodyPr/>
-          <a:lstStyle/>
-          <a:p>
-            <a:endParaRPr lang="en-US" altLang="en-US" sz="1400"/>
+        <p:spPr/>
+        <p:txBody>
+          <a:bodyPr/>
+          <a:lstStyle/>
+          <a:p>
+            <a:endParaRPr lang="en-US" altLang="en-US"/>
           </a:p>
           <a:p>
             <a:r>
               <a:rPr lang="en-US" altLang="en-US"/>
               <a:t>Slide </a:t>
             </a:r>
-            <a:fld id="{17601E1E-383D-4E6C-9094-D3473DF222B6}" type="slidenum">
-              <a:rPr lang="en-US" altLang="en-US"/>
+            <a:fld id="{3846139B-482C-4487-873A-80B784CA58EF}" type="slidenum">
+              <a:rPr lang="en-US" altLang="en-US" smtClean="0"/>
               <a:pPr/>
               <a:t>25</a:t>
             </a:fld>
@@ -9940,6 +10686,946 @@
         </p:txBody>
       </p:sp>
     </p:spTree>
+    <p:extLst>
+      <p:ext uri="{BB962C8B-B14F-4D97-AF65-F5344CB8AC3E}">
+        <p14:creationId xmlns:p14="http://schemas.microsoft.com/office/powerpoint/2010/main" val="3651151462"/>
+      </p:ext>
+    </p:extLst>
+  </p:cSld>
+  <p:clrMapOvr>
+    <a:masterClrMapping/>
+  </p:clrMapOvr>
+</p:sld>
+</file>
+
+<file path=ppt/slides/slide26.xml><?xml version="1.0" encoding="utf-8"?>
+<p:sld xmlns:a="http://schemas.openxmlformats.org/drawingml/2006/main" xmlns:r="http://schemas.openxmlformats.org/officeDocument/2006/relationships" xmlns:p="http://schemas.openxmlformats.org/presentationml/2006/main">
+  <p:cSld>
+    <p:spTree>
+      <p:nvGrpSpPr>
+        <p:cNvPr id="1" name=""/>
+        <p:cNvGrpSpPr/>
+        <p:nvPr/>
+      </p:nvGrpSpPr>
+      <p:grpSpPr>
+        <a:xfrm>
+          <a:off x="0" y="0"/>
+          <a:ext cx="0" cy="0"/>
+          <a:chOff x="0" y="0"/>
+          <a:chExt cx="0" cy="0"/>
+        </a:xfrm>
+      </p:grpSpPr>
+      <p:sp>
+        <p:nvSpPr>
+          <p:cNvPr id="2" name="Title 1">
+            <a:extLst>
+              <a:ext uri="{FF2B5EF4-FFF2-40B4-BE49-F238E27FC236}">
+                <a16:creationId xmlns:a16="http://schemas.microsoft.com/office/drawing/2014/main" id="{D8027D32-8250-488A-8165-FDF5598269A8}"/>
+              </a:ext>
+            </a:extLst>
+          </p:cNvPr>
+          <p:cNvSpPr>
+            <a:spLocks noGrp="1"/>
+          </p:cNvSpPr>
+          <p:nvPr>
+            <p:ph type="title"/>
+          </p:nvPr>
+        </p:nvSpPr>
+        <p:spPr/>
+        <p:txBody>
+          <a:bodyPr/>
+          <a:lstStyle/>
+          <a:p>
+            <a:r>
+              <a:rPr lang="en-US" dirty="0"/>
+              <a:t>DELETE Data</a:t>
+            </a:r>
+          </a:p>
+        </p:txBody>
+      </p:sp>
+      <p:sp>
+        <p:nvSpPr>
+          <p:cNvPr id="3" name="Content Placeholder 2">
+            <a:extLst>
+              <a:ext uri="{FF2B5EF4-FFF2-40B4-BE49-F238E27FC236}">
+                <a16:creationId xmlns:a16="http://schemas.microsoft.com/office/drawing/2014/main" id="{7285B70D-73D8-4164-93C5-6D0FED2C6A47}"/>
+              </a:ext>
+            </a:extLst>
+          </p:cNvPr>
+          <p:cNvSpPr>
+            <a:spLocks noGrp="1"/>
+          </p:cNvSpPr>
+          <p:nvPr>
+            <p:ph idx="1"/>
+          </p:nvPr>
+        </p:nvSpPr>
+        <p:spPr/>
+        <p:txBody>
+          <a:bodyPr/>
+          <a:lstStyle/>
+          <a:p>
+            <a:endParaRPr lang="en-US"/>
+          </a:p>
+        </p:txBody>
+      </p:sp>
+      <p:sp>
+        <p:nvSpPr>
+          <p:cNvPr id="4" name="Date Placeholder 3">
+            <a:extLst>
+              <a:ext uri="{FF2B5EF4-FFF2-40B4-BE49-F238E27FC236}">
+                <a16:creationId xmlns:a16="http://schemas.microsoft.com/office/drawing/2014/main" id="{8476093F-0A5C-488F-AF7C-F52DC1A2285C}"/>
+              </a:ext>
+            </a:extLst>
+          </p:cNvPr>
+          <p:cNvSpPr>
+            <a:spLocks noGrp="1"/>
+          </p:cNvSpPr>
+          <p:nvPr>
+            <p:ph type="dt" sz="half" idx="10"/>
+          </p:nvPr>
+        </p:nvSpPr>
+        <p:spPr/>
+        <p:txBody>
+          <a:bodyPr/>
+          <a:lstStyle/>
+          <a:p>
+            <a:pPr>
+              <a:defRPr/>
+            </a:pPr>
+            <a:r>
+              <a:rPr lang="en-US" altLang="en-US"/>
+              <a:t>Ch 4 - Connect PHP to Database</a:t>
+            </a:r>
+            <a:endParaRPr lang="en-US" altLang="en-US" dirty="0"/>
+          </a:p>
+        </p:txBody>
+      </p:sp>
+      <p:sp>
+        <p:nvSpPr>
+          <p:cNvPr id="5" name="Footer Placeholder 4">
+            <a:extLst>
+              <a:ext uri="{FF2B5EF4-FFF2-40B4-BE49-F238E27FC236}">
+                <a16:creationId xmlns:a16="http://schemas.microsoft.com/office/drawing/2014/main" id="{280C1D1E-7A05-4EAE-A9E5-533846AE91C5}"/>
+              </a:ext>
+            </a:extLst>
+          </p:cNvPr>
+          <p:cNvSpPr>
+            <a:spLocks noGrp="1"/>
+          </p:cNvSpPr>
+          <p:nvPr>
+            <p:ph type="ftr" sz="quarter" idx="11"/>
+          </p:nvPr>
+        </p:nvSpPr>
+        <p:spPr/>
+        <p:txBody>
+          <a:bodyPr/>
+          <a:lstStyle/>
+          <a:p>
+            <a:pPr>
+              <a:defRPr/>
+            </a:pPr>
+            <a:r>
+              <a:rPr lang="en-US"/>
+              <a:t>PHP Programming | Ahmad Assaf</a:t>
+            </a:r>
+          </a:p>
+        </p:txBody>
+      </p:sp>
+      <p:sp>
+        <p:nvSpPr>
+          <p:cNvPr id="6" name="Slide Number Placeholder 5">
+            <a:extLst>
+              <a:ext uri="{FF2B5EF4-FFF2-40B4-BE49-F238E27FC236}">
+                <a16:creationId xmlns:a16="http://schemas.microsoft.com/office/drawing/2014/main" id="{A30A94AA-C698-4467-812A-2865A39C09A6}"/>
+              </a:ext>
+            </a:extLst>
+          </p:cNvPr>
+          <p:cNvSpPr>
+            <a:spLocks noGrp="1"/>
+          </p:cNvSpPr>
+          <p:nvPr>
+            <p:ph type="sldNum" sz="quarter" idx="12"/>
+          </p:nvPr>
+        </p:nvSpPr>
+        <p:spPr/>
+        <p:txBody>
+          <a:bodyPr/>
+          <a:lstStyle/>
+          <a:p>
+            <a:endParaRPr lang="en-US" altLang="en-US"/>
+          </a:p>
+          <a:p>
+            <a:r>
+              <a:rPr lang="en-US" altLang="en-US"/>
+              <a:t>Slide </a:t>
+            </a:r>
+            <a:fld id="{3846139B-482C-4487-873A-80B784CA58EF}" type="slidenum">
+              <a:rPr lang="en-US" altLang="en-US" smtClean="0"/>
+              <a:pPr/>
+              <a:t>26</a:t>
+            </a:fld>
+            <a:endParaRPr lang="en-US" altLang="en-US"/>
+          </a:p>
+        </p:txBody>
+      </p:sp>
+    </p:spTree>
+    <p:extLst>
+      <p:ext uri="{BB962C8B-B14F-4D97-AF65-F5344CB8AC3E}">
+        <p14:creationId xmlns:p14="http://schemas.microsoft.com/office/powerpoint/2010/main" val="2711312015"/>
+      </p:ext>
+    </p:extLst>
+  </p:cSld>
+  <p:clrMapOvr>
+    <a:masterClrMapping/>
+  </p:clrMapOvr>
+</p:sld>
+</file>
+
+<file path=ppt/slides/slide27.xml><?xml version="1.0" encoding="utf-8"?>
+<p:sld xmlns:a="http://schemas.openxmlformats.org/drawingml/2006/main" xmlns:r="http://schemas.openxmlformats.org/officeDocument/2006/relationships" xmlns:p="http://schemas.openxmlformats.org/presentationml/2006/main">
+  <p:cSld>
+    <p:spTree>
+      <p:nvGrpSpPr>
+        <p:cNvPr id="1" name=""/>
+        <p:cNvGrpSpPr/>
+        <p:nvPr/>
+      </p:nvGrpSpPr>
+      <p:grpSpPr>
+        <a:xfrm>
+          <a:off x="0" y="0"/>
+          <a:ext cx="0" cy="0"/>
+          <a:chOff x="0" y="0"/>
+          <a:chExt cx="0" cy="0"/>
+        </a:xfrm>
+      </p:grpSpPr>
+      <p:sp>
+        <p:nvSpPr>
+          <p:cNvPr id="2" name="Title 1">
+            <a:extLst>
+              <a:ext uri="{FF2B5EF4-FFF2-40B4-BE49-F238E27FC236}">
+                <a16:creationId xmlns:a16="http://schemas.microsoft.com/office/drawing/2014/main" id="{35F12707-114E-48E3-BA30-AC4EE3B748C6}"/>
+              </a:ext>
+            </a:extLst>
+          </p:cNvPr>
+          <p:cNvSpPr>
+            <a:spLocks noGrp="1"/>
+          </p:cNvSpPr>
+          <p:nvPr>
+            <p:ph type="title"/>
+          </p:nvPr>
+        </p:nvSpPr>
+        <p:spPr/>
+        <p:txBody>
+          <a:bodyPr/>
+          <a:lstStyle/>
+          <a:p>
+            <a:r>
+              <a:rPr lang="en-US" b="1" dirty="0">
+                <a:solidFill>
+                  <a:srgbClr val="0033CC"/>
+                </a:solidFill>
+              </a:rPr>
+              <a:t>#Example 4-8</a:t>
+            </a:r>
+            <a:endParaRPr lang="en-US" dirty="0"/>
+          </a:p>
+        </p:txBody>
+      </p:sp>
+      <p:sp>
+        <p:nvSpPr>
+          <p:cNvPr id="3" name="Content Placeholder 2">
+            <a:extLst>
+              <a:ext uri="{FF2B5EF4-FFF2-40B4-BE49-F238E27FC236}">
+                <a16:creationId xmlns:a16="http://schemas.microsoft.com/office/drawing/2014/main" id="{138B178F-A9B2-4F67-8C6E-F193C7296979}"/>
+              </a:ext>
+            </a:extLst>
+          </p:cNvPr>
+          <p:cNvSpPr>
+            <a:spLocks noGrp="1"/>
+          </p:cNvSpPr>
+          <p:nvPr>
+            <p:ph idx="1"/>
+          </p:nvPr>
+        </p:nvSpPr>
+        <p:spPr/>
+        <p:txBody>
+          <a:bodyPr/>
+          <a:lstStyle/>
+          <a:p>
+            <a:pPr marL="0" indent="0">
+              <a:buNone/>
+            </a:pPr>
+            <a:r>
+              <a:rPr lang="en-US" sz="2800" b="1" dirty="0"/>
+              <a:t>Requirements:</a:t>
+            </a:r>
+          </a:p>
+          <a:p>
+            <a:pPr marL="0" indent="0">
+              <a:buNone/>
+            </a:pPr>
+            <a:r>
+              <a:rPr lang="en-US" sz="2800" dirty="0"/>
+              <a:t>Write a PHP script to connect to database and show all products table records with delete button for each record to delete the record when the button have been pressed.</a:t>
+            </a:r>
+          </a:p>
+          <a:p>
+            <a:pPr marL="0" indent="0">
+              <a:buNone/>
+            </a:pPr>
+            <a:endParaRPr lang="en-US" sz="2800" dirty="0"/>
+          </a:p>
+          <a:p>
+            <a:r>
+              <a:rPr lang="en-US" sz="2800" dirty="0"/>
+              <a:t>See it on </a:t>
+            </a:r>
+            <a:r>
+              <a:rPr lang="en-US" sz="2800" b="1" dirty="0"/>
+              <a:t>GitHub</a:t>
+            </a:r>
+          </a:p>
+        </p:txBody>
+      </p:sp>
+      <p:sp>
+        <p:nvSpPr>
+          <p:cNvPr id="4" name="Date Placeholder 3">
+            <a:extLst>
+              <a:ext uri="{FF2B5EF4-FFF2-40B4-BE49-F238E27FC236}">
+                <a16:creationId xmlns:a16="http://schemas.microsoft.com/office/drawing/2014/main" id="{C00B316C-9F11-41E1-A762-AB675A00184F}"/>
+              </a:ext>
+            </a:extLst>
+          </p:cNvPr>
+          <p:cNvSpPr>
+            <a:spLocks noGrp="1"/>
+          </p:cNvSpPr>
+          <p:nvPr>
+            <p:ph type="dt" sz="half" idx="10"/>
+          </p:nvPr>
+        </p:nvSpPr>
+        <p:spPr/>
+        <p:txBody>
+          <a:bodyPr/>
+          <a:lstStyle/>
+          <a:p>
+            <a:pPr>
+              <a:defRPr/>
+            </a:pPr>
+            <a:r>
+              <a:rPr lang="en-US" altLang="en-US"/>
+              <a:t>Ch 4 - Connect PHP to Database</a:t>
+            </a:r>
+            <a:endParaRPr lang="en-US" altLang="en-US" dirty="0"/>
+          </a:p>
+        </p:txBody>
+      </p:sp>
+      <p:sp>
+        <p:nvSpPr>
+          <p:cNvPr id="5" name="Footer Placeholder 4">
+            <a:extLst>
+              <a:ext uri="{FF2B5EF4-FFF2-40B4-BE49-F238E27FC236}">
+                <a16:creationId xmlns:a16="http://schemas.microsoft.com/office/drawing/2014/main" id="{A60E06D2-84AD-485E-BBDA-DEA27B153696}"/>
+              </a:ext>
+            </a:extLst>
+          </p:cNvPr>
+          <p:cNvSpPr>
+            <a:spLocks noGrp="1"/>
+          </p:cNvSpPr>
+          <p:nvPr>
+            <p:ph type="ftr" sz="quarter" idx="11"/>
+          </p:nvPr>
+        </p:nvSpPr>
+        <p:spPr/>
+        <p:txBody>
+          <a:bodyPr/>
+          <a:lstStyle/>
+          <a:p>
+            <a:pPr>
+              <a:defRPr/>
+            </a:pPr>
+            <a:r>
+              <a:rPr lang="en-US"/>
+              <a:t>PHP Programming | Ahmad Assaf</a:t>
+            </a:r>
+          </a:p>
+        </p:txBody>
+      </p:sp>
+      <p:sp>
+        <p:nvSpPr>
+          <p:cNvPr id="6" name="Slide Number Placeholder 5">
+            <a:extLst>
+              <a:ext uri="{FF2B5EF4-FFF2-40B4-BE49-F238E27FC236}">
+                <a16:creationId xmlns:a16="http://schemas.microsoft.com/office/drawing/2014/main" id="{919794D0-75F6-4155-9A00-30BD0E3E01D9}"/>
+              </a:ext>
+            </a:extLst>
+          </p:cNvPr>
+          <p:cNvSpPr>
+            <a:spLocks noGrp="1"/>
+          </p:cNvSpPr>
+          <p:nvPr>
+            <p:ph type="sldNum" sz="quarter" idx="12"/>
+          </p:nvPr>
+        </p:nvSpPr>
+        <p:spPr/>
+        <p:txBody>
+          <a:bodyPr/>
+          <a:lstStyle/>
+          <a:p>
+            <a:endParaRPr lang="en-US" altLang="en-US"/>
+          </a:p>
+          <a:p>
+            <a:r>
+              <a:rPr lang="en-US" altLang="en-US"/>
+              <a:t>Slide </a:t>
+            </a:r>
+            <a:fld id="{3846139B-482C-4487-873A-80B784CA58EF}" type="slidenum">
+              <a:rPr lang="en-US" altLang="en-US" smtClean="0"/>
+              <a:pPr/>
+              <a:t>27</a:t>
+            </a:fld>
+            <a:endParaRPr lang="en-US" altLang="en-US"/>
+          </a:p>
+        </p:txBody>
+      </p:sp>
+    </p:spTree>
+    <p:extLst>
+      <p:ext uri="{BB962C8B-B14F-4D97-AF65-F5344CB8AC3E}">
+        <p14:creationId xmlns:p14="http://schemas.microsoft.com/office/powerpoint/2010/main" val="501000930"/>
+      </p:ext>
+    </p:extLst>
+  </p:cSld>
+  <p:clrMapOvr>
+    <a:masterClrMapping/>
+  </p:clrMapOvr>
+</p:sld>
+</file>
+
+<file path=ppt/slides/slide28.xml><?xml version="1.0" encoding="utf-8"?>
+<p:sld xmlns:a="http://schemas.openxmlformats.org/drawingml/2006/main" xmlns:r="http://schemas.openxmlformats.org/officeDocument/2006/relationships" xmlns:p="http://schemas.openxmlformats.org/presentationml/2006/main">
+  <p:cSld>
+    <p:spTree>
+      <p:nvGrpSpPr>
+        <p:cNvPr id="1" name=""/>
+        <p:cNvGrpSpPr/>
+        <p:nvPr/>
+      </p:nvGrpSpPr>
+      <p:grpSpPr>
+        <a:xfrm>
+          <a:off x="0" y="0"/>
+          <a:ext cx="0" cy="0"/>
+          <a:chOff x="0" y="0"/>
+          <a:chExt cx="0" cy="0"/>
+        </a:xfrm>
+      </p:grpSpPr>
+      <p:sp>
+        <p:nvSpPr>
+          <p:cNvPr id="2" name="Title 1">
+            <a:extLst>
+              <a:ext uri="{FF2B5EF4-FFF2-40B4-BE49-F238E27FC236}">
+                <a16:creationId xmlns:a16="http://schemas.microsoft.com/office/drawing/2014/main" id="{16BCBA9D-4A19-41BD-BE8E-D69F349171EC}"/>
+              </a:ext>
+            </a:extLst>
+          </p:cNvPr>
+          <p:cNvSpPr>
+            <a:spLocks noGrp="1"/>
+          </p:cNvSpPr>
+          <p:nvPr>
+            <p:ph type="title"/>
+          </p:nvPr>
+        </p:nvSpPr>
+        <p:spPr/>
+        <p:txBody>
+          <a:bodyPr/>
+          <a:lstStyle/>
+          <a:p>
+            <a:r>
+              <a:rPr lang="en-US" dirty="0"/>
+              <a:t>#Example 4-9 </a:t>
+            </a:r>
+          </a:p>
+        </p:txBody>
+      </p:sp>
+      <p:sp>
+        <p:nvSpPr>
+          <p:cNvPr id="3" name="Content Placeholder 2">
+            <a:extLst>
+              <a:ext uri="{FF2B5EF4-FFF2-40B4-BE49-F238E27FC236}">
+                <a16:creationId xmlns:a16="http://schemas.microsoft.com/office/drawing/2014/main" id="{2F0B40C9-22F0-47FC-9AA3-967FE3407BAE}"/>
+              </a:ext>
+            </a:extLst>
+          </p:cNvPr>
+          <p:cNvSpPr>
+            <a:spLocks noGrp="1"/>
+          </p:cNvSpPr>
+          <p:nvPr>
+            <p:ph idx="1"/>
+          </p:nvPr>
+        </p:nvSpPr>
+        <p:spPr/>
+        <p:txBody>
+          <a:bodyPr/>
+          <a:lstStyle/>
+          <a:p>
+            <a:r>
+              <a:rPr lang="en-US" sz="2800" dirty="0"/>
+              <a:t>Visit and review news websites and make analysis to do:</a:t>
+            </a:r>
+          </a:p>
+          <a:p>
+            <a:pPr marL="514350" indent="-514350">
+              <a:buFont typeface="+mj-lt"/>
+              <a:buAutoNum type="arabicPeriod"/>
+            </a:pPr>
+            <a:r>
+              <a:rPr lang="en-US" sz="2800" dirty="0"/>
+              <a:t>Write requirements to have similar news website</a:t>
+            </a:r>
+          </a:p>
+          <a:p>
+            <a:pPr marL="514350" indent="-514350">
+              <a:buFont typeface="+mj-lt"/>
+              <a:buAutoNum type="arabicPeriod"/>
+            </a:pPr>
+            <a:r>
+              <a:rPr lang="en-US" sz="2800" dirty="0"/>
+              <a:t>Design and build a database</a:t>
+            </a:r>
+          </a:p>
+          <a:p>
+            <a:pPr marL="514350" indent="-514350">
+              <a:buFont typeface="+mj-lt"/>
+              <a:buAutoNum type="arabicPeriod"/>
+            </a:pPr>
+            <a:r>
+              <a:rPr lang="en-US" sz="2800" dirty="0"/>
+              <a:t>Build a CRUD system for the news portal</a:t>
+            </a:r>
+          </a:p>
+        </p:txBody>
+      </p:sp>
+      <p:sp>
+        <p:nvSpPr>
+          <p:cNvPr id="4" name="Date Placeholder 3">
+            <a:extLst>
+              <a:ext uri="{FF2B5EF4-FFF2-40B4-BE49-F238E27FC236}">
+                <a16:creationId xmlns:a16="http://schemas.microsoft.com/office/drawing/2014/main" id="{18664107-C3FD-4D9D-A14C-03F532BC4EE5}"/>
+              </a:ext>
+            </a:extLst>
+          </p:cNvPr>
+          <p:cNvSpPr>
+            <a:spLocks noGrp="1"/>
+          </p:cNvSpPr>
+          <p:nvPr>
+            <p:ph type="dt" sz="half" idx="10"/>
+          </p:nvPr>
+        </p:nvSpPr>
+        <p:spPr/>
+        <p:txBody>
+          <a:bodyPr/>
+          <a:lstStyle/>
+          <a:p>
+            <a:pPr>
+              <a:defRPr/>
+            </a:pPr>
+            <a:r>
+              <a:rPr lang="en-US" altLang="en-US"/>
+              <a:t>Ch 4 - Connect PHP to Database</a:t>
+            </a:r>
+            <a:endParaRPr lang="en-US" altLang="en-US" dirty="0"/>
+          </a:p>
+        </p:txBody>
+      </p:sp>
+      <p:sp>
+        <p:nvSpPr>
+          <p:cNvPr id="5" name="Footer Placeholder 4">
+            <a:extLst>
+              <a:ext uri="{FF2B5EF4-FFF2-40B4-BE49-F238E27FC236}">
+                <a16:creationId xmlns:a16="http://schemas.microsoft.com/office/drawing/2014/main" id="{646DA357-09D7-4817-9D7D-3591A1AA6194}"/>
+              </a:ext>
+            </a:extLst>
+          </p:cNvPr>
+          <p:cNvSpPr>
+            <a:spLocks noGrp="1"/>
+          </p:cNvSpPr>
+          <p:nvPr>
+            <p:ph type="ftr" sz="quarter" idx="11"/>
+          </p:nvPr>
+        </p:nvSpPr>
+        <p:spPr/>
+        <p:txBody>
+          <a:bodyPr/>
+          <a:lstStyle/>
+          <a:p>
+            <a:pPr>
+              <a:defRPr/>
+            </a:pPr>
+            <a:r>
+              <a:rPr lang="en-US"/>
+              <a:t>PHP Programming | Ahmad Assaf</a:t>
+            </a:r>
+          </a:p>
+        </p:txBody>
+      </p:sp>
+      <p:sp>
+        <p:nvSpPr>
+          <p:cNvPr id="6" name="Slide Number Placeholder 5">
+            <a:extLst>
+              <a:ext uri="{FF2B5EF4-FFF2-40B4-BE49-F238E27FC236}">
+                <a16:creationId xmlns:a16="http://schemas.microsoft.com/office/drawing/2014/main" id="{E816EE60-DCA6-447F-B315-BCBEC628EEB0}"/>
+              </a:ext>
+            </a:extLst>
+          </p:cNvPr>
+          <p:cNvSpPr>
+            <a:spLocks noGrp="1"/>
+          </p:cNvSpPr>
+          <p:nvPr>
+            <p:ph type="sldNum" sz="quarter" idx="12"/>
+          </p:nvPr>
+        </p:nvSpPr>
+        <p:spPr/>
+        <p:txBody>
+          <a:bodyPr/>
+          <a:lstStyle/>
+          <a:p>
+            <a:endParaRPr lang="en-US" altLang="en-US"/>
+          </a:p>
+          <a:p>
+            <a:r>
+              <a:rPr lang="en-US" altLang="en-US"/>
+              <a:t>Slide </a:t>
+            </a:r>
+            <a:fld id="{3846139B-482C-4487-873A-80B784CA58EF}" type="slidenum">
+              <a:rPr lang="en-US" altLang="en-US" smtClean="0"/>
+              <a:pPr/>
+              <a:t>28</a:t>
+            </a:fld>
+            <a:endParaRPr lang="en-US" altLang="en-US"/>
+          </a:p>
+        </p:txBody>
+      </p:sp>
+    </p:spTree>
+    <p:extLst>
+      <p:ext uri="{BB962C8B-B14F-4D97-AF65-F5344CB8AC3E}">
+        <p14:creationId xmlns:p14="http://schemas.microsoft.com/office/powerpoint/2010/main" val="1016149417"/>
+      </p:ext>
+    </p:extLst>
+  </p:cSld>
+  <p:clrMapOvr>
+    <a:masterClrMapping/>
+  </p:clrMapOvr>
+</p:sld>
+</file>
+
+<file path=ppt/slides/slide29.xml><?xml version="1.0" encoding="utf-8"?>
+<p:sld xmlns:a="http://schemas.openxmlformats.org/drawingml/2006/main" xmlns:r="http://schemas.openxmlformats.org/officeDocument/2006/relationships" xmlns:p="http://schemas.openxmlformats.org/presentationml/2006/main">
+  <p:cSld>
+    <p:spTree>
+      <p:nvGrpSpPr>
+        <p:cNvPr id="1" name=""/>
+        <p:cNvGrpSpPr/>
+        <p:nvPr/>
+      </p:nvGrpSpPr>
+      <p:grpSpPr>
+        <a:xfrm>
+          <a:off x="0" y="0"/>
+          <a:ext cx="0" cy="0"/>
+          <a:chOff x="0" y="0"/>
+          <a:chExt cx="0" cy="0"/>
+        </a:xfrm>
+      </p:grpSpPr>
+      <p:sp>
+        <p:nvSpPr>
+          <p:cNvPr id="2" name="Title 1">
+            <a:extLst>
+              <a:ext uri="{FF2B5EF4-FFF2-40B4-BE49-F238E27FC236}">
+                <a16:creationId xmlns:a16="http://schemas.microsoft.com/office/drawing/2014/main" id="{F89016AC-73C8-4CE2-B9A7-CCA7304B3385}"/>
+              </a:ext>
+            </a:extLst>
+          </p:cNvPr>
+          <p:cNvSpPr>
+            <a:spLocks noGrp="1"/>
+          </p:cNvSpPr>
+          <p:nvPr>
+            <p:ph type="title"/>
+          </p:nvPr>
+        </p:nvSpPr>
+        <p:spPr/>
+        <p:txBody>
+          <a:bodyPr/>
+          <a:lstStyle/>
+          <a:p>
+            <a:r>
+              <a:rPr lang="en-US" dirty="0" err="1"/>
+              <a:t>config.php</a:t>
+            </a:r>
+            <a:r>
+              <a:rPr lang="en-US" dirty="0"/>
+              <a:t> file</a:t>
+            </a:r>
+          </a:p>
+        </p:txBody>
+      </p:sp>
+      <p:sp>
+        <p:nvSpPr>
+          <p:cNvPr id="3" name="Content Placeholder 2">
+            <a:extLst>
+              <a:ext uri="{FF2B5EF4-FFF2-40B4-BE49-F238E27FC236}">
+                <a16:creationId xmlns:a16="http://schemas.microsoft.com/office/drawing/2014/main" id="{2CC3E9C6-8C6A-4036-A210-D86BFA893EAD}"/>
+              </a:ext>
+            </a:extLst>
+          </p:cNvPr>
+          <p:cNvSpPr>
+            <a:spLocks noGrp="1"/>
+          </p:cNvSpPr>
+          <p:nvPr>
+            <p:ph idx="1"/>
+          </p:nvPr>
+        </p:nvSpPr>
+        <p:spPr/>
+        <p:txBody>
+          <a:bodyPr/>
+          <a:lstStyle/>
+          <a:p>
+            <a:r>
+              <a:rPr lang="en-US" sz="2000" dirty="0"/>
+              <a:t>In PHP, you can create a </a:t>
+            </a:r>
+            <a:r>
+              <a:rPr lang="en-US" sz="2000" dirty="0" err="1"/>
+              <a:t>config.php</a:t>
+            </a:r>
+            <a:r>
+              <a:rPr lang="en-US" sz="2000" dirty="0"/>
+              <a:t> file and place the database parameters:</a:t>
+            </a:r>
+          </a:p>
+          <a:p>
+            <a:endParaRPr lang="en-US" sz="2000" dirty="0"/>
+          </a:p>
+          <a:p>
+            <a:pPr marL="0" indent="0">
+              <a:buNone/>
+            </a:pPr>
+            <a:r>
+              <a:rPr lang="en-US" sz="2000" dirty="0">
+                <a:solidFill>
+                  <a:srgbClr val="0033CC"/>
+                </a:solidFill>
+              </a:rPr>
+              <a:t>&lt;?php</a:t>
+            </a:r>
+          </a:p>
+          <a:p>
+            <a:pPr marL="0" indent="0">
+              <a:buNone/>
+            </a:pPr>
+            <a:r>
+              <a:rPr lang="en-US" sz="2000" dirty="0"/>
+              <a:t>$host = 'localhost';</a:t>
+            </a:r>
+          </a:p>
+          <a:p>
+            <a:pPr marL="0" indent="0">
+              <a:buNone/>
+            </a:pPr>
+            <a:r>
+              <a:rPr lang="en-US" sz="2000" dirty="0"/>
+              <a:t>$</a:t>
+            </a:r>
+            <a:r>
+              <a:rPr lang="en-US" sz="2000" dirty="0" err="1"/>
+              <a:t>db</a:t>
+            </a:r>
+            <a:r>
+              <a:rPr lang="en-US" sz="2000" dirty="0"/>
+              <a:t> = '</a:t>
+            </a:r>
+            <a:r>
+              <a:rPr lang="en-US" sz="2000" dirty="0" err="1"/>
+              <a:t>bookdb</a:t>
+            </a:r>
+            <a:r>
+              <a:rPr lang="en-US" sz="2000" dirty="0"/>
+              <a:t>';</a:t>
+            </a:r>
+          </a:p>
+          <a:p>
+            <a:pPr marL="0" indent="0">
+              <a:buNone/>
+            </a:pPr>
+            <a:r>
+              <a:rPr lang="en-US" sz="2000" dirty="0"/>
+              <a:t>$user = 'root';</a:t>
+            </a:r>
+          </a:p>
+          <a:p>
+            <a:pPr marL="0" indent="0">
+              <a:buNone/>
+            </a:pPr>
+            <a:r>
+              <a:rPr lang="en-US" sz="2000" dirty="0"/>
+              <a:t>$password = 'S@cr@t1!’;</a:t>
+            </a:r>
+          </a:p>
+          <a:p>
+            <a:pPr marL="0" indent="0">
+              <a:buNone/>
+            </a:pPr>
+            <a:r>
+              <a:rPr lang="en-US" sz="2000" dirty="0">
+                <a:solidFill>
+                  <a:srgbClr val="0033CC"/>
+                </a:solidFill>
+              </a:rPr>
+              <a:t>?&gt;</a:t>
+            </a:r>
+          </a:p>
+          <a:p>
+            <a:pPr marL="0" indent="0">
+              <a:buNone/>
+            </a:pPr>
+            <a:r>
+              <a:rPr lang="en-US" sz="2000" dirty="0">
+                <a:solidFill>
+                  <a:srgbClr val="7030A0"/>
+                </a:solidFill>
+              </a:rPr>
+              <a:t>//then in any PHP file write</a:t>
+            </a:r>
+          </a:p>
+          <a:p>
+            <a:pPr marL="0" indent="0">
+              <a:buNone/>
+            </a:pPr>
+            <a:r>
+              <a:rPr lang="en-US" sz="2000" dirty="0">
+                <a:solidFill>
+                  <a:srgbClr val="0033CC"/>
+                </a:solidFill>
+              </a:rPr>
+              <a:t>require</a:t>
+            </a:r>
+            <a:r>
+              <a:rPr lang="en-US" sz="2000" dirty="0"/>
+              <a:t> '</a:t>
+            </a:r>
+            <a:r>
+              <a:rPr lang="en-US" sz="2000" dirty="0" err="1"/>
+              <a:t>config.php</a:t>
+            </a:r>
+            <a:r>
+              <a:rPr lang="en-US" sz="2000" dirty="0"/>
+              <a:t>';</a:t>
+            </a:r>
+          </a:p>
+        </p:txBody>
+      </p:sp>
+      <p:sp>
+        <p:nvSpPr>
+          <p:cNvPr id="4" name="Date Placeholder 3">
+            <a:extLst>
+              <a:ext uri="{FF2B5EF4-FFF2-40B4-BE49-F238E27FC236}">
+                <a16:creationId xmlns:a16="http://schemas.microsoft.com/office/drawing/2014/main" id="{9CE66985-E0E7-4503-AFBC-E76C82973892}"/>
+              </a:ext>
+            </a:extLst>
+          </p:cNvPr>
+          <p:cNvSpPr>
+            <a:spLocks noGrp="1"/>
+          </p:cNvSpPr>
+          <p:nvPr>
+            <p:ph type="dt" sz="half" idx="10"/>
+          </p:nvPr>
+        </p:nvSpPr>
+        <p:spPr/>
+        <p:txBody>
+          <a:bodyPr/>
+          <a:lstStyle/>
+          <a:p>
+            <a:pPr>
+              <a:defRPr/>
+            </a:pPr>
+            <a:r>
+              <a:rPr lang="en-US" altLang="en-US"/>
+              <a:t>Ch 4 - Connect PHP to Database</a:t>
+            </a:r>
+            <a:endParaRPr lang="en-US" altLang="en-US" dirty="0"/>
+          </a:p>
+        </p:txBody>
+      </p:sp>
+      <p:sp>
+        <p:nvSpPr>
+          <p:cNvPr id="5" name="Footer Placeholder 4">
+            <a:extLst>
+              <a:ext uri="{FF2B5EF4-FFF2-40B4-BE49-F238E27FC236}">
+                <a16:creationId xmlns:a16="http://schemas.microsoft.com/office/drawing/2014/main" id="{FD42463A-16FD-4731-B270-68D6253C80D2}"/>
+              </a:ext>
+            </a:extLst>
+          </p:cNvPr>
+          <p:cNvSpPr>
+            <a:spLocks noGrp="1"/>
+          </p:cNvSpPr>
+          <p:nvPr>
+            <p:ph type="ftr" sz="quarter" idx="11"/>
+          </p:nvPr>
+        </p:nvSpPr>
+        <p:spPr/>
+        <p:txBody>
+          <a:bodyPr/>
+          <a:lstStyle/>
+          <a:p>
+            <a:pPr>
+              <a:defRPr/>
+            </a:pPr>
+            <a:r>
+              <a:rPr lang="en-US"/>
+              <a:t>PHP Programming | Ahmad Assaf</a:t>
+            </a:r>
+          </a:p>
+        </p:txBody>
+      </p:sp>
+      <p:sp>
+        <p:nvSpPr>
+          <p:cNvPr id="6" name="Slide Number Placeholder 5">
+            <a:extLst>
+              <a:ext uri="{FF2B5EF4-FFF2-40B4-BE49-F238E27FC236}">
+                <a16:creationId xmlns:a16="http://schemas.microsoft.com/office/drawing/2014/main" id="{364739F5-4E08-439E-A7E4-698C671077CE}"/>
+              </a:ext>
+            </a:extLst>
+          </p:cNvPr>
+          <p:cNvSpPr>
+            <a:spLocks noGrp="1"/>
+          </p:cNvSpPr>
+          <p:nvPr>
+            <p:ph type="sldNum" sz="quarter" idx="12"/>
+          </p:nvPr>
+        </p:nvSpPr>
+        <p:spPr/>
+        <p:txBody>
+          <a:bodyPr/>
+          <a:lstStyle/>
+          <a:p>
+            <a:endParaRPr lang="en-US" altLang="en-US"/>
+          </a:p>
+          <a:p>
+            <a:r>
+              <a:rPr lang="en-US" altLang="en-US"/>
+              <a:t>Slide </a:t>
+            </a:r>
+            <a:fld id="{3846139B-482C-4487-873A-80B784CA58EF}" type="slidenum">
+              <a:rPr lang="en-US" altLang="en-US" smtClean="0"/>
+              <a:pPr/>
+              <a:t>29</a:t>
+            </a:fld>
+            <a:endParaRPr lang="en-US" altLang="en-US"/>
+          </a:p>
+        </p:txBody>
+      </p:sp>
+    </p:spTree>
+    <p:extLst>
+      <p:ext uri="{BB962C8B-B14F-4D97-AF65-F5344CB8AC3E}">
+        <p14:creationId xmlns:p14="http://schemas.microsoft.com/office/powerpoint/2010/main" val="493670208"/>
+      </p:ext>
+    </p:extLst>
   </p:cSld>
   <p:clrMapOvr>
     <a:masterClrMapping/>
@@ -10229,6 +11915,799 @@
 </p:sld>
 </file>
 
+<file path=ppt/slides/slide30.xml><?xml version="1.0" encoding="utf-8"?>
+<p:sld xmlns:a="http://schemas.openxmlformats.org/drawingml/2006/main" xmlns:r="http://schemas.openxmlformats.org/officeDocument/2006/relationships" xmlns:p="http://schemas.openxmlformats.org/presentationml/2006/main">
+  <p:cSld>
+    <p:spTree>
+      <p:nvGrpSpPr>
+        <p:cNvPr id="1" name=""/>
+        <p:cNvGrpSpPr/>
+        <p:nvPr/>
+      </p:nvGrpSpPr>
+      <p:grpSpPr>
+        <a:xfrm>
+          <a:off x="0" y="0"/>
+          <a:ext cx="0" cy="0"/>
+          <a:chOff x="0" y="0"/>
+          <a:chExt cx="0" cy="0"/>
+        </a:xfrm>
+      </p:grpSpPr>
+      <p:sp>
+        <p:nvSpPr>
+          <p:cNvPr id="2" name="Title 1">
+            <a:extLst>
+              <a:ext uri="{FF2B5EF4-FFF2-40B4-BE49-F238E27FC236}">
+                <a16:creationId xmlns:a16="http://schemas.microsoft.com/office/drawing/2014/main" id="{E7196D3D-589D-4502-BC16-BA5AA2FB28F2}"/>
+              </a:ext>
+            </a:extLst>
+          </p:cNvPr>
+          <p:cNvSpPr>
+            <a:spLocks noGrp="1"/>
+          </p:cNvSpPr>
+          <p:nvPr>
+            <p:ph type="title"/>
+          </p:nvPr>
+        </p:nvSpPr>
+        <p:spPr/>
+        <p:txBody>
+          <a:bodyPr/>
+          <a:lstStyle/>
+          <a:p>
+            <a:r>
+              <a:rPr lang="en-US" dirty="0"/>
+              <a:t>Connecting to MySQL using </a:t>
+            </a:r>
+            <a:r>
+              <a:rPr lang="en-US" dirty="0" err="1"/>
+              <a:t>config.php</a:t>
+            </a:r>
+            <a:r>
+              <a:rPr lang="en-US" dirty="0"/>
+              <a:t> file</a:t>
+            </a:r>
+          </a:p>
+        </p:txBody>
+      </p:sp>
+      <p:sp>
+        <p:nvSpPr>
+          <p:cNvPr id="3" name="Content Placeholder 2">
+            <a:extLst>
+              <a:ext uri="{FF2B5EF4-FFF2-40B4-BE49-F238E27FC236}">
+                <a16:creationId xmlns:a16="http://schemas.microsoft.com/office/drawing/2014/main" id="{390DDDD0-D59E-4949-98C1-9CECB4426A9D}"/>
+              </a:ext>
+            </a:extLst>
+          </p:cNvPr>
+          <p:cNvSpPr>
+            <a:spLocks noGrp="1"/>
+          </p:cNvSpPr>
+          <p:nvPr>
+            <p:ph idx="1"/>
+          </p:nvPr>
+        </p:nvSpPr>
+        <p:spPr/>
+        <p:txBody>
+          <a:bodyPr/>
+          <a:lstStyle/>
+          <a:p>
+            <a:pPr marL="0" indent="0">
+              <a:spcBef>
+                <a:spcPts val="0"/>
+              </a:spcBef>
+              <a:buNone/>
+            </a:pPr>
+            <a:r>
+              <a:rPr lang="en-US" sz="2000" dirty="0"/>
+              <a:t>&lt;?php</a:t>
+            </a:r>
+          </a:p>
+          <a:p>
+            <a:pPr marL="0" indent="0">
+              <a:spcBef>
+                <a:spcPts val="0"/>
+              </a:spcBef>
+              <a:buNone/>
+            </a:pPr>
+            <a:endParaRPr lang="en-US" sz="2000" dirty="0"/>
+          </a:p>
+          <a:p>
+            <a:pPr marL="0" indent="0">
+              <a:spcBef>
+                <a:spcPts val="0"/>
+              </a:spcBef>
+              <a:buNone/>
+            </a:pPr>
+            <a:r>
+              <a:rPr lang="en-US" sz="2000" dirty="0"/>
+              <a:t>require '</a:t>
+            </a:r>
+            <a:r>
+              <a:rPr lang="en-US" sz="2000" dirty="0" err="1"/>
+              <a:t>config.php</a:t>
+            </a:r>
+            <a:r>
+              <a:rPr lang="en-US" sz="2000" dirty="0"/>
+              <a:t>';</a:t>
+            </a:r>
+          </a:p>
+          <a:p>
+            <a:pPr marL="0" indent="0">
+              <a:spcBef>
+                <a:spcPts val="0"/>
+              </a:spcBef>
+              <a:buNone/>
+            </a:pPr>
+            <a:endParaRPr lang="en-US" sz="2000" dirty="0"/>
+          </a:p>
+          <a:p>
+            <a:pPr marL="0" indent="0">
+              <a:spcBef>
+                <a:spcPts val="0"/>
+              </a:spcBef>
+              <a:buNone/>
+            </a:pPr>
+            <a:r>
+              <a:rPr lang="en-US" sz="2000" dirty="0"/>
+              <a:t>$</a:t>
+            </a:r>
+            <a:r>
+              <a:rPr lang="en-US" sz="2000" dirty="0" err="1"/>
+              <a:t>dsn</a:t>
+            </a:r>
+            <a:r>
+              <a:rPr lang="en-US" sz="2000" dirty="0"/>
+              <a:t> = "</a:t>
+            </a:r>
+            <a:r>
+              <a:rPr lang="en-US" sz="2000" dirty="0" err="1"/>
+              <a:t>mysql:host</a:t>
+            </a:r>
+            <a:r>
+              <a:rPr lang="en-US" sz="2000" dirty="0"/>
+              <a:t>=$</a:t>
+            </a:r>
+            <a:r>
+              <a:rPr lang="en-US" sz="2000" dirty="0" err="1"/>
+              <a:t>host;dbname</a:t>
+            </a:r>
+            <a:r>
+              <a:rPr lang="en-US" sz="2000" dirty="0"/>
+              <a:t>=$</a:t>
+            </a:r>
+            <a:r>
+              <a:rPr lang="en-US" sz="2000" dirty="0" err="1"/>
+              <a:t>db;charset</a:t>
+            </a:r>
+            <a:r>
+              <a:rPr lang="en-US" sz="2000" dirty="0"/>
+              <a:t>=UTF8";</a:t>
+            </a:r>
+          </a:p>
+          <a:p>
+            <a:pPr marL="0" indent="0">
+              <a:spcBef>
+                <a:spcPts val="0"/>
+              </a:spcBef>
+              <a:buNone/>
+            </a:pPr>
+            <a:endParaRPr lang="en-US" sz="2000" dirty="0"/>
+          </a:p>
+          <a:p>
+            <a:pPr marL="0" indent="0">
+              <a:spcBef>
+                <a:spcPts val="0"/>
+              </a:spcBef>
+              <a:buNone/>
+            </a:pPr>
+            <a:r>
+              <a:rPr lang="en-US" sz="2000" dirty="0"/>
+              <a:t>try {</a:t>
+            </a:r>
+          </a:p>
+          <a:p>
+            <a:pPr marL="0" indent="0">
+              <a:spcBef>
+                <a:spcPts val="0"/>
+              </a:spcBef>
+              <a:buNone/>
+            </a:pPr>
+            <a:r>
+              <a:rPr lang="en-US" sz="2000" dirty="0"/>
+              <a:t>	$</a:t>
+            </a:r>
+            <a:r>
+              <a:rPr lang="en-US" sz="2000" dirty="0" err="1"/>
+              <a:t>pdo</a:t>
+            </a:r>
+            <a:r>
+              <a:rPr lang="en-US" sz="2000" dirty="0"/>
+              <a:t> = new PDO($</a:t>
+            </a:r>
+            <a:r>
+              <a:rPr lang="en-US" sz="2000" dirty="0" err="1"/>
+              <a:t>dsn</a:t>
+            </a:r>
+            <a:r>
+              <a:rPr lang="en-US" sz="2000" dirty="0"/>
+              <a:t>, $user, $password);</a:t>
+            </a:r>
+          </a:p>
+          <a:p>
+            <a:pPr marL="0" indent="0">
+              <a:spcBef>
+                <a:spcPts val="0"/>
+              </a:spcBef>
+              <a:buNone/>
+            </a:pPr>
+            <a:endParaRPr lang="en-US" sz="2000" dirty="0"/>
+          </a:p>
+          <a:p>
+            <a:pPr marL="0" indent="0">
+              <a:spcBef>
+                <a:spcPts val="0"/>
+              </a:spcBef>
+              <a:buNone/>
+            </a:pPr>
+            <a:r>
+              <a:rPr lang="en-US" sz="2000" dirty="0"/>
+              <a:t>	if ($</a:t>
+            </a:r>
+            <a:r>
+              <a:rPr lang="en-US" sz="2000" dirty="0" err="1"/>
+              <a:t>pdo</a:t>
+            </a:r>
+            <a:r>
+              <a:rPr lang="en-US" sz="2000" dirty="0"/>
+              <a:t>) {</a:t>
+            </a:r>
+          </a:p>
+          <a:p>
+            <a:pPr marL="0" indent="0">
+              <a:spcBef>
+                <a:spcPts val="0"/>
+              </a:spcBef>
+              <a:buNone/>
+            </a:pPr>
+            <a:r>
+              <a:rPr lang="en-US" sz="2000" dirty="0"/>
+              <a:t>		echo "Connected to the $</a:t>
+            </a:r>
+            <a:r>
+              <a:rPr lang="en-US" sz="2000" dirty="0" err="1"/>
+              <a:t>db</a:t>
+            </a:r>
+            <a:r>
+              <a:rPr lang="en-US" sz="2000" dirty="0"/>
+              <a:t> database successfully!";</a:t>
+            </a:r>
+          </a:p>
+          <a:p>
+            <a:pPr marL="0" indent="0">
+              <a:spcBef>
+                <a:spcPts val="0"/>
+              </a:spcBef>
+              <a:buNone/>
+            </a:pPr>
+            <a:r>
+              <a:rPr lang="en-US" sz="2000" dirty="0"/>
+              <a:t>	}</a:t>
+            </a:r>
+          </a:p>
+          <a:p>
+            <a:pPr marL="0" indent="0">
+              <a:spcBef>
+                <a:spcPts val="0"/>
+              </a:spcBef>
+              <a:buNone/>
+            </a:pPr>
+            <a:r>
+              <a:rPr lang="en-US" sz="2000" dirty="0"/>
+              <a:t>} catch (</a:t>
+            </a:r>
+            <a:r>
+              <a:rPr lang="en-US" sz="2000" dirty="0" err="1"/>
+              <a:t>PDOException</a:t>
+            </a:r>
+            <a:r>
+              <a:rPr lang="en-US" sz="2000" dirty="0"/>
+              <a:t> $e) {</a:t>
+            </a:r>
+          </a:p>
+          <a:p>
+            <a:pPr marL="0" indent="0">
+              <a:spcBef>
+                <a:spcPts val="0"/>
+              </a:spcBef>
+              <a:buNone/>
+            </a:pPr>
+            <a:r>
+              <a:rPr lang="en-US" sz="2000" dirty="0"/>
+              <a:t>	echo $e-&gt;</a:t>
+            </a:r>
+            <a:r>
+              <a:rPr lang="en-US" sz="2000" dirty="0" err="1"/>
+              <a:t>getMessage</a:t>
+            </a:r>
+            <a:r>
+              <a:rPr lang="en-US" sz="2000" dirty="0"/>
+              <a:t>();</a:t>
+            </a:r>
+          </a:p>
+          <a:p>
+            <a:pPr marL="0" indent="0">
+              <a:spcBef>
+                <a:spcPts val="0"/>
+              </a:spcBef>
+              <a:buNone/>
+            </a:pPr>
+            <a:r>
+              <a:rPr lang="en-US" sz="2000" dirty="0"/>
+              <a:t>}</a:t>
+            </a:r>
+          </a:p>
+        </p:txBody>
+      </p:sp>
+      <p:sp>
+        <p:nvSpPr>
+          <p:cNvPr id="4" name="Date Placeholder 3">
+            <a:extLst>
+              <a:ext uri="{FF2B5EF4-FFF2-40B4-BE49-F238E27FC236}">
+                <a16:creationId xmlns:a16="http://schemas.microsoft.com/office/drawing/2014/main" id="{F596DD99-7CFA-4427-ADD9-E7969A4D50A4}"/>
+              </a:ext>
+            </a:extLst>
+          </p:cNvPr>
+          <p:cNvSpPr>
+            <a:spLocks noGrp="1"/>
+          </p:cNvSpPr>
+          <p:nvPr>
+            <p:ph type="dt" sz="half" idx="10"/>
+          </p:nvPr>
+        </p:nvSpPr>
+        <p:spPr/>
+        <p:txBody>
+          <a:bodyPr/>
+          <a:lstStyle/>
+          <a:p>
+            <a:pPr>
+              <a:defRPr/>
+            </a:pPr>
+            <a:r>
+              <a:rPr lang="en-US" altLang="en-US"/>
+              <a:t>Ch 4 - Connect PHP to Database</a:t>
+            </a:r>
+            <a:endParaRPr lang="en-US" altLang="en-US" dirty="0"/>
+          </a:p>
+        </p:txBody>
+      </p:sp>
+      <p:sp>
+        <p:nvSpPr>
+          <p:cNvPr id="5" name="Footer Placeholder 4">
+            <a:extLst>
+              <a:ext uri="{FF2B5EF4-FFF2-40B4-BE49-F238E27FC236}">
+                <a16:creationId xmlns:a16="http://schemas.microsoft.com/office/drawing/2014/main" id="{1A099548-54F0-4C30-B77F-5B66D68B4F18}"/>
+              </a:ext>
+            </a:extLst>
+          </p:cNvPr>
+          <p:cNvSpPr>
+            <a:spLocks noGrp="1"/>
+          </p:cNvSpPr>
+          <p:nvPr>
+            <p:ph type="ftr" sz="quarter" idx="11"/>
+          </p:nvPr>
+        </p:nvSpPr>
+        <p:spPr/>
+        <p:txBody>
+          <a:bodyPr/>
+          <a:lstStyle/>
+          <a:p>
+            <a:pPr>
+              <a:defRPr/>
+            </a:pPr>
+            <a:r>
+              <a:rPr lang="en-US"/>
+              <a:t>PHP Programming | Ahmad Assaf</a:t>
+            </a:r>
+          </a:p>
+        </p:txBody>
+      </p:sp>
+      <p:sp>
+        <p:nvSpPr>
+          <p:cNvPr id="6" name="Slide Number Placeholder 5">
+            <a:extLst>
+              <a:ext uri="{FF2B5EF4-FFF2-40B4-BE49-F238E27FC236}">
+                <a16:creationId xmlns:a16="http://schemas.microsoft.com/office/drawing/2014/main" id="{3439C147-E048-4059-8152-91782B79C783}"/>
+              </a:ext>
+            </a:extLst>
+          </p:cNvPr>
+          <p:cNvSpPr>
+            <a:spLocks noGrp="1"/>
+          </p:cNvSpPr>
+          <p:nvPr>
+            <p:ph type="sldNum" sz="quarter" idx="12"/>
+          </p:nvPr>
+        </p:nvSpPr>
+        <p:spPr/>
+        <p:txBody>
+          <a:bodyPr/>
+          <a:lstStyle/>
+          <a:p>
+            <a:endParaRPr lang="en-US" altLang="en-US"/>
+          </a:p>
+          <a:p>
+            <a:r>
+              <a:rPr lang="en-US" altLang="en-US"/>
+              <a:t>Slide </a:t>
+            </a:r>
+            <a:fld id="{3846139B-482C-4487-873A-80B784CA58EF}" type="slidenum">
+              <a:rPr lang="en-US" altLang="en-US" smtClean="0"/>
+              <a:pPr/>
+              <a:t>30</a:t>
+            </a:fld>
+            <a:endParaRPr lang="en-US" altLang="en-US"/>
+          </a:p>
+        </p:txBody>
+      </p:sp>
+    </p:spTree>
+    <p:extLst>
+      <p:ext uri="{BB962C8B-B14F-4D97-AF65-F5344CB8AC3E}">
+        <p14:creationId xmlns:p14="http://schemas.microsoft.com/office/powerpoint/2010/main" val="1927694663"/>
+      </p:ext>
+    </p:extLst>
+  </p:cSld>
+  <p:clrMapOvr>
+    <a:masterClrMapping/>
+  </p:clrMapOvr>
+</p:sld>
+</file>
+
+<file path=ppt/slides/slide31.xml><?xml version="1.0" encoding="utf-8"?>
+<p:sld xmlns:a="http://schemas.openxmlformats.org/drawingml/2006/main" xmlns:r="http://schemas.openxmlformats.org/officeDocument/2006/relationships" xmlns:p="http://schemas.openxmlformats.org/presentationml/2006/main">
+  <p:cSld>
+    <p:spTree>
+      <p:nvGrpSpPr>
+        <p:cNvPr id="1" name=""/>
+        <p:cNvGrpSpPr/>
+        <p:nvPr/>
+      </p:nvGrpSpPr>
+      <p:grpSpPr>
+        <a:xfrm>
+          <a:off x="0" y="0"/>
+          <a:ext cx="0" cy="0"/>
+          <a:chOff x="0" y="0"/>
+          <a:chExt cx="0" cy="0"/>
+        </a:xfrm>
+      </p:grpSpPr>
+      <p:sp>
+        <p:nvSpPr>
+          <p:cNvPr id="2" name="Title 1">
+            <a:extLst>
+              <a:ext uri="{FF2B5EF4-FFF2-40B4-BE49-F238E27FC236}">
+                <a16:creationId xmlns:a16="http://schemas.microsoft.com/office/drawing/2014/main" id="{B7DFE66F-3CE0-4FE7-995E-C0C7809E2484}"/>
+              </a:ext>
+            </a:extLst>
+          </p:cNvPr>
+          <p:cNvSpPr>
+            <a:spLocks noGrp="1"/>
+          </p:cNvSpPr>
+          <p:nvPr>
+            <p:ph type="title"/>
+          </p:nvPr>
+        </p:nvSpPr>
+        <p:spPr/>
+        <p:txBody>
+          <a:bodyPr/>
+          <a:lstStyle/>
+          <a:p>
+            <a:r>
+              <a:rPr lang="en-US" dirty="0"/>
+              <a:t>Fetch Some Data</a:t>
+            </a:r>
+          </a:p>
+        </p:txBody>
+      </p:sp>
+      <p:sp>
+        <p:nvSpPr>
+          <p:cNvPr id="3" name="Content Placeholder 2">
+            <a:extLst>
+              <a:ext uri="{FF2B5EF4-FFF2-40B4-BE49-F238E27FC236}">
+                <a16:creationId xmlns:a16="http://schemas.microsoft.com/office/drawing/2014/main" id="{2E4B5521-59A6-4832-AF82-63617841EE61}"/>
+              </a:ext>
+            </a:extLst>
+          </p:cNvPr>
+          <p:cNvSpPr>
+            <a:spLocks noGrp="1"/>
+          </p:cNvSpPr>
+          <p:nvPr>
+            <p:ph idx="1"/>
+          </p:nvPr>
+        </p:nvSpPr>
+        <p:spPr/>
+        <p:txBody>
+          <a:bodyPr/>
+          <a:lstStyle/>
+          <a:p>
+            <a:r>
+              <a:rPr lang="en-US" dirty="0"/>
+              <a:t>Get data by id in URL</a:t>
+            </a:r>
+          </a:p>
+        </p:txBody>
+      </p:sp>
+      <p:sp>
+        <p:nvSpPr>
+          <p:cNvPr id="4" name="Date Placeholder 3">
+            <a:extLst>
+              <a:ext uri="{FF2B5EF4-FFF2-40B4-BE49-F238E27FC236}">
+                <a16:creationId xmlns:a16="http://schemas.microsoft.com/office/drawing/2014/main" id="{B719BC38-20E0-49DF-A6AD-3D7035714568}"/>
+              </a:ext>
+            </a:extLst>
+          </p:cNvPr>
+          <p:cNvSpPr>
+            <a:spLocks noGrp="1"/>
+          </p:cNvSpPr>
+          <p:nvPr>
+            <p:ph type="dt" sz="half" idx="10"/>
+          </p:nvPr>
+        </p:nvSpPr>
+        <p:spPr/>
+        <p:txBody>
+          <a:bodyPr/>
+          <a:lstStyle/>
+          <a:p>
+            <a:pPr>
+              <a:defRPr/>
+            </a:pPr>
+            <a:r>
+              <a:rPr lang="en-US" altLang="en-US"/>
+              <a:t>Ch 4 - Connect PHP to Database</a:t>
+            </a:r>
+            <a:endParaRPr lang="en-US" altLang="en-US" dirty="0"/>
+          </a:p>
+        </p:txBody>
+      </p:sp>
+      <p:sp>
+        <p:nvSpPr>
+          <p:cNvPr id="5" name="Footer Placeholder 4">
+            <a:extLst>
+              <a:ext uri="{FF2B5EF4-FFF2-40B4-BE49-F238E27FC236}">
+                <a16:creationId xmlns:a16="http://schemas.microsoft.com/office/drawing/2014/main" id="{F3E45C0B-2BE8-41F5-916B-B706028EE2AE}"/>
+              </a:ext>
+            </a:extLst>
+          </p:cNvPr>
+          <p:cNvSpPr>
+            <a:spLocks noGrp="1"/>
+          </p:cNvSpPr>
+          <p:nvPr>
+            <p:ph type="ftr" sz="quarter" idx="11"/>
+          </p:nvPr>
+        </p:nvSpPr>
+        <p:spPr/>
+        <p:txBody>
+          <a:bodyPr/>
+          <a:lstStyle/>
+          <a:p>
+            <a:pPr>
+              <a:defRPr/>
+            </a:pPr>
+            <a:r>
+              <a:rPr lang="en-US"/>
+              <a:t>PHP Programming | Ahmad Assaf</a:t>
+            </a:r>
+          </a:p>
+        </p:txBody>
+      </p:sp>
+      <p:sp>
+        <p:nvSpPr>
+          <p:cNvPr id="6" name="Slide Number Placeholder 5">
+            <a:extLst>
+              <a:ext uri="{FF2B5EF4-FFF2-40B4-BE49-F238E27FC236}">
+                <a16:creationId xmlns:a16="http://schemas.microsoft.com/office/drawing/2014/main" id="{D5BB8C39-91C7-4E9B-8A7B-5AFC2DF97B04}"/>
+              </a:ext>
+            </a:extLst>
+          </p:cNvPr>
+          <p:cNvSpPr>
+            <a:spLocks noGrp="1"/>
+          </p:cNvSpPr>
+          <p:nvPr>
+            <p:ph type="sldNum" sz="quarter" idx="12"/>
+          </p:nvPr>
+        </p:nvSpPr>
+        <p:spPr/>
+        <p:txBody>
+          <a:bodyPr/>
+          <a:lstStyle/>
+          <a:p>
+            <a:endParaRPr lang="en-US" altLang="en-US"/>
+          </a:p>
+          <a:p>
+            <a:r>
+              <a:rPr lang="en-US" altLang="en-US"/>
+              <a:t>Slide </a:t>
+            </a:r>
+            <a:fld id="{3846139B-482C-4487-873A-80B784CA58EF}" type="slidenum">
+              <a:rPr lang="en-US" altLang="en-US" smtClean="0"/>
+              <a:pPr/>
+              <a:t>31</a:t>
+            </a:fld>
+            <a:endParaRPr lang="en-US" altLang="en-US"/>
+          </a:p>
+        </p:txBody>
+      </p:sp>
+    </p:spTree>
+    <p:extLst>
+      <p:ext uri="{BB962C8B-B14F-4D97-AF65-F5344CB8AC3E}">
+        <p14:creationId xmlns:p14="http://schemas.microsoft.com/office/powerpoint/2010/main" val="2004607647"/>
+      </p:ext>
+    </p:extLst>
+  </p:cSld>
+  <p:clrMapOvr>
+    <a:masterClrMapping/>
+  </p:clrMapOvr>
+</p:sld>
+</file>
+
+<file path=ppt/slides/slide32.xml><?xml version="1.0" encoding="utf-8"?>
+<p:sld xmlns:a="http://schemas.openxmlformats.org/drawingml/2006/main" xmlns:r="http://schemas.openxmlformats.org/officeDocument/2006/relationships" xmlns:p="http://schemas.openxmlformats.org/presentationml/2006/main">
+  <p:cSld>
+    <p:spTree>
+      <p:nvGrpSpPr>
+        <p:cNvPr id="1" name=""/>
+        <p:cNvGrpSpPr/>
+        <p:nvPr/>
+      </p:nvGrpSpPr>
+      <p:grpSpPr>
+        <a:xfrm>
+          <a:off x="0" y="0"/>
+          <a:ext cx="0" cy="0"/>
+          <a:chOff x="0" y="0"/>
+          <a:chExt cx="0" cy="0"/>
+        </a:xfrm>
+      </p:grpSpPr>
+      <p:sp>
+        <p:nvSpPr>
+          <p:cNvPr id="70658" name="Title 1"/>
+          <p:cNvSpPr>
+            <a:spLocks noGrp="1"/>
+          </p:cNvSpPr>
+          <p:nvPr>
+            <p:ph type="ctrTitle"/>
+          </p:nvPr>
+        </p:nvSpPr>
+        <p:spPr/>
+        <p:txBody>
+          <a:bodyPr/>
+          <a:lstStyle/>
+          <a:p>
+            <a:r>
+              <a:rPr lang="en-US" altLang="en-US">
+                <a:solidFill>
+                  <a:srgbClr val="0000FF"/>
+                </a:solidFill>
+                <a:latin typeface="Arial" charset="0"/>
+                <a:cs typeface="Arial" charset="0"/>
+              </a:rPr>
+              <a:t>End</a:t>
+            </a:r>
+          </a:p>
+        </p:txBody>
+      </p:sp>
+      <p:sp>
+        <p:nvSpPr>
+          <p:cNvPr id="70659" name="Subtitle 2"/>
+          <p:cNvSpPr>
+            <a:spLocks noGrp="1"/>
+          </p:cNvSpPr>
+          <p:nvPr>
+            <p:ph type="subTitle" idx="1"/>
+          </p:nvPr>
+        </p:nvSpPr>
+        <p:spPr/>
+        <p:txBody>
+          <a:bodyPr/>
+          <a:lstStyle/>
+          <a:p>
+            <a:endParaRPr lang="en-US" altLang="en-US"/>
+          </a:p>
+        </p:txBody>
+      </p:sp>
+      <p:sp>
+        <p:nvSpPr>
+          <p:cNvPr id="70660" name="Date Placeholder 3"/>
+          <p:cNvSpPr>
+            <a:spLocks noGrp="1"/>
+          </p:cNvSpPr>
+          <p:nvPr>
+            <p:ph type="dt" sz="quarter" idx="10"/>
+          </p:nvPr>
+        </p:nvSpPr>
+        <p:spPr>
+          <a:xfrm>
+            <a:off x="762000" y="6248400"/>
+            <a:ext cx="2667000" cy="457200"/>
+          </a:xfrm>
+          <a:noFill/>
+        </p:spPr>
+        <p:txBody>
+          <a:bodyPr/>
+          <a:lstStyle/>
+          <a:p>
+            <a:r>
+              <a:rPr lang="en-US" altLang="en-US"/>
+              <a:t>Ch 4 - Connect PHP to Database</a:t>
+            </a:r>
+            <a:endParaRPr lang="en-US" altLang="en-US" sz="1600"/>
+          </a:p>
+        </p:txBody>
+      </p:sp>
+      <p:sp>
+        <p:nvSpPr>
+          <p:cNvPr id="70661" name="Footer Placeholder 4"/>
+          <p:cNvSpPr>
+            <a:spLocks noGrp="1"/>
+          </p:cNvSpPr>
+          <p:nvPr>
+            <p:ph type="ftr" sz="quarter" idx="11"/>
+          </p:nvPr>
+        </p:nvSpPr>
+        <p:spPr>
+          <a:xfrm>
+            <a:off x="3581400" y="6248400"/>
+            <a:ext cx="2800350" cy="457200"/>
+          </a:xfrm>
+          <a:noFill/>
+        </p:spPr>
+        <p:txBody>
+          <a:bodyPr/>
+          <a:lstStyle/>
+          <a:p>
+            <a:r>
+              <a:rPr lang="en-US" altLang="en-US"/>
+              <a:t>PHP Programming | Ahmad Assaf</a:t>
+            </a:r>
+            <a:endParaRPr lang="en-US" altLang="en-US" sz="1800"/>
+          </a:p>
+        </p:txBody>
+      </p:sp>
+      <p:sp>
+        <p:nvSpPr>
+          <p:cNvPr id="70662" name="Slide Number Placeholder 5"/>
+          <p:cNvSpPr>
+            <a:spLocks noGrp="1"/>
+          </p:cNvSpPr>
+          <p:nvPr>
+            <p:ph type="sldNum" sz="quarter" idx="12"/>
+          </p:nvPr>
+        </p:nvSpPr>
+        <p:spPr>
+          <a:noFill/>
+        </p:spPr>
+        <p:txBody>
+          <a:bodyPr/>
+          <a:lstStyle/>
+          <a:p>
+            <a:endParaRPr lang="en-US" altLang="en-US" sz="1400"/>
+          </a:p>
+          <a:p>
+            <a:r>
+              <a:rPr lang="en-US" altLang="en-US"/>
+              <a:t>Slide </a:t>
+            </a:r>
+            <a:fld id="{17601E1E-383D-4E6C-9094-D3473DF222B6}" type="slidenum">
+              <a:rPr lang="en-US" altLang="en-US"/>
+              <a:pPr/>
+              <a:t>32</a:t>
+            </a:fld>
+            <a:endParaRPr lang="en-US" altLang="en-US"/>
+          </a:p>
+        </p:txBody>
+      </p:sp>
+    </p:spTree>
+  </p:cSld>
+  <p:clrMapOvr>
+    <a:masterClrMapping/>
+  </p:clrMapOvr>
+</p:sld>
+</file>
+
 <file path=ppt/slides/slide4.xml><?xml version="1.0" encoding="utf-8"?>
 <p:sld xmlns:a="http://schemas.openxmlformats.org/drawingml/2006/main" xmlns:r="http://schemas.openxmlformats.org/officeDocument/2006/relationships" xmlns:p="http://schemas.openxmlformats.org/presentationml/2006/main">
   <p:cSld>
@@ -10267,7 +12746,10 @@
           <a:bodyPr/>
           <a:lstStyle/>
           <a:p>
-            <a:endParaRPr lang="en-US"/>
+            <a:r>
+              <a:rPr lang="en-US" dirty="0"/>
+              <a:t>PHP &amp; MySQL </a:t>
+            </a:r>
           </a:p>
         </p:txBody>
       </p:sp>
@@ -11017,7 +13499,7 @@
           <a:p>
             <a:r>
               <a:rPr lang="en-US" dirty="0"/>
-              <a:t>Products Table</a:t>
+              <a:t>Products Table Example</a:t>
             </a:r>
           </a:p>
         </p:txBody>
@@ -11048,7 +13530,7 @@
             </a:pPr>
             <a:r>
               <a:rPr lang="en-US" sz="2400" dirty="0"/>
-              <a:t>CREATE TABLE IF NOT EXISTS `products2` (</a:t>
+              <a:t>CREATE TABLE IF NOT EXISTS `products` (</a:t>
             </a:r>
           </a:p>
           <a:p>
@@ -11084,7 +13566,7 @@
             </a:pPr>
             <a:r>
               <a:rPr lang="en-US" sz="2400" dirty="0"/>
-              <a:t>`price` double(9,2) NOT NULL,</a:t>
+              <a:t>`price` decimal(7,2) NOT NULL,</a:t>
             </a:r>
           </a:p>
           <a:p>
@@ -11653,7 +14135,7 @@
         </p:blipFill>
         <p:spPr>
           <a:xfrm>
-            <a:off x="1219200" y="1524000"/>
+            <a:off x="1219200" y="1456656"/>
             <a:ext cx="6115904" cy="4791744"/>
           </a:xfrm>
           <a:prstGeom prst="rect">

--- a/others/PHP-Ch4a.pptx
+++ b/others/PHP-Ch4a.pptx
@@ -5,10 +5,10 @@
     <p:sldMasterId id="2147483649" r:id="rId1"/>
   </p:sldMasterIdLst>
   <p:notesMasterIdLst>
-    <p:notesMasterId r:id="rId34"/>
+    <p:notesMasterId r:id="rId40"/>
   </p:notesMasterIdLst>
   <p:handoutMasterIdLst>
-    <p:handoutMasterId r:id="rId35"/>
+    <p:handoutMasterId r:id="rId41"/>
   </p:handoutMasterIdLst>
   <p:sldIdLst>
     <p:sldId id="309" r:id="rId2"/>
@@ -29,20 +29,26 @@
     <p:sldId id="435" r:id="rId17"/>
     <p:sldId id="440" r:id="rId18"/>
     <p:sldId id="447" r:id="rId19"/>
-    <p:sldId id="451" r:id="rId20"/>
-    <p:sldId id="452" r:id="rId21"/>
-    <p:sldId id="456" r:id="rId22"/>
-    <p:sldId id="436" r:id="rId23"/>
-    <p:sldId id="453" r:id="rId24"/>
-    <p:sldId id="437" r:id="rId25"/>
-    <p:sldId id="454" r:id="rId26"/>
-    <p:sldId id="438" r:id="rId27"/>
-    <p:sldId id="455" r:id="rId28"/>
-    <p:sldId id="449" r:id="rId29"/>
-    <p:sldId id="445" r:id="rId30"/>
-    <p:sldId id="446" r:id="rId31"/>
-    <p:sldId id="448" r:id="rId32"/>
-    <p:sldId id="306" r:id="rId33"/>
+    <p:sldId id="460" r:id="rId20"/>
+    <p:sldId id="451" r:id="rId21"/>
+    <p:sldId id="459" r:id="rId22"/>
+    <p:sldId id="452" r:id="rId23"/>
+    <p:sldId id="461" r:id="rId24"/>
+    <p:sldId id="464" r:id="rId25"/>
+    <p:sldId id="463" r:id="rId26"/>
+    <p:sldId id="462" r:id="rId27"/>
+    <p:sldId id="456" r:id="rId28"/>
+    <p:sldId id="436" r:id="rId29"/>
+    <p:sldId id="457" r:id="rId30"/>
+    <p:sldId id="453" r:id="rId31"/>
+    <p:sldId id="454" r:id="rId32"/>
+    <p:sldId id="438" r:id="rId33"/>
+    <p:sldId id="455" r:id="rId34"/>
+    <p:sldId id="449" r:id="rId35"/>
+    <p:sldId id="445" r:id="rId36"/>
+    <p:sldId id="446" r:id="rId37"/>
+    <p:sldId id="448" r:id="rId38"/>
+    <p:sldId id="306" r:id="rId39"/>
   </p:sldIdLst>
   <p:sldSz cx="9144000" cy="6858000" type="screen4x3"/>
   <p:notesSz cx="6858000" cy="9144000"/>
@@ -287,7 +293,7 @@
               <a:pPr>
                 <a:defRPr/>
               </a:pPr>
-              <a:t>11/20/2021</a:t>
+              <a:t>11/22/2021</a:t>
             </a:fld>
             <a:endParaRPr lang="en-US"/>
           </a:p>
@@ -1151,6 +1157,86 @@
           <a:bodyPr/>
           <a:lstStyle/>
           <a:p>
+            <a:pPr marL="0" indent="0">
+              <a:buNone/>
+            </a:pPr>
+            <a:r>
+              <a:rPr lang="en-US" sz="1200" dirty="0"/>
+              <a:t>$</a:t>
+            </a:r>
+            <a:r>
+              <a:rPr lang="en-US" sz="1200" dirty="0" err="1"/>
+              <a:t>sql</a:t>
+            </a:r>
+            <a:r>
+              <a:rPr lang="en-US" sz="1200" dirty="0"/>
+              <a:t> = "SELECT * FROM Users </a:t>
+            </a:r>
+          </a:p>
+          <a:p>
+            <a:pPr marL="0" indent="0">
+              <a:buNone/>
+            </a:pPr>
+            <a:r>
+              <a:rPr lang="en-US" sz="1200" dirty="0"/>
+              <a:t>WHERE </a:t>
+            </a:r>
+            <a:r>
+              <a:rPr lang="en-US" sz="1200" dirty="0" err="1"/>
+              <a:t>userID</a:t>
+            </a:r>
+            <a:r>
+              <a:rPr lang="en-US" sz="1200" dirty="0"/>
+              <a:t> = ?";</a:t>
+            </a:r>
+          </a:p>
+          <a:p>
+            <a:pPr marL="0" indent="0">
+              <a:buNone/>
+            </a:pPr>
+            <a:r>
+              <a:rPr lang="en-US" sz="1200" dirty="0"/>
+              <a:t>$result = $</a:t>
+            </a:r>
+            <a:r>
+              <a:rPr lang="en-US" sz="1200" dirty="0" err="1"/>
+              <a:t>pdo</a:t>
+            </a:r>
+            <a:r>
+              <a:rPr lang="en-US" sz="1200" dirty="0"/>
+              <a:t>-&gt;prepare($</a:t>
+            </a:r>
+            <a:r>
+              <a:rPr lang="en-US" sz="1200" dirty="0" err="1"/>
+              <a:t>sql</a:t>
+            </a:r>
+            <a:r>
+              <a:rPr lang="en-US" sz="1200" dirty="0"/>
+              <a:t>);</a:t>
+            </a:r>
+          </a:p>
+          <a:p>
+            <a:pPr marL="0" indent="0">
+              <a:buNone/>
+            </a:pPr>
+            <a:r>
+              <a:rPr lang="en-US" sz="1200" dirty="0"/>
+              <a:t>$result-&gt;execute([$id]);</a:t>
+            </a:r>
+          </a:p>
+          <a:p>
+            <a:endParaRPr lang="en-US" dirty="0"/>
+          </a:p>
+          <a:p>
+            <a:endParaRPr lang="en-US" dirty="0"/>
+          </a:p>
+          <a:p>
+            <a:endParaRPr lang="en-US" dirty="0"/>
+          </a:p>
+          <a:p>
+            <a:endParaRPr lang="en-US" dirty="0"/>
+          </a:p>
+          <a:p>
             <a:r>
               <a:rPr lang="en-US" dirty="0"/>
               <a:t>$</a:t>
@@ -1497,7 +1583,7 @@
             <a:fld id="{086A34C3-460C-4787-9FE1-DA51126E9395}" type="slidenum">
               <a:rPr lang="en-US" altLang="en-US" smtClean="0"/>
               <a:pPr/>
-              <a:t>20</a:t>
+              <a:t>22</a:t>
             </a:fld>
             <a:endParaRPr lang="en-US" altLang="en-US"/>
           </a:p>
@@ -1906,7 +1992,7 @@
             <a:fld id="{086A34C3-460C-4787-9FE1-DA51126E9395}" type="slidenum">
               <a:rPr lang="en-US" altLang="en-US" smtClean="0"/>
               <a:pPr/>
-              <a:t>21</a:t>
+              <a:t>27</a:t>
             </a:fld>
             <a:endParaRPr lang="en-US" altLang="en-US"/>
           </a:p>
@@ -1916,6 +2002,176 @@
     <p:extLst>
       <p:ext uri="{BB962C8B-B14F-4D97-AF65-F5344CB8AC3E}">
         <p14:creationId xmlns:p14="http://schemas.microsoft.com/office/powerpoint/2010/main" val="712246963"/>
+      </p:ext>
+    </p:extLst>
+  </p:cSld>
+  <p:clrMapOvr>
+    <a:masterClrMapping/>
+  </p:clrMapOvr>
+</p:notes>
+</file>
+
+<file path=ppt/notesSlides/notesSlide5.xml><?xml version="1.0" encoding="utf-8"?>
+<p:notes xmlns:a="http://schemas.openxmlformats.org/drawingml/2006/main" xmlns:r="http://schemas.openxmlformats.org/officeDocument/2006/relationships" xmlns:p="http://schemas.openxmlformats.org/presentationml/2006/main">
+  <p:cSld>
+    <p:spTree>
+      <p:nvGrpSpPr>
+        <p:cNvPr id="1" name=""/>
+        <p:cNvGrpSpPr/>
+        <p:nvPr/>
+      </p:nvGrpSpPr>
+      <p:grpSpPr>
+        <a:xfrm>
+          <a:off x="0" y="0"/>
+          <a:ext cx="0" cy="0"/>
+          <a:chOff x="0" y="0"/>
+          <a:chExt cx="0" cy="0"/>
+        </a:xfrm>
+      </p:grpSpPr>
+      <p:sp>
+        <p:nvSpPr>
+          <p:cNvPr id="2" name="Slide Image Placeholder 1"/>
+          <p:cNvSpPr>
+            <a:spLocks noGrp="1" noRot="1" noChangeAspect="1"/>
+          </p:cNvSpPr>
+          <p:nvPr>
+            <p:ph type="sldImg"/>
+          </p:nvPr>
+        </p:nvSpPr>
+        <p:spPr/>
+      </p:sp>
+      <p:sp>
+        <p:nvSpPr>
+          <p:cNvPr id="3" name="Notes Placeholder 2"/>
+          <p:cNvSpPr>
+            <a:spLocks noGrp="1"/>
+          </p:cNvSpPr>
+          <p:nvPr>
+            <p:ph type="body" idx="1"/>
+          </p:nvPr>
+        </p:nvSpPr>
+        <p:spPr/>
+        <p:txBody>
+          <a:bodyPr/>
+          <a:lstStyle/>
+          <a:p>
+            <a:endParaRPr lang="en-US" dirty="0"/>
+          </a:p>
+        </p:txBody>
+      </p:sp>
+      <p:sp>
+        <p:nvSpPr>
+          <p:cNvPr id="4" name="Slide Number Placeholder 3"/>
+          <p:cNvSpPr>
+            <a:spLocks noGrp="1"/>
+          </p:cNvSpPr>
+          <p:nvPr>
+            <p:ph type="sldNum" sz="quarter" idx="5"/>
+          </p:nvPr>
+        </p:nvSpPr>
+        <p:spPr/>
+        <p:txBody>
+          <a:bodyPr/>
+          <a:lstStyle/>
+          <a:p>
+            <a:fld id="{086A34C3-460C-4787-9FE1-DA51126E9395}" type="slidenum">
+              <a:rPr lang="en-US" altLang="en-US" smtClean="0"/>
+              <a:pPr/>
+              <a:t>28</a:t>
+            </a:fld>
+            <a:endParaRPr lang="en-US" altLang="en-US"/>
+          </a:p>
+        </p:txBody>
+      </p:sp>
+    </p:spTree>
+    <p:extLst>
+      <p:ext uri="{BB962C8B-B14F-4D97-AF65-F5344CB8AC3E}">
+        <p14:creationId xmlns:p14="http://schemas.microsoft.com/office/powerpoint/2010/main" val="1982815629"/>
+      </p:ext>
+    </p:extLst>
+  </p:cSld>
+  <p:clrMapOvr>
+    <a:masterClrMapping/>
+  </p:clrMapOvr>
+</p:notes>
+</file>
+
+<file path=ppt/notesSlides/notesSlide6.xml><?xml version="1.0" encoding="utf-8"?>
+<p:notes xmlns:a="http://schemas.openxmlformats.org/drawingml/2006/main" xmlns:r="http://schemas.openxmlformats.org/officeDocument/2006/relationships" xmlns:p="http://schemas.openxmlformats.org/presentationml/2006/main">
+  <p:cSld>
+    <p:spTree>
+      <p:nvGrpSpPr>
+        <p:cNvPr id="1" name=""/>
+        <p:cNvGrpSpPr/>
+        <p:nvPr/>
+      </p:nvGrpSpPr>
+      <p:grpSpPr>
+        <a:xfrm>
+          <a:off x="0" y="0"/>
+          <a:ext cx="0" cy="0"/>
+          <a:chOff x="0" y="0"/>
+          <a:chExt cx="0" cy="0"/>
+        </a:xfrm>
+      </p:grpSpPr>
+      <p:sp>
+        <p:nvSpPr>
+          <p:cNvPr id="2" name="Slide Image Placeholder 1"/>
+          <p:cNvSpPr>
+            <a:spLocks noGrp="1" noRot="1" noChangeAspect="1"/>
+          </p:cNvSpPr>
+          <p:nvPr>
+            <p:ph type="sldImg"/>
+          </p:nvPr>
+        </p:nvSpPr>
+        <p:spPr/>
+      </p:sp>
+      <p:sp>
+        <p:nvSpPr>
+          <p:cNvPr id="3" name="Notes Placeholder 2"/>
+          <p:cNvSpPr>
+            <a:spLocks noGrp="1"/>
+          </p:cNvSpPr>
+          <p:nvPr>
+            <p:ph type="body" idx="1"/>
+          </p:nvPr>
+        </p:nvSpPr>
+        <p:spPr/>
+        <p:txBody>
+          <a:bodyPr/>
+          <a:lstStyle/>
+          <a:p>
+            <a:endParaRPr lang="en-US" dirty="0"/>
+          </a:p>
+        </p:txBody>
+      </p:sp>
+      <p:sp>
+        <p:nvSpPr>
+          <p:cNvPr id="4" name="Slide Number Placeholder 3"/>
+          <p:cNvSpPr>
+            <a:spLocks noGrp="1"/>
+          </p:cNvSpPr>
+          <p:nvPr>
+            <p:ph type="sldNum" sz="quarter" idx="5"/>
+          </p:nvPr>
+        </p:nvSpPr>
+        <p:spPr/>
+        <p:txBody>
+          <a:bodyPr/>
+          <a:lstStyle/>
+          <a:p>
+            <a:fld id="{086A34C3-460C-4787-9FE1-DA51126E9395}" type="slidenum">
+              <a:rPr lang="en-US" altLang="en-US" smtClean="0"/>
+              <a:pPr/>
+              <a:t>29</a:t>
+            </a:fld>
+            <a:endParaRPr lang="en-US" altLang="en-US"/>
+          </a:p>
+        </p:txBody>
+      </p:sp>
+    </p:spTree>
+    <p:extLst>
+      <p:ext uri="{BB962C8B-B14F-4D97-AF65-F5344CB8AC3E}">
+        <p14:creationId xmlns:p14="http://schemas.microsoft.com/office/powerpoint/2010/main" val="3579592992"/>
       </p:ext>
     </p:extLst>
   </p:cSld>
@@ -6230,8 +6486,8 @@
         </p:blipFill>
         <p:spPr>
           <a:xfrm>
-            <a:off x="1499759" y="1343891"/>
-            <a:ext cx="6144482" cy="4667901"/>
+            <a:off x="1219200" y="1278858"/>
+            <a:ext cx="6705600" cy="5094177"/>
           </a:xfrm>
           <a:prstGeom prst="rect">
             <a:avLst/>
@@ -6246,6 +6502,75 @@
           </a:ln>
         </p:spPr>
       </p:pic>
+      <p:sp>
+        <p:nvSpPr>
+          <p:cNvPr id="7" name="Rectangle 6">
+            <a:extLst>
+              <a:ext uri="{FF2B5EF4-FFF2-40B4-BE49-F238E27FC236}">
+                <a16:creationId xmlns:a16="http://schemas.microsoft.com/office/drawing/2014/main" id="{9785D182-2240-4E04-9F26-2CE0D8673BF5}"/>
+              </a:ext>
+            </a:extLst>
+          </p:cNvPr>
+          <p:cNvSpPr/>
+          <p:nvPr/>
+        </p:nvSpPr>
+        <p:spPr bwMode="auto">
+          <a:xfrm>
+            <a:off x="4953000" y="1219200"/>
+            <a:ext cx="914400" cy="533400"/>
+          </a:xfrm>
+          <a:prstGeom prst="rect">
+            <a:avLst/>
+          </a:prstGeom>
+          <a:noFill/>
+          <a:ln w="38100" cap="flat" cmpd="sng" algn="ctr">
+            <a:solidFill>
+              <a:srgbClr val="FF0000"/>
+            </a:solidFill>
+            <a:prstDash val="solid"/>
+            <a:round/>
+            <a:headEnd type="none" w="med" len="med"/>
+            <a:tailEnd type="none" w="med" len="med"/>
+          </a:ln>
+          <a:effectLst/>
+        </p:spPr>
+        <p:txBody>
+          <a:bodyPr vert="horz" wrap="square" lIns="91440" tIns="45720" rIns="91440" bIns="45720" numCol="1" rtlCol="0" anchor="t" anchorCtr="0" compatLnSpc="1">
+            <a:prstTxWarp prst="textNoShape">
+              <a:avLst/>
+            </a:prstTxWarp>
+          </a:bodyPr>
+          <a:lstStyle/>
+          <a:p>
+            <a:pPr marL="0" marR="0" indent="0" algn="l" defTabSz="914400" rtl="0" eaLnBrk="0" fontAlgn="base" latinLnBrk="0" hangingPunct="0">
+              <a:lnSpc>
+                <a:spcPct val="100000"/>
+              </a:lnSpc>
+              <a:spcBef>
+                <a:spcPct val="0"/>
+              </a:spcBef>
+              <a:spcAft>
+                <a:spcPct val="0"/>
+              </a:spcAft>
+              <a:buClrTx/>
+              <a:buSzTx/>
+              <a:buFontTx/>
+              <a:buNone/>
+              <a:tabLst/>
+            </a:pPr>
+            <a:endParaRPr kumimoji="0" lang="en-US" sz="2400" b="0" i="0" u="none" strike="noStrike" cap="none" normalizeH="0" baseline="0">
+              <a:ln>
+                <a:noFill/>
+              </a:ln>
+              <a:solidFill>
+                <a:schemeClr val="tx1"/>
+              </a:solidFill>
+              <a:effectLst/>
+              <a:latin typeface="Times New Roman" pitchFamily="18" charset="0"/>
+            </a:endParaRPr>
+          </a:p>
+        </p:txBody>
+      </p:sp>
     </p:spTree>
     <p:extLst>
       <p:ext uri="{BB962C8B-B14F-4D97-AF65-F5344CB8AC3E}">
@@ -6451,8 +6776,8 @@
         </p:blipFill>
         <p:spPr>
           <a:xfrm>
-            <a:off x="1475943" y="1524000"/>
-            <a:ext cx="6192114" cy="4715533"/>
+            <a:off x="1075700" y="1147433"/>
+            <a:ext cx="6992599" cy="5325133"/>
           </a:xfrm>
           <a:prstGeom prst="rect">
             <a:avLst/>
@@ -6467,6 +6792,75 @@
           </a:ln>
         </p:spPr>
       </p:pic>
+      <p:sp>
+        <p:nvSpPr>
+          <p:cNvPr id="8" name="Rectangle 7">
+            <a:extLst>
+              <a:ext uri="{FF2B5EF4-FFF2-40B4-BE49-F238E27FC236}">
+                <a16:creationId xmlns:a16="http://schemas.microsoft.com/office/drawing/2014/main" id="{D0397B25-FA29-46E6-B835-F89419E0BB28}"/>
+              </a:ext>
+            </a:extLst>
+          </p:cNvPr>
+          <p:cNvSpPr/>
+          <p:nvPr/>
+        </p:nvSpPr>
+        <p:spPr bwMode="auto">
+          <a:xfrm>
+            <a:off x="5924550" y="1054644"/>
+            <a:ext cx="914400" cy="533400"/>
+          </a:xfrm>
+          <a:prstGeom prst="rect">
+            <a:avLst/>
+          </a:prstGeom>
+          <a:noFill/>
+          <a:ln w="38100" cap="flat" cmpd="sng" algn="ctr">
+            <a:solidFill>
+              <a:srgbClr val="FF0000"/>
+            </a:solidFill>
+            <a:prstDash val="solid"/>
+            <a:round/>
+            <a:headEnd type="none" w="med" len="med"/>
+            <a:tailEnd type="none" w="med" len="med"/>
+          </a:ln>
+          <a:effectLst/>
+        </p:spPr>
+        <p:txBody>
+          <a:bodyPr vert="horz" wrap="square" lIns="91440" tIns="45720" rIns="91440" bIns="45720" numCol="1" rtlCol="0" anchor="t" anchorCtr="0" compatLnSpc="1">
+            <a:prstTxWarp prst="textNoShape">
+              <a:avLst/>
+            </a:prstTxWarp>
+          </a:bodyPr>
+          <a:lstStyle/>
+          <a:p>
+            <a:pPr marL="0" marR="0" indent="0" algn="l" defTabSz="914400" rtl="0" eaLnBrk="0" fontAlgn="base" latinLnBrk="0" hangingPunct="0">
+              <a:lnSpc>
+                <a:spcPct val="100000"/>
+              </a:lnSpc>
+              <a:spcBef>
+                <a:spcPct val="0"/>
+              </a:spcBef>
+              <a:spcAft>
+                <a:spcPct val="0"/>
+              </a:spcAft>
+              <a:buClrTx/>
+              <a:buSzTx/>
+              <a:buFontTx/>
+              <a:buNone/>
+              <a:tabLst/>
+            </a:pPr>
+            <a:endParaRPr kumimoji="0" lang="en-US" sz="2400" b="0" i="0" u="none" strike="noStrike" cap="none" normalizeH="0" baseline="0">
+              <a:ln>
+                <a:noFill/>
+              </a:ln>
+              <a:solidFill>
+                <a:schemeClr val="tx1"/>
+              </a:solidFill>
+              <a:effectLst/>
+              <a:latin typeface="Times New Roman" pitchFamily="18" charset="0"/>
+            </a:endParaRPr>
+          </a:p>
+        </p:txBody>
+      </p:sp>
     </p:spTree>
     <p:extLst>
       <p:ext uri="{BB962C8B-B14F-4D97-AF65-F5344CB8AC3E}">
@@ -8577,6 +8971,14 @@
 <file path=ppt/slides/slide18.xml><?xml version="1.0" encoding="utf-8"?>
 <p:sld xmlns:a="http://schemas.openxmlformats.org/drawingml/2006/main" xmlns:r="http://schemas.openxmlformats.org/officeDocument/2006/relationships" xmlns:p="http://schemas.openxmlformats.org/presentationml/2006/main">
   <p:cSld>
+    <p:bg>
+      <p:bgPr>
+        <a:solidFill>
+          <a:schemeClr val="bg1"/>
+        </a:solidFill>
+        <a:effectLst/>
+      </p:bgPr>
+    </p:bg>
     <p:spTree>
       <p:nvGrpSpPr>
         <p:cNvPr id="1" name=""/>
@@ -8815,7 +9217,7 @@
           <p:cNvPr id="2" name="Title 1">
             <a:extLst>
               <a:ext uri="{FF2B5EF4-FFF2-40B4-BE49-F238E27FC236}">
-                <a16:creationId xmlns:a16="http://schemas.microsoft.com/office/drawing/2014/main" id="{35F12707-114E-48E3-BA30-AC4EE3B748C6}"/>
+                <a16:creationId xmlns:a16="http://schemas.microsoft.com/office/drawing/2014/main" id="{72C86686-6CFA-45D7-AC86-1DFB66CBE126}"/>
               </a:ext>
             </a:extLst>
           </p:cNvPr>
@@ -8832,14 +9234,9 @@
           <a:lstStyle/>
           <a:p>
             <a:r>
-              <a:rPr lang="en-US" b="1" dirty="0">
-                <a:solidFill>
-                  <a:srgbClr val="0033CC"/>
-                </a:solidFill>
-              </a:rPr>
-              <a:t>#Example 4-3</a:t>
-            </a:r>
-            <a:endParaRPr lang="en-US" dirty="0"/>
+              <a:rPr lang="en-US" dirty="0"/>
+              <a:t>Tables Relationship</a:t>
+            </a:r>
           </a:p>
         </p:txBody>
       </p:sp>
@@ -8848,7 +9245,7 @@
           <p:cNvPr id="3" name="Content Placeholder 2">
             <a:extLst>
               <a:ext uri="{FF2B5EF4-FFF2-40B4-BE49-F238E27FC236}">
-                <a16:creationId xmlns:a16="http://schemas.microsoft.com/office/drawing/2014/main" id="{138B178F-A9B2-4F67-8C6E-F193C7296979}"/>
+                <a16:creationId xmlns:a16="http://schemas.microsoft.com/office/drawing/2014/main" id="{96FF2390-E0C3-4FBE-9A89-8421D67D71E4}"/>
               </a:ext>
             </a:extLst>
           </p:cNvPr>
@@ -8859,62 +9256,19 @@
             <p:ph idx="1"/>
           </p:nvPr>
         </p:nvSpPr>
-        <p:spPr/>
-        <p:txBody>
-          <a:bodyPr/>
-          <a:lstStyle/>
-          <a:p>
-            <a:pPr marL="0" indent="0">
-              <a:buNone/>
-            </a:pPr>
-            <a:r>
-              <a:rPr lang="en-US" sz="2400" b="1" dirty="0"/>
-              <a:t>Requirements:</a:t>
-            </a:r>
-          </a:p>
-          <a:p>
-            <a:pPr>
-              <a:spcAft>
-                <a:spcPts val="600"/>
-              </a:spcAft>
-            </a:pPr>
-            <a:r>
-              <a:rPr lang="en-US" sz="2400" dirty="0"/>
-              <a:t>Add </a:t>
-            </a:r>
-            <a:r>
-              <a:rPr lang="en-US" sz="2400" dirty="0">
-                <a:solidFill>
-                  <a:srgbClr val="0033CC"/>
-                </a:solidFill>
-              </a:rPr>
-              <a:t>categories</a:t>
-            </a:r>
-            <a:r>
-              <a:rPr lang="en-US" sz="2400" dirty="0"/>
-              <a:t> table to the database and make a correct relationship with products table.</a:t>
-            </a:r>
-          </a:p>
-          <a:p>
-            <a:r>
-              <a:rPr lang="en-US" sz="2400" dirty="0"/>
-              <a:t>Write a PHP script to connect to database and show all products table records ordered by category id.</a:t>
-            </a:r>
-          </a:p>
-          <a:p>
-            <a:pPr marL="0" indent="0">
-              <a:buNone/>
-            </a:pPr>
-            <a:endParaRPr lang="en-US" sz="2400" dirty="0"/>
-          </a:p>
-          <a:p>
-            <a:r>
-              <a:rPr lang="en-US" sz="2400" dirty="0"/>
-              <a:t>See it on </a:t>
-            </a:r>
-            <a:r>
-              <a:rPr lang="en-US" sz="2400" b="1" dirty="0"/>
-              <a:t>GitHub</a:t>
+        <p:spPr>
+          <a:xfrm>
+            <a:off x="685800" y="1295400"/>
+            <a:ext cx="7772400" cy="612634"/>
+          </a:xfrm>
+        </p:spPr>
+        <p:txBody>
+          <a:bodyPr/>
+          <a:lstStyle/>
+          <a:p>
+            <a:r>
+              <a:rPr lang="en-US" sz="2000" dirty="0"/>
+              <a:t>We can use the Designer tool in PhpMyAdmin to create a relationship between tables.</a:t>
             </a:r>
           </a:p>
         </p:txBody>
@@ -8924,7 +9278,7 @@
           <p:cNvPr id="4" name="Date Placeholder 3">
             <a:extLst>
               <a:ext uri="{FF2B5EF4-FFF2-40B4-BE49-F238E27FC236}">
-                <a16:creationId xmlns:a16="http://schemas.microsoft.com/office/drawing/2014/main" id="{C00B316C-9F11-41E1-A762-AB675A00184F}"/>
+                <a16:creationId xmlns:a16="http://schemas.microsoft.com/office/drawing/2014/main" id="{719C2419-7A18-4204-8C6C-4E0DD24C5FA6}"/>
               </a:ext>
             </a:extLst>
           </p:cNvPr>
@@ -8956,7 +9310,7 @@
           <p:cNvPr id="5" name="Footer Placeholder 4">
             <a:extLst>
               <a:ext uri="{FF2B5EF4-FFF2-40B4-BE49-F238E27FC236}">
-                <a16:creationId xmlns:a16="http://schemas.microsoft.com/office/drawing/2014/main" id="{A60E06D2-84AD-485E-BBDA-DEA27B153696}"/>
+                <a16:creationId xmlns:a16="http://schemas.microsoft.com/office/drawing/2014/main" id="{4F9F135D-5665-43D6-ADE2-6FBA64414A2A}"/>
               </a:ext>
             </a:extLst>
           </p:cNvPr>
@@ -8987,7 +9341,7 @@
           <p:cNvPr id="6" name="Slide Number Placeholder 5">
             <a:extLst>
               <a:ext uri="{FF2B5EF4-FFF2-40B4-BE49-F238E27FC236}">
-                <a16:creationId xmlns:a16="http://schemas.microsoft.com/office/drawing/2014/main" id="{919794D0-75F6-4155-9A00-30BD0E3E01D9}"/>
+                <a16:creationId xmlns:a16="http://schemas.microsoft.com/office/drawing/2014/main" id="{1614C09D-8FD6-45F9-84C7-2F54A794E9E0}"/>
               </a:ext>
             </a:extLst>
           </p:cNvPr>
@@ -9019,10 +9373,45 @@
           </a:p>
         </p:txBody>
       </p:sp>
+      <p:pic>
+        <p:nvPicPr>
+          <p:cNvPr id="8" name="Picture 7">
+            <a:extLst>
+              <a:ext uri="{FF2B5EF4-FFF2-40B4-BE49-F238E27FC236}">
+                <a16:creationId xmlns:a16="http://schemas.microsoft.com/office/drawing/2014/main" id="{53ECEF8F-3E4F-466A-AEC0-CABCAC2340E4}"/>
+              </a:ext>
+            </a:extLst>
+          </p:cNvPr>
+          <p:cNvPicPr>
+            <a:picLocks noChangeAspect="1"/>
+          </p:cNvPicPr>
+          <p:nvPr/>
+        </p:nvPicPr>
+        <p:blipFill>
+          <a:blip r:embed="rId2"/>
+          <a:stretch>
+            <a:fillRect/>
+          </a:stretch>
+        </p:blipFill>
+        <p:spPr>
+          <a:xfrm>
+            <a:off x="990600" y="2133600"/>
+            <a:ext cx="6934200" cy="4312205"/>
+          </a:xfrm>
+          <a:prstGeom prst="rect">
+            <a:avLst/>
+          </a:prstGeom>
+          <a:ln>
+            <a:solidFill>
+              <a:schemeClr val="tx1"/>
+            </a:solidFill>
+          </a:ln>
+        </p:spPr>
+      </p:pic>
     </p:spTree>
     <p:extLst>
       <p:ext uri="{BB962C8B-B14F-4D97-AF65-F5344CB8AC3E}">
-        <p14:creationId xmlns:p14="http://schemas.microsoft.com/office/powerpoint/2010/main" val="486855845"/>
+        <p14:creationId xmlns:p14="http://schemas.microsoft.com/office/powerpoint/2010/main" val="661038164"/>
       </p:ext>
     </p:extLst>
   </p:cSld>
@@ -9339,6 +9728,14 @@
 <file path=ppt/slides/slide20.xml><?xml version="1.0" encoding="utf-8"?>
 <p:sld xmlns:a="http://schemas.openxmlformats.org/drawingml/2006/main" xmlns:r="http://schemas.openxmlformats.org/officeDocument/2006/relationships" xmlns:p="http://schemas.openxmlformats.org/presentationml/2006/main">
   <p:cSld>
+    <p:bg>
+      <p:bgPr>
+        <a:solidFill>
+          <a:schemeClr val="bg1"/>
+        </a:solidFill>
+        <a:effectLst/>
+      </p:bgPr>
+    </p:bg>
     <p:spTree>
       <p:nvGrpSpPr>
         <p:cNvPr id="1" name=""/>
@@ -9380,7 +9777,7 @@
                   <a:srgbClr val="0033CC"/>
                 </a:solidFill>
               </a:rPr>
-              <a:t>#Example 4-4</a:t>
+              <a:t>#Example 4-3</a:t>
             </a:r>
             <a:endParaRPr lang="en-US" dirty="0"/>
           </a:p>
@@ -9411,101 +9808,53 @@
               <a:buNone/>
             </a:pPr>
             <a:r>
-              <a:rPr lang="en-US" sz="2800" b="1" dirty="0"/>
+              <a:rPr lang="en-US" sz="2400" b="1" dirty="0"/>
               <a:t>Requirements:</a:t>
             </a:r>
           </a:p>
           <a:p>
+            <a:pPr>
+              <a:spcAft>
+                <a:spcPts val="600"/>
+              </a:spcAft>
+            </a:pPr>
+            <a:r>
+              <a:rPr lang="en-US" sz="2400" dirty="0"/>
+              <a:t>Add </a:t>
+            </a:r>
+            <a:r>
+              <a:rPr lang="en-US" sz="2400" dirty="0">
+                <a:solidFill>
+                  <a:srgbClr val="0033CC"/>
+                </a:solidFill>
+              </a:rPr>
+              <a:t>categories</a:t>
+            </a:r>
+            <a:r>
+              <a:rPr lang="en-US" sz="2400" dirty="0"/>
+              <a:t> table to the database and make a correct relationship with products table.</a:t>
+            </a:r>
+          </a:p>
+          <a:p>
+            <a:r>
+              <a:rPr lang="en-US" sz="2400" dirty="0"/>
+              <a:t>Write a PHP script to connect to database and show all products table records ordered by category id.</a:t>
+            </a:r>
+          </a:p>
+          <a:p>
             <a:pPr marL="0" indent="0">
               <a:buNone/>
             </a:pPr>
-            <a:r>
-              <a:rPr lang="en-US" sz="2800" dirty="0"/>
-              <a:t>Write a PHP script to connect to database and show all product records that related to a selected category id.</a:t>
-            </a:r>
-          </a:p>
-          <a:p>
-            <a:pPr marL="0" indent="0">
-              <a:buNone/>
-            </a:pPr>
-            <a:endParaRPr lang="en-US" sz="2800" dirty="0"/>
-          </a:p>
-          <a:p>
-            <a:r>
-              <a:rPr lang="en-US" sz="2800" dirty="0"/>
+            <a:endParaRPr lang="en-US" sz="2400" dirty="0"/>
+          </a:p>
+          <a:p>
+            <a:r>
+              <a:rPr lang="en-US" sz="2400" dirty="0"/>
               <a:t>See it on </a:t>
             </a:r>
             <a:r>
-              <a:rPr lang="en-US" sz="2800" b="1" dirty="0"/>
+              <a:rPr lang="en-US" sz="2400" b="1" dirty="0"/>
               <a:t>GitHub</a:t>
-            </a:r>
-          </a:p>
-          <a:p>
-            <a:pPr marL="0" indent="0">
-              <a:buNone/>
-            </a:pPr>
-            <a:r>
-              <a:rPr lang="en-US" sz="2000" dirty="0"/>
-              <a:t>$</a:t>
-            </a:r>
-            <a:r>
-              <a:rPr lang="en-US" sz="2000" dirty="0" err="1"/>
-              <a:t>sql</a:t>
-            </a:r>
-            <a:r>
-              <a:rPr lang="en-US" sz="2000" dirty="0"/>
-              <a:t> = "SELECT * FROM Users </a:t>
-            </a:r>
-          </a:p>
-          <a:p>
-            <a:pPr marL="0" indent="0">
-              <a:buNone/>
-            </a:pPr>
-            <a:r>
-              <a:rPr lang="en-US" sz="2000" dirty="0"/>
-              <a:t>WHERE </a:t>
-            </a:r>
-            <a:r>
-              <a:rPr lang="en-US" sz="2000" dirty="0" err="1"/>
-              <a:t>userID</a:t>
-            </a:r>
-            <a:r>
-              <a:rPr lang="en-US" sz="2000" dirty="0"/>
-              <a:t> = ?";</a:t>
-            </a:r>
-          </a:p>
-          <a:p>
-            <a:pPr marL="0" indent="0">
-              <a:buNone/>
-            </a:pPr>
-            <a:r>
-              <a:rPr lang="en-US" sz="2000" dirty="0"/>
-              <a:t>$result = $</a:t>
-            </a:r>
-            <a:r>
-              <a:rPr lang="en-US" sz="2000" dirty="0" err="1"/>
-              <a:t>pdo</a:t>
-            </a:r>
-            <a:r>
-              <a:rPr lang="en-US" sz="2000" dirty="0"/>
-              <a:t>-&gt;prepare($</a:t>
-            </a:r>
-            <a:r>
-              <a:rPr lang="en-US" sz="2000" dirty="0" err="1"/>
-              <a:t>sql</a:t>
-            </a:r>
-            <a:r>
-              <a:rPr lang="en-US" sz="2000" dirty="0"/>
-              <a:t>);</a:t>
-            </a:r>
-          </a:p>
-          <a:p>
-            <a:pPr marL="0" indent="0">
-              <a:buNone/>
-            </a:pPr>
-            <a:r>
-              <a:rPr lang="en-US" sz="2000" dirty="0"/>
-              <a:t>$result-&gt;execute([$id]);</a:t>
             </a:r>
           </a:p>
         </p:txBody>
@@ -9613,7 +9962,7 @@
     </p:spTree>
     <p:extLst>
       <p:ext uri="{BB962C8B-B14F-4D97-AF65-F5344CB8AC3E}">
-        <p14:creationId xmlns:p14="http://schemas.microsoft.com/office/powerpoint/2010/main" val="1633707914"/>
+        <p14:creationId xmlns:p14="http://schemas.microsoft.com/office/powerpoint/2010/main" val="486855845"/>
       </p:ext>
     </p:extLst>
   </p:cSld>
@@ -9645,7 +9994,7 @@
           <p:cNvPr id="2" name="Title 1">
             <a:extLst>
               <a:ext uri="{FF2B5EF4-FFF2-40B4-BE49-F238E27FC236}">
-                <a16:creationId xmlns:a16="http://schemas.microsoft.com/office/drawing/2014/main" id="{35F12707-114E-48E3-BA30-AC4EE3B748C6}"/>
+                <a16:creationId xmlns:a16="http://schemas.microsoft.com/office/drawing/2014/main" id="{52749D94-D36C-4E89-9611-1E21D9D0AD44}"/>
               </a:ext>
             </a:extLst>
           </p:cNvPr>
@@ -9662,131 +10011,860 @@
           <a:lstStyle/>
           <a:p>
             <a:r>
-              <a:rPr lang="en-US" b="1" dirty="0">
+              <a:rPr lang="en-US" i="0" dirty="0">
+                <a:effectLst/>
+                <a:latin typeface="Segoe UI" panose="020B0502040204020203" pitchFamily="34" charset="0"/>
+              </a:rPr>
+              <a:t>SQL WHERE Clause</a:t>
+            </a:r>
+            <a:endParaRPr lang="en-US" dirty="0"/>
+          </a:p>
+        </p:txBody>
+      </p:sp>
+      <p:sp>
+        <p:nvSpPr>
+          <p:cNvPr id="3" name="Content Placeholder 2">
+            <a:extLst>
+              <a:ext uri="{FF2B5EF4-FFF2-40B4-BE49-F238E27FC236}">
+                <a16:creationId xmlns:a16="http://schemas.microsoft.com/office/drawing/2014/main" id="{F0F033CD-6F4B-4BE0-B808-104894012248}"/>
+              </a:ext>
+            </a:extLst>
+          </p:cNvPr>
+          <p:cNvSpPr>
+            <a:spLocks noGrp="1"/>
+          </p:cNvSpPr>
+          <p:nvPr>
+            <p:ph idx="1"/>
+          </p:nvPr>
+        </p:nvSpPr>
+        <p:spPr>
+          <a:xfrm>
+            <a:off x="533400" y="1295400"/>
+            <a:ext cx="8458200" cy="4572000"/>
+          </a:xfrm>
+        </p:spPr>
+        <p:txBody>
+          <a:bodyPr/>
+          <a:lstStyle/>
+          <a:p>
+            <a:pPr marL="0" indent="0">
+              <a:buNone/>
+            </a:pPr>
+            <a:r>
+              <a:rPr lang="en-US" sz="1800" dirty="0">
+                <a:solidFill>
+                  <a:srgbClr val="000000"/>
+                </a:solidFill>
+                <a:latin typeface="Consolas" panose="020B0609020204030204" pitchFamily="49" charset="0"/>
+              </a:rPr>
+              <a:t> </a:t>
+            </a:r>
+          </a:p>
+          <a:p>
+            <a:pPr marL="0" indent="0">
+              <a:buNone/>
+            </a:pPr>
+            <a:r>
+              <a:rPr lang="en-US" sz="1800" dirty="0">
+                <a:solidFill>
+                  <a:srgbClr val="000000"/>
+                </a:solidFill>
+                <a:latin typeface="Consolas" panose="020B0609020204030204" pitchFamily="49" charset="0"/>
+              </a:rPr>
+              <a:t> $</a:t>
+            </a:r>
+            <a:r>
+              <a:rPr lang="en-US" sz="1800" dirty="0" err="1">
+                <a:solidFill>
+                  <a:srgbClr val="000000"/>
+                </a:solidFill>
+                <a:latin typeface="Consolas" panose="020B0609020204030204" pitchFamily="49" charset="0"/>
+              </a:rPr>
+              <a:t>sql</a:t>
+            </a:r>
+            <a:r>
+              <a:rPr lang="en-US" sz="1800" dirty="0">
+                <a:solidFill>
+                  <a:srgbClr val="000000"/>
+                </a:solidFill>
+                <a:latin typeface="Consolas" panose="020B0609020204030204" pitchFamily="49" charset="0"/>
+              </a:rPr>
+              <a:t> = </a:t>
+            </a:r>
+            <a:r>
+              <a:rPr lang="en-US" sz="1800" dirty="0">
                 <a:solidFill>
                   <a:srgbClr val="0033CC"/>
                 </a:solidFill>
-              </a:rPr>
-              <a:t>#Example 4-5</a:t>
-            </a:r>
-            <a:endParaRPr lang="en-US" dirty="0"/>
-          </a:p>
-        </p:txBody>
-      </p:sp>
-      <p:sp>
-        <p:nvSpPr>
-          <p:cNvPr id="3" name="Content Placeholder 2">
+                <a:latin typeface="Consolas" panose="020B0609020204030204" pitchFamily="49" charset="0"/>
+              </a:rPr>
+              <a:t>'SELECT</a:t>
+            </a:r>
+            <a:r>
+              <a:rPr lang="en-US" sz="1800" dirty="0">
+                <a:solidFill>
+                  <a:srgbClr val="000000"/>
+                </a:solidFill>
+                <a:latin typeface="Consolas" panose="020B0609020204030204" pitchFamily="49" charset="0"/>
+              </a:rPr>
+              <a:t> * </a:t>
+            </a:r>
+            <a:r>
+              <a:rPr lang="en-US" sz="1800" dirty="0">
+                <a:solidFill>
+                  <a:srgbClr val="0033CC"/>
+                </a:solidFill>
+                <a:latin typeface="Consolas" panose="020B0609020204030204" pitchFamily="49" charset="0"/>
+              </a:rPr>
+              <a:t>FROM</a:t>
+            </a:r>
+            <a:r>
+              <a:rPr lang="en-US" sz="1800" dirty="0">
+                <a:solidFill>
+                  <a:srgbClr val="000000"/>
+                </a:solidFill>
+                <a:latin typeface="Consolas" panose="020B0609020204030204" pitchFamily="49" charset="0"/>
+              </a:rPr>
+              <a:t> products </a:t>
+            </a:r>
+            <a:r>
+              <a:rPr lang="en-US" sz="1800" dirty="0">
+                <a:solidFill>
+                  <a:srgbClr val="0033CC"/>
+                </a:solidFill>
+                <a:latin typeface="Consolas" panose="020B0609020204030204" pitchFamily="49" charset="0"/>
+              </a:rPr>
+              <a:t>WHERE</a:t>
+            </a:r>
+            <a:r>
+              <a:rPr lang="en-US" sz="1800" dirty="0">
+                <a:solidFill>
+                  <a:srgbClr val="000000"/>
+                </a:solidFill>
+                <a:latin typeface="Consolas" panose="020B0609020204030204" pitchFamily="49" charset="0"/>
+              </a:rPr>
+              <a:t> </a:t>
+            </a:r>
+            <a:r>
+              <a:rPr lang="en-US" sz="1800" dirty="0" err="1">
+                <a:solidFill>
+                  <a:srgbClr val="000000"/>
+                </a:solidFill>
+                <a:latin typeface="Consolas" panose="020B0609020204030204" pitchFamily="49" charset="0"/>
+              </a:rPr>
+              <a:t>cat_id</a:t>
+            </a:r>
+            <a:r>
+              <a:rPr lang="en-US" sz="1800" dirty="0">
+                <a:solidFill>
+                  <a:srgbClr val="000000"/>
+                </a:solidFill>
+                <a:latin typeface="Consolas" panose="020B0609020204030204" pitchFamily="49" charset="0"/>
+              </a:rPr>
+              <a:t> = 3';</a:t>
+            </a:r>
+          </a:p>
+          <a:p>
+            <a:pPr marL="0" indent="0">
+              <a:buNone/>
+            </a:pPr>
+            <a:r>
+              <a:rPr lang="en-US" sz="1800" dirty="0">
+                <a:solidFill>
+                  <a:srgbClr val="000000"/>
+                </a:solidFill>
+                <a:latin typeface="Consolas" panose="020B0609020204030204" pitchFamily="49" charset="0"/>
+              </a:rPr>
+              <a:t> $result = $</a:t>
+            </a:r>
+            <a:r>
+              <a:rPr lang="en-US" sz="1800" dirty="0" err="1">
+                <a:solidFill>
+                  <a:srgbClr val="000000"/>
+                </a:solidFill>
+                <a:latin typeface="Consolas" panose="020B0609020204030204" pitchFamily="49" charset="0"/>
+              </a:rPr>
+              <a:t>pdo</a:t>
+            </a:r>
+            <a:r>
+              <a:rPr lang="en-US" sz="1800" dirty="0">
+                <a:solidFill>
+                  <a:srgbClr val="000000"/>
+                </a:solidFill>
+                <a:latin typeface="Consolas" panose="020B0609020204030204" pitchFamily="49" charset="0"/>
+              </a:rPr>
+              <a:t>-&gt;</a:t>
+            </a:r>
+            <a:r>
+              <a:rPr lang="en-US" sz="1800" dirty="0">
+                <a:solidFill>
+                  <a:srgbClr val="0033CC"/>
+                </a:solidFill>
+                <a:latin typeface="Consolas" panose="020B0609020204030204" pitchFamily="49" charset="0"/>
+              </a:rPr>
+              <a:t>query</a:t>
+            </a:r>
+            <a:r>
+              <a:rPr lang="en-US" sz="1800" dirty="0">
+                <a:solidFill>
+                  <a:srgbClr val="000000"/>
+                </a:solidFill>
+                <a:latin typeface="Consolas" panose="020B0609020204030204" pitchFamily="49" charset="0"/>
+              </a:rPr>
+              <a:t>($</a:t>
+            </a:r>
+            <a:r>
+              <a:rPr lang="en-US" sz="1800" dirty="0" err="1">
+                <a:solidFill>
+                  <a:srgbClr val="000000"/>
+                </a:solidFill>
+                <a:latin typeface="Consolas" panose="020B0609020204030204" pitchFamily="49" charset="0"/>
+              </a:rPr>
+              <a:t>sql</a:t>
+            </a:r>
+            <a:r>
+              <a:rPr lang="en-US" sz="1800" dirty="0">
+                <a:solidFill>
+                  <a:srgbClr val="000000"/>
+                </a:solidFill>
+                <a:latin typeface="Consolas" panose="020B0609020204030204" pitchFamily="49" charset="0"/>
+              </a:rPr>
+              <a:t>);</a:t>
+            </a:r>
+          </a:p>
+          <a:p>
+            <a:pPr marL="0" indent="0">
+              <a:buNone/>
+            </a:pPr>
+            <a:endParaRPr lang="en-US" sz="1800" dirty="0">
+              <a:solidFill>
+                <a:srgbClr val="000000"/>
+              </a:solidFill>
+              <a:latin typeface="Consolas" panose="020B0609020204030204" pitchFamily="49" charset="0"/>
+            </a:endParaRPr>
+          </a:p>
+          <a:p>
+            <a:pPr marL="0" indent="0">
+              <a:buNone/>
+            </a:pPr>
+            <a:endParaRPr lang="en-US" sz="1800" dirty="0">
+              <a:solidFill>
+                <a:srgbClr val="000000"/>
+              </a:solidFill>
+              <a:latin typeface="Consolas" panose="020B0609020204030204" pitchFamily="49" charset="0"/>
+            </a:endParaRPr>
+          </a:p>
+          <a:p>
+            <a:pPr marL="0" indent="0">
+              <a:buNone/>
+            </a:pPr>
+            <a:r>
+              <a:rPr lang="en-US" sz="1800" dirty="0">
+                <a:solidFill>
+                  <a:srgbClr val="000000"/>
+                </a:solidFill>
+                <a:latin typeface="Consolas" panose="020B0609020204030204" pitchFamily="49" charset="0"/>
+              </a:rPr>
+              <a:t>Or</a:t>
+            </a:r>
+          </a:p>
+          <a:p>
+            <a:pPr marL="0" indent="0">
+              <a:buNone/>
+            </a:pPr>
+            <a:endParaRPr lang="en-US" sz="1800" dirty="0">
+              <a:solidFill>
+                <a:srgbClr val="000000"/>
+              </a:solidFill>
+              <a:latin typeface="Consolas" panose="020B0609020204030204" pitchFamily="49" charset="0"/>
+            </a:endParaRPr>
+          </a:p>
+          <a:p>
+            <a:pPr marL="0" indent="0">
+              <a:buNone/>
+            </a:pPr>
+            <a:r>
+              <a:rPr lang="en-US" sz="1800" dirty="0">
+                <a:solidFill>
+                  <a:srgbClr val="0033CC"/>
+                </a:solidFill>
+                <a:latin typeface="Consolas" panose="020B0609020204030204" pitchFamily="49" charset="0"/>
+              </a:rPr>
+              <a:t> $</a:t>
+            </a:r>
+            <a:r>
+              <a:rPr lang="en-US" sz="1800" dirty="0" err="1">
+                <a:solidFill>
+                  <a:srgbClr val="0033CC"/>
+                </a:solidFill>
+                <a:latin typeface="Consolas" panose="020B0609020204030204" pitchFamily="49" charset="0"/>
+              </a:rPr>
+              <a:t>cid</a:t>
+            </a:r>
+            <a:r>
+              <a:rPr lang="en-US" sz="1800" dirty="0">
+                <a:solidFill>
+                  <a:srgbClr val="0033CC"/>
+                </a:solidFill>
+                <a:latin typeface="Consolas" panose="020B0609020204030204" pitchFamily="49" charset="0"/>
+              </a:rPr>
+              <a:t>=3;</a:t>
+            </a:r>
+          </a:p>
+          <a:p>
+            <a:pPr marL="0" indent="0">
+              <a:buNone/>
+            </a:pPr>
+            <a:r>
+              <a:rPr lang="en-US" sz="1800" dirty="0">
+                <a:solidFill>
+                  <a:srgbClr val="000000"/>
+                </a:solidFill>
+                <a:latin typeface="Consolas" panose="020B0609020204030204" pitchFamily="49" charset="0"/>
+              </a:rPr>
+              <a:t> $</a:t>
+            </a:r>
+            <a:r>
+              <a:rPr lang="en-US" sz="1800" dirty="0" err="1">
+                <a:solidFill>
+                  <a:srgbClr val="000000"/>
+                </a:solidFill>
+                <a:latin typeface="Consolas" panose="020B0609020204030204" pitchFamily="49" charset="0"/>
+              </a:rPr>
+              <a:t>sql</a:t>
+            </a:r>
+            <a:r>
+              <a:rPr lang="en-US" sz="1800" dirty="0">
+                <a:solidFill>
+                  <a:srgbClr val="000000"/>
+                </a:solidFill>
+                <a:latin typeface="Consolas" panose="020B0609020204030204" pitchFamily="49" charset="0"/>
+              </a:rPr>
+              <a:t> = </a:t>
+            </a:r>
+            <a:r>
+              <a:rPr lang="en-US" sz="1800" dirty="0">
+                <a:solidFill>
+                  <a:srgbClr val="0033CC"/>
+                </a:solidFill>
+                <a:latin typeface="Consolas" panose="020B0609020204030204" pitchFamily="49" charset="0"/>
+              </a:rPr>
+              <a:t>'SELECT</a:t>
+            </a:r>
+            <a:r>
+              <a:rPr lang="en-US" sz="1800" dirty="0">
+                <a:solidFill>
+                  <a:srgbClr val="000000"/>
+                </a:solidFill>
+                <a:latin typeface="Consolas" panose="020B0609020204030204" pitchFamily="49" charset="0"/>
+              </a:rPr>
+              <a:t> * </a:t>
+            </a:r>
+            <a:r>
+              <a:rPr lang="en-US" sz="1800" dirty="0">
+                <a:solidFill>
+                  <a:srgbClr val="0033CC"/>
+                </a:solidFill>
+                <a:latin typeface="Consolas" panose="020B0609020204030204" pitchFamily="49" charset="0"/>
+              </a:rPr>
+              <a:t>FROM</a:t>
+            </a:r>
+            <a:r>
+              <a:rPr lang="en-US" sz="1800" dirty="0">
+                <a:solidFill>
+                  <a:srgbClr val="000000"/>
+                </a:solidFill>
+                <a:latin typeface="Consolas" panose="020B0609020204030204" pitchFamily="49" charset="0"/>
+              </a:rPr>
+              <a:t> products </a:t>
+            </a:r>
+            <a:r>
+              <a:rPr lang="en-US" sz="1800" dirty="0">
+                <a:solidFill>
+                  <a:srgbClr val="0033CC"/>
+                </a:solidFill>
+                <a:latin typeface="Consolas" panose="020B0609020204030204" pitchFamily="49" charset="0"/>
+              </a:rPr>
+              <a:t>WHERE</a:t>
+            </a:r>
+            <a:r>
+              <a:rPr lang="en-US" sz="1800" dirty="0">
+                <a:solidFill>
+                  <a:srgbClr val="000000"/>
+                </a:solidFill>
+                <a:latin typeface="Consolas" panose="020B0609020204030204" pitchFamily="49" charset="0"/>
+              </a:rPr>
+              <a:t> </a:t>
+            </a:r>
+            <a:r>
+              <a:rPr lang="en-US" sz="1800" dirty="0" err="1">
+                <a:solidFill>
+                  <a:srgbClr val="000000"/>
+                </a:solidFill>
+                <a:latin typeface="Consolas" panose="020B0609020204030204" pitchFamily="49" charset="0"/>
+              </a:rPr>
+              <a:t>cat_id</a:t>
+            </a:r>
+            <a:r>
+              <a:rPr lang="en-US" sz="1800" dirty="0">
+                <a:solidFill>
+                  <a:srgbClr val="000000"/>
+                </a:solidFill>
+                <a:latin typeface="Consolas" panose="020B0609020204030204" pitchFamily="49" charset="0"/>
+              </a:rPr>
+              <a:t> =' .$</a:t>
+            </a:r>
+            <a:r>
+              <a:rPr lang="en-US" sz="1800" dirty="0" err="1">
+                <a:solidFill>
+                  <a:srgbClr val="000000"/>
+                </a:solidFill>
+                <a:latin typeface="Consolas" panose="020B0609020204030204" pitchFamily="49" charset="0"/>
+              </a:rPr>
+              <a:t>cid</a:t>
+            </a:r>
+            <a:r>
+              <a:rPr lang="en-US" sz="1800" dirty="0">
+                <a:solidFill>
+                  <a:srgbClr val="000000"/>
+                </a:solidFill>
+                <a:latin typeface="Consolas" panose="020B0609020204030204" pitchFamily="49" charset="0"/>
+              </a:rPr>
+              <a:t>;</a:t>
+            </a:r>
+          </a:p>
+          <a:p>
+            <a:pPr marL="0" indent="0">
+              <a:buNone/>
+            </a:pPr>
+            <a:r>
+              <a:rPr lang="en-US" sz="1800" dirty="0">
+                <a:solidFill>
+                  <a:srgbClr val="000000"/>
+                </a:solidFill>
+                <a:latin typeface="Consolas" panose="020B0609020204030204" pitchFamily="49" charset="0"/>
+              </a:rPr>
+              <a:t> $result = $</a:t>
+            </a:r>
+            <a:r>
+              <a:rPr lang="en-US" sz="1800" dirty="0" err="1">
+                <a:solidFill>
+                  <a:srgbClr val="000000"/>
+                </a:solidFill>
+                <a:latin typeface="Consolas" panose="020B0609020204030204" pitchFamily="49" charset="0"/>
+              </a:rPr>
+              <a:t>pdo</a:t>
+            </a:r>
+            <a:r>
+              <a:rPr lang="en-US" sz="1800" dirty="0">
+                <a:solidFill>
+                  <a:srgbClr val="000000"/>
+                </a:solidFill>
+                <a:latin typeface="Consolas" panose="020B0609020204030204" pitchFamily="49" charset="0"/>
+              </a:rPr>
+              <a:t>-&gt;</a:t>
+            </a:r>
+            <a:r>
+              <a:rPr lang="en-US" sz="1800" dirty="0">
+                <a:solidFill>
+                  <a:srgbClr val="0033CC"/>
+                </a:solidFill>
+                <a:latin typeface="Consolas" panose="020B0609020204030204" pitchFamily="49" charset="0"/>
+              </a:rPr>
+              <a:t>query</a:t>
+            </a:r>
+            <a:r>
+              <a:rPr lang="en-US" sz="1800" dirty="0">
+                <a:solidFill>
+                  <a:srgbClr val="000000"/>
+                </a:solidFill>
+                <a:latin typeface="Consolas" panose="020B0609020204030204" pitchFamily="49" charset="0"/>
+              </a:rPr>
+              <a:t>($</a:t>
+            </a:r>
+            <a:r>
+              <a:rPr lang="en-US" sz="1800" dirty="0" err="1">
+                <a:solidFill>
+                  <a:srgbClr val="000000"/>
+                </a:solidFill>
+                <a:latin typeface="Consolas" panose="020B0609020204030204" pitchFamily="49" charset="0"/>
+              </a:rPr>
+              <a:t>sql</a:t>
+            </a:r>
+            <a:r>
+              <a:rPr lang="en-US" sz="1800" dirty="0">
+                <a:solidFill>
+                  <a:srgbClr val="000000"/>
+                </a:solidFill>
+                <a:latin typeface="Consolas" panose="020B0609020204030204" pitchFamily="49" charset="0"/>
+              </a:rPr>
+              <a:t>);</a:t>
+            </a:r>
+          </a:p>
+          <a:p>
+            <a:pPr marL="0" indent="0">
+              <a:buNone/>
+            </a:pPr>
+            <a:endParaRPr lang="en-US" sz="1800" dirty="0">
+              <a:solidFill>
+                <a:srgbClr val="000000"/>
+              </a:solidFill>
+              <a:latin typeface="Consolas" panose="020B0609020204030204" pitchFamily="49" charset="0"/>
+            </a:endParaRPr>
+          </a:p>
+          <a:p>
+            <a:pPr marL="0" indent="0">
+              <a:buNone/>
+            </a:pPr>
+            <a:endParaRPr lang="en-US" sz="1800" dirty="0">
+              <a:solidFill>
+                <a:srgbClr val="000000"/>
+              </a:solidFill>
+              <a:latin typeface="Consolas" panose="020B0609020204030204" pitchFamily="49" charset="0"/>
+            </a:endParaRPr>
+          </a:p>
+          <a:p>
+            <a:pPr marL="0" indent="0">
+              <a:buNone/>
+            </a:pPr>
+            <a:endParaRPr lang="en-US" sz="1800" dirty="0">
+              <a:solidFill>
+                <a:srgbClr val="000000"/>
+              </a:solidFill>
+              <a:latin typeface="Consolas" panose="020B0609020204030204" pitchFamily="49" charset="0"/>
+            </a:endParaRPr>
+          </a:p>
+          <a:p>
+            <a:pPr marL="0" indent="0">
+              <a:buNone/>
+            </a:pPr>
+            <a:endParaRPr lang="en-US" sz="1800" dirty="0">
+              <a:solidFill>
+                <a:srgbClr val="000000"/>
+              </a:solidFill>
+              <a:latin typeface="Consolas" panose="020B0609020204030204" pitchFamily="49" charset="0"/>
+            </a:endParaRPr>
+          </a:p>
+          <a:p>
+            <a:pPr marL="0" indent="0">
+              <a:buNone/>
+            </a:pPr>
+            <a:endParaRPr lang="en-US" sz="1800" dirty="0">
+              <a:solidFill>
+                <a:srgbClr val="000000"/>
+              </a:solidFill>
+              <a:latin typeface="Consolas" panose="020B0609020204030204" pitchFamily="49" charset="0"/>
+            </a:endParaRPr>
+          </a:p>
+          <a:p>
+            <a:pPr marL="0" indent="0">
+              <a:buNone/>
+            </a:pPr>
+            <a:endParaRPr lang="en-US" sz="1800" dirty="0">
+              <a:solidFill>
+                <a:srgbClr val="000000"/>
+              </a:solidFill>
+              <a:latin typeface="Consolas" panose="020B0609020204030204" pitchFamily="49" charset="0"/>
+            </a:endParaRPr>
+          </a:p>
+          <a:p>
+            <a:pPr marL="0" indent="0">
+              <a:buNone/>
+            </a:pPr>
+            <a:endParaRPr lang="en-US" sz="1800" dirty="0">
+              <a:solidFill>
+                <a:srgbClr val="000000"/>
+              </a:solidFill>
+              <a:latin typeface="Consolas" panose="020B0609020204030204" pitchFamily="49" charset="0"/>
+            </a:endParaRPr>
+          </a:p>
+          <a:p>
+            <a:pPr marL="0" indent="0">
+              <a:buNone/>
+            </a:pPr>
+            <a:endParaRPr lang="en-US" sz="1800" dirty="0">
+              <a:solidFill>
+                <a:srgbClr val="000000"/>
+              </a:solidFill>
+              <a:latin typeface="Consolas" panose="020B0609020204030204" pitchFamily="49" charset="0"/>
+            </a:endParaRPr>
+          </a:p>
+          <a:p>
+            <a:pPr marL="0" indent="0">
+              <a:buNone/>
+            </a:pPr>
+            <a:r>
+              <a:rPr lang="en-US" sz="1800" dirty="0">
+                <a:solidFill>
+                  <a:srgbClr val="000000"/>
+                </a:solidFill>
+                <a:latin typeface="Consolas" panose="020B0609020204030204" pitchFamily="49" charset="0"/>
+              </a:rPr>
+              <a:t>$</a:t>
+            </a:r>
+            <a:r>
+              <a:rPr lang="en-US" sz="1800" dirty="0" err="1">
+                <a:solidFill>
+                  <a:srgbClr val="000000"/>
+                </a:solidFill>
+                <a:latin typeface="Consolas" panose="020B0609020204030204" pitchFamily="49" charset="0"/>
+              </a:rPr>
+              <a:t>cid</a:t>
+            </a:r>
+            <a:r>
+              <a:rPr lang="en-US" sz="1800" dirty="0">
+                <a:solidFill>
+                  <a:srgbClr val="000000"/>
+                </a:solidFill>
+                <a:latin typeface="Consolas" panose="020B0609020204030204" pitchFamily="49" charset="0"/>
+              </a:rPr>
+              <a:t>=3;</a:t>
+            </a:r>
+          </a:p>
+          <a:p>
+            <a:pPr marL="0" indent="0">
+              <a:buNone/>
+            </a:pPr>
+            <a:r>
+              <a:rPr lang="en-US" sz="1800" dirty="0">
+                <a:solidFill>
+                  <a:srgbClr val="000000"/>
+                </a:solidFill>
+                <a:latin typeface="Consolas" panose="020B0609020204030204" pitchFamily="49" charset="0"/>
+              </a:rPr>
+              <a:t> //select query</a:t>
+            </a:r>
+          </a:p>
+          <a:p>
+            <a:pPr marL="0" indent="0">
+              <a:buNone/>
+            </a:pPr>
+            <a:r>
+              <a:rPr lang="en-US" sz="1800" dirty="0">
+                <a:solidFill>
+                  <a:srgbClr val="000000"/>
+                </a:solidFill>
+                <a:latin typeface="Consolas" panose="020B0609020204030204" pitchFamily="49" charset="0"/>
+              </a:rPr>
+              <a:t> $</a:t>
+            </a:r>
+            <a:r>
+              <a:rPr lang="en-US" sz="1800" dirty="0" err="1">
+                <a:solidFill>
+                  <a:srgbClr val="000000"/>
+                </a:solidFill>
+                <a:latin typeface="Consolas" panose="020B0609020204030204" pitchFamily="49" charset="0"/>
+              </a:rPr>
+              <a:t>sql</a:t>
+            </a:r>
+            <a:r>
+              <a:rPr lang="en-US" sz="1800" dirty="0">
+                <a:solidFill>
+                  <a:srgbClr val="000000"/>
+                </a:solidFill>
+                <a:latin typeface="Consolas" panose="020B0609020204030204" pitchFamily="49" charset="0"/>
+              </a:rPr>
+              <a:t> = </a:t>
+            </a:r>
+            <a:r>
+              <a:rPr lang="en-US" sz="1800" dirty="0">
+                <a:solidFill>
+                  <a:srgbClr val="0033CC"/>
+                </a:solidFill>
+                <a:latin typeface="Consolas" panose="020B0609020204030204" pitchFamily="49" charset="0"/>
+              </a:rPr>
+              <a:t>'SELECT</a:t>
+            </a:r>
+            <a:r>
+              <a:rPr lang="en-US" sz="1800" dirty="0">
+                <a:solidFill>
+                  <a:srgbClr val="000000"/>
+                </a:solidFill>
+                <a:latin typeface="Consolas" panose="020B0609020204030204" pitchFamily="49" charset="0"/>
+              </a:rPr>
+              <a:t> * </a:t>
+            </a:r>
+            <a:r>
+              <a:rPr lang="en-US" sz="1800" dirty="0">
+                <a:solidFill>
+                  <a:srgbClr val="0033CC"/>
+                </a:solidFill>
+                <a:latin typeface="Consolas" panose="020B0609020204030204" pitchFamily="49" charset="0"/>
+              </a:rPr>
+              <a:t>FROM</a:t>
+            </a:r>
+            <a:r>
+              <a:rPr lang="en-US" sz="1800" dirty="0">
+                <a:solidFill>
+                  <a:srgbClr val="000000"/>
+                </a:solidFill>
+                <a:latin typeface="Consolas" panose="020B0609020204030204" pitchFamily="49" charset="0"/>
+              </a:rPr>
+              <a:t> products </a:t>
+            </a:r>
+            <a:r>
+              <a:rPr lang="en-US" sz="1800" dirty="0">
+                <a:solidFill>
+                  <a:srgbClr val="0033CC"/>
+                </a:solidFill>
+                <a:latin typeface="Consolas" panose="020B0609020204030204" pitchFamily="49" charset="0"/>
+              </a:rPr>
+              <a:t>WHERE</a:t>
+            </a:r>
+            <a:r>
+              <a:rPr lang="en-US" sz="1800" dirty="0">
+                <a:solidFill>
+                  <a:srgbClr val="000000"/>
+                </a:solidFill>
+                <a:latin typeface="Consolas" panose="020B0609020204030204" pitchFamily="49" charset="0"/>
+              </a:rPr>
+              <a:t> </a:t>
+            </a:r>
+            <a:r>
+              <a:rPr lang="en-US" sz="1800" dirty="0" err="1">
+                <a:solidFill>
+                  <a:srgbClr val="000000"/>
+                </a:solidFill>
+                <a:latin typeface="Consolas" panose="020B0609020204030204" pitchFamily="49" charset="0"/>
+              </a:rPr>
+              <a:t>cat_id</a:t>
+            </a:r>
+            <a:r>
+              <a:rPr lang="en-US" sz="1800" dirty="0">
+                <a:solidFill>
+                  <a:srgbClr val="000000"/>
+                </a:solidFill>
+                <a:latin typeface="Consolas" panose="020B0609020204030204" pitchFamily="49" charset="0"/>
+              </a:rPr>
+              <a:t> = ?';</a:t>
+            </a:r>
+          </a:p>
+          <a:p>
+            <a:pPr marL="0" indent="0">
+              <a:buNone/>
+            </a:pPr>
+            <a:r>
+              <a:rPr lang="en-US" sz="1800" dirty="0">
+                <a:solidFill>
+                  <a:srgbClr val="000000"/>
+                </a:solidFill>
+                <a:latin typeface="Consolas" panose="020B0609020204030204" pitchFamily="49" charset="0"/>
+              </a:rPr>
+              <a:t> $result = $</a:t>
+            </a:r>
+            <a:r>
+              <a:rPr lang="en-US" sz="1800" dirty="0" err="1">
+                <a:solidFill>
+                  <a:srgbClr val="000000"/>
+                </a:solidFill>
+                <a:latin typeface="Consolas" panose="020B0609020204030204" pitchFamily="49" charset="0"/>
+              </a:rPr>
+              <a:t>pdo</a:t>
+            </a:r>
+            <a:r>
+              <a:rPr lang="en-US" sz="1800" dirty="0">
+                <a:solidFill>
+                  <a:srgbClr val="000000"/>
+                </a:solidFill>
+                <a:latin typeface="Consolas" panose="020B0609020204030204" pitchFamily="49" charset="0"/>
+              </a:rPr>
+              <a:t>-&gt;</a:t>
+            </a:r>
+            <a:r>
+              <a:rPr lang="en-US" sz="1800" dirty="0">
+                <a:solidFill>
+                  <a:srgbClr val="0033CC"/>
+                </a:solidFill>
+                <a:latin typeface="Consolas" panose="020B0609020204030204" pitchFamily="49" charset="0"/>
+              </a:rPr>
+              <a:t>prepare</a:t>
+            </a:r>
+            <a:r>
+              <a:rPr lang="en-US" sz="1800" dirty="0">
+                <a:solidFill>
+                  <a:srgbClr val="000000"/>
+                </a:solidFill>
+                <a:latin typeface="Consolas" panose="020B0609020204030204" pitchFamily="49" charset="0"/>
+              </a:rPr>
+              <a:t>($</a:t>
+            </a:r>
+            <a:r>
+              <a:rPr lang="en-US" sz="1800" dirty="0" err="1">
+                <a:solidFill>
+                  <a:srgbClr val="000000"/>
+                </a:solidFill>
+                <a:latin typeface="Consolas" panose="020B0609020204030204" pitchFamily="49" charset="0"/>
+              </a:rPr>
+              <a:t>sql</a:t>
+            </a:r>
+            <a:r>
+              <a:rPr lang="en-US" sz="1800" dirty="0">
+                <a:solidFill>
+                  <a:srgbClr val="000000"/>
+                </a:solidFill>
+                <a:latin typeface="Consolas" panose="020B0609020204030204" pitchFamily="49" charset="0"/>
+              </a:rPr>
+              <a:t>);</a:t>
+            </a:r>
+          </a:p>
+          <a:p>
+            <a:pPr marL="0" indent="0">
+              <a:buNone/>
+            </a:pPr>
+            <a:r>
+              <a:rPr lang="en-US" sz="1800" dirty="0">
+                <a:solidFill>
+                  <a:srgbClr val="000000"/>
+                </a:solidFill>
+                <a:latin typeface="Consolas" panose="020B0609020204030204" pitchFamily="49" charset="0"/>
+              </a:rPr>
+              <a:t> $result-&gt;</a:t>
+            </a:r>
+            <a:r>
+              <a:rPr lang="en-US" sz="1800" dirty="0">
+                <a:solidFill>
+                  <a:srgbClr val="0033CC"/>
+                </a:solidFill>
+                <a:latin typeface="Consolas" panose="020B0609020204030204" pitchFamily="49" charset="0"/>
+              </a:rPr>
+              <a:t>execute</a:t>
+            </a:r>
+            <a:r>
+              <a:rPr lang="en-US" sz="1800" dirty="0">
+                <a:solidFill>
+                  <a:srgbClr val="000000"/>
+                </a:solidFill>
+                <a:latin typeface="Consolas" panose="020B0609020204030204" pitchFamily="49" charset="0"/>
+              </a:rPr>
+              <a:t>([$</a:t>
+            </a:r>
+            <a:r>
+              <a:rPr lang="en-US" sz="1800" dirty="0" err="1">
+                <a:solidFill>
+                  <a:srgbClr val="000000"/>
+                </a:solidFill>
+                <a:latin typeface="Consolas" panose="020B0609020204030204" pitchFamily="49" charset="0"/>
+              </a:rPr>
+              <a:t>cid</a:t>
+            </a:r>
+            <a:r>
+              <a:rPr lang="en-US" sz="1800" dirty="0">
+                <a:solidFill>
+                  <a:srgbClr val="000000"/>
+                </a:solidFill>
+                <a:latin typeface="Consolas" panose="020B0609020204030204" pitchFamily="49" charset="0"/>
+              </a:rPr>
+              <a:t>]);</a:t>
+            </a:r>
+          </a:p>
+        </p:txBody>
+      </p:sp>
+      <p:sp>
+        <p:nvSpPr>
+          <p:cNvPr id="4" name="Date Placeholder 3">
             <a:extLst>
               <a:ext uri="{FF2B5EF4-FFF2-40B4-BE49-F238E27FC236}">
-                <a16:creationId xmlns:a16="http://schemas.microsoft.com/office/drawing/2014/main" id="{138B178F-A9B2-4F67-8C6E-F193C7296979}"/>
-              </a:ext>
-            </a:extLst>
-          </p:cNvPr>
-          <p:cNvSpPr>
-            <a:spLocks noGrp="1"/>
-          </p:cNvSpPr>
-          <p:nvPr>
-            <p:ph idx="1"/>
-          </p:nvPr>
-        </p:nvSpPr>
-        <p:spPr/>
-        <p:txBody>
-          <a:bodyPr/>
-          <a:lstStyle/>
-          <a:p>
-            <a:pPr marL="0" indent="0">
-              <a:buNone/>
-            </a:pPr>
-            <a:r>
-              <a:rPr lang="en-US" sz="2800" b="1" dirty="0"/>
-              <a:t>Requirements:</a:t>
-            </a:r>
-          </a:p>
-          <a:p>
-            <a:pPr marL="0" indent="0">
-              <a:buNone/>
-            </a:pPr>
-            <a:r>
-              <a:rPr lang="en-US" sz="2800" dirty="0"/>
-              <a:t>Design two web pages</a:t>
-            </a:r>
-          </a:p>
-          <a:p>
-            <a:r>
-              <a:rPr lang="en-US" sz="2800" dirty="0"/>
-              <a:t>The first page shall show all category names with a link to second page.</a:t>
-            </a:r>
-          </a:p>
-          <a:p>
-            <a:r>
-              <a:rPr lang="en-US" sz="2800" dirty="0"/>
-              <a:t>The URL in the link shall include the </a:t>
-            </a:r>
-            <a:r>
-              <a:rPr lang="en-US" sz="2800" dirty="0" err="1"/>
-              <a:t>cat_id</a:t>
-            </a:r>
-            <a:r>
-              <a:rPr lang="en-US" sz="2800" dirty="0"/>
-              <a:t> value. example</a:t>
-            </a:r>
-            <a:r>
-              <a:rPr lang="en-US" sz="2800" dirty="0">
-                <a:solidFill>
-                  <a:srgbClr val="7030A0"/>
-                </a:solidFill>
-              </a:rPr>
-              <a:t>: localhost/</a:t>
-            </a:r>
-            <a:r>
-              <a:rPr lang="en-US" sz="2800" dirty="0" err="1">
-                <a:solidFill>
-                  <a:srgbClr val="7030A0"/>
-                </a:solidFill>
-              </a:rPr>
-              <a:t>product_list?cid</a:t>
-            </a:r>
-            <a:r>
-              <a:rPr lang="en-US" sz="2800" dirty="0">
-                <a:solidFill>
-                  <a:srgbClr val="7030A0"/>
-                </a:solidFill>
-              </a:rPr>
-              <a:t>=5</a:t>
-            </a:r>
-          </a:p>
-          <a:p>
-            <a:r>
-              <a:rPr lang="en-US" sz="2800" dirty="0"/>
-              <a:t>The second page shall show all products in a HTML table for one category depending on the sent </a:t>
-            </a:r>
-            <a:r>
-              <a:rPr lang="en-US" sz="2800" dirty="0" err="1"/>
-              <a:t>cat_id</a:t>
-            </a:r>
-            <a:r>
-              <a:rPr lang="en-US" sz="2800" dirty="0"/>
-              <a:t> value. </a:t>
-            </a:r>
-          </a:p>
-          <a:p>
-            <a:r>
-              <a:rPr lang="en-US" sz="2800" dirty="0"/>
-              <a:t>See it on </a:t>
-            </a:r>
-            <a:r>
-              <a:rPr lang="en-US" sz="2800" b="1" dirty="0"/>
-              <a:t>GitHub</a:t>
-            </a:r>
-          </a:p>
-        </p:txBody>
-      </p:sp>
-      <p:sp>
-        <p:nvSpPr>
-          <p:cNvPr id="4" name="Date Placeholder 3">
-            <a:extLst>
-              <a:ext uri="{FF2B5EF4-FFF2-40B4-BE49-F238E27FC236}">
-                <a16:creationId xmlns:a16="http://schemas.microsoft.com/office/drawing/2014/main" id="{C00B316C-9F11-41E1-A762-AB675A00184F}"/>
+                <a16:creationId xmlns:a16="http://schemas.microsoft.com/office/drawing/2014/main" id="{2CF55E8D-EC79-4BDD-9685-EA2A03563FC3}"/>
               </a:ext>
             </a:extLst>
           </p:cNvPr>
@@ -9818,7 +10896,7 @@
           <p:cNvPr id="5" name="Footer Placeholder 4">
             <a:extLst>
               <a:ext uri="{FF2B5EF4-FFF2-40B4-BE49-F238E27FC236}">
-                <a16:creationId xmlns:a16="http://schemas.microsoft.com/office/drawing/2014/main" id="{A60E06D2-84AD-485E-BBDA-DEA27B153696}"/>
+                <a16:creationId xmlns:a16="http://schemas.microsoft.com/office/drawing/2014/main" id="{BCC4540F-1DE9-4572-A468-0238BFB07227}"/>
               </a:ext>
             </a:extLst>
           </p:cNvPr>
@@ -9849,7 +10927,7 @@
           <p:cNvPr id="6" name="Slide Number Placeholder 5">
             <a:extLst>
               <a:ext uri="{FF2B5EF4-FFF2-40B4-BE49-F238E27FC236}">
-                <a16:creationId xmlns:a16="http://schemas.microsoft.com/office/drawing/2014/main" id="{919794D0-75F6-4155-9A00-30BD0E3E01D9}"/>
+                <a16:creationId xmlns:a16="http://schemas.microsoft.com/office/drawing/2014/main" id="{D6D80CFA-0A7C-4B5C-B613-2F7B0F7B74E4}"/>
               </a:ext>
             </a:extLst>
           </p:cNvPr>
@@ -9884,7 +10962,7 @@
     </p:spTree>
     <p:extLst>
       <p:ext uri="{BB962C8B-B14F-4D97-AF65-F5344CB8AC3E}">
-        <p14:creationId xmlns:p14="http://schemas.microsoft.com/office/powerpoint/2010/main" val="2374971500"/>
+        <p14:creationId xmlns:p14="http://schemas.microsoft.com/office/powerpoint/2010/main" val="2450129670"/>
       </p:ext>
     </p:extLst>
   </p:cSld>
@@ -9916,7 +10994,7 @@
           <p:cNvPr id="2" name="Title 1">
             <a:extLst>
               <a:ext uri="{FF2B5EF4-FFF2-40B4-BE49-F238E27FC236}">
-                <a16:creationId xmlns:a16="http://schemas.microsoft.com/office/drawing/2014/main" id="{15E7DD9F-2E6B-4B54-B432-96544B2DC024}"/>
+                <a16:creationId xmlns:a16="http://schemas.microsoft.com/office/drawing/2014/main" id="{35F12707-114E-48E3-BA30-AC4EE3B748C6}"/>
               </a:ext>
             </a:extLst>
           </p:cNvPr>
@@ -9933,9 +11011,14 @@
           <a:lstStyle/>
           <a:p>
             <a:r>
-              <a:rPr lang="en-US" dirty="0"/>
-              <a:t>INSERT Data</a:t>
-            </a:r>
+              <a:rPr lang="en-US" b="1" dirty="0">
+                <a:solidFill>
+                  <a:srgbClr val="0033CC"/>
+                </a:solidFill>
+              </a:rPr>
+              <a:t>#Example 4-4</a:t>
+            </a:r>
+            <a:endParaRPr lang="en-US" dirty="0"/>
           </a:p>
         </p:txBody>
       </p:sp>
@@ -9944,7 +11027,7 @@
           <p:cNvPr id="3" name="Content Placeholder 2">
             <a:extLst>
               <a:ext uri="{FF2B5EF4-FFF2-40B4-BE49-F238E27FC236}">
-                <a16:creationId xmlns:a16="http://schemas.microsoft.com/office/drawing/2014/main" id="{FB605F30-7EBD-4035-AEBC-3FC96447EAF6}"/>
+                <a16:creationId xmlns:a16="http://schemas.microsoft.com/office/drawing/2014/main" id="{138B178F-A9B2-4F67-8C6E-F193C7296979}"/>
               </a:ext>
             </a:extLst>
           </p:cNvPr>
@@ -9960,7 +11043,38 @@
           <a:bodyPr/>
           <a:lstStyle/>
           <a:p>
-            <a:endParaRPr lang="en-US"/>
+            <a:pPr marL="0" indent="0">
+              <a:buNone/>
+            </a:pPr>
+            <a:r>
+              <a:rPr lang="en-US" sz="2800" b="1" dirty="0"/>
+              <a:t>Requirements:</a:t>
+            </a:r>
+          </a:p>
+          <a:p>
+            <a:pPr marL="0" indent="0">
+              <a:buNone/>
+            </a:pPr>
+            <a:r>
+              <a:rPr lang="en-US" sz="2800" dirty="0"/>
+              <a:t>Write a PHP script to connect to database and show all product records that related to a selected category id.</a:t>
+            </a:r>
+          </a:p>
+          <a:p>
+            <a:pPr marL="0" indent="0">
+              <a:buNone/>
+            </a:pPr>
+            <a:endParaRPr lang="en-US" sz="2800" dirty="0"/>
+          </a:p>
+          <a:p>
+            <a:r>
+              <a:rPr lang="en-US" sz="2800" dirty="0"/>
+              <a:t>See it on </a:t>
+            </a:r>
+            <a:r>
+              <a:rPr lang="en-US" sz="2800" b="1" dirty="0"/>
+              <a:t>GitHub</a:t>
+            </a:r>
           </a:p>
         </p:txBody>
       </p:sp>
@@ -9969,7 +11083,7 @@
           <p:cNvPr id="4" name="Date Placeholder 3">
             <a:extLst>
               <a:ext uri="{FF2B5EF4-FFF2-40B4-BE49-F238E27FC236}">
-                <a16:creationId xmlns:a16="http://schemas.microsoft.com/office/drawing/2014/main" id="{3C808CF2-0E82-4889-981E-9276390B253A}"/>
+                <a16:creationId xmlns:a16="http://schemas.microsoft.com/office/drawing/2014/main" id="{C00B316C-9F11-41E1-A762-AB675A00184F}"/>
               </a:ext>
             </a:extLst>
           </p:cNvPr>
@@ -10001,7 +11115,7 @@
           <p:cNvPr id="5" name="Footer Placeholder 4">
             <a:extLst>
               <a:ext uri="{FF2B5EF4-FFF2-40B4-BE49-F238E27FC236}">
-                <a16:creationId xmlns:a16="http://schemas.microsoft.com/office/drawing/2014/main" id="{619F73DA-0089-4904-9B5B-3156D5559DDC}"/>
+                <a16:creationId xmlns:a16="http://schemas.microsoft.com/office/drawing/2014/main" id="{A60E06D2-84AD-485E-BBDA-DEA27B153696}"/>
               </a:ext>
             </a:extLst>
           </p:cNvPr>
@@ -10032,7 +11146,7 @@
           <p:cNvPr id="6" name="Slide Number Placeholder 5">
             <a:extLst>
               <a:ext uri="{FF2B5EF4-FFF2-40B4-BE49-F238E27FC236}">
-                <a16:creationId xmlns:a16="http://schemas.microsoft.com/office/drawing/2014/main" id="{F793E259-D6AC-45A3-877D-F68CDDFD180A}"/>
+                <a16:creationId xmlns:a16="http://schemas.microsoft.com/office/drawing/2014/main" id="{919794D0-75F6-4155-9A00-30BD0E3E01D9}"/>
               </a:ext>
             </a:extLst>
           </p:cNvPr>
@@ -10067,7 +11181,7 @@
     </p:spTree>
     <p:extLst>
       <p:ext uri="{BB962C8B-B14F-4D97-AF65-F5344CB8AC3E}">
-        <p14:creationId xmlns:p14="http://schemas.microsoft.com/office/powerpoint/2010/main" val="3333412553"/>
+        <p14:creationId xmlns:p14="http://schemas.microsoft.com/office/powerpoint/2010/main" val="1633707914"/>
       </p:ext>
     </p:extLst>
   </p:cSld>
@@ -10099,7 +11213,7 @@
           <p:cNvPr id="2" name="Title 1">
             <a:extLst>
               <a:ext uri="{FF2B5EF4-FFF2-40B4-BE49-F238E27FC236}">
-                <a16:creationId xmlns:a16="http://schemas.microsoft.com/office/drawing/2014/main" id="{35F12707-114E-48E3-BA30-AC4EE3B748C6}"/>
+                <a16:creationId xmlns:a16="http://schemas.microsoft.com/office/drawing/2014/main" id="{52749D94-D36C-4E89-9611-1E21D9D0AD44}"/>
               </a:ext>
             </a:extLst>
           </p:cNvPr>
@@ -10116,79 +11230,200 @@
           <a:lstStyle/>
           <a:p>
             <a:r>
-              <a:rPr lang="en-US" b="1" dirty="0">
+              <a:rPr lang="en-US" i="0" dirty="0">
+                <a:effectLst/>
+                <a:latin typeface="Segoe UI" panose="020B0502040204020203" pitchFamily="34" charset="0"/>
+              </a:rPr>
+              <a:t>Prepared Statement</a:t>
+            </a:r>
+            <a:endParaRPr lang="en-US" dirty="0"/>
+          </a:p>
+        </p:txBody>
+      </p:sp>
+      <p:sp>
+        <p:nvSpPr>
+          <p:cNvPr id="3" name="Content Placeholder 2">
+            <a:extLst>
+              <a:ext uri="{FF2B5EF4-FFF2-40B4-BE49-F238E27FC236}">
+                <a16:creationId xmlns:a16="http://schemas.microsoft.com/office/drawing/2014/main" id="{F0F033CD-6F4B-4BE0-B808-104894012248}"/>
+              </a:ext>
+            </a:extLst>
+          </p:cNvPr>
+          <p:cNvSpPr>
+            <a:spLocks noGrp="1"/>
+          </p:cNvSpPr>
+          <p:nvPr>
+            <p:ph idx="1"/>
+          </p:nvPr>
+        </p:nvSpPr>
+        <p:spPr>
+          <a:xfrm>
+            <a:off x="533400" y="1295400"/>
+            <a:ext cx="8458200" cy="4572000"/>
+          </a:xfrm>
+        </p:spPr>
+        <p:txBody>
+          <a:bodyPr/>
+          <a:lstStyle/>
+          <a:p>
+            <a:pPr>
+              <a:spcAft>
+                <a:spcPts val="1200"/>
+              </a:spcAft>
+            </a:pPr>
+            <a:r>
+              <a:rPr lang="en-US" sz="2000" dirty="0"/>
+              <a:t>A </a:t>
+            </a:r>
+            <a:r>
+              <a:rPr lang="en-US" sz="2000" b="1" dirty="0"/>
+              <a:t>prepared statement </a:t>
+            </a:r>
+            <a:r>
+              <a:rPr lang="en-US" sz="2000" dirty="0"/>
+              <a:t>is a feature used to execute the same SQL statements repeatedly with high efficiency.</a:t>
+            </a:r>
+          </a:p>
+          <a:p>
+            <a:r>
+              <a:rPr lang="en-US" sz="2000" dirty="0"/>
+              <a:t>Prepared statements basically work like this:</a:t>
+            </a:r>
+          </a:p>
+          <a:p>
+            <a:pPr marL="742950" lvl="2" indent="-342900">
+              <a:buFont typeface="+mj-lt"/>
+              <a:buAutoNum type="arabicPeriod"/>
+            </a:pPr>
+            <a:r>
+              <a:rPr lang="en-US" sz="1600" dirty="0">
+                <a:ea typeface="+mn-ea"/>
+                <a:cs typeface="+mn-cs"/>
+              </a:rPr>
+              <a:t> </a:t>
+            </a:r>
+            <a:r>
+              <a:rPr lang="en-US" sz="1600" b="1" dirty="0">
                 <a:solidFill>
                   <a:srgbClr val="0033CC"/>
                 </a:solidFill>
-              </a:rPr>
-              <a:t>#Example 4-6</a:t>
-            </a:r>
-            <a:endParaRPr lang="en-US" dirty="0"/>
-          </a:p>
-        </p:txBody>
-      </p:sp>
-      <p:sp>
-        <p:nvSpPr>
-          <p:cNvPr id="3" name="Content Placeholder 2">
+                <a:ea typeface="+mn-ea"/>
+                <a:cs typeface="+mn-cs"/>
+              </a:rPr>
+              <a:t>Prepare</a:t>
+            </a:r>
+            <a:r>
+              <a:rPr lang="en-US" sz="1600" dirty="0">
+                <a:ea typeface="+mn-ea"/>
+                <a:cs typeface="+mn-cs"/>
+              </a:rPr>
+              <a:t>: An SQL statement template is created and sent to the database Certain values are left unspecified, called parameters (labeled "?")</a:t>
+            </a:r>
+          </a:p>
+          <a:p>
+            <a:pPr marL="742950" lvl="2" indent="-342900">
+              <a:buFont typeface="+mj-lt"/>
+              <a:buAutoNum type="arabicPeriod"/>
+            </a:pPr>
+            <a:r>
+              <a:rPr lang="en-US" sz="1600" dirty="0">
+                <a:ea typeface="+mn-ea"/>
+                <a:cs typeface="+mn-cs"/>
+              </a:rPr>
+              <a:t>The database parses, compiles, and performs query optimization on the SQL statement template without executing it</a:t>
+            </a:r>
+          </a:p>
+          <a:p>
+            <a:pPr marL="742950" lvl="2" indent="-342900">
+              <a:buFont typeface="+mj-lt"/>
+              <a:buAutoNum type="arabicPeriod"/>
+            </a:pPr>
+            <a:r>
+              <a:rPr lang="en-US" sz="1600" b="1" dirty="0">
+                <a:ea typeface="+mn-ea"/>
+                <a:cs typeface="+mn-cs"/>
+              </a:rPr>
+              <a:t> </a:t>
+            </a:r>
+            <a:r>
+              <a:rPr lang="en-US" sz="1600" b="1" dirty="0">
+                <a:solidFill>
+                  <a:srgbClr val="0033CC"/>
+                </a:solidFill>
+                <a:ea typeface="+mn-ea"/>
+                <a:cs typeface="+mn-cs"/>
+              </a:rPr>
+              <a:t>Execute</a:t>
+            </a:r>
+            <a:r>
+              <a:rPr lang="en-US" sz="1600" dirty="0">
+                <a:ea typeface="+mn-ea"/>
+                <a:cs typeface="+mn-cs"/>
+              </a:rPr>
+              <a:t>: At a later time, the application binds the values to the parameters, and the database executes the statement. </a:t>
+            </a:r>
+          </a:p>
+          <a:p>
+            <a:pPr marL="342900" lvl="1" indent="-342900">
+              <a:buFont typeface="Arial" panose="020B0604020202020204" pitchFamily="34" charset="0"/>
+              <a:buChar char="•"/>
+            </a:pPr>
+            <a:r>
+              <a:rPr lang="en-US" sz="2000" dirty="0">
+                <a:ea typeface="+mn-ea"/>
+                <a:cs typeface="+mn-cs"/>
+              </a:rPr>
+              <a:t>The application may execute the statement as many times as it wants with different values</a:t>
+            </a:r>
+          </a:p>
+          <a:p>
+            <a:r>
+              <a:rPr lang="en-US" sz="2000" dirty="0">
+                <a:solidFill>
+                  <a:srgbClr val="0033CC"/>
+                </a:solidFill>
+              </a:rPr>
+              <a:t>PDO::prepare() </a:t>
+            </a:r>
+            <a:r>
+              <a:rPr lang="en-US" sz="2000" dirty="0"/>
+              <a:t>returns a </a:t>
+            </a:r>
+            <a:r>
+              <a:rPr lang="en-US" sz="2000" dirty="0" err="1"/>
+              <a:t>PDOStatement</a:t>
+            </a:r>
+            <a:r>
+              <a:rPr lang="en-US" sz="2000" dirty="0"/>
+              <a:t> object or </a:t>
+            </a:r>
+            <a:r>
+              <a:rPr lang="en-US" sz="2000" dirty="0">
+                <a:solidFill>
+                  <a:srgbClr val="0033CC"/>
+                </a:solidFill>
+              </a:rPr>
+              <a:t>false</a:t>
+            </a:r>
+            <a:r>
+              <a:rPr lang="en-US" sz="2000" dirty="0"/>
+              <a:t> if the database server cannot successfully prepare the statement.</a:t>
+            </a:r>
+            <a:endParaRPr lang="en-US" sz="1400" dirty="0">
+              <a:solidFill>
+                <a:srgbClr val="000000"/>
+              </a:solidFill>
+              <a:latin typeface="Consolas" panose="020B0609020204030204" pitchFamily="49" charset="0"/>
+            </a:endParaRPr>
+          </a:p>
+        </p:txBody>
+      </p:sp>
+      <p:sp>
+        <p:nvSpPr>
+          <p:cNvPr id="4" name="Date Placeholder 3">
             <a:extLst>
               <a:ext uri="{FF2B5EF4-FFF2-40B4-BE49-F238E27FC236}">
-                <a16:creationId xmlns:a16="http://schemas.microsoft.com/office/drawing/2014/main" id="{138B178F-A9B2-4F67-8C6E-F193C7296979}"/>
-              </a:ext>
-            </a:extLst>
-          </p:cNvPr>
-          <p:cNvSpPr>
-            <a:spLocks noGrp="1"/>
-          </p:cNvSpPr>
-          <p:nvPr>
-            <p:ph idx="1"/>
-          </p:nvPr>
-        </p:nvSpPr>
-        <p:spPr/>
-        <p:txBody>
-          <a:bodyPr/>
-          <a:lstStyle/>
-          <a:p>
-            <a:pPr marL="0" indent="0">
-              <a:buNone/>
-            </a:pPr>
-            <a:r>
-              <a:rPr lang="en-US" sz="2800" b="1" dirty="0"/>
-              <a:t>Requirements:</a:t>
-            </a:r>
-          </a:p>
-          <a:p>
-            <a:pPr marL="0" indent="0">
-              <a:buNone/>
-            </a:pPr>
-            <a:r>
-              <a:rPr lang="en-US" sz="2800" dirty="0"/>
-              <a:t>Write a PHP script to connect to database and insert a new product record using HTML form and data validation.</a:t>
-            </a:r>
-          </a:p>
-          <a:p>
-            <a:pPr marL="0" indent="0">
-              <a:buNone/>
-            </a:pPr>
-            <a:endParaRPr lang="en-US" sz="2800" dirty="0"/>
-          </a:p>
-          <a:p>
-            <a:r>
-              <a:rPr lang="en-US" sz="2800" dirty="0"/>
-              <a:t>See it on </a:t>
-            </a:r>
-            <a:r>
-              <a:rPr lang="en-US" sz="2800" b="1" dirty="0"/>
-              <a:t>GitHub</a:t>
-            </a:r>
-          </a:p>
-        </p:txBody>
-      </p:sp>
-      <p:sp>
-        <p:nvSpPr>
-          <p:cNvPr id="4" name="Date Placeholder 3">
-            <a:extLst>
-              <a:ext uri="{FF2B5EF4-FFF2-40B4-BE49-F238E27FC236}">
-                <a16:creationId xmlns:a16="http://schemas.microsoft.com/office/drawing/2014/main" id="{C00B316C-9F11-41E1-A762-AB675A00184F}"/>
+                <a16:creationId xmlns:a16="http://schemas.microsoft.com/office/drawing/2014/main" id="{2CF55E8D-EC79-4BDD-9685-EA2A03563FC3}"/>
               </a:ext>
             </a:extLst>
           </p:cNvPr>
@@ -10220,7 +11455,7 @@
           <p:cNvPr id="5" name="Footer Placeholder 4">
             <a:extLst>
               <a:ext uri="{FF2B5EF4-FFF2-40B4-BE49-F238E27FC236}">
-                <a16:creationId xmlns:a16="http://schemas.microsoft.com/office/drawing/2014/main" id="{A60E06D2-84AD-485E-BBDA-DEA27B153696}"/>
+                <a16:creationId xmlns:a16="http://schemas.microsoft.com/office/drawing/2014/main" id="{BCC4540F-1DE9-4572-A468-0238BFB07227}"/>
               </a:ext>
             </a:extLst>
           </p:cNvPr>
@@ -10251,7 +11486,7 @@
           <p:cNvPr id="6" name="Slide Number Placeholder 5">
             <a:extLst>
               <a:ext uri="{FF2B5EF4-FFF2-40B4-BE49-F238E27FC236}">
-                <a16:creationId xmlns:a16="http://schemas.microsoft.com/office/drawing/2014/main" id="{919794D0-75F6-4155-9A00-30BD0E3E01D9}"/>
+                <a16:creationId xmlns:a16="http://schemas.microsoft.com/office/drawing/2014/main" id="{D6D80CFA-0A7C-4B5C-B613-2F7B0F7B74E4}"/>
               </a:ext>
             </a:extLst>
           </p:cNvPr>
@@ -10286,7 +11521,7 @@
     </p:spTree>
     <p:extLst>
       <p:ext uri="{BB962C8B-B14F-4D97-AF65-F5344CB8AC3E}">
-        <p14:creationId xmlns:p14="http://schemas.microsoft.com/office/powerpoint/2010/main" val="3985441605"/>
+        <p14:creationId xmlns:p14="http://schemas.microsoft.com/office/powerpoint/2010/main" val="508849045"/>
       </p:ext>
     </p:extLst>
   </p:cSld>
@@ -10318,7 +11553,7 @@
           <p:cNvPr id="2" name="Title 1">
             <a:extLst>
               <a:ext uri="{FF2B5EF4-FFF2-40B4-BE49-F238E27FC236}">
-                <a16:creationId xmlns:a16="http://schemas.microsoft.com/office/drawing/2014/main" id="{C796BF8E-0DD3-4A64-B37A-5AE4342EC34B}"/>
+                <a16:creationId xmlns:a16="http://schemas.microsoft.com/office/drawing/2014/main" id="{6530FCC1-5581-4C38-9757-E17326955017}"/>
               </a:ext>
             </a:extLst>
           </p:cNvPr>
@@ -10334,10 +11569,7 @@
           <a:bodyPr/>
           <a:lstStyle/>
           <a:p>
-            <a:r>
-              <a:rPr lang="en-US" dirty="0"/>
-              <a:t>UPDATE Data</a:t>
-            </a:r>
+            <a:endParaRPr lang="en-US"/>
           </a:p>
         </p:txBody>
       </p:sp>
@@ -10346,7 +11578,7 @@
           <p:cNvPr id="3" name="Content Placeholder 2">
             <a:extLst>
               <a:ext uri="{FF2B5EF4-FFF2-40B4-BE49-F238E27FC236}">
-                <a16:creationId xmlns:a16="http://schemas.microsoft.com/office/drawing/2014/main" id="{CE08E4A6-5B68-4202-9408-3D2A826E258F}"/>
+                <a16:creationId xmlns:a16="http://schemas.microsoft.com/office/drawing/2014/main" id="{922A5114-9DB9-4BA3-8727-63B0D494F0F1}"/>
               </a:ext>
             </a:extLst>
           </p:cNvPr>
@@ -10371,7 +11603,7 @@
           <p:cNvPr id="4" name="Date Placeholder 3">
             <a:extLst>
               <a:ext uri="{FF2B5EF4-FFF2-40B4-BE49-F238E27FC236}">
-                <a16:creationId xmlns:a16="http://schemas.microsoft.com/office/drawing/2014/main" id="{6E0E3AA6-C118-4805-A2FF-A42512F4E0FD}"/>
+                <a16:creationId xmlns:a16="http://schemas.microsoft.com/office/drawing/2014/main" id="{011F24B7-7896-406E-8A95-A66A90FD4718}"/>
               </a:ext>
             </a:extLst>
           </p:cNvPr>
@@ -10403,7 +11635,7 @@
           <p:cNvPr id="5" name="Footer Placeholder 4">
             <a:extLst>
               <a:ext uri="{FF2B5EF4-FFF2-40B4-BE49-F238E27FC236}">
-                <a16:creationId xmlns:a16="http://schemas.microsoft.com/office/drawing/2014/main" id="{F9E01837-AF08-4956-9261-992CDC2B04CD}"/>
+                <a16:creationId xmlns:a16="http://schemas.microsoft.com/office/drawing/2014/main" id="{7C6CA7F4-28BD-4298-B7C3-6C1AA7DF29E9}"/>
               </a:ext>
             </a:extLst>
           </p:cNvPr>
@@ -10434,7 +11666,7 @@
           <p:cNvPr id="6" name="Slide Number Placeholder 5">
             <a:extLst>
               <a:ext uri="{FF2B5EF4-FFF2-40B4-BE49-F238E27FC236}">
-                <a16:creationId xmlns:a16="http://schemas.microsoft.com/office/drawing/2014/main" id="{E0E736DE-4B0C-4942-8249-C916344BB3E8}"/>
+                <a16:creationId xmlns:a16="http://schemas.microsoft.com/office/drawing/2014/main" id="{88AF5901-1CEC-47CC-B6F8-8047B17AF6D3}"/>
               </a:ext>
             </a:extLst>
           </p:cNvPr>
@@ -10466,10 +11698,57 @@
           </a:p>
         </p:txBody>
       </p:sp>
+      <p:pic>
+        <p:nvPicPr>
+          <p:cNvPr id="2050" name="Picture 2" descr="The Best Way to Perform MYSQLI Prepared Statements in PHP">
+            <a:extLst>
+              <a:ext uri="{FF2B5EF4-FFF2-40B4-BE49-F238E27FC236}">
+                <a16:creationId xmlns:a16="http://schemas.microsoft.com/office/drawing/2014/main" id="{C76FE72F-50F8-4405-A81A-78FF23918BE1}"/>
+              </a:ext>
+            </a:extLst>
+          </p:cNvPr>
+          <p:cNvPicPr>
+            <a:picLocks noChangeAspect="1" noChangeArrowheads="1"/>
+          </p:cNvPicPr>
+          <p:nvPr/>
+        </p:nvPicPr>
+        <p:blipFill>
+          <a:blip r:embed="rId2">
+            <a:extLst>
+              <a:ext uri="{28A0092B-C50C-407E-A947-70E740481C1C}">
+                <a14:useLocalDpi xmlns:a14="http://schemas.microsoft.com/office/drawing/2010/main" val="0"/>
+              </a:ext>
+            </a:extLst>
+          </a:blip>
+          <a:srcRect/>
+          <a:stretch>
+            <a:fillRect/>
+          </a:stretch>
+        </p:blipFill>
+        <p:spPr bwMode="auto">
+          <a:xfrm>
+            <a:off x="304800" y="1212850"/>
+            <a:ext cx="8839200" cy="4283023"/>
+          </a:xfrm>
+          <a:prstGeom prst="rect">
+            <a:avLst/>
+          </a:prstGeom>
+          <a:noFill/>
+          <a:extLst>
+            <a:ext uri="{909E8E84-426E-40DD-AFC4-6F175D3DCCD1}">
+              <a14:hiddenFill xmlns:a14="http://schemas.microsoft.com/office/drawing/2010/main">
+                <a:solidFill>
+                  <a:srgbClr val="FFFFFF"/>
+                </a:solidFill>
+              </a14:hiddenFill>
+            </a:ext>
+          </a:extLst>
+        </p:spPr>
+      </p:pic>
     </p:spTree>
     <p:extLst>
       <p:ext uri="{BB962C8B-B14F-4D97-AF65-F5344CB8AC3E}">
-        <p14:creationId xmlns:p14="http://schemas.microsoft.com/office/powerpoint/2010/main" val="3738261169"/>
+        <p14:creationId xmlns:p14="http://schemas.microsoft.com/office/powerpoint/2010/main" val="3659133448"/>
       </p:ext>
     </p:extLst>
   </p:cSld>
@@ -10501,7 +11780,7 @@
           <p:cNvPr id="2" name="Title 1">
             <a:extLst>
               <a:ext uri="{FF2B5EF4-FFF2-40B4-BE49-F238E27FC236}">
-                <a16:creationId xmlns:a16="http://schemas.microsoft.com/office/drawing/2014/main" id="{35F12707-114E-48E3-BA30-AC4EE3B748C6}"/>
+                <a16:creationId xmlns:a16="http://schemas.microsoft.com/office/drawing/2014/main" id="{7F92D19F-87F0-4915-88C7-350C1D6D38ED}"/>
               </a:ext>
             </a:extLst>
           </p:cNvPr>
@@ -10518,79 +11797,626 @@
           <a:lstStyle/>
           <a:p>
             <a:r>
-              <a:rPr lang="en-US" b="1" dirty="0">
+              <a:rPr lang="en-US" i="0" dirty="0">
+                <a:effectLst/>
+                <a:latin typeface="Segoe UI" panose="020B0502040204020203" pitchFamily="34" charset="0"/>
+              </a:rPr>
+              <a:t>Prepared Statement /2</a:t>
+            </a:r>
+            <a:endParaRPr lang="en-US" dirty="0"/>
+          </a:p>
+        </p:txBody>
+      </p:sp>
+      <p:sp>
+        <p:nvSpPr>
+          <p:cNvPr id="3" name="Content Placeholder 2">
+            <a:extLst>
+              <a:ext uri="{FF2B5EF4-FFF2-40B4-BE49-F238E27FC236}">
+                <a16:creationId xmlns:a16="http://schemas.microsoft.com/office/drawing/2014/main" id="{76C525C1-73D5-48AF-A4A1-16C1264B4110}"/>
+              </a:ext>
+            </a:extLst>
+          </p:cNvPr>
+          <p:cNvSpPr>
+            <a:spLocks noGrp="1"/>
+          </p:cNvSpPr>
+          <p:nvPr>
+            <p:ph idx="1"/>
+          </p:nvPr>
+        </p:nvSpPr>
+        <p:spPr/>
+        <p:txBody>
+          <a:bodyPr/>
+          <a:lstStyle/>
+          <a:p>
+            <a:pPr marL="0" indent="0">
+              <a:buNone/>
+            </a:pPr>
+            <a:r>
+              <a:rPr lang="en-US" sz="2000" b="1" dirty="0">
                 <a:solidFill>
                   <a:srgbClr val="0033CC"/>
                 </a:solidFill>
-              </a:rPr>
-              <a:t>#Example 4-7</a:t>
-            </a:r>
-            <a:endParaRPr lang="en-US" dirty="0"/>
-          </a:p>
-        </p:txBody>
-      </p:sp>
-      <p:sp>
-        <p:nvSpPr>
-          <p:cNvPr id="3" name="Content Placeholder 2">
+                <a:latin typeface="Consolas" panose="020B0609020204030204" pitchFamily="49" charset="0"/>
+              </a:rPr>
+              <a:t>Example:</a:t>
+            </a:r>
+          </a:p>
+          <a:p>
+            <a:pPr marL="0" indent="0">
+              <a:buNone/>
+            </a:pPr>
+            <a:r>
+              <a:rPr lang="en-US" sz="2000" dirty="0">
+                <a:solidFill>
+                  <a:srgbClr val="000000"/>
+                </a:solidFill>
+                <a:latin typeface="Consolas" panose="020B0609020204030204" pitchFamily="49" charset="0"/>
+              </a:rPr>
+              <a:t> $</a:t>
+            </a:r>
+            <a:r>
+              <a:rPr lang="en-US" sz="2000" dirty="0" err="1">
+                <a:solidFill>
+                  <a:srgbClr val="000000"/>
+                </a:solidFill>
+                <a:latin typeface="Consolas" panose="020B0609020204030204" pitchFamily="49" charset="0"/>
+              </a:rPr>
+              <a:t>cid</a:t>
+            </a:r>
+            <a:r>
+              <a:rPr lang="en-US" sz="2000" dirty="0">
+                <a:solidFill>
+                  <a:srgbClr val="000000"/>
+                </a:solidFill>
+                <a:latin typeface="Consolas" panose="020B0609020204030204" pitchFamily="49" charset="0"/>
+              </a:rPr>
+              <a:t>=3;</a:t>
+            </a:r>
+          </a:p>
+          <a:p>
+            <a:pPr marL="0" indent="0">
+              <a:buNone/>
+            </a:pPr>
+            <a:endParaRPr lang="en-US" sz="2000" dirty="0">
+              <a:solidFill>
+                <a:srgbClr val="000000"/>
+              </a:solidFill>
+              <a:latin typeface="Consolas" panose="020B0609020204030204" pitchFamily="49" charset="0"/>
+            </a:endParaRPr>
+          </a:p>
+          <a:p>
+            <a:pPr marL="0" indent="0">
+              <a:buNone/>
+            </a:pPr>
+            <a:r>
+              <a:rPr lang="en-US" sz="2000" dirty="0">
+                <a:solidFill>
+                  <a:srgbClr val="000000"/>
+                </a:solidFill>
+                <a:latin typeface="Consolas" panose="020B0609020204030204" pitchFamily="49" charset="0"/>
+              </a:rPr>
+              <a:t> $</a:t>
+            </a:r>
+            <a:r>
+              <a:rPr lang="en-US" sz="2000" dirty="0" err="1">
+                <a:solidFill>
+                  <a:srgbClr val="000000"/>
+                </a:solidFill>
+                <a:latin typeface="Consolas" panose="020B0609020204030204" pitchFamily="49" charset="0"/>
+              </a:rPr>
+              <a:t>sql</a:t>
+            </a:r>
+            <a:r>
+              <a:rPr lang="en-US" sz="2000" dirty="0">
+                <a:solidFill>
+                  <a:srgbClr val="000000"/>
+                </a:solidFill>
+                <a:latin typeface="Consolas" panose="020B0609020204030204" pitchFamily="49" charset="0"/>
+              </a:rPr>
+              <a:t> = </a:t>
+            </a:r>
+            <a:r>
+              <a:rPr lang="en-US" sz="2000" dirty="0">
+                <a:solidFill>
+                  <a:srgbClr val="0033CC"/>
+                </a:solidFill>
+                <a:latin typeface="Consolas" panose="020B0609020204030204" pitchFamily="49" charset="0"/>
+              </a:rPr>
+              <a:t>'SELECT</a:t>
+            </a:r>
+            <a:r>
+              <a:rPr lang="en-US" sz="2000" dirty="0">
+                <a:solidFill>
+                  <a:srgbClr val="000000"/>
+                </a:solidFill>
+                <a:latin typeface="Consolas" panose="020B0609020204030204" pitchFamily="49" charset="0"/>
+              </a:rPr>
+              <a:t> * </a:t>
+            </a:r>
+            <a:r>
+              <a:rPr lang="en-US" sz="2000" dirty="0">
+                <a:solidFill>
+                  <a:srgbClr val="0033CC"/>
+                </a:solidFill>
+                <a:latin typeface="Consolas" panose="020B0609020204030204" pitchFamily="49" charset="0"/>
+              </a:rPr>
+              <a:t>FROM</a:t>
+            </a:r>
+            <a:r>
+              <a:rPr lang="en-US" sz="2000" dirty="0">
+                <a:solidFill>
+                  <a:srgbClr val="000000"/>
+                </a:solidFill>
+                <a:latin typeface="Consolas" panose="020B0609020204030204" pitchFamily="49" charset="0"/>
+              </a:rPr>
+              <a:t> products </a:t>
+            </a:r>
+            <a:r>
+              <a:rPr lang="en-US" sz="2000" dirty="0">
+                <a:solidFill>
+                  <a:srgbClr val="0033CC"/>
+                </a:solidFill>
+                <a:latin typeface="Consolas" panose="020B0609020204030204" pitchFamily="49" charset="0"/>
+              </a:rPr>
+              <a:t>WHERE</a:t>
+            </a:r>
+            <a:r>
+              <a:rPr lang="en-US" sz="2000" dirty="0">
+                <a:solidFill>
+                  <a:srgbClr val="000000"/>
+                </a:solidFill>
+                <a:latin typeface="Consolas" panose="020B0609020204030204" pitchFamily="49" charset="0"/>
+              </a:rPr>
+              <a:t> </a:t>
+            </a:r>
+            <a:r>
+              <a:rPr lang="en-US" sz="2000" dirty="0" err="1">
+                <a:solidFill>
+                  <a:srgbClr val="000000"/>
+                </a:solidFill>
+                <a:latin typeface="Consolas" panose="020B0609020204030204" pitchFamily="49" charset="0"/>
+              </a:rPr>
+              <a:t>cat_id</a:t>
+            </a:r>
+            <a:r>
+              <a:rPr lang="en-US" sz="2000" dirty="0">
+                <a:solidFill>
+                  <a:srgbClr val="000000"/>
+                </a:solidFill>
+                <a:latin typeface="Consolas" panose="020B0609020204030204" pitchFamily="49" charset="0"/>
+              </a:rPr>
+              <a:t> = ?';</a:t>
+            </a:r>
+          </a:p>
+          <a:p>
+            <a:pPr marL="0" indent="0">
+              <a:buNone/>
+            </a:pPr>
+            <a:r>
+              <a:rPr lang="en-US" sz="2000" dirty="0">
+                <a:solidFill>
+                  <a:srgbClr val="000000"/>
+                </a:solidFill>
+                <a:latin typeface="Consolas" panose="020B0609020204030204" pitchFamily="49" charset="0"/>
+              </a:rPr>
+              <a:t> $result = $</a:t>
+            </a:r>
+            <a:r>
+              <a:rPr lang="en-US" sz="2000" dirty="0" err="1">
+                <a:solidFill>
+                  <a:srgbClr val="000000"/>
+                </a:solidFill>
+                <a:latin typeface="Consolas" panose="020B0609020204030204" pitchFamily="49" charset="0"/>
+              </a:rPr>
+              <a:t>pdo</a:t>
+            </a:r>
+            <a:r>
+              <a:rPr lang="en-US" sz="2000" dirty="0">
+                <a:solidFill>
+                  <a:srgbClr val="000000"/>
+                </a:solidFill>
+                <a:latin typeface="Consolas" panose="020B0609020204030204" pitchFamily="49" charset="0"/>
+              </a:rPr>
+              <a:t>-&gt;</a:t>
+            </a:r>
+            <a:r>
+              <a:rPr lang="en-US" sz="2000" dirty="0">
+                <a:solidFill>
+                  <a:srgbClr val="0033CC"/>
+                </a:solidFill>
+                <a:latin typeface="Consolas" panose="020B0609020204030204" pitchFamily="49" charset="0"/>
+              </a:rPr>
+              <a:t>prepare</a:t>
+            </a:r>
+            <a:r>
+              <a:rPr lang="en-US" sz="2000" dirty="0">
+                <a:solidFill>
+                  <a:srgbClr val="000000"/>
+                </a:solidFill>
+                <a:latin typeface="Consolas" panose="020B0609020204030204" pitchFamily="49" charset="0"/>
+              </a:rPr>
+              <a:t>($</a:t>
+            </a:r>
+            <a:r>
+              <a:rPr lang="en-US" sz="2000" dirty="0" err="1">
+                <a:solidFill>
+                  <a:srgbClr val="000000"/>
+                </a:solidFill>
+                <a:latin typeface="Consolas" panose="020B0609020204030204" pitchFamily="49" charset="0"/>
+              </a:rPr>
+              <a:t>sql</a:t>
+            </a:r>
+            <a:r>
+              <a:rPr lang="en-US" sz="2000" dirty="0">
+                <a:solidFill>
+                  <a:srgbClr val="000000"/>
+                </a:solidFill>
+                <a:latin typeface="Consolas" panose="020B0609020204030204" pitchFamily="49" charset="0"/>
+              </a:rPr>
+              <a:t>);</a:t>
+            </a:r>
+          </a:p>
+          <a:p>
+            <a:pPr marL="0" indent="0">
+              <a:buNone/>
+            </a:pPr>
+            <a:r>
+              <a:rPr lang="en-US" sz="2000" dirty="0">
+                <a:solidFill>
+                  <a:srgbClr val="000000"/>
+                </a:solidFill>
+                <a:latin typeface="Consolas" panose="020B0609020204030204" pitchFamily="49" charset="0"/>
+              </a:rPr>
+              <a:t> $result-&gt;</a:t>
+            </a:r>
+            <a:r>
+              <a:rPr lang="en-US" sz="2000" dirty="0">
+                <a:solidFill>
+                  <a:srgbClr val="0033CC"/>
+                </a:solidFill>
+                <a:latin typeface="Consolas" panose="020B0609020204030204" pitchFamily="49" charset="0"/>
+              </a:rPr>
+              <a:t>execute</a:t>
+            </a:r>
+            <a:r>
+              <a:rPr lang="en-US" sz="2000" dirty="0">
+                <a:solidFill>
+                  <a:srgbClr val="000000"/>
+                </a:solidFill>
+                <a:latin typeface="Consolas" panose="020B0609020204030204" pitchFamily="49" charset="0"/>
+              </a:rPr>
+              <a:t>([$</a:t>
+            </a:r>
+            <a:r>
+              <a:rPr lang="en-US" sz="2000" dirty="0" err="1">
+                <a:solidFill>
+                  <a:srgbClr val="000000"/>
+                </a:solidFill>
+                <a:latin typeface="Consolas" panose="020B0609020204030204" pitchFamily="49" charset="0"/>
+              </a:rPr>
+              <a:t>cid</a:t>
+            </a:r>
+            <a:r>
+              <a:rPr lang="en-US" sz="2000" dirty="0">
+                <a:solidFill>
+                  <a:srgbClr val="000000"/>
+                </a:solidFill>
+                <a:latin typeface="Consolas" panose="020B0609020204030204" pitchFamily="49" charset="0"/>
+              </a:rPr>
+              <a:t>]);</a:t>
+            </a:r>
+          </a:p>
+          <a:p>
+            <a:pPr marL="0" indent="0">
+              <a:buNone/>
+            </a:pPr>
+            <a:endParaRPr lang="en-US" sz="2000" dirty="0"/>
+          </a:p>
+          <a:p>
+            <a:pPr marL="0" indent="0">
+              <a:buNone/>
+            </a:pPr>
+            <a:r>
+              <a:rPr lang="en-US" sz="2000"/>
+              <a:t>Or</a:t>
+            </a:r>
+          </a:p>
+          <a:p>
+            <a:pPr marL="0" indent="0">
+              <a:buNone/>
+            </a:pPr>
+            <a:endParaRPr lang="en-US" sz="2000" dirty="0"/>
+          </a:p>
+          <a:p>
+            <a:pPr marL="0" indent="0">
+              <a:buNone/>
+            </a:pPr>
+            <a:r>
+              <a:rPr lang="en-US" sz="2000" dirty="0">
+                <a:solidFill>
+                  <a:srgbClr val="000000"/>
+                </a:solidFill>
+                <a:latin typeface="Consolas" panose="020B0609020204030204" pitchFamily="49" charset="0"/>
+              </a:rPr>
+              <a:t> $</a:t>
+            </a:r>
+            <a:r>
+              <a:rPr lang="en-US" sz="2000" dirty="0" err="1">
+                <a:solidFill>
+                  <a:srgbClr val="000000"/>
+                </a:solidFill>
+                <a:latin typeface="Consolas" panose="020B0609020204030204" pitchFamily="49" charset="0"/>
+              </a:rPr>
+              <a:t>sql</a:t>
+            </a:r>
+            <a:r>
+              <a:rPr lang="en-US" sz="2000" dirty="0">
+                <a:solidFill>
+                  <a:srgbClr val="000000"/>
+                </a:solidFill>
+                <a:latin typeface="Consolas" panose="020B0609020204030204" pitchFamily="49" charset="0"/>
+              </a:rPr>
+              <a:t> = </a:t>
+            </a:r>
+            <a:r>
+              <a:rPr lang="en-US" sz="2000" dirty="0">
+                <a:solidFill>
+                  <a:srgbClr val="0033CC"/>
+                </a:solidFill>
+                <a:latin typeface="Consolas" panose="020B0609020204030204" pitchFamily="49" charset="0"/>
+              </a:rPr>
+              <a:t>'SELECT</a:t>
+            </a:r>
+            <a:r>
+              <a:rPr lang="en-US" sz="2000" dirty="0">
+                <a:solidFill>
+                  <a:srgbClr val="000000"/>
+                </a:solidFill>
+                <a:latin typeface="Consolas" panose="020B0609020204030204" pitchFamily="49" charset="0"/>
+              </a:rPr>
+              <a:t> * </a:t>
+            </a:r>
+            <a:r>
+              <a:rPr lang="en-US" sz="2000" dirty="0">
+                <a:solidFill>
+                  <a:srgbClr val="0033CC"/>
+                </a:solidFill>
+                <a:latin typeface="Consolas" panose="020B0609020204030204" pitchFamily="49" charset="0"/>
+              </a:rPr>
+              <a:t>FROM</a:t>
+            </a:r>
+            <a:r>
+              <a:rPr lang="en-US" sz="2000" dirty="0">
+                <a:solidFill>
+                  <a:srgbClr val="000000"/>
+                </a:solidFill>
+                <a:latin typeface="Consolas" panose="020B0609020204030204" pitchFamily="49" charset="0"/>
+              </a:rPr>
+              <a:t> products </a:t>
+            </a:r>
+            <a:r>
+              <a:rPr lang="en-US" sz="2000" dirty="0">
+                <a:solidFill>
+                  <a:srgbClr val="0033CC"/>
+                </a:solidFill>
+                <a:latin typeface="Consolas" panose="020B0609020204030204" pitchFamily="49" charset="0"/>
+              </a:rPr>
+              <a:t>WHERE</a:t>
+            </a:r>
+            <a:r>
+              <a:rPr lang="en-US" sz="2000" dirty="0">
+                <a:solidFill>
+                  <a:srgbClr val="000000"/>
+                </a:solidFill>
+                <a:latin typeface="Consolas" panose="020B0609020204030204" pitchFamily="49" charset="0"/>
+              </a:rPr>
+              <a:t> </a:t>
+            </a:r>
+            <a:r>
+              <a:rPr lang="en-US" sz="2000" dirty="0" err="1">
+                <a:solidFill>
+                  <a:srgbClr val="000000"/>
+                </a:solidFill>
+                <a:latin typeface="Consolas" panose="020B0609020204030204" pitchFamily="49" charset="0"/>
+              </a:rPr>
+              <a:t>cat_id</a:t>
+            </a:r>
+            <a:r>
+              <a:rPr lang="en-US" sz="2000" dirty="0">
+                <a:solidFill>
+                  <a:srgbClr val="000000"/>
+                </a:solidFill>
+                <a:latin typeface="Consolas" panose="020B0609020204030204" pitchFamily="49" charset="0"/>
+              </a:rPr>
+              <a:t> = :</a:t>
+            </a:r>
+            <a:r>
+              <a:rPr lang="en-US" sz="2000" dirty="0" err="1">
+                <a:solidFill>
+                  <a:srgbClr val="000000"/>
+                </a:solidFill>
+                <a:latin typeface="Consolas" panose="020B0609020204030204" pitchFamily="49" charset="0"/>
+              </a:rPr>
+              <a:t>cid</a:t>
+            </a:r>
+            <a:r>
+              <a:rPr lang="en-US" sz="2000" dirty="0">
+                <a:solidFill>
+                  <a:srgbClr val="000000"/>
+                </a:solidFill>
+                <a:latin typeface="Consolas" panose="020B0609020204030204" pitchFamily="49" charset="0"/>
+              </a:rPr>
+              <a:t>';</a:t>
+            </a:r>
+          </a:p>
+          <a:p>
+            <a:pPr marL="0" indent="0">
+              <a:buNone/>
+            </a:pPr>
+            <a:r>
+              <a:rPr lang="en-US" sz="2000" dirty="0">
+                <a:solidFill>
+                  <a:srgbClr val="000000"/>
+                </a:solidFill>
+                <a:latin typeface="Consolas" panose="020B0609020204030204" pitchFamily="49" charset="0"/>
+              </a:rPr>
+              <a:t> $result = $</a:t>
+            </a:r>
+            <a:r>
+              <a:rPr lang="en-US" sz="2000" dirty="0" err="1">
+                <a:solidFill>
+                  <a:srgbClr val="000000"/>
+                </a:solidFill>
+                <a:latin typeface="Consolas" panose="020B0609020204030204" pitchFamily="49" charset="0"/>
+              </a:rPr>
+              <a:t>pdo</a:t>
+            </a:r>
+            <a:r>
+              <a:rPr lang="en-US" sz="2000" dirty="0">
+                <a:solidFill>
+                  <a:srgbClr val="000000"/>
+                </a:solidFill>
+                <a:latin typeface="Consolas" panose="020B0609020204030204" pitchFamily="49" charset="0"/>
+              </a:rPr>
+              <a:t>-&gt;</a:t>
+            </a:r>
+            <a:r>
+              <a:rPr lang="en-US" sz="2000" dirty="0">
+                <a:solidFill>
+                  <a:srgbClr val="0033CC"/>
+                </a:solidFill>
+                <a:latin typeface="Consolas" panose="020B0609020204030204" pitchFamily="49" charset="0"/>
+              </a:rPr>
+              <a:t>prepare</a:t>
+            </a:r>
+            <a:r>
+              <a:rPr lang="en-US" sz="2000" dirty="0">
+                <a:solidFill>
+                  <a:srgbClr val="000000"/>
+                </a:solidFill>
+                <a:latin typeface="Consolas" panose="020B0609020204030204" pitchFamily="49" charset="0"/>
+              </a:rPr>
+              <a:t>($</a:t>
+            </a:r>
+            <a:r>
+              <a:rPr lang="en-US" sz="2000" dirty="0" err="1">
+                <a:solidFill>
+                  <a:srgbClr val="000000"/>
+                </a:solidFill>
+                <a:latin typeface="Consolas" panose="020B0609020204030204" pitchFamily="49" charset="0"/>
+              </a:rPr>
+              <a:t>sql</a:t>
+            </a:r>
+            <a:r>
+              <a:rPr lang="en-US" sz="2000" dirty="0">
+                <a:solidFill>
+                  <a:srgbClr val="000000"/>
+                </a:solidFill>
+                <a:latin typeface="Consolas" panose="020B0609020204030204" pitchFamily="49" charset="0"/>
+              </a:rPr>
+              <a:t>);</a:t>
+            </a:r>
+          </a:p>
+          <a:p>
+            <a:pPr marL="0" indent="0">
+              <a:buNone/>
+            </a:pPr>
+            <a:r>
+              <a:rPr lang="en-US" sz="2000" dirty="0">
+                <a:solidFill>
+                  <a:srgbClr val="000000"/>
+                </a:solidFill>
+                <a:latin typeface="Consolas" panose="020B0609020204030204" pitchFamily="49" charset="0"/>
+              </a:rPr>
+              <a:t> $result-&gt;</a:t>
+            </a:r>
+            <a:r>
+              <a:rPr lang="en-US" sz="2000" dirty="0">
+                <a:solidFill>
+                  <a:srgbClr val="0033CC"/>
+                </a:solidFill>
+                <a:latin typeface="Consolas" panose="020B0609020204030204" pitchFamily="49" charset="0"/>
+              </a:rPr>
+              <a:t>execute</a:t>
+            </a:r>
+            <a:r>
+              <a:rPr lang="en-US" sz="2000" dirty="0">
+                <a:solidFill>
+                  <a:srgbClr val="000000"/>
+                </a:solidFill>
+                <a:latin typeface="Consolas" panose="020B0609020204030204" pitchFamily="49" charset="0"/>
+              </a:rPr>
+              <a:t>([[':</a:t>
+            </a:r>
+            <a:r>
+              <a:rPr lang="en-US" sz="2000" dirty="0" err="1">
+                <a:solidFill>
+                  <a:srgbClr val="000000"/>
+                </a:solidFill>
+                <a:latin typeface="Consolas" panose="020B0609020204030204" pitchFamily="49" charset="0"/>
+              </a:rPr>
+              <a:t>cid</a:t>
+            </a:r>
+            <a:r>
+              <a:rPr lang="en-US" sz="2000" dirty="0">
+                <a:solidFill>
+                  <a:srgbClr val="000000"/>
+                </a:solidFill>
+                <a:latin typeface="Consolas" panose="020B0609020204030204" pitchFamily="49" charset="0"/>
+              </a:rPr>
+              <a:t>' </a:t>
+            </a:r>
+            <a:r>
+              <a:rPr lang="en-US" sz="2000" dirty="0">
+                <a:solidFill>
+                  <a:srgbClr val="0033CC"/>
+                </a:solidFill>
+                <a:latin typeface="Consolas" panose="020B0609020204030204" pitchFamily="49" charset="0"/>
+              </a:rPr>
+              <a:t>=&gt; </a:t>
+            </a:r>
+            <a:r>
+              <a:rPr lang="en-US" sz="2000" dirty="0">
+                <a:solidFill>
+                  <a:srgbClr val="000000"/>
+                </a:solidFill>
+                <a:latin typeface="Consolas" panose="020B0609020204030204" pitchFamily="49" charset="0"/>
+              </a:rPr>
+              <a:t>$</a:t>
+            </a:r>
+            <a:r>
+              <a:rPr lang="en-US" sz="2000" dirty="0" err="1">
+                <a:solidFill>
+                  <a:srgbClr val="000000"/>
+                </a:solidFill>
+                <a:latin typeface="Consolas" panose="020B0609020204030204" pitchFamily="49" charset="0"/>
+              </a:rPr>
+              <a:t>cid</a:t>
+            </a:r>
+            <a:r>
+              <a:rPr lang="en-US" sz="2000" dirty="0">
+                <a:solidFill>
+                  <a:srgbClr val="000000"/>
+                </a:solidFill>
+                <a:latin typeface="Consolas" panose="020B0609020204030204" pitchFamily="49" charset="0"/>
+              </a:rPr>
+              <a:t>]);</a:t>
+            </a:r>
+          </a:p>
+          <a:p>
+            <a:pPr marL="0" indent="0">
+              <a:buNone/>
+            </a:pPr>
+            <a:endParaRPr lang="en-US" sz="2000" dirty="0"/>
+          </a:p>
+        </p:txBody>
+      </p:sp>
+      <p:sp>
+        <p:nvSpPr>
+          <p:cNvPr id="4" name="Date Placeholder 3">
             <a:extLst>
               <a:ext uri="{FF2B5EF4-FFF2-40B4-BE49-F238E27FC236}">
-                <a16:creationId xmlns:a16="http://schemas.microsoft.com/office/drawing/2014/main" id="{138B178F-A9B2-4F67-8C6E-F193C7296979}"/>
-              </a:ext>
-            </a:extLst>
-          </p:cNvPr>
-          <p:cNvSpPr>
-            <a:spLocks noGrp="1"/>
-          </p:cNvSpPr>
-          <p:nvPr>
-            <p:ph idx="1"/>
-          </p:nvPr>
-        </p:nvSpPr>
-        <p:spPr/>
-        <p:txBody>
-          <a:bodyPr/>
-          <a:lstStyle/>
-          <a:p>
-            <a:pPr marL="0" indent="0">
-              <a:buNone/>
-            </a:pPr>
-            <a:r>
-              <a:rPr lang="en-US" sz="2800" b="1" dirty="0"/>
-              <a:t>Requirements:</a:t>
-            </a:r>
-          </a:p>
-          <a:p>
-            <a:pPr marL="0" indent="0">
-              <a:buNone/>
-            </a:pPr>
-            <a:r>
-              <a:rPr lang="en-US" sz="2800" dirty="0"/>
-              <a:t>Write a PHP script to connect to database and show all products table records with update button to update a selected product record using HTML form and data validation.</a:t>
-            </a:r>
-          </a:p>
-          <a:p>
-            <a:pPr marL="0" indent="0">
-              <a:buNone/>
-            </a:pPr>
-            <a:endParaRPr lang="en-US" sz="2800" dirty="0"/>
-          </a:p>
-          <a:p>
-            <a:r>
-              <a:rPr lang="en-US" sz="2800" dirty="0"/>
-              <a:t>See it on </a:t>
-            </a:r>
-            <a:r>
-              <a:rPr lang="en-US" sz="2800" b="1" dirty="0"/>
-              <a:t>GitHub</a:t>
-            </a:r>
-          </a:p>
-        </p:txBody>
-      </p:sp>
-      <p:sp>
-        <p:nvSpPr>
-          <p:cNvPr id="4" name="Date Placeholder 3">
-            <a:extLst>
-              <a:ext uri="{FF2B5EF4-FFF2-40B4-BE49-F238E27FC236}">
-                <a16:creationId xmlns:a16="http://schemas.microsoft.com/office/drawing/2014/main" id="{C00B316C-9F11-41E1-A762-AB675A00184F}"/>
+                <a16:creationId xmlns:a16="http://schemas.microsoft.com/office/drawing/2014/main" id="{04693EBC-AA33-4F4A-B3EA-01D774DC52FB}"/>
               </a:ext>
             </a:extLst>
           </p:cNvPr>
@@ -10622,7 +12448,7 @@
           <p:cNvPr id="5" name="Footer Placeholder 4">
             <a:extLst>
               <a:ext uri="{FF2B5EF4-FFF2-40B4-BE49-F238E27FC236}">
-                <a16:creationId xmlns:a16="http://schemas.microsoft.com/office/drawing/2014/main" id="{A60E06D2-84AD-485E-BBDA-DEA27B153696}"/>
+                <a16:creationId xmlns:a16="http://schemas.microsoft.com/office/drawing/2014/main" id="{362EB75F-6B6E-45A4-8511-1F6F08F3A238}"/>
               </a:ext>
             </a:extLst>
           </p:cNvPr>
@@ -10653,7 +12479,7 @@
           <p:cNvPr id="6" name="Slide Number Placeholder 5">
             <a:extLst>
               <a:ext uri="{FF2B5EF4-FFF2-40B4-BE49-F238E27FC236}">
-                <a16:creationId xmlns:a16="http://schemas.microsoft.com/office/drawing/2014/main" id="{919794D0-75F6-4155-9A00-30BD0E3E01D9}"/>
+                <a16:creationId xmlns:a16="http://schemas.microsoft.com/office/drawing/2014/main" id="{C4EB39B7-8CEA-4559-BF72-F052809FD03F}"/>
               </a:ext>
             </a:extLst>
           </p:cNvPr>
@@ -10688,7 +12514,7 @@
     </p:spTree>
     <p:extLst>
       <p:ext uri="{BB962C8B-B14F-4D97-AF65-F5344CB8AC3E}">
-        <p14:creationId xmlns:p14="http://schemas.microsoft.com/office/powerpoint/2010/main" val="3651151462"/>
+        <p14:creationId xmlns:p14="http://schemas.microsoft.com/office/powerpoint/2010/main" val="3396937602"/>
       </p:ext>
     </p:extLst>
   </p:cSld>
@@ -10720,7 +12546,7 @@
           <p:cNvPr id="2" name="Title 1">
             <a:extLst>
               <a:ext uri="{FF2B5EF4-FFF2-40B4-BE49-F238E27FC236}">
-                <a16:creationId xmlns:a16="http://schemas.microsoft.com/office/drawing/2014/main" id="{D8027D32-8250-488A-8165-FDF5598269A8}"/>
+                <a16:creationId xmlns:a16="http://schemas.microsoft.com/office/drawing/2014/main" id="{36FF2478-B625-41B4-82F3-BEFF431300AD}"/>
               </a:ext>
             </a:extLst>
           </p:cNvPr>
@@ -10738,7 +12564,7 @@
           <a:p>
             <a:r>
               <a:rPr lang="en-US" dirty="0"/>
-              <a:t>DELETE Data</a:t>
+              <a:t>Prepared Statement /3</a:t>
             </a:r>
           </a:p>
         </p:txBody>
@@ -10748,7 +12574,7 @@
           <p:cNvPr id="3" name="Content Placeholder 2">
             <a:extLst>
               <a:ext uri="{FF2B5EF4-FFF2-40B4-BE49-F238E27FC236}">
-                <a16:creationId xmlns:a16="http://schemas.microsoft.com/office/drawing/2014/main" id="{7285B70D-73D8-4164-93C5-6D0FED2C6A47}"/>
+                <a16:creationId xmlns:a16="http://schemas.microsoft.com/office/drawing/2014/main" id="{3A0B30DD-69C6-4A65-AE0F-B293F671DC99}"/>
               </a:ext>
             </a:extLst>
           </p:cNvPr>
@@ -10764,7 +12590,62 @@
           <a:bodyPr/>
           <a:lstStyle/>
           <a:p>
-            <a:endParaRPr lang="en-US"/>
+            <a:pPr algn="l">
+              <a:spcAft>
+                <a:spcPts val="1200"/>
+              </a:spcAft>
+            </a:pPr>
+            <a:r>
+              <a:rPr lang="en-US" sz="2000" dirty="0"/>
+              <a:t>Compared to executing SQL statements directly, prepared statements have three main advantages:</a:t>
+            </a:r>
+          </a:p>
+          <a:p>
+            <a:pPr lvl="1">
+              <a:spcAft>
+                <a:spcPts val="1200"/>
+              </a:spcAft>
+              <a:buFont typeface="+mj-lt"/>
+              <a:buAutoNum type="arabicPeriod"/>
+            </a:pPr>
+            <a:r>
+              <a:rPr lang="en-US" sz="1600" dirty="0"/>
+              <a:t>Prepared statements reduce parsing time as the preparation on the query is done only once while the statement is executed multiple times.</a:t>
+            </a:r>
+          </a:p>
+          <a:p>
+            <a:pPr lvl="1">
+              <a:spcAft>
+                <a:spcPts val="1200"/>
+              </a:spcAft>
+              <a:buFont typeface="+mj-lt"/>
+              <a:buAutoNum type="arabicPeriod"/>
+            </a:pPr>
+            <a:r>
+              <a:rPr lang="en-US" sz="1600" dirty="0"/>
+              <a:t>Bound parameters minimize bandwidth to the server as you need send only the parameters each time, and not the whole query</a:t>
+            </a:r>
+          </a:p>
+          <a:p>
+            <a:pPr lvl="1">
+              <a:spcAft>
+                <a:spcPts val="1200"/>
+              </a:spcAft>
+              <a:buFont typeface="+mj-lt"/>
+              <a:buAutoNum type="arabicPeriod"/>
+            </a:pPr>
+            <a:r>
+              <a:rPr lang="en-US" sz="1600" dirty="0"/>
+              <a:t>Prepared statements are very useful against SQL injections, because parameter values, which are transmitted later using a different protocol so SQL injection cannot occur.</a:t>
+            </a:r>
+          </a:p>
+          <a:p>
+            <a:pPr>
+              <a:spcAft>
+                <a:spcPts val="1200"/>
+              </a:spcAft>
+            </a:pPr>
+            <a:endParaRPr lang="en-US" sz="1800" dirty="0"/>
           </a:p>
         </p:txBody>
       </p:sp>
@@ -10773,7 +12654,7 @@
           <p:cNvPr id="4" name="Date Placeholder 3">
             <a:extLst>
               <a:ext uri="{FF2B5EF4-FFF2-40B4-BE49-F238E27FC236}">
-                <a16:creationId xmlns:a16="http://schemas.microsoft.com/office/drawing/2014/main" id="{8476093F-0A5C-488F-AF7C-F52DC1A2285C}"/>
+                <a16:creationId xmlns:a16="http://schemas.microsoft.com/office/drawing/2014/main" id="{AAD164DD-D8DF-4F66-90DA-3F4C5D7C18B3}"/>
               </a:ext>
             </a:extLst>
           </p:cNvPr>
@@ -10805,7 +12686,7 @@
           <p:cNvPr id="5" name="Footer Placeholder 4">
             <a:extLst>
               <a:ext uri="{FF2B5EF4-FFF2-40B4-BE49-F238E27FC236}">
-                <a16:creationId xmlns:a16="http://schemas.microsoft.com/office/drawing/2014/main" id="{280C1D1E-7A05-4EAE-A9E5-533846AE91C5}"/>
+                <a16:creationId xmlns:a16="http://schemas.microsoft.com/office/drawing/2014/main" id="{4649D331-66F9-4C49-BF4D-1D1B9306BCDD}"/>
               </a:ext>
             </a:extLst>
           </p:cNvPr>
@@ -10836,7 +12717,7 @@
           <p:cNvPr id="6" name="Slide Number Placeholder 5">
             <a:extLst>
               <a:ext uri="{FF2B5EF4-FFF2-40B4-BE49-F238E27FC236}">
-                <a16:creationId xmlns:a16="http://schemas.microsoft.com/office/drawing/2014/main" id="{A30A94AA-C698-4467-812A-2865A39C09A6}"/>
+                <a16:creationId xmlns:a16="http://schemas.microsoft.com/office/drawing/2014/main" id="{44BEB122-9CE2-45F4-8A44-EEA7D243114D}"/>
               </a:ext>
             </a:extLst>
           </p:cNvPr>
@@ -10871,7 +12752,7 @@
     </p:spTree>
     <p:extLst>
       <p:ext uri="{BB962C8B-B14F-4D97-AF65-F5344CB8AC3E}">
-        <p14:creationId xmlns:p14="http://schemas.microsoft.com/office/powerpoint/2010/main" val="2711312015"/>
+        <p14:creationId xmlns:p14="http://schemas.microsoft.com/office/powerpoint/2010/main" val="2561223468"/>
       </p:ext>
     </p:extLst>
   </p:cSld>
@@ -10925,7 +12806,7 @@
                   <a:srgbClr val="0033CC"/>
                 </a:solidFill>
               </a:rPr>
-              <a:t>#Example 4-8</a:t>
+              <a:t>#Example 4-5</a:t>
             </a:r>
             <a:endParaRPr lang="en-US" dirty="0"/>
           </a:p>
@@ -10966,14 +12847,66 @@
             </a:pPr>
             <a:r>
               <a:rPr lang="en-US" sz="2800" dirty="0"/>
-              <a:t>Write a PHP script to connect to database and show all products table records with delete button for each record to delete the record when the button have been pressed.</a:t>
-            </a:r>
-          </a:p>
-          <a:p>
-            <a:pPr marL="0" indent="0">
-              <a:buNone/>
-            </a:pPr>
-            <a:endParaRPr lang="en-US" sz="2800" dirty="0"/>
+              <a:t>Design two web pages</a:t>
+            </a:r>
+          </a:p>
+          <a:p>
+            <a:r>
+              <a:rPr lang="en-US" sz="2800" dirty="0"/>
+              <a:t>The first page shall show all category names with a link to second page.</a:t>
+            </a:r>
+          </a:p>
+          <a:p>
+            <a:r>
+              <a:rPr lang="en-US" sz="2800" dirty="0"/>
+              <a:t>The URL in the link shall include the </a:t>
+            </a:r>
+            <a:r>
+              <a:rPr lang="en-US" sz="2800" dirty="0" err="1"/>
+              <a:t>cat_id</a:t>
+            </a:r>
+            <a:r>
+              <a:rPr lang="en-US" sz="2800" dirty="0"/>
+              <a:t> value. example</a:t>
+            </a:r>
+            <a:r>
+              <a:rPr lang="en-US" sz="2800" dirty="0">
+                <a:solidFill>
+                  <a:srgbClr val="7030A0"/>
+                </a:solidFill>
+              </a:rPr>
+              <a:t>: localhost/</a:t>
+            </a:r>
+            <a:r>
+              <a:rPr lang="en-US" sz="2800" dirty="0" err="1">
+                <a:solidFill>
+                  <a:srgbClr val="7030A0"/>
+                </a:solidFill>
+              </a:rPr>
+              <a:t>product_list?cid</a:t>
+            </a:r>
+            <a:r>
+              <a:rPr lang="en-US" sz="2800" dirty="0">
+                <a:solidFill>
+                  <a:srgbClr val="7030A0"/>
+                </a:solidFill>
+              </a:rPr>
+              <a:t>=5</a:t>
+            </a:r>
+          </a:p>
+          <a:p>
+            <a:r>
+              <a:rPr lang="en-US" sz="2800" dirty="0"/>
+              <a:t>The second page shall show all products in a HTML table for one category depending on the </a:t>
+            </a:r>
+            <a:r>
+              <a:rPr lang="en-US" sz="2800" dirty="0" err="1"/>
+              <a:t>cat_id</a:t>
+            </a:r>
+            <a:r>
+              <a:rPr lang="en-US" sz="2800" dirty="0"/>
+              <a:t> value. </a:t>
+            </a:r>
           </a:p>
           <a:p>
             <a:r>
@@ -11090,7 +13023,7 @@
     </p:spTree>
     <p:extLst>
       <p:ext uri="{BB962C8B-B14F-4D97-AF65-F5344CB8AC3E}">
-        <p14:creationId xmlns:p14="http://schemas.microsoft.com/office/powerpoint/2010/main" val="501000930"/>
+        <p14:creationId xmlns:p14="http://schemas.microsoft.com/office/powerpoint/2010/main" val="2374971500"/>
       </p:ext>
     </p:extLst>
   </p:cSld>
@@ -11122,7 +13055,7 @@
           <p:cNvPr id="2" name="Title 1">
             <a:extLst>
               <a:ext uri="{FF2B5EF4-FFF2-40B4-BE49-F238E27FC236}">
-                <a16:creationId xmlns:a16="http://schemas.microsoft.com/office/drawing/2014/main" id="{16BCBA9D-4A19-41BD-BE8E-D69F349171EC}"/>
+                <a16:creationId xmlns:a16="http://schemas.microsoft.com/office/drawing/2014/main" id="{15E7DD9F-2E6B-4B54-B432-96544B2DC024}"/>
               </a:ext>
             </a:extLst>
           </p:cNvPr>
@@ -11140,7 +13073,7 @@
           <a:p>
             <a:r>
               <a:rPr lang="en-US" dirty="0"/>
-              <a:t>#Example 4-9 </a:t>
+              <a:t>INSERT Data</a:t>
             </a:r>
           </a:p>
         </p:txBody>
@@ -11150,7 +13083,7 @@
           <p:cNvPr id="3" name="Content Placeholder 2">
             <a:extLst>
               <a:ext uri="{FF2B5EF4-FFF2-40B4-BE49-F238E27FC236}">
-                <a16:creationId xmlns:a16="http://schemas.microsoft.com/office/drawing/2014/main" id="{2F0B40C9-22F0-47FC-9AA3-967FE3407BAE}"/>
+                <a16:creationId xmlns:a16="http://schemas.microsoft.com/office/drawing/2014/main" id="{FB605F30-7EBD-4035-AEBC-3FC96447EAF6}"/>
               </a:ext>
             </a:extLst>
           </p:cNvPr>
@@ -11161,45 +13094,270 @@
             <p:ph idx="1"/>
           </p:nvPr>
         </p:nvSpPr>
-        <p:spPr/>
-        <p:txBody>
-          <a:bodyPr/>
-          <a:lstStyle/>
-          <a:p>
-            <a:r>
-              <a:rPr lang="en-US" sz="2800" dirty="0"/>
-              <a:t>Visit and review news websites and make analysis to do:</a:t>
-            </a:r>
-          </a:p>
-          <a:p>
-            <a:pPr marL="514350" indent="-514350">
-              <a:buFont typeface="+mj-lt"/>
-              <a:buAutoNum type="arabicPeriod"/>
-            </a:pPr>
-            <a:r>
-              <a:rPr lang="en-US" sz="2800" dirty="0"/>
-              <a:t>Write requirements to have similar news website</a:t>
-            </a:r>
-          </a:p>
-          <a:p>
-            <a:pPr marL="514350" indent="-514350">
-              <a:buFont typeface="+mj-lt"/>
-              <a:buAutoNum type="arabicPeriod"/>
-            </a:pPr>
-            <a:r>
-              <a:rPr lang="en-US" sz="2800" dirty="0"/>
-              <a:t>Design and build a database</a:t>
-            </a:r>
-          </a:p>
-          <a:p>
-            <a:pPr marL="514350" indent="-514350">
-              <a:buFont typeface="+mj-lt"/>
-              <a:buAutoNum type="arabicPeriod"/>
-            </a:pPr>
-            <a:r>
-              <a:rPr lang="en-US" sz="2800" dirty="0"/>
-              <a:t>Build a CRUD system for the news portal</a:t>
-            </a:r>
+        <p:spPr>
+          <a:xfrm>
+            <a:off x="152400" y="1399761"/>
+            <a:ext cx="8534400" cy="4572000"/>
+          </a:xfrm>
+        </p:spPr>
+        <p:txBody>
+          <a:bodyPr/>
+          <a:lstStyle/>
+          <a:p>
+            <a:pPr marL="0" indent="0">
+              <a:buNone/>
+            </a:pPr>
+            <a:r>
+              <a:rPr lang="en-US" sz="1800" dirty="0">
+                <a:solidFill>
+                  <a:srgbClr val="7030A0"/>
+                </a:solidFill>
+              </a:rPr>
+              <a:t>    //Insert new record</a:t>
+            </a:r>
+          </a:p>
+          <a:p>
+            <a:pPr marL="0" indent="0">
+              <a:buNone/>
+            </a:pPr>
+            <a:r>
+              <a:rPr lang="en-US" sz="1800" dirty="0"/>
+              <a:t>    $</a:t>
+            </a:r>
+            <a:r>
+              <a:rPr lang="en-US" sz="1800" dirty="0" err="1"/>
+              <a:t>sql</a:t>
+            </a:r>
+            <a:r>
+              <a:rPr lang="en-US" sz="1800" dirty="0"/>
+              <a:t> = '</a:t>
+            </a:r>
+            <a:r>
+              <a:rPr lang="en-US" sz="1800" dirty="0">
+                <a:solidFill>
+                  <a:srgbClr val="0033CC"/>
+                </a:solidFill>
+              </a:rPr>
+              <a:t>INSERT</a:t>
+            </a:r>
+            <a:r>
+              <a:rPr lang="en-US" sz="1800" dirty="0"/>
+              <a:t> </a:t>
+            </a:r>
+            <a:r>
+              <a:rPr lang="en-US" sz="1800" dirty="0">
+                <a:solidFill>
+                  <a:srgbClr val="0033CC"/>
+                </a:solidFill>
+              </a:rPr>
+              <a:t>INTO</a:t>
+            </a:r>
+            <a:r>
+              <a:rPr lang="en-US" sz="1800" dirty="0"/>
+              <a:t> products (name, price, </a:t>
+            </a:r>
+            <a:r>
+              <a:rPr lang="en-US" sz="1800" dirty="0" err="1"/>
+              <a:t>cat_id</a:t>
+            </a:r>
+            <a:r>
+              <a:rPr lang="en-US" sz="1800" dirty="0"/>
+              <a:t>)  </a:t>
+            </a:r>
+            <a:r>
+              <a:rPr lang="en-US" sz="1800" dirty="0">
+                <a:solidFill>
+                  <a:srgbClr val="0033CC"/>
+                </a:solidFill>
+              </a:rPr>
+              <a:t>VALUES</a:t>
+            </a:r>
+            <a:r>
+              <a:rPr lang="en-US" sz="1800" dirty="0"/>
+              <a:t> (:name, :price, :</a:t>
+            </a:r>
+            <a:r>
+              <a:rPr lang="en-US" sz="1800" dirty="0" err="1"/>
+              <a:t>cid</a:t>
+            </a:r>
+            <a:r>
+              <a:rPr lang="en-US" sz="1800" dirty="0"/>
+              <a:t>)' ;</a:t>
+            </a:r>
+          </a:p>
+          <a:p>
+            <a:pPr marL="0" indent="0">
+              <a:buNone/>
+            </a:pPr>
+            <a:r>
+              <a:rPr lang="en-US" sz="1800" dirty="0"/>
+              <a:t>    $statement = $</a:t>
+            </a:r>
+            <a:r>
+              <a:rPr lang="en-US" sz="1800" dirty="0" err="1"/>
+              <a:t>pdo</a:t>
+            </a:r>
+            <a:r>
+              <a:rPr lang="en-US" sz="1800" dirty="0"/>
+              <a:t>-&gt;</a:t>
+            </a:r>
+            <a:r>
+              <a:rPr lang="en-US" sz="1800" dirty="0">
+                <a:solidFill>
+                  <a:srgbClr val="0033CC"/>
+                </a:solidFill>
+              </a:rPr>
+              <a:t>prepare</a:t>
+            </a:r>
+            <a:r>
+              <a:rPr lang="en-US" sz="1800" dirty="0"/>
+              <a:t>($</a:t>
+            </a:r>
+            <a:r>
+              <a:rPr lang="en-US" sz="1800" dirty="0" err="1"/>
+              <a:t>sql</a:t>
+            </a:r>
+            <a:r>
+              <a:rPr lang="en-US" sz="1800" dirty="0"/>
+              <a:t>);</a:t>
+            </a:r>
+          </a:p>
+          <a:p>
+            <a:pPr marL="0" indent="0">
+              <a:buNone/>
+            </a:pPr>
+            <a:r>
+              <a:rPr lang="en-US" sz="1800" dirty="0"/>
+              <a:t>    $</a:t>
+            </a:r>
+            <a:r>
+              <a:rPr lang="en-US" sz="1800" u="sng" dirty="0"/>
+              <a:t>result-</a:t>
+            </a:r>
+            <a:r>
+              <a:rPr lang="en-US" sz="1800" dirty="0"/>
+              <a:t>&gt;</a:t>
+            </a:r>
+            <a:r>
+              <a:rPr lang="en-US" sz="1800" dirty="0">
+                <a:solidFill>
+                  <a:srgbClr val="0033CC"/>
+                </a:solidFill>
+              </a:rPr>
+              <a:t>execute([</a:t>
+            </a:r>
+            <a:r>
+              <a:rPr lang="en-US" sz="1800" dirty="0"/>
+              <a:t> ':name'</a:t>
+            </a:r>
+            <a:r>
+              <a:rPr lang="en-US" sz="1800" dirty="0">
+                <a:solidFill>
+                  <a:srgbClr val="0033CC"/>
+                </a:solidFill>
+              </a:rPr>
+              <a:t>=&gt;</a:t>
+            </a:r>
+            <a:r>
+              <a:rPr lang="en-US" sz="1800" dirty="0"/>
+              <a:t>'Laptop 3333’, ':price'</a:t>
+            </a:r>
+            <a:r>
+              <a:rPr lang="en-US" sz="1800" dirty="0">
+                <a:solidFill>
+                  <a:srgbClr val="0033CC"/>
+                </a:solidFill>
+              </a:rPr>
+              <a:t>=&gt;</a:t>
+            </a:r>
+            <a:r>
+              <a:rPr lang="en-US" sz="1800" dirty="0"/>
+              <a:t>7000, ':</a:t>
+            </a:r>
+            <a:r>
+              <a:rPr lang="en-US" sz="1800" dirty="0" err="1"/>
+              <a:t>cid</a:t>
+            </a:r>
+            <a:r>
+              <a:rPr lang="en-US" sz="1800" dirty="0"/>
+              <a:t>’=&gt;1 </a:t>
+            </a:r>
+            <a:r>
+              <a:rPr lang="en-US" sz="1800" dirty="0">
+                <a:solidFill>
+                  <a:srgbClr val="0033CC"/>
+                </a:solidFill>
+              </a:rPr>
+              <a:t>])</a:t>
+            </a:r>
+            <a:r>
+              <a:rPr lang="en-US" sz="1800" dirty="0"/>
+              <a:t>;</a:t>
+            </a:r>
+          </a:p>
+          <a:p>
+            <a:pPr marL="0" indent="0">
+              <a:buNone/>
+            </a:pPr>
+            <a:br>
+              <a:rPr lang="en-US" sz="1800" dirty="0">
+                <a:solidFill>
+                  <a:srgbClr val="7030A0"/>
+                </a:solidFill>
+              </a:rPr>
+            </a:br>
+            <a:r>
+              <a:rPr lang="en-US" sz="1800" dirty="0">
+                <a:solidFill>
+                  <a:srgbClr val="7030A0"/>
+                </a:solidFill>
+              </a:rPr>
+              <a:t>    //get last id</a:t>
+            </a:r>
+          </a:p>
+          <a:p>
+            <a:pPr marL="0" indent="0">
+              <a:buNone/>
+            </a:pPr>
+            <a:r>
+              <a:rPr lang="en-US" sz="1800" dirty="0"/>
+              <a:t>    $id = $</a:t>
+            </a:r>
+            <a:r>
+              <a:rPr lang="en-US" sz="1800" dirty="0" err="1"/>
+              <a:t>pdo</a:t>
+            </a:r>
+            <a:r>
+              <a:rPr lang="en-US" sz="1800" dirty="0"/>
+              <a:t>-&gt;</a:t>
+            </a:r>
+            <a:r>
+              <a:rPr lang="en-US" sz="1800" dirty="0" err="1">
+                <a:solidFill>
+                  <a:srgbClr val="0033CC"/>
+                </a:solidFill>
+              </a:rPr>
+              <a:t>lastInsertId</a:t>
+            </a:r>
+            <a:r>
+              <a:rPr lang="en-US" sz="1800" dirty="0"/>
+              <a:t>();</a:t>
+            </a:r>
+          </a:p>
+          <a:p>
+            <a:pPr marL="0" indent="0">
+              <a:buNone/>
+            </a:pPr>
+            <a:r>
+              <a:rPr lang="en-US" sz="1800" dirty="0"/>
+              <a:t>    echo 'The product id ' . $id . ' was inserted';</a:t>
+            </a:r>
+          </a:p>
+          <a:p>
+            <a:pPr marL="0" indent="0">
+              <a:buNone/>
+            </a:pPr>
+            <a:endParaRPr lang="en-US" sz="1800" dirty="0"/>
           </a:p>
         </p:txBody>
       </p:sp>
@@ -11208,7 +13366,7 @@
           <p:cNvPr id="4" name="Date Placeholder 3">
             <a:extLst>
               <a:ext uri="{FF2B5EF4-FFF2-40B4-BE49-F238E27FC236}">
-                <a16:creationId xmlns:a16="http://schemas.microsoft.com/office/drawing/2014/main" id="{18664107-C3FD-4D9D-A14C-03F532BC4EE5}"/>
+                <a16:creationId xmlns:a16="http://schemas.microsoft.com/office/drawing/2014/main" id="{3C808CF2-0E82-4889-981E-9276390B253A}"/>
               </a:ext>
             </a:extLst>
           </p:cNvPr>
@@ -11240,7 +13398,7 @@
           <p:cNvPr id="5" name="Footer Placeholder 4">
             <a:extLst>
               <a:ext uri="{FF2B5EF4-FFF2-40B4-BE49-F238E27FC236}">
-                <a16:creationId xmlns:a16="http://schemas.microsoft.com/office/drawing/2014/main" id="{646DA357-09D7-4817-9D7D-3591A1AA6194}"/>
+                <a16:creationId xmlns:a16="http://schemas.microsoft.com/office/drawing/2014/main" id="{619F73DA-0089-4904-9B5B-3156D5559DDC}"/>
               </a:ext>
             </a:extLst>
           </p:cNvPr>
@@ -11271,7 +13429,7 @@
           <p:cNvPr id="6" name="Slide Number Placeholder 5">
             <a:extLst>
               <a:ext uri="{FF2B5EF4-FFF2-40B4-BE49-F238E27FC236}">
-                <a16:creationId xmlns:a16="http://schemas.microsoft.com/office/drawing/2014/main" id="{E816EE60-DCA6-447F-B315-BCBEC628EEB0}"/>
+                <a16:creationId xmlns:a16="http://schemas.microsoft.com/office/drawing/2014/main" id="{F793E259-D6AC-45A3-877D-F68CDDFD180A}"/>
               </a:ext>
             </a:extLst>
           </p:cNvPr>
@@ -11306,7 +13464,7 @@
     </p:spTree>
     <p:extLst>
       <p:ext uri="{BB962C8B-B14F-4D97-AF65-F5344CB8AC3E}">
-        <p14:creationId xmlns:p14="http://schemas.microsoft.com/office/powerpoint/2010/main" val="1016149417"/>
+        <p14:creationId xmlns:p14="http://schemas.microsoft.com/office/powerpoint/2010/main" val="3333412553"/>
       </p:ext>
     </p:extLst>
   </p:cSld>
@@ -11338,7 +13496,7 @@
           <p:cNvPr id="2" name="Title 1">
             <a:extLst>
               <a:ext uri="{FF2B5EF4-FFF2-40B4-BE49-F238E27FC236}">
-                <a16:creationId xmlns:a16="http://schemas.microsoft.com/office/drawing/2014/main" id="{F89016AC-73C8-4CE2-B9A7-CCA7304B3385}"/>
+                <a16:creationId xmlns:a16="http://schemas.microsoft.com/office/drawing/2014/main" id="{15E7DD9F-2E6B-4B54-B432-96544B2DC024}"/>
               </a:ext>
             </a:extLst>
           </p:cNvPr>
@@ -11355,12 +13513,8 @@
           <a:lstStyle/>
           <a:p>
             <a:r>
-              <a:rPr lang="en-US" dirty="0" err="1"/>
-              <a:t>config.php</a:t>
-            </a:r>
-            <a:r>
               <a:rPr lang="en-US" dirty="0"/>
-              <a:t> file</a:t>
+              <a:t>UPDATE Data</a:t>
             </a:r>
           </a:p>
         </p:txBody>
@@ -11370,7 +13524,7 @@
           <p:cNvPr id="3" name="Content Placeholder 2">
             <a:extLst>
               <a:ext uri="{FF2B5EF4-FFF2-40B4-BE49-F238E27FC236}">
-                <a16:creationId xmlns:a16="http://schemas.microsoft.com/office/drawing/2014/main" id="{2CC3E9C6-8C6A-4036-A210-D86BFA893EAD}"/>
+                <a16:creationId xmlns:a16="http://schemas.microsoft.com/office/drawing/2014/main" id="{FB605F30-7EBD-4035-AEBC-3FC96447EAF6}"/>
               </a:ext>
             </a:extLst>
           </p:cNvPr>
@@ -11381,38 +13535,83 @@
             <p:ph idx="1"/>
           </p:nvPr>
         </p:nvSpPr>
-        <p:spPr/>
-        <p:txBody>
-          <a:bodyPr/>
-          <a:lstStyle/>
-          <a:p>
-            <a:r>
-              <a:rPr lang="en-US" sz="2000" dirty="0"/>
-              <a:t>In PHP, you can create a </a:t>
-            </a:r>
-            <a:r>
-              <a:rPr lang="en-US" sz="2000" dirty="0" err="1"/>
-              <a:t>config.php</a:t>
-            </a:r>
-            <a:r>
-              <a:rPr lang="en-US" sz="2000" dirty="0"/>
-              <a:t> file and place the database parameters:</a:t>
-            </a:r>
-          </a:p>
-          <a:p>
-            <a:endParaRPr lang="en-US" sz="2000" dirty="0"/>
-          </a:p>
+        <p:spPr>
+          <a:xfrm>
+            <a:off x="152400" y="1399761"/>
+            <a:ext cx="8534400" cy="4572000"/>
+          </a:xfrm>
+        </p:spPr>
+        <p:txBody>
+          <a:bodyPr/>
+          <a:lstStyle/>
           <a:p>
             <a:pPr marL="0" indent="0">
               <a:buNone/>
             </a:pPr>
             <a:r>
-              <a:rPr lang="en-US" sz="2000" dirty="0">
+              <a:rPr lang="en-US" sz="1800" dirty="0">
+                <a:solidFill>
+                  <a:srgbClr val="7030A0"/>
+                </a:solidFill>
+              </a:rPr>
+              <a:t>    //UPDATE SQL</a:t>
+            </a:r>
+          </a:p>
+          <a:p>
+            <a:pPr marL="0" indent="0">
+              <a:buNone/>
+            </a:pPr>
+            <a:r>
+              <a:rPr lang="en-US" sz="1800" dirty="0"/>
+              <a:t>    $</a:t>
+            </a:r>
+            <a:r>
+              <a:rPr lang="en-US" sz="1800" dirty="0" err="1"/>
+              <a:t>sql</a:t>
+            </a:r>
+            <a:r>
+              <a:rPr lang="en-US" sz="1800" dirty="0"/>
+              <a:t> = ‘</a:t>
+            </a:r>
+            <a:r>
+              <a:rPr lang="en-US" sz="1800" dirty="0">
                 <a:solidFill>
                   <a:srgbClr val="0033CC"/>
                 </a:solidFill>
               </a:rPr>
-              <a:t>&lt;?php</a:t>
+              <a:t>UPDATE</a:t>
+            </a:r>
+            <a:r>
+              <a:rPr lang="en-US" sz="1800" dirty="0"/>
+              <a:t> products (name, price, </a:t>
+            </a:r>
+            <a:r>
+              <a:rPr lang="en-US" sz="1800" dirty="0" err="1"/>
+              <a:t>cat_id</a:t>
+            </a:r>
+            <a:r>
+              <a:rPr lang="en-US" sz="1800" dirty="0"/>
+              <a:t>)  </a:t>
+            </a:r>
+            <a:r>
+              <a:rPr lang="en-US" sz="1800" dirty="0">
+                <a:solidFill>
+                  <a:srgbClr val="0033CC"/>
+                </a:solidFill>
+              </a:rPr>
+              <a:t>VALUES</a:t>
+            </a:r>
+            <a:r>
+              <a:rPr lang="en-US" sz="1800" dirty="0"/>
+              <a:t> (:name, :price, :</a:t>
+            </a:r>
+            <a:r>
+              <a:rPr lang="en-US" sz="1800" dirty="0" err="1"/>
+              <a:t>cid</a:t>
+            </a:r>
+            <a:r>
+              <a:rPr lang="en-US" sz="1800" dirty="0"/>
+              <a:t>)' ;</a:t>
             </a:r>
           </a:p>
           <a:p>
@@ -11420,8 +13619,36 @@
               <a:buNone/>
             </a:pPr>
             <a:r>
-              <a:rPr lang="en-US" sz="2000" dirty="0"/>
-              <a:t>$host = 'localhost';</a:t>
+              <a:rPr lang="en-US" sz="1800" dirty="0"/>
+              <a:t>    $statement = $</a:t>
+            </a:r>
+            <a:r>
+              <a:rPr lang="en-US" sz="1800" dirty="0" err="1"/>
+              <a:t>pdo</a:t>
+            </a:r>
+            <a:r>
+              <a:rPr lang="en-US" sz="1800" dirty="0"/>
+              <a:t>-&gt;</a:t>
+            </a:r>
+            <a:r>
+              <a:rPr lang="en-US" sz="1800" dirty="0">
+                <a:solidFill>
+                  <a:srgbClr val="0033CC"/>
+                </a:solidFill>
+              </a:rPr>
+              <a:t>prepare</a:t>
+            </a:r>
+            <a:r>
+              <a:rPr lang="en-US" sz="1800" dirty="0"/>
+              <a:t>($</a:t>
+            </a:r>
+            <a:r>
+              <a:rPr lang="en-US" sz="1800" dirty="0" err="1"/>
+              <a:t>sql</a:t>
+            </a:r>
+            <a:r>
+              <a:rPr lang="en-US" sz="1800" dirty="0"/>
+              <a:t>);</a:t>
             </a:r>
           </a:p>
           <a:p>
@@ -11429,33 +13656,92 @@
               <a:buNone/>
             </a:pPr>
             <a:r>
-              <a:rPr lang="en-US" sz="2000" dirty="0"/>
-              <a:t>$</a:t>
-            </a:r>
-            <a:r>
-              <a:rPr lang="en-US" sz="2000" dirty="0" err="1"/>
-              <a:t>db</a:t>
-            </a:r>
-            <a:r>
-              <a:rPr lang="en-US" sz="2000" dirty="0"/>
-              <a:t> = '</a:t>
-            </a:r>
-            <a:r>
-              <a:rPr lang="en-US" sz="2000" dirty="0" err="1"/>
-              <a:t>bookdb</a:t>
-            </a:r>
-            <a:r>
-              <a:rPr lang="en-US" sz="2000" dirty="0"/>
-              <a:t>';</a:t>
+              <a:rPr lang="en-US" sz="1800" dirty="0"/>
+              <a:t>    $</a:t>
+            </a:r>
+            <a:r>
+              <a:rPr lang="en-US" sz="1800" u="sng" dirty="0"/>
+              <a:t>result-</a:t>
+            </a:r>
+            <a:r>
+              <a:rPr lang="en-US" sz="1800" dirty="0"/>
+              <a:t>&gt;</a:t>
+            </a:r>
+            <a:r>
+              <a:rPr lang="en-US" sz="1800" dirty="0">
+                <a:solidFill>
+                  <a:srgbClr val="0033CC"/>
+                </a:solidFill>
+              </a:rPr>
+              <a:t>execute([</a:t>
+            </a:r>
+            <a:r>
+              <a:rPr lang="en-US" sz="1800" dirty="0"/>
+              <a:t> ':name'</a:t>
+            </a:r>
+            <a:r>
+              <a:rPr lang="en-US" sz="1800" dirty="0">
+                <a:solidFill>
+                  <a:srgbClr val="0033CC"/>
+                </a:solidFill>
+              </a:rPr>
+              <a:t>=&gt;</a:t>
+            </a:r>
+            <a:r>
+              <a:rPr lang="en-US" sz="1800" dirty="0"/>
+              <a:t>'Laptop 3333’, ':price'</a:t>
+            </a:r>
+            <a:r>
+              <a:rPr lang="en-US" sz="1800" dirty="0">
+                <a:solidFill>
+                  <a:srgbClr val="0033CC"/>
+                </a:solidFill>
+              </a:rPr>
+              <a:t>=&gt;</a:t>
+            </a:r>
+            <a:r>
+              <a:rPr lang="en-US" sz="1800" dirty="0"/>
+              <a:t>7000, ':</a:t>
+            </a:r>
+            <a:r>
+              <a:rPr lang="en-US" sz="1800" dirty="0" err="1"/>
+              <a:t>cid</a:t>
+            </a:r>
+            <a:r>
+              <a:rPr lang="en-US" sz="1800" dirty="0"/>
+              <a:t>’=&gt;1 </a:t>
+            </a:r>
+            <a:r>
+              <a:rPr lang="en-US" sz="1800" dirty="0">
+                <a:solidFill>
+                  <a:srgbClr val="0033CC"/>
+                </a:solidFill>
+              </a:rPr>
+              <a:t>])</a:t>
+            </a:r>
+            <a:r>
+              <a:rPr lang="en-US" sz="1800" dirty="0"/>
+              <a:t>;</a:t>
             </a:r>
           </a:p>
           <a:p>
             <a:pPr marL="0" indent="0">
               <a:buNone/>
             </a:pPr>
-            <a:r>
-              <a:rPr lang="en-US" sz="2000" dirty="0"/>
-              <a:t>$user = 'root';</a:t>
+            <a:br>
+              <a:rPr lang="en-US" sz="1800" dirty="0">
+                <a:solidFill>
+                  <a:srgbClr val="7030A0"/>
+                </a:solidFill>
+              </a:rPr>
+            </a:br>
+            <a:r>
+              <a:rPr lang="en-US" sz="1800" dirty="0">
+                <a:solidFill>
+                  <a:srgbClr val="7030A0"/>
+                </a:solidFill>
+              </a:rPr>
+              <a:t>    //get last id</a:t>
             </a:r>
           </a:p>
           <a:p>
@@ -11463,8 +13749,28 @@
               <a:buNone/>
             </a:pPr>
             <a:r>
-              <a:rPr lang="en-US" sz="2000" dirty="0"/>
-              <a:t>$password = 'S@cr@t1!’;</a:t>
+              <a:rPr lang="en-US" sz="1800" dirty="0"/>
+              <a:t>    $id = $</a:t>
+            </a:r>
+            <a:r>
+              <a:rPr lang="en-US" sz="1800" dirty="0" err="1"/>
+              <a:t>pdo</a:t>
+            </a:r>
+            <a:r>
+              <a:rPr lang="en-US" sz="1800" dirty="0"/>
+              <a:t>-&gt;</a:t>
+            </a:r>
+            <a:r>
+              <a:rPr lang="en-US" sz="1800" dirty="0" err="1">
+                <a:solidFill>
+                  <a:srgbClr val="0033CC"/>
+                </a:solidFill>
+              </a:rPr>
+              <a:t>lastInsertId</a:t>
+            </a:r>
+            <a:r>
+              <a:rPr lang="en-US" sz="1800" dirty="0"/>
+              <a:t>();</a:t>
             </a:r>
           </a:p>
           <a:p>
@@ -11472,51 +13778,15 @@
               <a:buNone/>
             </a:pPr>
             <a:r>
-              <a:rPr lang="en-US" sz="2000" dirty="0">
-                <a:solidFill>
-                  <a:srgbClr val="0033CC"/>
-                </a:solidFill>
-              </a:rPr>
-              <a:t>?&gt;</a:t>
+              <a:rPr lang="en-US" sz="1800" dirty="0"/>
+              <a:t>    echo 'The product id ' . $id . ' was inserted';</a:t>
             </a:r>
           </a:p>
           <a:p>
             <a:pPr marL="0" indent="0">
               <a:buNone/>
             </a:pPr>
-            <a:r>
-              <a:rPr lang="en-US" sz="2000" dirty="0">
-                <a:solidFill>
-                  <a:srgbClr val="7030A0"/>
-                </a:solidFill>
-              </a:rPr>
-              <a:t>//then in any PHP file write</a:t>
-            </a:r>
-          </a:p>
-          <a:p>
-            <a:pPr marL="0" indent="0">
-              <a:buNone/>
-            </a:pPr>
-            <a:r>
-              <a:rPr lang="en-US" sz="2000" dirty="0">
-                <a:solidFill>
-                  <a:srgbClr val="0033CC"/>
-                </a:solidFill>
-              </a:rPr>
-              <a:t>require</a:t>
-            </a:r>
-            <a:r>
-              <a:rPr lang="en-US" sz="2000" dirty="0"/>
-              <a:t> '</a:t>
-            </a:r>
-            <a:r>
-              <a:rPr lang="en-US" sz="2000" dirty="0" err="1"/>
-              <a:t>config.php</a:t>
-            </a:r>
-            <a:r>
-              <a:rPr lang="en-US" sz="2000" dirty="0"/>
-              <a:t>';</a:t>
-            </a:r>
+            <a:endParaRPr lang="en-US" sz="1800" dirty="0"/>
           </a:p>
         </p:txBody>
       </p:sp>
@@ -11525,7 +13795,7 @@
           <p:cNvPr id="4" name="Date Placeholder 3">
             <a:extLst>
               <a:ext uri="{FF2B5EF4-FFF2-40B4-BE49-F238E27FC236}">
-                <a16:creationId xmlns:a16="http://schemas.microsoft.com/office/drawing/2014/main" id="{9CE66985-E0E7-4503-AFBC-E76C82973892}"/>
+                <a16:creationId xmlns:a16="http://schemas.microsoft.com/office/drawing/2014/main" id="{3C808CF2-0E82-4889-981E-9276390B253A}"/>
               </a:ext>
             </a:extLst>
           </p:cNvPr>
@@ -11557,7 +13827,7 @@
           <p:cNvPr id="5" name="Footer Placeholder 4">
             <a:extLst>
               <a:ext uri="{FF2B5EF4-FFF2-40B4-BE49-F238E27FC236}">
-                <a16:creationId xmlns:a16="http://schemas.microsoft.com/office/drawing/2014/main" id="{FD42463A-16FD-4731-B270-68D6253C80D2}"/>
+                <a16:creationId xmlns:a16="http://schemas.microsoft.com/office/drawing/2014/main" id="{619F73DA-0089-4904-9B5B-3156D5559DDC}"/>
               </a:ext>
             </a:extLst>
           </p:cNvPr>
@@ -11588,7 +13858,7 @@
           <p:cNvPr id="6" name="Slide Number Placeholder 5">
             <a:extLst>
               <a:ext uri="{FF2B5EF4-FFF2-40B4-BE49-F238E27FC236}">
-                <a16:creationId xmlns:a16="http://schemas.microsoft.com/office/drawing/2014/main" id="{364739F5-4E08-439E-A7E4-698C671077CE}"/>
+                <a16:creationId xmlns:a16="http://schemas.microsoft.com/office/drawing/2014/main" id="{F793E259-D6AC-45A3-877D-F68CDDFD180A}"/>
               </a:ext>
             </a:extLst>
           </p:cNvPr>
@@ -11623,7 +13893,7 @@
     </p:spTree>
     <p:extLst>
       <p:ext uri="{BB962C8B-B14F-4D97-AF65-F5344CB8AC3E}">
-        <p14:creationId xmlns:p14="http://schemas.microsoft.com/office/powerpoint/2010/main" val="493670208"/>
+        <p14:creationId xmlns:p14="http://schemas.microsoft.com/office/powerpoint/2010/main" val="2611077199"/>
       </p:ext>
     </p:extLst>
   </p:cSld>
@@ -11937,7 +14207,7 @@
           <p:cNvPr id="2" name="Title 1">
             <a:extLst>
               <a:ext uri="{FF2B5EF4-FFF2-40B4-BE49-F238E27FC236}">
-                <a16:creationId xmlns:a16="http://schemas.microsoft.com/office/drawing/2014/main" id="{E7196D3D-589D-4502-BC16-BA5AA2FB28F2}"/>
+                <a16:creationId xmlns:a16="http://schemas.microsoft.com/office/drawing/2014/main" id="{35F12707-114E-48E3-BA30-AC4EE3B748C6}"/>
               </a:ext>
             </a:extLst>
           </p:cNvPr>
@@ -11954,17 +14224,14 @@
           <a:lstStyle/>
           <a:p>
             <a:r>
-              <a:rPr lang="en-US" dirty="0"/>
-              <a:t>Connecting to MySQL using </a:t>
-            </a:r>
-            <a:r>
-              <a:rPr lang="en-US" dirty="0" err="1"/>
-              <a:t>config.php</a:t>
-            </a:r>
-            <a:r>
-              <a:rPr lang="en-US" dirty="0"/>
-              <a:t> file</a:t>
-            </a:r>
+              <a:rPr lang="en-US" b="1" dirty="0">
+                <a:solidFill>
+                  <a:srgbClr val="0033CC"/>
+                </a:solidFill>
+              </a:rPr>
+              <a:t>#Example 4-6</a:t>
+            </a:r>
+            <a:endParaRPr lang="en-US" dirty="0"/>
           </a:p>
         </p:txBody>
       </p:sp>
@@ -11973,7 +14240,7 @@
           <p:cNvPr id="3" name="Content Placeholder 2">
             <a:extLst>
               <a:ext uri="{FF2B5EF4-FFF2-40B4-BE49-F238E27FC236}">
-                <a16:creationId xmlns:a16="http://schemas.microsoft.com/office/drawing/2014/main" id="{390DDDD0-D59E-4949-98C1-9CECB4426A9D}"/>
+                <a16:creationId xmlns:a16="http://schemas.microsoft.com/office/drawing/2014/main" id="{138B178F-A9B2-4F67-8C6E-F193C7296979}"/>
               </a:ext>
             </a:extLst>
           </p:cNvPr>
@@ -11990,258 +14257,36 @@
           <a:lstStyle/>
           <a:p>
             <a:pPr marL="0" indent="0">
-              <a:spcBef>
-                <a:spcPts val="0"/>
-              </a:spcBef>
-              <a:buNone/>
-            </a:pPr>
-            <a:r>
-              <a:rPr lang="en-US" sz="2000" dirty="0"/>
-              <a:t>&lt;?php</a:t>
+              <a:buNone/>
+            </a:pPr>
+            <a:r>
+              <a:rPr lang="en-US" sz="2800" b="1" dirty="0"/>
+              <a:t>Requirements:</a:t>
             </a:r>
           </a:p>
           <a:p>
             <a:pPr marL="0" indent="0">
-              <a:spcBef>
-                <a:spcPts val="0"/>
-              </a:spcBef>
-              <a:buNone/>
-            </a:pPr>
-            <a:endParaRPr lang="en-US" sz="2000" dirty="0"/>
+              <a:buNone/>
+            </a:pPr>
+            <a:r>
+              <a:rPr lang="en-US" sz="2800" dirty="0"/>
+              <a:t>Write a PHP script to connect to database and insert a new product record using HTML form and data validation.</a:t>
+            </a:r>
           </a:p>
           <a:p>
             <a:pPr marL="0" indent="0">
-              <a:spcBef>
-                <a:spcPts val="0"/>
-              </a:spcBef>
-              <a:buNone/>
-            </a:pPr>
-            <a:r>
-              <a:rPr lang="en-US" sz="2000" dirty="0"/>
-              <a:t>require '</a:t>
-            </a:r>
-            <a:r>
-              <a:rPr lang="en-US" sz="2000" dirty="0" err="1"/>
-              <a:t>config.php</a:t>
-            </a:r>
-            <a:r>
-              <a:rPr lang="en-US" sz="2000" dirty="0"/>
-              <a:t>';</a:t>
-            </a:r>
-          </a:p>
-          <a:p>
-            <a:pPr marL="0" indent="0">
-              <a:spcBef>
-                <a:spcPts val="0"/>
-              </a:spcBef>
-              <a:buNone/>
-            </a:pPr>
-            <a:endParaRPr lang="en-US" sz="2000" dirty="0"/>
-          </a:p>
-          <a:p>
-            <a:pPr marL="0" indent="0">
-              <a:spcBef>
-                <a:spcPts val="0"/>
-              </a:spcBef>
-              <a:buNone/>
-            </a:pPr>
-            <a:r>
-              <a:rPr lang="en-US" sz="2000" dirty="0"/>
-              <a:t>$</a:t>
-            </a:r>
-            <a:r>
-              <a:rPr lang="en-US" sz="2000" dirty="0" err="1"/>
-              <a:t>dsn</a:t>
-            </a:r>
-            <a:r>
-              <a:rPr lang="en-US" sz="2000" dirty="0"/>
-              <a:t> = "</a:t>
-            </a:r>
-            <a:r>
-              <a:rPr lang="en-US" sz="2000" dirty="0" err="1"/>
-              <a:t>mysql:host</a:t>
-            </a:r>
-            <a:r>
-              <a:rPr lang="en-US" sz="2000" dirty="0"/>
-              <a:t>=$</a:t>
-            </a:r>
-            <a:r>
-              <a:rPr lang="en-US" sz="2000" dirty="0" err="1"/>
-              <a:t>host;dbname</a:t>
-            </a:r>
-            <a:r>
-              <a:rPr lang="en-US" sz="2000" dirty="0"/>
-              <a:t>=$</a:t>
-            </a:r>
-            <a:r>
-              <a:rPr lang="en-US" sz="2000" dirty="0" err="1"/>
-              <a:t>db;charset</a:t>
-            </a:r>
-            <a:r>
-              <a:rPr lang="en-US" sz="2000" dirty="0"/>
-              <a:t>=UTF8";</a:t>
-            </a:r>
-          </a:p>
-          <a:p>
-            <a:pPr marL="0" indent="0">
-              <a:spcBef>
-                <a:spcPts val="0"/>
-              </a:spcBef>
-              <a:buNone/>
-            </a:pPr>
-            <a:endParaRPr lang="en-US" sz="2000" dirty="0"/>
-          </a:p>
-          <a:p>
-            <a:pPr marL="0" indent="0">
-              <a:spcBef>
-                <a:spcPts val="0"/>
-              </a:spcBef>
-              <a:buNone/>
-            </a:pPr>
-            <a:r>
-              <a:rPr lang="en-US" sz="2000" dirty="0"/>
-              <a:t>try {</a:t>
-            </a:r>
-          </a:p>
-          <a:p>
-            <a:pPr marL="0" indent="0">
-              <a:spcBef>
-                <a:spcPts val="0"/>
-              </a:spcBef>
-              <a:buNone/>
-            </a:pPr>
-            <a:r>
-              <a:rPr lang="en-US" sz="2000" dirty="0"/>
-              <a:t>	$</a:t>
-            </a:r>
-            <a:r>
-              <a:rPr lang="en-US" sz="2000" dirty="0" err="1"/>
-              <a:t>pdo</a:t>
-            </a:r>
-            <a:r>
-              <a:rPr lang="en-US" sz="2000" dirty="0"/>
-              <a:t> = new PDO($</a:t>
-            </a:r>
-            <a:r>
-              <a:rPr lang="en-US" sz="2000" dirty="0" err="1"/>
-              <a:t>dsn</a:t>
-            </a:r>
-            <a:r>
-              <a:rPr lang="en-US" sz="2000" dirty="0"/>
-              <a:t>, $user, $password);</a:t>
-            </a:r>
-          </a:p>
-          <a:p>
-            <a:pPr marL="0" indent="0">
-              <a:spcBef>
-                <a:spcPts val="0"/>
-              </a:spcBef>
-              <a:buNone/>
-            </a:pPr>
-            <a:endParaRPr lang="en-US" sz="2000" dirty="0"/>
-          </a:p>
-          <a:p>
-            <a:pPr marL="0" indent="0">
-              <a:spcBef>
-                <a:spcPts val="0"/>
-              </a:spcBef>
-              <a:buNone/>
-            </a:pPr>
-            <a:r>
-              <a:rPr lang="en-US" sz="2000" dirty="0"/>
-              <a:t>	if ($</a:t>
-            </a:r>
-            <a:r>
-              <a:rPr lang="en-US" sz="2000" dirty="0" err="1"/>
-              <a:t>pdo</a:t>
-            </a:r>
-            <a:r>
-              <a:rPr lang="en-US" sz="2000" dirty="0"/>
-              <a:t>) {</a:t>
-            </a:r>
-          </a:p>
-          <a:p>
-            <a:pPr marL="0" indent="0">
-              <a:spcBef>
-                <a:spcPts val="0"/>
-              </a:spcBef>
-              <a:buNone/>
-            </a:pPr>
-            <a:r>
-              <a:rPr lang="en-US" sz="2000" dirty="0"/>
-              <a:t>		echo "Connected to the $</a:t>
-            </a:r>
-            <a:r>
-              <a:rPr lang="en-US" sz="2000" dirty="0" err="1"/>
-              <a:t>db</a:t>
-            </a:r>
-            <a:r>
-              <a:rPr lang="en-US" sz="2000" dirty="0"/>
-              <a:t> database successfully!";</a:t>
-            </a:r>
-          </a:p>
-          <a:p>
-            <a:pPr marL="0" indent="0">
-              <a:spcBef>
-                <a:spcPts val="0"/>
-              </a:spcBef>
-              <a:buNone/>
-            </a:pPr>
-            <a:r>
-              <a:rPr lang="en-US" sz="2000" dirty="0"/>
-              <a:t>	}</a:t>
-            </a:r>
-          </a:p>
-          <a:p>
-            <a:pPr marL="0" indent="0">
-              <a:spcBef>
-                <a:spcPts val="0"/>
-              </a:spcBef>
-              <a:buNone/>
-            </a:pPr>
-            <a:r>
-              <a:rPr lang="en-US" sz="2000" dirty="0"/>
-              <a:t>} catch (</a:t>
-            </a:r>
-            <a:r>
-              <a:rPr lang="en-US" sz="2000" dirty="0" err="1"/>
-              <a:t>PDOException</a:t>
-            </a:r>
-            <a:r>
-              <a:rPr lang="en-US" sz="2000" dirty="0"/>
-              <a:t> $e) {</a:t>
-            </a:r>
-          </a:p>
-          <a:p>
-            <a:pPr marL="0" indent="0">
-              <a:spcBef>
-                <a:spcPts val="0"/>
-              </a:spcBef>
-              <a:buNone/>
-            </a:pPr>
-            <a:r>
-              <a:rPr lang="en-US" sz="2000" dirty="0"/>
-              <a:t>	echo $e-&gt;</a:t>
-            </a:r>
-            <a:r>
-              <a:rPr lang="en-US" sz="2000" dirty="0" err="1"/>
-              <a:t>getMessage</a:t>
-            </a:r>
-            <a:r>
-              <a:rPr lang="en-US" sz="2000" dirty="0"/>
-              <a:t>();</a:t>
-            </a:r>
-          </a:p>
-          <a:p>
-            <a:pPr marL="0" indent="0">
-              <a:spcBef>
-                <a:spcPts val="0"/>
-              </a:spcBef>
-              <a:buNone/>
-            </a:pPr>
-            <a:r>
-              <a:rPr lang="en-US" sz="2000" dirty="0"/>
-              <a:t>}</a:t>
+              <a:buNone/>
+            </a:pPr>
+            <a:endParaRPr lang="en-US" sz="2800" dirty="0"/>
+          </a:p>
+          <a:p>
+            <a:r>
+              <a:rPr lang="en-US" sz="2800" dirty="0"/>
+              <a:t>See it on </a:t>
+            </a:r>
+            <a:r>
+              <a:rPr lang="en-US" sz="2800" b="1" dirty="0"/>
+              <a:t>GitHub</a:t>
             </a:r>
           </a:p>
         </p:txBody>
@@ -12251,7 +14296,7 @@
           <p:cNvPr id="4" name="Date Placeholder 3">
             <a:extLst>
               <a:ext uri="{FF2B5EF4-FFF2-40B4-BE49-F238E27FC236}">
-                <a16:creationId xmlns:a16="http://schemas.microsoft.com/office/drawing/2014/main" id="{F596DD99-7CFA-4427-ADD9-E7969A4D50A4}"/>
+                <a16:creationId xmlns:a16="http://schemas.microsoft.com/office/drawing/2014/main" id="{C00B316C-9F11-41E1-A762-AB675A00184F}"/>
               </a:ext>
             </a:extLst>
           </p:cNvPr>
@@ -12283,7 +14328,7 @@
           <p:cNvPr id="5" name="Footer Placeholder 4">
             <a:extLst>
               <a:ext uri="{FF2B5EF4-FFF2-40B4-BE49-F238E27FC236}">
-                <a16:creationId xmlns:a16="http://schemas.microsoft.com/office/drawing/2014/main" id="{1A099548-54F0-4C30-B77F-5B66D68B4F18}"/>
+                <a16:creationId xmlns:a16="http://schemas.microsoft.com/office/drawing/2014/main" id="{A60E06D2-84AD-485E-BBDA-DEA27B153696}"/>
               </a:ext>
             </a:extLst>
           </p:cNvPr>
@@ -12314,7 +14359,7 @@
           <p:cNvPr id="6" name="Slide Number Placeholder 5">
             <a:extLst>
               <a:ext uri="{FF2B5EF4-FFF2-40B4-BE49-F238E27FC236}">
-                <a16:creationId xmlns:a16="http://schemas.microsoft.com/office/drawing/2014/main" id="{3439C147-E048-4059-8152-91782B79C783}"/>
+                <a16:creationId xmlns:a16="http://schemas.microsoft.com/office/drawing/2014/main" id="{919794D0-75F6-4155-9A00-30BD0E3E01D9}"/>
               </a:ext>
             </a:extLst>
           </p:cNvPr>
@@ -12349,7 +14394,7 @@
     </p:spTree>
     <p:extLst>
       <p:ext uri="{BB962C8B-B14F-4D97-AF65-F5344CB8AC3E}">
-        <p14:creationId xmlns:p14="http://schemas.microsoft.com/office/powerpoint/2010/main" val="1927694663"/>
+        <p14:creationId xmlns:p14="http://schemas.microsoft.com/office/powerpoint/2010/main" val="3985441605"/>
       </p:ext>
     </p:extLst>
   </p:cSld>
@@ -12381,7 +14426,7 @@
           <p:cNvPr id="2" name="Title 1">
             <a:extLst>
               <a:ext uri="{FF2B5EF4-FFF2-40B4-BE49-F238E27FC236}">
-                <a16:creationId xmlns:a16="http://schemas.microsoft.com/office/drawing/2014/main" id="{B7DFE66F-3CE0-4FE7-995E-C0C7809E2484}"/>
+                <a16:creationId xmlns:a16="http://schemas.microsoft.com/office/drawing/2014/main" id="{35F12707-114E-48E3-BA30-AC4EE3B748C6}"/>
               </a:ext>
             </a:extLst>
           </p:cNvPr>
@@ -12398,9 +14443,14 @@
           <a:lstStyle/>
           <a:p>
             <a:r>
-              <a:rPr lang="en-US" dirty="0"/>
-              <a:t>Fetch Some Data</a:t>
-            </a:r>
+              <a:rPr lang="en-US" b="1" dirty="0">
+                <a:solidFill>
+                  <a:srgbClr val="0033CC"/>
+                </a:solidFill>
+              </a:rPr>
+              <a:t>#Example 4-7</a:t>
+            </a:r>
+            <a:endParaRPr lang="en-US" dirty="0"/>
           </a:p>
         </p:txBody>
       </p:sp>
@@ -12409,7 +14459,7 @@
           <p:cNvPr id="3" name="Content Placeholder 2">
             <a:extLst>
               <a:ext uri="{FF2B5EF4-FFF2-40B4-BE49-F238E27FC236}">
-                <a16:creationId xmlns:a16="http://schemas.microsoft.com/office/drawing/2014/main" id="{2E4B5521-59A6-4832-AF82-63617841EE61}"/>
+                <a16:creationId xmlns:a16="http://schemas.microsoft.com/office/drawing/2014/main" id="{138B178F-A9B2-4F67-8C6E-F193C7296979}"/>
               </a:ext>
             </a:extLst>
           </p:cNvPr>
@@ -12425,9 +14475,37 @@
           <a:bodyPr/>
           <a:lstStyle/>
           <a:p>
-            <a:r>
-              <a:rPr lang="en-US" dirty="0"/>
-              <a:t>Get data by id in URL</a:t>
+            <a:pPr marL="0" indent="0">
+              <a:buNone/>
+            </a:pPr>
+            <a:r>
+              <a:rPr lang="en-US" sz="2800" b="1" dirty="0"/>
+              <a:t>Requirements:</a:t>
+            </a:r>
+          </a:p>
+          <a:p>
+            <a:pPr marL="0" indent="0">
+              <a:buNone/>
+            </a:pPr>
+            <a:r>
+              <a:rPr lang="en-US" sz="2800" dirty="0"/>
+              <a:t>Write a PHP script to connect to database and show all products table records with update button to update a selected product record using HTML form and data validation.</a:t>
+            </a:r>
+          </a:p>
+          <a:p>
+            <a:pPr marL="0" indent="0">
+              <a:buNone/>
+            </a:pPr>
+            <a:endParaRPr lang="en-US" sz="2800" dirty="0"/>
+          </a:p>
+          <a:p>
+            <a:r>
+              <a:rPr lang="en-US" sz="2800" dirty="0"/>
+              <a:t>See it on </a:t>
+            </a:r>
+            <a:r>
+              <a:rPr lang="en-US" sz="2800" b="1" dirty="0"/>
+              <a:t>GitHub</a:t>
             </a:r>
           </a:p>
         </p:txBody>
@@ -12437,7 +14515,7 @@
           <p:cNvPr id="4" name="Date Placeholder 3">
             <a:extLst>
               <a:ext uri="{FF2B5EF4-FFF2-40B4-BE49-F238E27FC236}">
-                <a16:creationId xmlns:a16="http://schemas.microsoft.com/office/drawing/2014/main" id="{B719BC38-20E0-49DF-A6AD-3D7035714568}"/>
+                <a16:creationId xmlns:a16="http://schemas.microsoft.com/office/drawing/2014/main" id="{C00B316C-9F11-41E1-A762-AB675A00184F}"/>
               </a:ext>
             </a:extLst>
           </p:cNvPr>
@@ -12469,7 +14547,7 @@
           <p:cNvPr id="5" name="Footer Placeholder 4">
             <a:extLst>
               <a:ext uri="{FF2B5EF4-FFF2-40B4-BE49-F238E27FC236}">
-                <a16:creationId xmlns:a16="http://schemas.microsoft.com/office/drawing/2014/main" id="{F3E45C0B-2BE8-41F5-916B-B706028EE2AE}"/>
+                <a16:creationId xmlns:a16="http://schemas.microsoft.com/office/drawing/2014/main" id="{A60E06D2-84AD-485E-BBDA-DEA27B153696}"/>
               </a:ext>
             </a:extLst>
           </p:cNvPr>
@@ -12500,7 +14578,7 @@
           <p:cNvPr id="6" name="Slide Number Placeholder 5">
             <a:extLst>
               <a:ext uri="{FF2B5EF4-FFF2-40B4-BE49-F238E27FC236}">
-                <a16:creationId xmlns:a16="http://schemas.microsoft.com/office/drawing/2014/main" id="{D5BB8C39-91C7-4E9B-8A7B-5AFC2DF97B04}"/>
+                <a16:creationId xmlns:a16="http://schemas.microsoft.com/office/drawing/2014/main" id="{919794D0-75F6-4155-9A00-30BD0E3E01D9}"/>
               </a:ext>
             </a:extLst>
           </p:cNvPr>
@@ -12535,7 +14613,7 @@
     </p:spTree>
     <p:extLst>
       <p:ext uri="{BB962C8B-B14F-4D97-AF65-F5344CB8AC3E}">
-        <p14:creationId xmlns:p14="http://schemas.microsoft.com/office/powerpoint/2010/main" val="2004607647"/>
+        <p14:creationId xmlns:p14="http://schemas.microsoft.com/office/powerpoint/2010/main" val="3651151462"/>
       </p:ext>
     </p:extLst>
   </p:cSld>
@@ -12564,6 +14642,1737 @@
       </p:grpSpPr>
       <p:sp>
         <p:nvSpPr>
+          <p:cNvPr id="2" name="Title 1">
+            <a:extLst>
+              <a:ext uri="{FF2B5EF4-FFF2-40B4-BE49-F238E27FC236}">
+                <a16:creationId xmlns:a16="http://schemas.microsoft.com/office/drawing/2014/main" id="{D8027D32-8250-488A-8165-FDF5598269A8}"/>
+              </a:ext>
+            </a:extLst>
+          </p:cNvPr>
+          <p:cNvSpPr>
+            <a:spLocks noGrp="1"/>
+          </p:cNvSpPr>
+          <p:nvPr>
+            <p:ph type="title"/>
+          </p:nvPr>
+        </p:nvSpPr>
+        <p:spPr/>
+        <p:txBody>
+          <a:bodyPr/>
+          <a:lstStyle/>
+          <a:p>
+            <a:r>
+              <a:rPr lang="en-US" dirty="0"/>
+              <a:t>DELETE Data</a:t>
+            </a:r>
+          </a:p>
+        </p:txBody>
+      </p:sp>
+      <p:sp>
+        <p:nvSpPr>
+          <p:cNvPr id="3" name="Content Placeholder 2">
+            <a:extLst>
+              <a:ext uri="{FF2B5EF4-FFF2-40B4-BE49-F238E27FC236}">
+                <a16:creationId xmlns:a16="http://schemas.microsoft.com/office/drawing/2014/main" id="{7285B70D-73D8-4164-93C5-6D0FED2C6A47}"/>
+              </a:ext>
+            </a:extLst>
+          </p:cNvPr>
+          <p:cNvSpPr>
+            <a:spLocks noGrp="1"/>
+          </p:cNvSpPr>
+          <p:nvPr>
+            <p:ph idx="1"/>
+          </p:nvPr>
+        </p:nvSpPr>
+        <p:spPr/>
+        <p:txBody>
+          <a:bodyPr/>
+          <a:lstStyle/>
+          <a:p>
+            <a:pPr marL="0" indent="0">
+              <a:buNone/>
+            </a:pPr>
+            <a:r>
+              <a:rPr lang="en-US" sz="2000" dirty="0">
+                <a:solidFill>
+                  <a:srgbClr val="7030A0"/>
+                </a:solidFill>
+              </a:rPr>
+              <a:t> //Update record 5</a:t>
+            </a:r>
+          </a:p>
+          <a:p>
+            <a:pPr marL="0" indent="0">
+              <a:buNone/>
+            </a:pPr>
+            <a:r>
+              <a:rPr lang="en-US" sz="2000" dirty="0"/>
+              <a:t>    $id = 5;</a:t>
+            </a:r>
+          </a:p>
+          <a:p>
+            <a:pPr marL="0" indent="0">
+              <a:buNone/>
+            </a:pPr>
+            <a:r>
+              <a:rPr lang="en-US" sz="2000" dirty="0"/>
+              <a:t>    $</a:t>
+            </a:r>
+            <a:r>
+              <a:rPr lang="en-US" sz="2000" dirty="0" err="1"/>
+              <a:t>sql</a:t>
+            </a:r>
+            <a:r>
+              <a:rPr lang="en-US" sz="2000" dirty="0"/>
+              <a:t> = </a:t>
+            </a:r>
+            <a:r>
+              <a:rPr lang="en-US" sz="2000" dirty="0">
+                <a:solidFill>
+                  <a:srgbClr val="0033CC"/>
+                </a:solidFill>
+              </a:rPr>
+              <a:t>'UPDATE</a:t>
+            </a:r>
+            <a:r>
+              <a:rPr lang="en-US" sz="2000" dirty="0"/>
+              <a:t> products </a:t>
+            </a:r>
+            <a:r>
+              <a:rPr lang="en-US" sz="2000" dirty="0">
+                <a:solidFill>
+                  <a:srgbClr val="0033CC"/>
+                </a:solidFill>
+              </a:rPr>
+              <a:t>SET</a:t>
+            </a:r>
+            <a:r>
+              <a:rPr lang="en-US" sz="2000" dirty="0"/>
+              <a:t> name=:name, price=:price</a:t>
+            </a:r>
+          </a:p>
+          <a:p>
+            <a:pPr marL="0" indent="0">
+              <a:buNone/>
+            </a:pPr>
+            <a:r>
+              <a:rPr lang="en-US" sz="2000" dirty="0"/>
+              <a:t>    </a:t>
+            </a:r>
+            <a:r>
+              <a:rPr lang="en-US" sz="2000" dirty="0">
+                <a:solidFill>
+                  <a:srgbClr val="0033CC"/>
+                </a:solidFill>
+              </a:rPr>
+              <a:t>WHERE</a:t>
+            </a:r>
+            <a:r>
+              <a:rPr lang="en-US" sz="2000" dirty="0"/>
+              <a:t> id=:id';</a:t>
+            </a:r>
+          </a:p>
+          <a:p>
+            <a:pPr marL="0" indent="0">
+              <a:buNone/>
+            </a:pPr>
+            <a:r>
+              <a:rPr lang="en-US" sz="2000" dirty="0"/>
+              <a:t>    $statement = $</a:t>
+            </a:r>
+            <a:r>
+              <a:rPr lang="en-US" sz="2000" dirty="0" err="1"/>
+              <a:t>pdo</a:t>
+            </a:r>
+            <a:r>
+              <a:rPr lang="en-US" sz="2000" dirty="0"/>
+              <a:t>-&gt;prepare($</a:t>
+            </a:r>
+            <a:r>
+              <a:rPr lang="en-US" sz="2000" dirty="0" err="1"/>
+              <a:t>sql</a:t>
+            </a:r>
+            <a:r>
+              <a:rPr lang="en-US" sz="2000" dirty="0"/>
+              <a:t>);</a:t>
+            </a:r>
+          </a:p>
+          <a:p>
+            <a:pPr marL="0" indent="0">
+              <a:buNone/>
+            </a:pPr>
+            <a:r>
+              <a:rPr lang="en-US" sz="2000" dirty="0"/>
+              <a:t>    $res = $statement-&gt;</a:t>
+            </a:r>
+            <a:r>
+              <a:rPr lang="en-US" sz="2000" dirty="0">
+                <a:solidFill>
+                  <a:srgbClr val="0033CC"/>
+                </a:solidFill>
+              </a:rPr>
+              <a:t>execute</a:t>
+            </a:r>
+            <a:r>
+              <a:rPr lang="en-US" sz="2000" dirty="0"/>
+              <a:t>([':id' =&gt; $id, ':name' =&gt; 'Laptop 8888’,     	':price' =&gt; 7000]);</a:t>
+            </a:r>
+          </a:p>
+          <a:p>
+            <a:pPr marL="0" indent="0">
+              <a:buNone/>
+            </a:pPr>
+            <a:r>
+              <a:rPr lang="en-US" sz="2000" dirty="0"/>
+              <a:t>    </a:t>
+            </a:r>
+            <a:r>
+              <a:rPr lang="en-US" sz="2000" dirty="0">
+                <a:solidFill>
+                  <a:srgbClr val="0033CC"/>
+                </a:solidFill>
+              </a:rPr>
+              <a:t>if</a:t>
+            </a:r>
+            <a:r>
+              <a:rPr lang="en-US" sz="2000" dirty="0"/>
+              <a:t> ($res) {</a:t>
+            </a:r>
+          </a:p>
+          <a:p>
+            <a:pPr marL="0" indent="0">
+              <a:buNone/>
+            </a:pPr>
+            <a:r>
+              <a:rPr lang="en-US" sz="2000" dirty="0"/>
+              <a:t>      echo "The product $id has been updated successfully!";</a:t>
+            </a:r>
+          </a:p>
+          <a:p>
+            <a:pPr marL="0" indent="0">
+              <a:buNone/>
+            </a:pPr>
+            <a:r>
+              <a:rPr lang="en-US" sz="2000" dirty="0"/>
+              <a:t>    }</a:t>
+            </a:r>
+          </a:p>
+        </p:txBody>
+      </p:sp>
+      <p:sp>
+        <p:nvSpPr>
+          <p:cNvPr id="4" name="Date Placeholder 3">
+            <a:extLst>
+              <a:ext uri="{FF2B5EF4-FFF2-40B4-BE49-F238E27FC236}">
+                <a16:creationId xmlns:a16="http://schemas.microsoft.com/office/drawing/2014/main" id="{8476093F-0A5C-488F-AF7C-F52DC1A2285C}"/>
+              </a:ext>
+            </a:extLst>
+          </p:cNvPr>
+          <p:cNvSpPr>
+            <a:spLocks noGrp="1"/>
+          </p:cNvSpPr>
+          <p:nvPr>
+            <p:ph type="dt" sz="half" idx="10"/>
+          </p:nvPr>
+        </p:nvSpPr>
+        <p:spPr/>
+        <p:txBody>
+          <a:bodyPr/>
+          <a:lstStyle/>
+          <a:p>
+            <a:pPr>
+              <a:defRPr/>
+            </a:pPr>
+            <a:r>
+              <a:rPr lang="en-US" altLang="en-US"/>
+              <a:t>Ch 4 - Connect PHP to Database</a:t>
+            </a:r>
+            <a:endParaRPr lang="en-US" altLang="en-US" dirty="0"/>
+          </a:p>
+        </p:txBody>
+      </p:sp>
+      <p:sp>
+        <p:nvSpPr>
+          <p:cNvPr id="5" name="Footer Placeholder 4">
+            <a:extLst>
+              <a:ext uri="{FF2B5EF4-FFF2-40B4-BE49-F238E27FC236}">
+                <a16:creationId xmlns:a16="http://schemas.microsoft.com/office/drawing/2014/main" id="{280C1D1E-7A05-4EAE-A9E5-533846AE91C5}"/>
+              </a:ext>
+            </a:extLst>
+          </p:cNvPr>
+          <p:cNvSpPr>
+            <a:spLocks noGrp="1"/>
+          </p:cNvSpPr>
+          <p:nvPr>
+            <p:ph type="ftr" sz="quarter" idx="11"/>
+          </p:nvPr>
+        </p:nvSpPr>
+        <p:spPr/>
+        <p:txBody>
+          <a:bodyPr/>
+          <a:lstStyle/>
+          <a:p>
+            <a:pPr>
+              <a:defRPr/>
+            </a:pPr>
+            <a:r>
+              <a:rPr lang="en-US"/>
+              <a:t>PHP Programming | Ahmad Assaf</a:t>
+            </a:r>
+          </a:p>
+        </p:txBody>
+      </p:sp>
+      <p:sp>
+        <p:nvSpPr>
+          <p:cNvPr id="6" name="Slide Number Placeholder 5">
+            <a:extLst>
+              <a:ext uri="{FF2B5EF4-FFF2-40B4-BE49-F238E27FC236}">
+                <a16:creationId xmlns:a16="http://schemas.microsoft.com/office/drawing/2014/main" id="{A30A94AA-C698-4467-812A-2865A39C09A6}"/>
+              </a:ext>
+            </a:extLst>
+          </p:cNvPr>
+          <p:cNvSpPr>
+            <a:spLocks noGrp="1"/>
+          </p:cNvSpPr>
+          <p:nvPr>
+            <p:ph type="sldNum" sz="quarter" idx="12"/>
+          </p:nvPr>
+        </p:nvSpPr>
+        <p:spPr/>
+        <p:txBody>
+          <a:bodyPr/>
+          <a:lstStyle/>
+          <a:p>
+            <a:endParaRPr lang="en-US" altLang="en-US"/>
+          </a:p>
+          <a:p>
+            <a:r>
+              <a:rPr lang="en-US" altLang="en-US"/>
+              <a:t>Slide </a:t>
+            </a:r>
+            <a:fld id="{3846139B-482C-4487-873A-80B784CA58EF}" type="slidenum">
+              <a:rPr lang="en-US" altLang="en-US" smtClean="0"/>
+              <a:pPr/>
+              <a:t>32</a:t>
+            </a:fld>
+            <a:endParaRPr lang="en-US" altLang="en-US"/>
+          </a:p>
+        </p:txBody>
+      </p:sp>
+    </p:spTree>
+    <p:extLst>
+      <p:ext uri="{BB962C8B-B14F-4D97-AF65-F5344CB8AC3E}">
+        <p14:creationId xmlns:p14="http://schemas.microsoft.com/office/powerpoint/2010/main" val="2711312015"/>
+      </p:ext>
+    </p:extLst>
+  </p:cSld>
+  <p:clrMapOvr>
+    <a:masterClrMapping/>
+  </p:clrMapOvr>
+</p:sld>
+</file>
+
+<file path=ppt/slides/slide33.xml><?xml version="1.0" encoding="utf-8"?>
+<p:sld xmlns:a="http://schemas.openxmlformats.org/drawingml/2006/main" xmlns:r="http://schemas.openxmlformats.org/officeDocument/2006/relationships" xmlns:p="http://schemas.openxmlformats.org/presentationml/2006/main">
+  <p:cSld>
+    <p:spTree>
+      <p:nvGrpSpPr>
+        <p:cNvPr id="1" name=""/>
+        <p:cNvGrpSpPr/>
+        <p:nvPr/>
+      </p:nvGrpSpPr>
+      <p:grpSpPr>
+        <a:xfrm>
+          <a:off x="0" y="0"/>
+          <a:ext cx="0" cy="0"/>
+          <a:chOff x="0" y="0"/>
+          <a:chExt cx="0" cy="0"/>
+        </a:xfrm>
+      </p:grpSpPr>
+      <p:sp>
+        <p:nvSpPr>
+          <p:cNvPr id="2" name="Title 1">
+            <a:extLst>
+              <a:ext uri="{FF2B5EF4-FFF2-40B4-BE49-F238E27FC236}">
+                <a16:creationId xmlns:a16="http://schemas.microsoft.com/office/drawing/2014/main" id="{35F12707-114E-48E3-BA30-AC4EE3B748C6}"/>
+              </a:ext>
+            </a:extLst>
+          </p:cNvPr>
+          <p:cNvSpPr>
+            <a:spLocks noGrp="1"/>
+          </p:cNvSpPr>
+          <p:nvPr>
+            <p:ph type="title"/>
+          </p:nvPr>
+        </p:nvSpPr>
+        <p:spPr/>
+        <p:txBody>
+          <a:bodyPr/>
+          <a:lstStyle/>
+          <a:p>
+            <a:r>
+              <a:rPr lang="en-US" b="1" dirty="0">
+                <a:solidFill>
+                  <a:srgbClr val="0033CC"/>
+                </a:solidFill>
+              </a:rPr>
+              <a:t>#Example 4-8</a:t>
+            </a:r>
+            <a:endParaRPr lang="en-US" dirty="0"/>
+          </a:p>
+        </p:txBody>
+      </p:sp>
+      <p:sp>
+        <p:nvSpPr>
+          <p:cNvPr id="3" name="Content Placeholder 2">
+            <a:extLst>
+              <a:ext uri="{FF2B5EF4-FFF2-40B4-BE49-F238E27FC236}">
+                <a16:creationId xmlns:a16="http://schemas.microsoft.com/office/drawing/2014/main" id="{138B178F-A9B2-4F67-8C6E-F193C7296979}"/>
+              </a:ext>
+            </a:extLst>
+          </p:cNvPr>
+          <p:cNvSpPr>
+            <a:spLocks noGrp="1"/>
+          </p:cNvSpPr>
+          <p:nvPr>
+            <p:ph idx="1"/>
+          </p:nvPr>
+        </p:nvSpPr>
+        <p:spPr/>
+        <p:txBody>
+          <a:bodyPr/>
+          <a:lstStyle/>
+          <a:p>
+            <a:pPr marL="0" indent="0">
+              <a:buNone/>
+            </a:pPr>
+            <a:r>
+              <a:rPr lang="en-US" sz="2800" b="1" dirty="0"/>
+              <a:t>Requirements:</a:t>
+            </a:r>
+          </a:p>
+          <a:p>
+            <a:pPr marL="0" indent="0">
+              <a:buNone/>
+            </a:pPr>
+            <a:r>
+              <a:rPr lang="en-US" sz="2800" dirty="0"/>
+              <a:t>Write a PHP script to connect to database and show all products table records with delete button for each record to delete the record when the button have been pressed.</a:t>
+            </a:r>
+          </a:p>
+          <a:p>
+            <a:pPr marL="0" indent="0">
+              <a:buNone/>
+            </a:pPr>
+            <a:endParaRPr lang="en-US" sz="2800" dirty="0"/>
+          </a:p>
+          <a:p>
+            <a:r>
+              <a:rPr lang="en-US" sz="2800" dirty="0"/>
+              <a:t>See it on </a:t>
+            </a:r>
+            <a:r>
+              <a:rPr lang="en-US" sz="2800" b="1" dirty="0"/>
+              <a:t>GitHub</a:t>
+            </a:r>
+          </a:p>
+        </p:txBody>
+      </p:sp>
+      <p:sp>
+        <p:nvSpPr>
+          <p:cNvPr id="4" name="Date Placeholder 3">
+            <a:extLst>
+              <a:ext uri="{FF2B5EF4-FFF2-40B4-BE49-F238E27FC236}">
+                <a16:creationId xmlns:a16="http://schemas.microsoft.com/office/drawing/2014/main" id="{C00B316C-9F11-41E1-A762-AB675A00184F}"/>
+              </a:ext>
+            </a:extLst>
+          </p:cNvPr>
+          <p:cNvSpPr>
+            <a:spLocks noGrp="1"/>
+          </p:cNvSpPr>
+          <p:nvPr>
+            <p:ph type="dt" sz="half" idx="10"/>
+          </p:nvPr>
+        </p:nvSpPr>
+        <p:spPr/>
+        <p:txBody>
+          <a:bodyPr/>
+          <a:lstStyle/>
+          <a:p>
+            <a:pPr>
+              <a:defRPr/>
+            </a:pPr>
+            <a:r>
+              <a:rPr lang="en-US" altLang="en-US"/>
+              <a:t>Ch 4 - Connect PHP to Database</a:t>
+            </a:r>
+            <a:endParaRPr lang="en-US" altLang="en-US" dirty="0"/>
+          </a:p>
+        </p:txBody>
+      </p:sp>
+      <p:sp>
+        <p:nvSpPr>
+          <p:cNvPr id="5" name="Footer Placeholder 4">
+            <a:extLst>
+              <a:ext uri="{FF2B5EF4-FFF2-40B4-BE49-F238E27FC236}">
+                <a16:creationId xmlns:a16="http://schemas.microsoft.com/office/drawing/2014/main" id="{A60E06D2-84AD-485E-BBDA-DEA27B153696}"/>
+              </a:ext>
+            </a:extLst>
+          </p:cNvPr>
+          <p:cNvSpPr>
+            <a:spLocks noGrp="1"/>
+          </p:cNvSpPr>
+          <p:nvPr>
+            <p:ph type="ftr" sz="quarter" idx="11"/>
+          </p:nvPr>
+        </p:nvSpPr>
+        <p:spPr/>
+        <p:txBody>
+          <a:bodyPr/>
+          <a:lstStyle/>
+          <a:p>
+            <a:pPr>
+              <a:defRPr/>
+            </a:pPr>
+            <a:r>
+              <a:rPr lang="en-US"/>
+              <a:t>PHP Programming | Ahmad Assaf</a:t>
+            </a:r>
+          </a:p>
+        </p:txBody>
+      </p:sp>
+      <p:sp>
+        <p:nvSpPr>
+          <p:cNvPr id="6" name="Slide Number Placeholder 5">
+            <a:extLst>
+              <a:ext uri="{FF2B5EF4-FFF2-40B4-BE49-F238E27FC236}">
+                <a16:creationId xmlns:a16="http://schemas.microsoft.com/office/drawing/2014/main" id="{919794D0-75F6-4155-9A00-30BD0E3E01D9}"/>
+              </a:ext>
+            </a:extLst>
+          </p:cNvPr>
+          <p:cNvSpPr>
+            <a:spLocks noGrp="1"/>
+          </p:cNvSpPr>
+          <p:nvPr>
+            <p:ph type="sldNum" sz="quarter" idx="12"/>
+          </p:nvPr>
+        </p:nvSpPr>
+        <p:spPr/>
+        <p:txBody>
+          <a:bodyPr/>
+          <a:lstStyle/>
+          <a:p>
+            <a:endParaRPr lang="en-US" altLang="en-US"/>
+          </a:p>
+          <a:p>
+            <a:r>
+              <a:rPr lang="en-US" altLang="en-US"/>
+              <a:t>Slide </a:t>
+            </a:r>
+            <a:fld id="{3846139B-482C-4487-873A-80B784CA58EF}" type="slidenum">
+              <a:rPr lang="en-US" altLang="en-US" smtClean="0"/>
+              <a:pPr/>
+              <a:t>33</a:t>
+            </a:fld>
+            <a:endParaRPr lang="en-US" altLang="en-US"/>
+          </a:p>
+        </p:txBody>
+      </p:sp>
+    </p:spTree>
+    <p:extLst>
+      <p:ext uri="{BB962C8B-B14F-4D97-AF65-F5344CB8AC3E}">
+        <p14:creationId xmlns:p14="http://schemas.microsoft.com/office/powerpoint/2010/main" val="501000930"/>
+      </p:ext>
+    </p:extLst>
+  </p:cSld>
+  <p:clrMapOvr>
+    <a:masterClrMapping/>
+  </p:clrMapOvr>
+</p:sld>
+</file>
+
+<file path=ppt/slides/slide34.xml><?xml version="1.0" encoding="utf-8"?>
+<p:sld xmlns:a="http://schemas.openxmlformats.org/drawingml/2006/main" xmlns:r="http://schemas.openxmlformats.org/officeDocument/2006/relationships" xmlns:p="http://schemas.openxmlformats.org/presentationml/2006/main">
+  <p:cSld>
+    <p:spTree>
+      <p:nvGrpSpPr>
+        <p:cNvPr id="1" name=""/>
+        <p:cNvGrpSpPr/>
+        <p:nvPr/>
+      </p:nvGrpSpPr>
+      <p:grpSpPr>
+        <a:xfrm>
+          <a:off x="0" y="0"/>
+          <a:ext cx="0" cy="0"/>
+          <a:chOff x="0" y="0"/>
+          <a:chExt cx="0" cy="0"/>
+        </a:xfrm>
+      </p:grpSpPr>
+      <p:sp>
+        <p:nvSpPr>
+          <p:cNvPr id="2" name="Title 1">
+            <a:extLst>
+              <a:ext uri="{FF2B5EF4-FFF2-40B4-BE49-F238E27FC236}">
+                <a16:creationId xmlns:a16="http://schemas.microsoft.com/office/drawing/2014/main" id="{16BCBA9D-4A19-41BD-BE8E-D69F349171EC}"/>
+              </a:ext>
+            </a:extLst>
+          </p:cNvPr>
+          <p:cNvSpPr>
+            <a:spLocks noGrp="1"/>
+          </p:cNvSpPr>
+          <p:nvPr>
+            <p:ph type="title"/>
+          </p:nvPr>
+        </p:nvSpPr>
+        <p:spPr/>
+        <p:txBody>
+          <a:bodyPr/>
+          <a:lstStyle/>
+          <a:p>
+            <a:r>
+              <a:rPr lang="en-US" dirty="0"/>
+              <a:t>#Example 4-9 </a:t>
+            </a:r>
+          </a:p>
+        </p:txBody>
+      </p:sp>
+      <p:sp>
+        <p:nvSpPr>
+          <p:cNvPr id="3" name="Content Placeholder 2">
+            <a:extLst>
+              <a:ext uri="{FF2B5EF4-FFF2-40B4-BE49-F238E27FC236}">
+                <a16:creationId xmlns:a16="http://schemas.microsoft.com/office/drawing/2014/main" id="{2F0B40C9-22F0-47FC-9AA3-967FE3407BAE}"/>
+              </a:ext>
+            </a:extLst>
+          </p:cNvPr>
+          <p:cNvSpPr>
+            <a:spLocks noGrp="1"/>
+          </p:cNvSpPr>
+          <p:nvPr>
+            <p:ph idx="1"/>
+          </p:nvPr>
+        </p:nvSpPr>
+        <p:spPr/>
+        <p:txBody>
+          <a:bodyPr/>
+          <a:lstStyle/>
+          <a:p>
+            <a:r>
+              <a:rPr lang="en-US" sz="2800" dirty="0"/>
+              <a:t>Visit and review news websites and make analysis to do:</a:t>
+            </a:r>
+          </a:p>
+          <a:p>
+            <a:pPr marL="514350" indent="-514350">
+              <a:buFont typeface="+mj-lt"/>
+              <a:buAutoNum type="arabicPeriod"/>
+            </a:pPr>
+            <a:r>
+              <a:rPr lang="en-US" sz="2800" dirty="0"/>
+              <a:t>Write requirements to have similar news website</a:t>
+            </a:r>
+          </a:p>
+          <a:p>
+            <a:pPr marL="514350" indent="-514350">
+              <a:buFont typeface="+mj-lt"/>
+              <a:buAutoNum type="arabicPeriod"/>
+            </a:pPr>
+            <a:r>
+              <a:rPr lang="en-US" sz="2800" dirty="0"/>
+              <a:t>Design and build a database</a:t>
+            </a:r>
+          </a:p>
+          <a:p>
+            <a:pPr marL="514350" indent="-514350">
+              <a:buFont typeface="+mj-lt"/>
+              <a:buAutoNum type="arabicPeriod"/>
+            </a:pPr>
+            <a:r>
+              <a:rPr lang="en-US" sz="2800" dirty="0"/>
+              <a:t>Build a CRUD system for the news portal</a:t>
+            </a:r>
+          </a:p>
+        </p:txBody>
+      </p:sp>
+      <p:sp>
+        <p:nvSpPr>
+          <p:cNvPr id="4" name="Date Placeholder 3">
+            <a:extLst>
+              <a:ext uri="{FF2B5EF4-FFF2-40B4-BE49-F238E27FC236}">
+                <a16:creationId xmlns:a16="http://schemas.microsoft.com/office/drawing/2014/main" id="{18664107-C3FD-4D9D-A14C-03F532BC4EE5}"/>
+              </a:ext>
+            </a:extLst>
+          </p:cNvPr>
+          <p:cNvSpPr>
+            <a:spLocks noGrp="1"/>
+          </p:cNvSpPr>
+          <p:nvPr>
+            <p:ph type="dt" sz="half" idx="10"/>
+          </p:nvPr>
+        </p:nvSpPr>
+        <p:spPr/>
+        <p:txBody>
+          <a:bodyPr/>
+          <a:lstStyle/>
+          <a:p>
+            <a:pPr>
+              <a:defRPr/>
+            </a:pPr>
+            <a:r>
+              <a:rPr lang="en-US" altLang="en-US"/>
+              <a:t>Ch 4 - Connect PHP to Database</a:t>
+            </a:r>
+            <a:endParaRPr lang="en-US" altLang="en-US" dirty="0"/>
+          </a:p>
+        </p:txBody>
+      </p:sp>
+      <p:sp>
+        <p:nvSpPr>
+          <p:cNvPr id="5" name="Footer Placeholder 4">
+            <a:extLst>
+              <a:ext uri="{FF2B5EF4-FFF2-40B4-BE49-F238E27FC236}">
+                <a16:creationId xmlns:a16="http://schemas.microsoft.com/office/drawing/2014/main" id="{646DA357-09D7-4817-9D7D-3591A1AA6194}"/>
+              </a:ext>
+            </a:extLst>
+          </p:cNvPr>
+          <p:cNvSpPr>
+            <a:spLocks noGrp="1"/>
+          </p:cNvSpPr>
+          <p:nvPr>
+            <p:ph type="ftr" sz="quarter" idx="11"/>
+          </p:nvPr>
+        </p:nvSpPr>
+        <p:spPr/>
+        <p:txBody>
+          <a:bodyPr/>
+          <a:lstStyle/>
+          <a:p>
+            <a:pPr>
+              <a:defRPr/>
+            </a:pPr>
+            <a:r>
+              <a:rPr lang="en-US"/>
+              <a:t>PHP Programming | Ahmad Assaf</a:t>
+            </a:r>
+          </a:p>
+        </p:txBody>
+      </p:sp>
+      <p:sp>
+        <p:nvSpPr>
+          <p:cNvPr id="6" name="Slide Number Placeholder 5">
+            <a:extLst>
+              <a:ext uri="{FF2B5EF4-FFF2-40B4-BE49-F238E27FC236}">
+                <a16:creationId xmlns:a16="http://schemas.microsoft.com/office/drawing/2014/main" id="{E816EE60-DCA6-447F-B315-BCBEC628EEB0}"/>
+              </a:ext>
+            </a:extLst>
+          </p:cNvPr>
+          <p:cNvSpPr>
+            <a:spLocks noGrp="1"/>
+          </p:cNvSpPr>
+          <p:nvPr>
+            <p:ph type="sldNum" sz="quarter" idx="12"/>
+          </p:nvPr>
+        </p:nvSpPr>
+        <p:spPr/>
+        <p:txBody>
+          <a:bodyPr/>
+          <a:lstStyle/>
+          <a:p>
+            <a:endParaRPr lang="en-US" altLang="en-US"/>
+          </a:p>
+          <a:p>
+            <a:r>
+              <a:rPr lang="en-US" altLang="en-US"/>
+              <a:t>Slide </a:t>
+            </a:r>
+            <a:fld id="{3846139B-482C-4487-873A-80B784CA58EF}" type="slidenum">
+              <a:rPr lang="en-US" altLang="en-US" smtClean="0"/>
+              <a:pPr/>
+              <a:t>34</a:t>
+            </a:fld>
+            <a:endParaRPr lang="en-US" altLang="en-US"/>
+          </a:p>
+        </p:txBody>
+      </p:sp>
+    </p:spTree>
+    <p:extLst>
+      <p:ext uri="{BB962C8B-B14F-4D97-AF65-F5344CB8AC3E}">
+        <p14:creationId xmlns:p14="http://schemas.microsoft.com/office/powerpoint/2010/main" val="1016149417"/>
+      </p:ext>
+    </p:extLst>
+  </p:cSld>
+  <p:clrMapOvr>
+    <a:masterClrMapping/>
+  </p:clrMapOvr>
+</p:sld>
+</file>
+
+<file path=ppt/slides/slide35.xml><?xml version="1.0" encoding="utf-8"?>
+<p:sld xmlns:a="http://schemas.openxmlformats.org/drawingml/2006/main" xmlns:r="http://schemas.openxmlformats.org/officeDocument/2006/relationships" xmlns:p="http://schemas.openxmlformats.org/presentationml/2006/main">
+  <p:cSld>
+    <p:spTree>
+      <p:nvGrpSpPr>
+        <p:cNvPr id="1" name=""/>
+        <p:cNvGrpSpPr/>
+        <p:nvPr/>
+      </p:nvGrpSpPr>
+      <p:grpSpPr>
+        <a:xfrm>
+          <a:off x="0" y="0"/>
+          <a:ext cx="0" cy="0"/>
+          <a:chOff x="0" y="0"/>
+          <a:chExt cx="0" cy="0"/>
+        </a:xfrm>
+      </p:grpSpPr>
+      <p:sp>
+        <p:nvSpPr>
+          <p:cNvPr id="2" name="Title 1">
+            <a:extLst>
+              <a:ext uri="{FF2B5EF4-FFF2-40B4-BE49-F238E27FC236}">
+                <a16:creationId xmlns:a16="http://schemas.microsoft.com/office/drawing/2014/main" id="{F89016AC-73C8-4CE2-B9A7-CCA7304B3385}"/>
+              </a:ext>
+            </a:extLst>
+          </p:cNvPr>
+          <p:cNvSpPr>
+            <a:spLocks noGrp="1"/>
+          </p:cNvSpPr>
+          <p:nvPr>
+            <p:ph type="title"/>
+          </p:nvPr>
+        </p:nvSpPr>
+        <p:spPr/>
+        <p:txBody>
+          <a:bodyPr/>
+          <a:lstStyle/>
+          <a:p>
+            <a:r>
+              <a:rPr lang="en-US" dirty="0" err="1"/>
+              <a:t>config.php</a:t>
+            </a:r>
+            <a:r>
+              <a:rPr lang="en-US" dirty="0"/>
+              <a:t> file</a:t>
+            </a:r>
+          </a:p>
+        </p:txBody>
+      </p:sp>
+      <p:sp>
+        <p:nvSpPr>
+          <p:cNvPr id="3" name="Content Placeholder 2">
+            <a:extLst>
+              <a:ext uri="{FF2B5EF4-FFF2-40B4-BE49-F238E27FC236}">
+                <a16:creationId xmlns:a16="http://schemas.microsoft.com/office/drawing/2014/main" id="{2CC3E9C6-8C6A-4036-A210-D86BFA893EAD}"/>
+              </a:ext>
+            </a:extLst>
+          </p:cNvPr>
+          <p:cNvSpPr>
+            <a:spLocks noGrp="1"/>
+          </p:cNvSpPr>
+          <p:nvPr>
+            <p:ph idx="1"/>
+          </p:nvPr>
+        </p:nvSpPr>
+        <p:spPr/>
+        <p:txBody>
+          <a:bodyPr/>
+          <a:lstStyle/>
+          <a:p>
+            <a:r>
+              <a:rPr lang="en-US" sz="2000" dirty="0"/>
+              <a:t>In PHP, you can create a </a:t>
+            </a:r>
+            <a:r>
+              <a:rPr lang="en-US" sz="2000" dirty="0" err="1"/>
+              <a:t>config.php</a:t>
+            </a:r>
+            <a:r>
+              <a:rPr lang="en-US" sz="2000" dirty="0"/>
+              <a:t> file and place the database parameters:</a:t>
+            </a:r>
+          </a:p>
+          <a:p>
+            <a:endParaRPr lang="en-US" sz="2000" dirty="0"/>
+          </a:p>
+          <a:p>
+            <a:pPr marL="0" indent="0">
+              <a:buNone/>
+            </a:pPr>
+            <a:r>
+              <a:rPr lang="en-US" sz="2000" dirty="0">
+                <a:solidFill>
+                  <a:srgbClr val="0033CC"/>
+                </a:solidFill>
+              </a:rPr>
+              <a:t>&lt;?php</a:t>
+            </a:r>
+          </a:p>
+          <a:p>
+            <a:pPr marL="0" indent="0">
+              <a:buNone/>
+            </a:pPr>
+            <a:r>
+              <a:rPr lang="en-US" sz="2000" dirty="0"/>
+              <a:t>$host = 'localhost';</a:t>
+            </a:r>
+          </a:p>
+          <a:p>
+            <a:pPr marL="0" indent="0">
+              <a:buNone/>
+            </a:pPr>
+            <a:r>
+              <a:rPr lang="en-US" sz="2000" dirty="0"/>
+              <a:t>$</a:t>
+            </a:r>
+            <a:r>
+              <a:rPr lang="en-US" sz="2000" dirty="0" err="1"/>
+              <a:t>db</a:t>
+            </a:r>
+            <a:r>
+              <a:rPr lang="en-US" sz="2000" dirty="0"/>
+              <a:t> = '</a:t>
+            </a:r>
+            <a:r>
+              <a:rPr lang="en-US" sz="2000" dirty="0" err="1"/>
+              <a:t>bookdb</a:t>
+            </a:r>
+            <a:r>
+              <a:rPr lang="en-US" sz="2000" dirty="0"/>
+              <a:t>';</a:t>
+            </a:r>
+          </a:p>
+          <a:p>
+            <a:pPr marL="0" indent="0">
+              <a:buNone/>
+            </a:pPr>
+            <a:r>
+              <a:rPr lang="en-US" sz="2000" dirty="0"/>
+              <a:t>$user = 'root';</a:t>
+            </a:r>
+          </a:p>
+          <a:p>
+            <a:pPr marL="0" indent="0">
+              <a:buNone/>
+            </a:pPr>
+            <a:r>
+              <a:rPr lang="en-US" sz="2000" dirty="0"/>
+              <a:t>$password = 'S@cr@t1!’;</a:t>
+            </a:r>
+          </a:p>
+          <a:p>
+            <a:pPr marL="0" indent="0">
+              <a:buNone/>
+            </a:pPr>
+            <a:r>
+              <a:rPr lang="en-US" sz="2000" dirty="0">
+                <a:solidFill>
+                  <a:srgbClr val="0033CC"/>
+                </a:solidFill>
+              </a:rPr>
+              <a:t>?&gt;</a:t>
+            </a:r>
+          </a:p>
+          <a:p>
+            <a:pPr marL="0" indent="0">
+              <a:buNone/>
+            </a:pPr>
+            <a:r>
+              <a:rPr lang="en-US" sz="2000" dirty="0">
+                <a:solidFill>
+                  <a:srgbClr val="7030A0"/>
+                </a:solidFill>
+              </a:rPr>
+              <a:t>//then in any PHP file write</a:t>
+            </a:r>
+          </a:p>
+          <a:p>
+            <a:pPr marL="0" indent="0">
+              <a:buNone/>
+            </a:pPr>
+            <a:r>
+              <a:rPr lang="en-US" sz="2000" dirty="0">
+                <a:solidFill>
+                  <a:srgbClr val="0033CC"/>
+                </a:solidFill>
+              </a:rPr>
+              <a:t>require</a:t>
+            </a:r>
+            <a:r>
+              <a:rPr lang="en-US" sz="2000" dirty="0"/>
+              <a:t> '</a:t>
+            </a:r>
+            <a:r>
+              <a:rPr lang="en-US" sz="2000" dirty="0" err="1"/>
+              <a:t>config.php</a:t>
+            </a:r>
+            <a:r>
+              <a:rPr lang="en-US" sz="2000" dirty="0"/>
+              <a:t>';</a:t>
+            </a:r>
+          </a:p>
+        </p:txBody>
+      </p:sp>
+      <p:sp>
+        <p:nvSpPr>
+          <p:cNvPr id="4" name="Date Placeholder 3">
+            <a:extLst>
+              <a:ext uri="{FF2B5EF4-FFF2-40B4-BE49-F238E27FC236}">
+                <a16:creationId xmlns:a16="http://schemas.microsoft.com/office/drawing/2014/main" id="{9CE66985-E0E7-4503-AFBC-E76C82973892}"/>
+              </a:ext>
+            </a:extLst>
+          </p:cNvPr>
+          <p:cNvSpPr>
+            <a:spLocks noGrp="1"/>
+          </p:cNvSpPr>
+          <p:nvPr>
+            <p:ph type="dt" sz="half" idx="10"/>
+          </p:nvPr>
+        </p:nvSpPr>
+        <p:spPr/>
+        <p:txBody>
+          <a:bodyPr/>
+          <a:lstStyle/>
+          <a:p>
+            <a:pPr>
+              <a:defRPr/>
+            </a:pPr>
+            <a:r>
+              <a:rPr lang="en-US" altLang="en-US"/>
+              <a:t>Ch 4 - Connect PHP to Database</a:t>
+            </a:r>
+            <a:endParaRPr lang="en-US" altLang="en-US" dirty="0"/>
+          </a:p>
+        </p:txBody>
+      </p:sp>
+      <p:sp>
+        <p:nvSpPr>
+          <p:cNvPr id="5" name="Footer Placeholder 4">
+            <a:extLst>
+              <a:ext uri="{FF2B5EF4-FFF2-40B4-BE49-F238E27FC236}">
+                <a16:creationId xmlns:a16="http://schemas.microsoft.com/office/drawing/2014/main" id="{FD42463A-16FD-4731-B270-68D6253C80D2}"/>
+              </a:ext>
+            </a:extLst>
+          </p:cNvPr>
+          <p:cNvSpPr>
+            <a:spLocks noGrp="1"/>
+          </p:cNvSpPr>
+          <p:nvPr>
+            <p:ph type="ftr" sz="quarter" idx="11"/>
+          </p:nvPr>
+        </p:nvSpPr>
+        <p:spPr/>
+        <p:txBody>
+          <a:bodyPr/>
+          <a:lstStyle/>
+          <a:p>
+            <a:pPr>
+              <a:defRPr/>
+            </a:pPr>
+            <a:r>
+              <a:rPr lang="en-US"/>
+              <a:t>PHP Programming | Ahmad Assaf</a:t>
+            </a:r>
+          </a:p>
+        </p:txBody>
+      </p:sp>
+      <p:sp>
+        <p:nvSpPr>
+          <p:cNvPr id="6" name="Slide Number Placeholder 5">
+            <a:extLst>
+              <a:ext uri="{FF2B5EF4-FFF2-40B4-BE49-F238E27FC236}">
+                <a16:creationId xmlns:a16="http://schemas.microsoft.com/office/drawing/2014/main" id="{364739F5-4E08-439E-A7E4-698C671077CE}"/>
+              </a:ext>
+            </a:extLst>
+          </p:cNvPr>
+          <p:cNvSpPr>
+            <a:spLocks noGrp="1"/>
+          </p:cNvSpPr>
+          <p:nvPr>
+            <p:ph type="sldNum" sz="quarter" idx="12"/>
+          </p:nvPr>
+        </p:nvSpPr>
+        <p:spPr/>
+        <p:txBody>
+          <a:bodyPr/>
+          <a:lstStyle/>
+          <a:p>
+            <a:endParaRPr lang="en-US" altLang="en-US"/>
+          </a:p>
+          <a:p>
+            <a:r>
+              <a:rPr lang="en-US" altLang="en-US"/>
+              <a:t>Slide </a:t>
+            </a:r>
+            <a:fld id="{3846139B-482C-4487-873A-80B784CA58EF}" type="slidenum">
+              <a:rPr lang="en-US" altLang="en-US" smtClean="0"/>
+              <a:pPr/>
+              <a:t>35</a:t>
+            </a:fld>
+            <a:endParaRPr lang="en-US" altLang="en-US"/>
+          </a:p>
+        </p:txBody>
+      </p:sp>
+    </p:spTree>
+    <p:extLst>
+      <p:ext uri="{BB962C8B-B14F-4D97-AF65-F5344CB8AC3E}">
+        <p14:creationId xmlns:p14="http://schemas.microsoft.com/office/powerpoint/2010/main" val="493670208"/>
+      </p:ext>
+    </p:extLst>
+  </p:cSld>
+  <p:clrMapOvr>
+    <a:masterClrMapping/>
+  </p:clrMapOvr>
+</p:sld>
+</file>
+
+<file path=ppt/slides/slide36.xml><?xml version="1.0" encoding="utf-8"?>
+<p:sld xmlns:a="http://schemas.openxmlformats.org/drawingml/2006/main" xmlns:r="http://schemas.openxmlformats.org/officeDocument/2006/relationships" xmlns:p="http://schemas.openxmlformats.org/presentationml/2006/main">
+  <p:cSld>
+    <p:spTree>
+      <p:nvGrpSpPr>
+        <p:cNvPr id="1" name=""/>
+        <p:cNvGrpSpPr/>
+        <p:nvPr/>
+      </p:nvGrpSpPr>
+      <p:grpSpPr>
+        <a:xfrm>
+          <a:off x="0" y="0"/>
+          <a:ext cx="0" cy="0"/>
+          <a:chOff x="0" y="0"/>
+          <a:chExt cx="0" cy="0"/>
+        </a:xfrm>
+      </p:grpSpPr>
+      <p:sp>
+        <p:nvSpPr>
+          <p:cNvPr id="2" name="Title 1">
+            <a:extLst>
+              <a:ext uri="{FF2B5EF4-FFF2-40B4-BE49-F238E27FC236}">
+                <a16:creationId xmlns:a16="http://schemas.microsoft.com/office/drawing/2014/main" id="{E7196D3D-589D-4502-BC16-BA5AA2FB28F2}"/>
+              </a:ext>
+            </a:extLst>
+          </p:cNvPr>
+          <p:cNvSpPr>
+            <a:spLocks noGrp="1"/>
+          </p:cNvSpPr>
+          <p:nvPr>
+            <p:ph type="title"/>
+          </p:nvPr>
+        </p:nvSpPr>
+        <p:spPr/>
+        <p:txBody>
+          <a:bodyPr/>
+          <a:lstStyle/>
+          <a:p>
+            <a:r>
+              <a:rPr lang="en-US" dirty="0"/>
+              <a:t>Connecting to MySQL using </a:t>
+            </a:r>
+            <a:r>
+              <a:rPr lang="en-US" dirty="0" err="1"/>
+              <a:t>config.php</a:t>
+            </a:r>
+            <a:r>
+              <a:rPr lang="en-US" dirty="0"/>
+              <a:t> file</a:t>
+            </a:r>
+          </a:p>
+        </p:txBody>
+      </p:sp>
+      <p:sp>
+        <p:nvSpPr>
+          <p:cNvPr id="3" name="Content Placeholder 2">
+            <a:extLst>
+              <a:ext uri="{FF2B5EF4-FFF2-40B4-BE49-F238E27FC236}">
+                <a16:creationId xmlns:a16="http://schemas.microsoft.com/office/drawing/2014/main" id="{390DDDD0-D59E-4949-98C1-9CECB4426A9D}"/>
+              </a:ext>
+            </a:extLst>
+          </p:cNvPr>
+          <p:cNvSpPr>
+            <a:spLocks noGrp="1"/>
+          </p:cNvSpPr>
+          <p:nvPr>
+            <p:ph idx="1"/>
+          </p:nvPr>
+        </p:nvSpPr>
+        <p:spPr/>
+        <p:txBody>
+          <a:bodyPr/>
+          <a:lstStyle/>
+          <a:p>
+            <a:pPr marL="0" indent="0">
+              <a:spcBef>
+                <a:spcPts val="0"/>
+              </a:spcBef>
+              <a:buNone/>
+            </a:pPr>
+            <a:r>
+              <a:rPr lang="en-US" sz="2000" dirty="0"/>
+              <a:t>&lt;?php</a:t>
+            </a:r>
+          </a:p>
+          <a:p>
+            <a:pPr marL="0" indent="0">
+              <a:spcBef>
+                <a:spcPts val="0"/>
+              </a:spcBef>
+              <a:buNone/>
+            </a:pPr>
+            <a:endParaRPr lang="en-US" sz="2000" dirty="0"/>
+          </a:p>
+          <a:p>
+            <a:pPr marL="0" indent="0">
+              <a:spcBef>
+                <a:spcPts val="0"/>
+              </a:spcBef>
+              <a:buNone/>
+            </a:pPr>
+            <a:r>
+              <a:rPr lang="en-US" sz="2000" dirty="0"/>
+              <a:t>require '</a:t>
+            </a:r>
+            <a:r>
+              <a:rPr lang="en-US" sz="2000" dirty="0" err="1"/>
+              <a:t>config.php</a:t>
+            </a:r>
+            <a:r>
+              <a:rPr lang="en-US" sz="2000" dirty="0"/>
+              <a:t>';</a:t>
+            </a:r>
+          </a:p>
+          <a:p>
+            <a:pPr marL="0" indent="0">
+              <a:spcBef>
+                <a:spcPts val="0"/>
+              </a:spcBef>
+              <a:buNone/>
+            </a:pPr>
+            <a:endParaRPr lang="en-US" sz="2000" dirty="0"/>
+          </a:p>
+          <a:p>
+            <a:pPr marL="0" indent="0">
+              <a:spcBef>
+                <a:spcPts val="0"/>
+              </a:spcBef>
+              <a:buNone/>
+            </a:pPr>
+            <a:r>
+              <a:rPr lang="en-US" sz="2000" dirty="0"/>
+              <a:t>$</a:t>
+            </a:r>
+            <a:r>
+              <a:rPr lang="en-US" sz="2000" dirty="0" err="1"/>
+              <a:t>dsn</a:t>
+            </a:r>
+            <a:r>
+              <a:rPr lang="en-US" sz="2000" dirty="0"/>
+              <a:t> = "</a:t>
+            </a:r>
+            <a:r>
+              <a:rPr lang="en-US" sz="2000" dirty="0" err="1"/>
+              <a:t>mysql:host</a:t>
+            </a:r>
+            <a:r>
+              <a:rPr lang="en-US" sz="2000" dirty="0"/>
+              <a:t>=$</a:t>
+            </a:r>
+            <a:r>
+              <a:rPr lang="en-US" sz="2000" dirty="0" err="1"/>
+              <a:t>host;dbname</a:t>
+            </a:r>
+            <a:r>
+              <a:rPr lang="en-US" sz="2000" dirty="0"/>
+              <a:t>=$</a:t>
+            </a:r>
+            <a:r>
+              <a:rPr lang="en-US" sz="2000" dirty="0" err="1"/>
+              <a:t>db;charset</a:t>
+            </a:r>
+            <a:r>
+              <a:rPr lang="en-US" sz="2000" dirty="0"/>
+              <a:t>=UTF8";</a:t>
+            </a:r>
+          </a:p>
+          <a:p>
+            <a:pPr marL="0" indent="0">
+              <a:spcBef>
+                <a:spcPts val="0"/>
+              </a:spcBef>
+              <a:buNone/>
+            </a:pPr>
+            <a:endParaRPr lang="en-US" sz="2000" dirty="0"/>
+          </a:p>
+          <a:p>
+            <a:pPr marL="0" indent="0">
+              <a:spcBef>
+                <a:spcPts val="0"/>
+              </a:spcBef>
+              <a:buNone/>
+            </a:pPr>
+            <a:r>
+              <a:rPr lang="en-US" sz="2000" dirty="0"/>
+              <a:t>try {</a:t>
+            </a:r>
+          </a:p>
+          <a:p>
+            <a:pPr marL="0" indent="0">
+              <a:spcBef>
+                <a:spcPts val="0"/>
+              </a:spcBef>
+              <a:buNone/>
+            </a:pPr>
+            <a:r>
+              <a:rPr lang="en-US" sz="2000" dirty="0"/>
+              <a:t>	$</a:t>
+            </a:r>
+            <a:r>
+              <a:rPr lang="en-US" sz="2000" dirty="0" err="1"/>
+              <a:t>pdo</a:t>
+            </a:r>
+            <a:r>
+              <a:rPr lang="en-US" sz="2000" dirty="0"/>
+              <a:t> = new PDO($</a:t>
+            </a:r>
+            <a:r>
+              <a:rPr lang="en-US" sz="2000" dirty="0" err="1"/>
+              <a:t>dsn</a:t>
+            </a:r>
+            <a:r>
+              <a:rPr lang="en-US" sz="2000" dirty="0"/>
+              <a:t>, $user, $password);</a:t>
+            </a:r>
+          </a:p>
+          <a:p>
+            <a:pPr marL="0" indent="0">
+              <a:spcBef>
+                <a:spcPts val="0"/>
+              </a:spcBef>
+              <a:buNone/>
+            </a:pPr>
+            <a:endParaRPr lang="en-US" sz="2000" dirty="0"/>
+          </a:p>
+          <a:p>
+            <a:pPr marL="0" indent="0">
+              <a:spcBef>
+                <a:spcPts val="0"/>
+              </a:spcBef>
+              <a:buNone/>
+            </a:pPr>
+            <a:r>
+              <a:rPr lang="en-US" sz="2000" dirty="0"/>
+              <a:t>	if ($</a:t>
+            </a:r>
+            <a:r>
+              <a:rPr lang="en-US" sz="2000" dirty="0" err="1"/>
+              <a:t>pdo</a:t>
+            </a:r>
+            <a:r>
+              <a:rPr lang="en-US" sz="2000" dirty="0"/>
+              <a:t>) {</a:t>
+            </a:r>
+          </a:p>
+          <a:p>
+            <a:pPr marL="0" indent="0">
+              <a:spcBef>
+                <a:spcPts val="0"/>
+              </a:spcBef>
+              <a:buNone/>
+            </a:pPr>
+            <a:r>
+              <a:rPr lang="en-US" sz="2000" dirty="0"/>
+              <a:t>		echo "Connected to the $</a:t>
+            </a:r>
+            <a:r>
+              <a:rPr lang="en-US" sz="2000" dirty="0" err="1"/>
+              <a:t>db</a:t>
+            </a:r>
+            <a:r>
+              <a:rPr lang="en-US" sz="2000" dirty="0"/>
+              <a:t> database successfully!";</a:t>
+            </a:r>
+          </a:p>
+          <a:p>
+            <a:pPr marL="0" indent="0">
+              <a:spcBef>
+                <a:spcPts val="0"/>
+              </a:spcBef>
+              <a:buNone/>
+            </a:pPr>
+            <a:r>
+              <a:rPr lang="en-US" sz="2000" dirty="0"/>
+              <a:t>	}</a:t>
+            </a:r>
+          </a:p>
+          <a:p>
+            <a:pPr marL="0" indent="0">
+              <a:spcBef>
+                <a:spcPts val="0"/>
+              </a:spcBef>
+              <a:buNone/>
+            </a:pPr>
+            <a:r>
+              <a:rPr lang="en-US" sz="2000" dirty="0"/>
+              <a:t>} catch (</a:t>
+            </a:r>
+            <a:r>
+              <a:rPr lang="en-US" sz="2000" dirty="0" err="1"/>
+              <a:t>PDOException</a:t>
+            </a:r>
+            <a:r>
+              <a:rPr lang="en-US" sz="2000" dirty="0"/>
+              <a:t> $e) {</a:t>
+            </a:r>
+          </a:p>
+          <a:p>
+            <a:pPr marL="0" indent="0">
+              <a:spcBef>
+                <a:spcPts val="0"/>
+              </a:spcBef>
+              <a:buNone/>
+            </a:pPr>
+            <a:r>
+              <a:rPr lang="en-US" sz="2000" dirty="0"/>
+              <a:t>	echo $e-&gt;</a:t>
+            </a:r>
+            <a:r>
+              <a:rPr lang="en-US" sz="2000" dirty="0" err="1"/>
+              <a:t>getMessage</a:t>
+            </a:r>
+            <a:r>
+              <a:rPr lang="en-US" sz="2000" dirty="0"/>
+              <a:t>();</a:t>
+            </a:r>
+          </a:p>
+          <a:p>
+            <a:pPr marL="0" indent="0">
+              <a:spcBef>
+                <a:spcPts val="0"/>
+              </a:spcBef>
+              <a:buNone/>
+            </a:pPr>
+            <a:r>
+              <a:rPr lang="en-US" sz="2000" dirty="0"/>
+              <a:t>}</a:t>
+            </a:r>
+          </a:p>
+        </p:txBody>
+      </p:sp>
+      <p:sp>
+        <p:nvSpPr>
+          <p:cNvPr id="4" name="Date Placeholder 3">
+            <a:extLst>
+              <a:ext uri="{FF2B5EF4-FFF2-40B4-BE49-F238E27FC236}">
+                <a16:creationId xmlns:a16="http://schemas.microsoft.com/office/drawing/2014/main" id="{F596DD99-7CFA-4427-ADD9-E7969A4D50A4}"/>
+              </a:ext>
+            </a:extLst>
+          </p:cNvPr>
+          <p:cNvSpPr>
+            <a:spLocks noGrp="1"/>
+          </p:cNvSpPr>
+          <p:nvPr>
+            <p:ph type="dt" sz="half" idx="10"/>
+          </p:nvPr>
+        </p:nvSpPr>
+        <p:spPr/>
+        <p:txBody>
+          <a:bodyPr/>
+          <a:lstStyle/>
+          <a:p>
+            <a:pPr>
+              <a:defRPr/>
+            </a:pPr>
+            <a:r>
+              <a:rPr lang="en-US" altLang="en-US"/>
+              <a:t>Ch 4 - Connect PHP to Database</a:t>
+            </a:r>
+            <a:endParaRPr lang="en-US" altLang="en-US" dirty="0"/>
+          </a:p>
+        </p:txBody>
+      </p:sp>
+      <p:sp>
+        <p:nvSpPr>
+          <p:cNvPr id="5" name="Footer Placeholder 4">
+            <a:extLst>
+              <a:ext uri="{FF2B5EF4-FFF2-40B4-BE49-F238E27FC236}">
+                <a16:creationId xmlns:a16="http://schemas.microsoft.com/office/drawing/2014/main" id="{1A099548-54F0-4C30-B77F-5B66D68B4F18}"/>
+              </a:ext>
+            </a:extLst>
+          </p:cNvPr>
+          <p:cNvSpPr>
+            <a:spLocks noGrp="1"/>
+          </p:cNvSpPr>
+          <p:nvPr>
+            <p:ph type="ftr" sz="quarter" idx="11"/>
+          </p:nvPr>
+        </p:nvSpPr>
+        <p:spPr/>
+        <p:txBody>
+          <a:bodyPr/>
+          <a:lstStyle/>
+          <a:p>
+            <a:pPr>
+              <a:defRPr/>
+            </a:pPr>
+            <a:r>
+              <a:rPr lang="en-US"/>
+              <a:t>PHP Programming | Ahmad Assaf</a:t>
+            </a:r>
+          </a:p>
+        </p:txBody>
+      </p:sp>
+      <p:sp>
+        <p:nvSpPr>
+          <p:cNvPr id="6" name="Slide Number Placeholder 5">
+            <a:extLst>
+              <a:ext uri="{FF2B5EF4-FFF2-40B4-BE49-F238E27FC236}">
+                <a16:creationId xmlns:a16="http://schemas.microsoft.com/office/drawing/2014/main" id="{3439C147-E048-4059-8152-91782B79C783}"/>
+              </a:ext>
+            </a:extLst>
+          </p:cNvPr>
+          <p:cNvSpPr>
+            <a:spLocks noGrp="1"/>
+          </p:cNvSpPr>
+          <p:nvPr>
+            <p:ph type="sldNum" sz="quarter" idx="12"/>
+          </p:nvPr>
+        </p:nvSpPr>
+        <p:spPr/>
+        <p:txBody>
+          <a:bodyPr/>
+          <a:lstStyle/>
+          <a:p>
+            <a:endParaRPr lang="en-US" altLang="en-US"/>
+          </a:p>
+          <a:p>
+            <a:r>
+              <a:rPr lang="en-US" altLang="en-US"/>
+              <a:t>Slide </a:t>
+            </a:r>
+            <a:fld id="{3846139B-482C-4487-873A-80B784CA58EF}" type="slidenum">
+              <a:rPr lang="en-US" altLang="en-US" smtClean="0"/>
+              <a:pPr/>
+              <a:t>36</a:t>
+            </a:fld>
+            <a:endParaRPr lang="en-US" altLang="en-US"/>
+          </a:p>
+        </p:txBody>
+      </p:sp>
+    </p:spTree>
+    <p:extLst>
+      <p:ext uri="{BB962C8B-B14F-4D97-AF65-F5344CB8AC3E}">
+        <p14:creationId xmlns:p14="http://schemas.microsoft.com/office/powerpoint/2010/main" val="1927694663"/>
+      </p:ext>
+    </p:extLst>
+  </p:cSld>
+  <p:clrMapOvr>
+    <a:masterClrMapping/>
+  </p:clrMapOvr>
+</p:sld>
+</file>
+
+<file path=ppt/slides/slide37.xml><?xml version="1.0" encoding="utf-8"?>
+<p:sld xmlns:a="http://schemas.openxmlformats.org/drawingml/2006/main" xmlns:r="http://schemas.openxmlformats.org/officeDocument/2006/relationships" xmlns:p="http://schemas.openxmlformats.org/presentationml/2006/main">
+  <p:cSld>
+    <p:spTree>
+      <p:nvGrpSpPr>
+        <p:cNvPr id="1" name=""/>
+        <p:cNvGrpSpPr/>
+        <p:nvPr/>
+      </p:nvGrpSpPr>
+      <p:grpSpPr>
+        <a:xfrm>
+          <a:off x="0" y="0"/>
+          <a:ext cx="0" cy="0"/>
+          <a:chOff x="0" y="0"/>
+          <a:chExt cx="0" cy="0"/>
+        </a:xfrm>
+      </p:grpSpPr>
+      <p:sp>
+        <p:nvSpPr>
+          <p:cNvPr id="2" name="Title 1">
+            <a:extLst>
+              <a:ext uri="{FF2B5EF4-FFF2-40B4-BE49-F238E27FC236}">
+                <a16:creationId xmlns:a16="http://schemas.microsoft.com/office/drawing/2014/main" id="{B7DFE66F-3CE0-4FE7-995E-C0C7809E2484}"/>
+              </a:ext>
+            </a:extLst>
+          </p:cNvPr>
+          <p:cNvSpPr>
+            <a:spLocks noGrp="1"/>
+          </p:cNvSpPr>
+          <p:nvPr>
+            <p:ph type="title"/>
+          </p:nvPr>
+        </p:nvSpPr>
+        <p:spPr/>
+        <p:txBody>
+          <a:bodyPr/>
+          <a:lstStyle/>
+          <a:p>
+            <a:r>
+              <a:rPr lang="en-US" dirty="0"/>
+              <a:t>Fetch Some Data</a:t>
+            </a:r>
+          </a:p>
+        </p:txBody>
+      </p:sp>
+      <p:sp>
+        <p:nvSpPr>
+          <p:cNvPr id="3" name="Content Placeholder 2">
+            <a:extLst>
+              <a:ext uri="{FF2B5EF4-FFF2-40B4-BE49-F238E27FC236}">
+                <a16:creationId xmlns:a16="http://schemas.microsoft.com/office/drawing/2014/main" id="{2E4B5521-59A6-4832-AF82-63617841EE61}"/>
+              </a:ext>
+            </a:extLst>
+          </p:cNvPr>
+          <p:cNvSpPr>
+            <a:spLocks noGrp="1"/>
+          </p:cNvSpPr>
+          <p:nvPr>
+            <p:ph idx="1"/>
+          </p:nvPr>
+        </p:nvSpPr>
+        <p:spPr/>
+        <p:txBody>
+          <a:bodyPr/>
+          <a:lstStyle/>
+          <a:p>
+            <a:r>
+              <a:rPr lang="en-US" dirty="0"/>
+              <a:t>Get data by id in URL</a:t>
+            </a:r>
+          </a:p>
+        </p:txBody>
+      </p:sp>
+      <p:sp>
+        <p:nvSpPr>
+          <p:cNvPr id="4" name="Date Placeholder 3">
+            <a:extLst>
+              <a:ext uri="{FF2B5EF4-FFF2-40B4-BE49-F238E27FC236}">
+                <a16:creationId xmlns:a16="http://schemas.microsoft.com/office/drawing/2014/main" id="{B719BC38-20E0-49DF-A6AD-3D7035714568}"/>
+              </a:ext>
+            </a:extLst>
+          </p:cNvPr>
+          <p:cNvSpPr>
+            <a:spLocks noGrp="1"/>
+          </p:cNvSpPr>
+          <p:nvPr>
+            <p:ph type="dt" sz="half" idx="10"/>
+          </p:nvPr>
+        </p:nvSpPr>
+        <p:spPr/>
+        <p:txBody>
+          <a:bodyPr/>
+          <a:lstStyle/>
+          <a:p>
+            <a:pPr>
+              <a:defRPr/>
+            </a:pPr>
+            <a:r>
+              <a:rPr lang="en-US" altLang="en-US"/>
+              <a:t>Ch 4 - Connect PHP to Database</a:t>
+            </a:r>
+            <a:endParaRPr lang="en-US" altLang="en-US" dirty="0"/>
+          </a:p>
+        </p:txBody>
+      </p:sp>
+      <p:sp>
+        <p:nvSpPr>
+          <p:cNvPr id="5" name="Footer Placeholder 4">
+            <a:extLst>
+              <a:ext uri="{FF2B5EF4-FFF2-40B4-BE49-F238E27FC236}">
+                <a16:creationId xmlns:a16="http://schemas.microsoft.com/office/drawing/2014/main" id="{F3E45C0B-2BE8-41F5-916B-B706028EE2AE}"/>
+              </a:ext>
+            </a:extLst>
+          </p:cNvPr>
+          <p:cNvSpPr>
+            <a:spLocks noGrp="1"/>
+          </p:cNvSpPr>
+          <p:nvPr>
+            <p:ph type="ftr" sz="quarter" idx="11"/>
+          </p:nvPr>
+        </p:nvSpPr>
+        <p:spPr/>
+        <p:txBody>
+          <a:bodyPr/>
+          <a:lstStyle/>
+          <a:p>
+            <a:pPr>
+              <a:defRPr/>
+            </a:pPr>
+            <a:r>
+              <a:rPr lang="en-US"/>
+              <a:t>PHP Programming | Ahmad Assaf</a:t>
+            </a:r>
+          </a:p>
+        </p:txBody>
+      </p:sp>
+      <p:sp>
+        <p:nvSpPr>
+          <p:cNvPr id="6" name="Slide Number Placeholder 5">
+            <a:extLst>
+              <a:ext uri="{FF2B5EF4-FFF2-40B4-BE49-F238E27FC236}">
+                <a16:creationId xmlns:a16="http://schemas.microsoft.com/office/drawing/2014/main" id="{D5BB8C39-91C7-4E9B-8A7B-5AFC2DF97B04}"/>
+              </a:ext>
+            </a:extLst>
+          </p:cNvPr>
+          <p:cNvSpPr>
+            <a:spLocks noGrp="1"/>
+          </p:cNvSpPr>
+          <p:nvPr>
+            <p:ph type="sldNum" sz="quarter" idx="12"/>
+          </p:nvPr>
+        </p:nvSpPr>
+        <p:spPr/>
+        <p:txBody>
+          <a:bodyPr/>
+          <a:lstStyle/>
+          <a:p>
+            <a:endParaRPr lang="en-US" altLang="en-US"/>
+          </a:p>
+          <a:p>
+            <a:r>
+              <a:rPr lang="en-US" altLang="en-US"/>
+              <a:t>Slide </a:t>
+            </a:r>
+            <a:fld id="{3846139B-482C-4487-873A-80B784CA58EF}" type="slidenum">
+              <a:rPr lang="en-US" altLang="en-US" smtClean="0"/>
+              <a:pPr/>
+              <a:t>37</a:t>
+            </a:fld>
+            <a:endParaRPr lang="en-US" altLang="en-US"/>
+          </a:p>
+        </p:txBody>
+      </p:sp>
+    </p:spTree>
+    <p:extLst>
+      <p:ext uri="{BB962C8B-B14F-4D97-AF65-F5344CB8AC3E}">
+        <p14:creationId xmlns:p14="http://schemas.microsoft.com/office/powerpoint/2010/main" val="2004607647"/>
+      </p:ext>
+    </p:extLst>
+  </p:cSld>
+  <p:clrMapOvr>
+    <a:masterClrMapping/>
+  </p:clrMapOvr>
+</p:sld>
+</file>
+
+<file path=ppt/slides/slide38.xml><?xml version="1.0" encoding="utf-8"?>
+<p:sld xmlns:a="http://schemas.openxmlformats.org/drawingml/2006/main" xmlns:r="http://schemas.openxmlformats.org/officeDocument/2006/relationships" xmlns:p="http://schemas.openxmlformats.org/presentationml/2006/main">
+  <p:cSld>
+    <p:spTree>
+      <p:nvGrpSpPr>
+        <p:cNvPr id="1" name=""/>
+        <p:cNvGrpSpPr/>
+        <p:nvPr/>
+      </p:nvGrpSpPr>
+      <p:grpSpPr>
+        <a:xfrm>
+          <a:off x="0" y="0"/>
+          <a:ext cx="0" cy="0"/>
+          <a:chOff x="0" y="0"/>
+          <a:chExt cx="0" cy="0"/>
+        </a:xfrm>
+      </p:grpSpPr>
+      <p:sp>
+        <p:nvSpPr>
           <p:cNvPr id="70658" name="Title 1"/>
           <p:cNvSpPr>
             <a:spLocks noGrp="1"/>
@@ -12694,7 +16503,7 @@
             <a:fld id="{17601E1E-383D-4E6C-9094-D3473DF222B6}" type="slidenum">
               <a:rPr lang="en-US" altLang="en-US"/>
               <a:pPr/>
-              <a:t>32</a:t>
+              <a:t>38</a:t>
             </a:fld>
             <a:endParaRPr lang="en-US" altLang="en-US"/>
           </a:p>
